--- a/tehtavat/tiedostot/maol/power_point/Racket-MAOL-5-6-tutustuminen-ohjelmointiymparistoon.pptx
+++ b/tehtavat/tiedostot/maol/power_point/Racket-MAOL-5-6-tutustuminen-ohjelmointiymparistoon.pptx
@@ -7856,7 +7856,7 @@
         <p:spPr>
           <a:xfrm>
             <a:off x="384572" y="1439048"/>
-            <a:ext cx="4669868" cy="584775"/>
+            <a:ext cx="4055919" cy="1077218"/>
           </a:xfrm>
           <a:prstGeom prst="rect">
             <a:avLst/>
@@ -7869,7 +7869,7 @@
           <a:lstStyle/>
           <a:p>
             <a:r>
-              <a:rPr lang="fi-FI" sz="3200" b="1" dirty="0">
+              <a:rPr lang="fi-FI" sz="3200" b="1" dirty="0" smtClean="0">
                 <a:solidFill>
                   <a:schemeClr val="tx2">
                     <a:lumMod val="75000"/>
@@ -7878,10 +7878,10 @@
                 </a:solidFill>
                 <a:latin typeface="Arial" charset="0"/>
               </a:rPr>
-              <a:t>0) </a:t>
-            </a:r>
-            <a:r>
-              <a:rPr lang="fi-FI" sz="3200" b="1" dirty="0" smtClean="0">
+              <a:t>Käynnistä </a:t>
+            </a:r>
+            <a:r>
+              <a:rPr lang="fi-FI" sz="3200" b="1" dirty="0" err="1" smtClean="0">
                 <a:solidFill>
                   <a:schemeClr val="tx2">
                     <a:lumMod val="75000"/>
@@ -7890,20 +7890,19 @@
                 </a:solidFill>
                 <a:latin typeface="Arial" charset="0"/>
               </a:rPr>
-              <a:t>Käynnistä </a:t>
-            </a:r>
-            <a:r>
-              <a:rPr lang="fi-FI" sz="3200" b="1" dirty="0" err="1" smtClean="0">
-                <a:solidFill>
-                  <a:schemeClr val="tx2">
-                    <a:lumMod val="75000"/>
-                    <a:lumOff val="25000"/>
-                  </a:schemeClr>
-                </a:solidFill>
-                <a:latin typeface="Arial" charset="0"/>
-              </a:rPr>
               <a:t>DrRacket</a:t>
             </a:r>
+            <a:endParaRPr lang="fi-FI" sz="3200" b="1" dirty="0" smtClean="0">
+              <a:solidFill>
+                <a:schemeClr val="tx2">
+                  <a:lumMod val="75000"/>
+                  <a:lumOff val="25000"/>
+                </a:schemeClr>
+              </a:solidFill>
+              <a:latin typeface="Arial" charset="0"/>
+            </a:endParaRPr>
+          </a:p>
+          <a:p>
             <a:endParaRPr lang="fi-FI" sz="3200" dirty="0"/>
           </a:p>
         </p:txBody>
@@ -8725,6 +8724,30 @@
           </a:p>
         </p:txBody>
       </p:sp>
+      <p:pic>
+        <p:nvPicPr>
+          <p:cNvPr id="4" name="Picture 3"/>
+          <p:cNvPicPr>
+            <a:picLocks noChangeAspect="1"/>
+          </p:cNvPicPr>
+          <p:nvPr/>
+        </p:nvPicPr>
+        <p:blipFill>
+          <a:blip r:embed="rId4"/>
+          <a:stretch>
+            <a:fillRect/>
+          </a:stretch>
+        </p:blipFill>
+        <p:spPr>
+          <a:xfrm>
+            <a:off x="555683" y="1758954"/>
+            <a:ext cx="6153715" cy="2970759"/>
+          </a:xfrm>
+          <a:prstGeom prst="rect">
+            <a:avLst/>
+          </a:prstGeom>
+        </p:spPr>
+      </p:pic>
     </p:spTree>
     <p:extLst>
       <p:ext uri="{BB962C8B-B14F-4D97-AF65-F5344CB8AC3E}">

--- a/tehtavat/tiedostot/maol/power_point/Racket-MAOL-5-6-tutustuminen-ohjelmointiymparistoon.pptx
+++ b/tehtavat/tiedostot/maol/power_point/Racket-MAOL-5-6-tutustuminen-ohjelmointiymparistoon.pptx
@@ -6,7 +6,7 @@
     <p:sldMasterId id="2147483703" r:id="rId2"/>
   </p:sldMasterIdLst>
   <p:notesMasterIdLst>
-    <p:notesMasterId r:id="rId12"/>
+    <p:notesMasterId r:id="rId13"/>
   </p:notesMasterIdLst>
   <p:sldIdLst>
     <p:sldId id="374" r:id="rId3"/>
@@ -18,11 +18,12 @@
     <p:sldId id="378" r:id="rId9"/>
     <p:sldId id="381" r:id="rId10"/>
     <p:sldId id="372" r:id="rId11"/>
+    <p:sldId id="382" r:id="rId12"/>
   </p:sldIdLst>
   <p:sldSz cx="9144000" cy="6858000" type="screen4x3"/>
   <p:notesSz cx="6858000" cy="9144000"/>
   <p:custDataLst>
-    <p:tags r:id="rId13"/>
+    <p:tags r:id="rId14"/>
   </p:custDataLst>
   <p:defaultTextStyle>
     <a:defPPr>
@@ -7767,6 +7768,456 @@
     <p:extLst>
       <p:ext uri="{BB962C8B-B14F-4D97-AF65-F5344CB8AC3E}">
         <p14:creationId xmlns:p14="http://schemas.microsoft.com/office/powerpoint/2010/main" val="509763105"/>
+      </p:ext>
+    </p:extLst>
+  </p:cSld>
+  <p:clrMapOvr>
+    <a:masterClrMapping/>
+  </p:clrMapOvr>
+</p:sld>
+</file>
+
+<file path=ppt/slides/slide10.xml><?xml version="1.0" encoding="utf-8"?>
+<p:sld xmlns:a="http://schemas.openxmlformats.org/drawingml/2006/main" xmlns:r="http://schemas.openxmlformats.org/officeDocument/2006/relationships" xmlns:p="http://schemas.openxmlformats.org/presentationml/2006/main">
+  <p:cSld>
+    <p:spTree>
+      <p:nvGrpSpPr>
+        <p:cNvPr id="1" name=""/>
+        <p:cNvGrpSpPr/>
+        <p:nvPr/>
+      </p:nvGrpSpPr>
+      <p:grpSpPr>
+        <a:xfrm>
+          <a:off x="0" y="0"/>
+          <a:ext cx="0" cy="0"/>
+          <a:chOff x="0" y="0"/>
+          <a:chExt cx="0" cy="0"/>
+        </a:xfrm>
+      </p:grpSpPr>
+      <p:pic>
+        <p:nvPicPr>
+          <p:cNvPr id="10" name="Picture 8" descr="https://avatars0.githubusercontent.com/u/232371?v=3&amp;s=400"/>
+          <p:cNvPicPr>
+            <a:picLocks noChangeAspect="1" noChangeArrowheads="1"/>
+          </p:cNvPicPr>
+          <p:nvPr/>
+        </p:nvPicPr>
+        <p:blipFill>
+          <a:blip r:embed="rId2" cstate="print">
+            <a:extLst>
+              <a:ext uri="{28A0092B-C50C-407E-A947-70E740481C1C}">
+                <a14:useLocalDpi xmlns:a14="http://schemas.microsoft.com/office/drawing/2010/main" val="0"/>
+              </a:ext>
+            </a:extLst>
+          </a:blip>
+          <a:srcRect/>
+          <a:stretch>
+            <a:fillRect/>
+          </a:stretch>
+        </p:blipFill>
+        <p:spPr bwMode="auto">
+          <a:xfrm>
+            <a:off x="179512" y="5229200"/>
+            <a:ext cx="1254667" cy="1254668"/>
+          </a:xfrm>
+          <a:prstGeom prst="rect">
+            <a:avLst/>
+          </a:prstGeom>
+          <a:noFill/>
+          <a:ln>
+            <a:noFill/>
+          </a:ln>
+          <a:extLst>
+            <a:ext uri="{909E8E84-426E-40DD-AFC4-6F175D3DCCD1}">
+              <a14:hiddenFill xmlns:a14="http://schemas.microsoft.com/office/drawing/2010/main">
+                <a:solidFill>
+                  <a:srgbClr val="FFFFFF"/>
+                </a:solidFill>
+              </a14:hiddenFill>
+            </a:ext>
+            <a:ext uri="{91240B29-F687-4F45-9708-019B960494DF}">
+              <a14:hiddenLine xmlns:a14="http://schemas.microsoft.com/office/drawing/2010/main" w="9525">
+                <a:solidFill>
+                  <a:srgbClr val="000000"/>
+                </a:solidFill>
+                <a:miter lim="800000"/>
+                <a:headEnd/>
+                <a:tailEnd/>
+              </a14:hiddenLine>
+            </a:ext>
+          </a:extLst>
+        </p:spPr>
+      </p:pic>
+      <p:sp>
+        <p:nvSpPr>
+          <p:cNvPr id="43" name="Suorakulmio 42"/>
+          <p:cNvSpPr/>
+          <p:nvPr/>
+        </p:nvSpPr>
+        <p:spPr>
+          <a:xfrm>
+            <a:off x="-10739" y="3073567"/>
+            <a:ext cx="1074012" cy="338554"/>
+          </a:xfrm>
+          <a:prstGeom prst="rect">
+            <a:avLst/>
+          </a:prstGeom>
+          <a:solidFill>
+            <a:schemeClr val="accent2">
+              <a:lumMod val="75000"/>
+            </a:schemeClr>
+          </a:solidFill>
+        </p:spPr>
+        <p:txBody>
+          <a:bodyPr wrap="none">
+            <a:spAutoFit/>
+          </a:bodyPr>
+          <a:lstStyle/>
+          <a:p>
+            <a:r>
+              <a:rPr kumimoji="0" lang="fi-FI" sz="1600" b="0" i="0" u="none" strike="noStrike" cap="none" normalizeH="0" dirty="0">
+                <a:ln>
+                  <a:noFill/>
+                </a:ln>
+                <a:effectLst/>
+                <a:latin typeface="Arial" charset="0"/>
+              </a:rPr>
+              <a:t>Tehtävä </a:t>
+            </a:r>
+            <a:r>
+              <a:rPr lang="fi-FI" sz="1600" dirty="0">
+                <a:latin typeface="Arial" charset="0"/>
+              </a:rPr>
+              <a:t>2</a:t>
+            </a:r>
+            <a:endParaRPr lang="fi-FI" sz="1600" dirty="0"/>
+          </a:p>
+        </p:txBody>
+      </p:sp>
+      <p:sp>
+        <p:nvSpPr>
+          <p:cNvPr id="44" name="Suorakulmio 43"/>
+          <p:cNvSpPr/>
+          <p:nvPr/>
+        </p:nvSpPr>
+        <p:spPr>
+          <a:xfrm>
+            <a:off x="-21763" y="1839026"/>
+            <a:ext cx="1074012" cy="338554"/>
+          </a:xfrm>
+          <a:prstGeom prst="rect">
+            <a:avLst/>
+          </a:prstGeom>
+          <a:solidFill>
+            <a:schemeClr val="accent2">
+              <a:lumMod val="75000"/>
+            </a:schemeClr>
+          </a:solidFill>
+        </p:spPr>
+        <p:txBody>
+          <a:bodyPr wrap="none">
+            <a:spAutoFit/>
+          </a:bodyPr>
+          <a:lstStyle/>
+          <a:p>
+            <a:r>
+              <a:rPr kumimoji="0" lang="fi-FI" sz="1600" b="0" i="0" u="none" strike="noStrike" cap="none" normalizeH="0" dirty="0">
+                <a:ln>
+                  <a:noFill/>
+                </a:ln>
+                <a:effectLst/>
+                <a:latin typeface="Arial" charset="0"/>
+              </a:rPr>
+              <a:t>Tehtävä </a:t>
+            </a:r>
+            <a:r>
+              <a:rPr lang="fi-FI" sz="1600" dirty="0">
+                <a:latin typeface="Arial" charset="0"/>
+              </a:rPr>
+              <a:t>1</a:t>
+            </a:r>
+            <a:endParaRPr lang="fi-FI" sz="1600" dirty="0"/>
+          </a:p>
+        </p:txBody>
+      </p:sp>
+      <p:sp>
+        <p:nvSpPr>
+          <p:cNvPr id="45" name="Suorakulmio 44"/>
+          <p:cNvSpPr/>
+          <p:nvPr/>
+        </p:nvSpPr>
+        <p:spPr>
+          <a:xfrm>
+            <a:off x="-10739" y="4445481"/>
+            <a:ext cx="1104566" cy="338554"/>
+          </a:xfrm>
+          <a:prstGeom prst="rect">
+            <a:avLst/>
+          </a:prstGeom>
+          <a:solidFill>
+            <a:schemeClr val="accent2">
+              <a:lumMod val="75000"/>
+            </a:schemeClr>
+          </a:solidFill>
+        </p:spPr>
+        <p:txBody>
+          <a:bodyPr wrap="square">
+            <a:spAutoFit/>
+          </a:bodyPr>
+          <a:lstStyle/>
+          <a:p>
+            <a:r>
+              <a:rPr kumimoji="0" lang="fi-FI" sz="1600" b="0" i="0" u="none" strike="noStrike" cap="none" normalizeH="0" dirty="0">
+                <a:ln>
+                  <a:noFill/>
+                </a:ln>
+                <a:effectLst/>
+                <a:latin typeface="Arial" charset="0"/>
+              </a:rPr>
+              <a:t>Tehtävä </a:t>
+            </a:r>
+            <a:r>
+              <a:rPr lang="fi-FI" sz="1600" dirty="0">
+                <a:latin typeface="Arial" charset="0"/>
+              </a:rPr>
+              <a:t>3</a:t>
+            </a:r>
+            <a:endParaRPr lang="fi-FI" sz="1600" dirty="0"/>
+          </a:p>
+        </p:txBody>
+      </p:sp>
+      <p:sp>
+        <p:nvSpPr>
+          <p:cNvPr id="47" name="Suorakulmio 46"/>
+          <p:cNvSpPr/>
+          <p:nvPr/>
+        </p:nvSpPr>
+        <p:spPr>
+          <a:xfrm>
+            <a:off x="1240861" y="2988837"/>
+            <a:ext cx="6761877" cy="430887"/>
+          </a:xfrm>
+          <a:prstGeom prst="rect">
+            <a:avLst/>
+          </a:prstGeom>
+          <a:noFill/>
+        </p:spPr>
+        <p:txBody>
+          <a:bodyPr wrap="square">
+            <a:spAutoFit/>
+          </a:bodyPr>
+          <a:lstStyle/>
+          <a:p>
+            <a:pPr marL="457200" indent="-457200">
+              <a:buAutoNum type="alphaLcParenR"/>
+            </a:pPr>
+            <a:r>
+              <a:rPr lang="fi-FI" sz="2200" dirty="0" smtClean="0">
+                <a:solidFill>
+                  <a:schemeClr val="tx1"/>
+                </a:solidFill>
+                <a:latin typeface="Arial" charset="0"/>
+              </a:rPr>
+              <a:t>Tehtävä…</a:t>
+            </a:r>
+            <a:endParaRPr kumimoji="0" lang="fi-FI" sz="2200" b="0" i="0" u="none" strike="noStrike" cap="none" normalizeH="0" dirty="0" smtClean="0">
+              <a:ln>
+                <a:noFill/>
+              </a:ln>
+              <a:solidFill>
+                <a:schemeClr val="tx1"/>
+              </a:solidFill>
+              <a:effectLst/>
+              <a:latin typeface="Arial" charset="0"/>
+            </a:endParaRPr>
+          </a:p>
+        </p:txBody>
+      </p:sp>
+      <p:sp>
+        <p:nvSpPr>
+          <p:cNvPr id="3" name="Alatunnisteen paikkamerkki 2"/>
+          <p:cNvSpPr>
+            <a:spLocks noGrp="1"/>
+          </p:cNvSpPr>
+          <p:nvPr>
+            <p:ph type="ftr" sz="quarter" idx="11"/>
+          </p:nvPr>
+        </p:nvSpPr>
+        <p:spPr/>
+        <p:txBody>
+          <a:bodyPr/>
+          <a:lstStyle/>
+          <a:p>
+            <a:pPr algn="r">
+              <a:defRPr/>
+            </a:pPr>
+            <a:r>
+              <a:rPr lang="fi-FI" dirty="0"/>
+              <a:t>MAOL Ohjelmointia matematiikkaan</a:t>
+            </a:r>
+            <a:endParaRPr lang="ru-RU" dirty="0"/>
+          </a:p>
+        </p:txBody>
+      </p:sp>
+      <p:sp>
+        <p:nvSpPr>
+          <p:cNvPr id="38" name="Suorakulmio 46"/>
+          <p:cNvSpPr/>
+          <p:nvPr/>
+        </p:nvSpPr>
+        <p:spPr>
+          <a:xfrm>
+            <a:off x="1253426" y="1738146"/>
+            <a:ext cx="4722915" cy="430887"/>
+          </a:xfrm>
+          <a:prstGeom prst="rect">
+            <a:avLst/>
+          </a:prstGeom>
+          <a:noFill/>
+        </p:spPr>
+        <p:txBody>
+          <a:bodyPr wrap="square">
+            <a:spAutoFit/>
+          </a:bodyPr>
+          <a:lstStyle/>
+          <a:p>
+            <a:pPr marL="457200" indent="-457200">
+              <a:buAutoNum type="alphaLcParenR"/>
+            </a:pPr>
+            <a:r>
+              <a:rPr lang="fi-FI" sz="2200" dirty="0" smtClean="0">
+                <a:solidFill>
+                  <a:schemeClr val="tx1"/>
+                </a:solidFill>
+                <a:latin typeface="Arial" charset="0"/>
+              </a:rPr>
+              <a:t>Tehtävä….</a:t>
+            </a:r>
+            <a:endParaRPr kumimoji="0" lang="fi-FI" sz="2200" b="0" i="0" u="none" strike="noStrike" cap="none" normalizeH="0" dirty="0" smtClean="0">
+              <a:ln>
+                <a:noFill/>
+              </a:ln>
+              <a:solidFill>
+                <a:schemeClr val="tx1"/>
+              </a:solidFill>
+              <a:effectLst/>
+              <a:latin typeface="Arial" charset="0"/>
+            </a:endParaRPr>
+          </a:p>
+        </p:txBody>
+      </p:sp>
+      <p:pic>
+        <p:nvPicPr>
+          <p:cNvPr id="61" name="Picture 2" descr="WeScheme Logo"/>
+          <p:cNvPicPr>
+            <a:picLocks noChangeAspect="1" noChangeArrowheads="1"/>
+          </p:cNvPicPr>
+          <p:nvPr/>
+        </p:nvPicPr>
+        <p:blipFill>
+          <a:blip r:embed="rId3" cstate="print">
+            <a:extLst>
+              <a:ext uri="{28A0092B-C50C-407E-A947-70E740481C1C}">
+                <a14:useLocalDpi xmlns:a14="http://schemas.microsoft.com/office/drawing/2010/main" val="0"/>
+              </a:ext>
+            </a:extLst>
+          </a:blip>
+          <a:srcRect/>
+          <a:stretch>
+            <a:fillRect/>
+          </a:stretch>
+        </p:blipFill>
+        <p:spPr bwMode="auto">
+          <a:xfrm>
+            <a:off x="7163754" y="5133041"/>
+            <a:ext cx="1495802" cy="1383832"/>
+          </a:xfrm>
+          <a:prstGeom prst="rect">
+            <a:avLst/>
+          </a:prstGeom>
+          <a:noFill/>
+          <a:ln>
+            <a:noFill/>
+          </a:ln>
+          <a:effectLst>
+            <a:outerShdw blurRad="50800" dist="38100" dir="5400000" algn="t" rotWithShape="0">
+              <a:prstClr val="black">
+                <a:alpha val="40000"/>
+              </a:prstClr>
+            </a:outerShdw>
+          </a:effectLst>
+          <a:extLst>
+            <a:ext uri="{909E8E84-426E-40DD-AFC4-6F175D3DCCD1}">
+              <a14:hiddenFill xmlns:a14="http://schemas.microsoft.com/office/drawing/2010/main">
+                <a:solidFill>
+                  <a:srgbClr val="FFFFFF"/>
+                </a:solidFill>
+              </a14:hiddenFill>
+            </a:ext>
+            <a:ext uri="{91240B29-F687-4F45-9708-019B960494DF}">
+              <a14:hiddenLine xmlns:a14="http://schemas.microsoft.com/office/drawing/2010/main" w="9525">
+                <a:solidFill>
+                  <a:srgbClr val="000000"/>
+                </a:solidFill>
+                <a:miter lim="800000"/>
+                <a:headEnd/>
+                <a:tailEnd/>
+              </a14:hiddenLine>
+            </a:ext>
+          </a:extLst>
+        </p:spPr>
+      </p:pic>
+      <p:sp>
+        <p:nvSpPr>
+          <p:cNvPr id="21" name="Suorakulmio 46"/>
+          <p:cNvSpPr/>
+          <p:nvPr/>
+        </p:nvSpPr>
+        <p:spPr>
+          <a:xfrm>
+            <a:off x="1240861" y="4399314"/>
+            <a:ext cx="6761877" cy="430887"/>
+          </a:xfrm>
+          <a:prstGeom prst="rect">
+            <a:avLst/>
+          </a:prstGeom>
+          <a:noFill/>
+        </p:spPr>
+        <p:txBody>
+          <a:bodyPr wrap="square">
+            <a:spAutoFit/>
+          </a:bodyPr>
+          <a:lstStyle/>
+          <a:p>
+            <a:pPr marL="457200" indent="-457200">
+              <a:buAutoNum type="alphaLcParenR"/>
+            </a:pPr>
+            <a:r>
+              <a:rPr lang="fi-FI" sz="2200" dirty="0" smtClean="0">
+                <a:solidFill>
+                  <a:schemeClr val="tx1"/>
+                </a:solidFill>
+                <a:latin typeface="Arial" charset="0"/>
+              </a:rPr>
+              <a:t>Tehtävä…</a:t>
+            </a:r>
+            <a:endParaRPr kumimoji="0" lang="fi-FI" sz="2200" b="0" i="0" u="none" strike="noStrike" cap="none" normalizeH="0" dirty="0" smtClean="0">
+              <a:ln>
+                <a:noFill/>
+              </a:ln>
+              <a:solidFill>
+                <a:schemeClr val="tx1"/>
+              </a:solidFill>
+              <a:effectLst/>
+              <a:latin typeface="Arial" charset="0"/>
+            </a:endParaRPr>
+          </a:p>
+        </p:txBody>
+      </p:sp>
+    </p:spTree>
+    <p:extLst>
+      <p:ext uri="{BB962C8B-B14F-4D97-AF65-F5344CB8AC3E}">
+        <p14:creationId xmlns:p14="http://schemas.microsoft.com/office/powerpoint/2010/main" val="49462585"/>
       </p:ext>
     </p:extLst>
   </p:cSld>

--- a/tehtavat/tiedostot/maol/power_point/Racket-MAOL-5-6-tutustuminen-ohjelmointiymparistoon.pptx
+++ b/tehtavat/tiedostot/maol/power_point/Racket-MAOL-5-6-tutustuminen-ohjelmointiymparistoon.pptx
@@ -1,6 +1,6 @@
 
 <file path=ppt/presentation.xml><?xml version="1.0" encoding="utf-8"?>
-<p:presentation xmlns:a="http://schemas.openxmlformats.org/drawingml/2006/main" xmlns:r="http://schemas.openxmlformats.org/officeDocument/2006/relationships" xmlns:p="http://schemas.openxmlformats.org/presentationml/2006/main" showSpecialPlsOnTitleSld="0" strictFirstAndLastChars="0" saveSubsetFonts="1">
+<p:presentation xmlns:a="http://schemas.openxmlformats.org/drawingml/2006/main" xmlns:r="http://schemas.openxmlformats.org/officeDocument/2006/relationships" xmlns:p="http://schemas.openxmlformats.org/presentationml/2006/main" showSpecialPlsOnTitleSld="0" removePersonalInfoOnSave="1" strictFirstAndLastChars="0" saveSubsetFonts="1">
   <p:sldMasterIdLst>
     <p:sldMasterId id="2147483679" r:id="rId1"/>
     <p:sldMasterId id="2147483703" r:id="rId2"/>

--- a/tehtavat/tiedostot/maol/power_point/Racket-MAOL-5-6-tutustuminen-ohjelmointiymparistoon.pptx
+++ b/tehtavat/tiedostot/maol/power_point/Racket-MAOL-5-6-tutustuminen-ohjelmointiymparistoon.pptx
@@ -24,10 +24,10 @@
     <p:sldId id="369" r:id="rId12"/>
     <p:sldId id="372" r:id="rId13"/>
     <p:sldId id="387" r:id="rId14"/>
-    <p:sldId id="388" r:id="rId15"/>
+    <p:sldId id="397" r:id="rId15"/>
     <p:sldId id="389" r:id="rId16"/>
     <p:sldId id="390" r:id="rId17"/>
-    <p:sldId id="392" r:id="rId18"/>
+    <p:sldId id="398" r:id="rId18"/>
     <p:sldId id="393" r:id="rId19"/>
     <p:sldId id="394" r:id="rId20"/>
     <p:sldId id="396" r:id="rId21"/>
@@ -277,7 +277,7 @@
           <a:p>
             <a:fld id="{100248D0-42F4-4815-BD72-C2A0A7A2198E}" type="datetimeFigureOut">
               <a:rPr lang="fi-FI" smtClean="0"/>
-              <a:t>8.3.2017</a:t>
+              <a:t>31.3.2017</a:t>
             </a:fld>
             <a:endParaRPr lang="fi-FI"/>
           </a:p>
@@ -7920,30 +7920,6 @@
           </a:extLst>
         </p:spPr>
       </p:pic>
-      <p:pic>
-        <p:nvPicPr>
-          <p:cNvPr id="2" name="Picture 1"/>
-          <p:cNvPicPr>
-            <a:picLocks noChangeAspect="1"/>
-          </p:cNvPicPr>
-          <p:nvPr/>
-        </p:nvPicPr>
-        <p:blipFill>
-          <a:blip r:embed="rId4"/>
-          <a:stretch>
-            <a:fillRect/>
-          </a:stretch>
-        </p:blipFill>
-        <p:spPr>
-          <a:xfrm>
-            <a:off x="593239" y="2145234"/>
-            <a:ext cx="5318459" cy="2567532"/>
-          </a:xfrm>
-          <a:prstGeom prst="rect">
-            <a:avLst/>
-          </a:prstGeom>
-        </p:spPr>
-      </p:pic>
       <p:sp>
         <p:nvSpPr>
           <p:cNvPr id="4" name="Rectangle 3"/>
@@ -7981,7 +7957,7 @@
           <p:nvPr/>
         </p:nvPicPr>
         <p:blipFill>
-          <a:blip r:embed="rId5">
+          <a:blip r:embed="rId4">
             <a:extLst>
               <a:ext uri="{28A0092B-C50C-407E-A947-70E740481C1C}">
                 <a14:useLocalDpi xmlns:a14="http://schemas.microsoft.com/office/drawing/2010/main" val="0"/>
@@ -7996,6 +7972,36 @@
           <a:xfrm>
             <a:off x="6660232" y="2145234"/>
             <a:ext cx="1765285" cy="1853001"/>
+          </a:xfrm>
+          <a:prstGeom prst="rect">
+            <a:avLst/>
+          </a:prstGeom>
+        </p:spPr>
+      </p:pic>
+      <p:pic>
+        <p:nvPicPr>
+          <p:cNvPr id="5" name="Picture 4"/>
+          <p:cNvPicPr>
+            <a:picLocks noChangeAspect="1"/>
+          </p:cNvPicPr>
+          <p:nvPr/>
+        </p:nvPicPr>
+        <p:blipFill>
+          <a:blip r:embed="rId5">
+            <a:extLst>
+              <a:ext uri="{28A0092B-C50C-407E-A947-70E740481C1C}">
+                <a14:useLocalDpi xmlns:a14="http://schemas.microsoft.com/office/drawing/2010/main" val="0"/>
+              </a:ext>
+            </a:extLst>
+          </a:blip>
+          <a:stretch>
+            <a:fillRect/>
+          </a:stretch>
+        </p:blipFill>
+        <p:spPr>
+          <a:xfrm>
+            <a:off x="1183452" y="1816495"/>
+            <a:ext cx="4657571" cy="3271389"/>
           </a:xfrm>
           <a:prstGeom prst="rect">
             <a:avLst/>
@@ -8448,7 +8454,7 @@
         <p:spPr>
           <a:xfrm>
             <a:off x="581192" y="1628800"/>
-            <a:ext cx="7591208" cy="1477328"/>
+            <a:ext cx="7591208" cy="1754326"/>
           </a:xfrm>
           <a:prstGeom prst="rect">
             <a:avLst/>
@@ -8508,19 +8514,22 @@
                   <a:schemeClr val="tx1"/>
                 </a:solidFill>
               </a:rPr>
-              <a:t>Kokeile mitä tapahtuu kun ”unohtaa” sulut tai unohtaa toisen parametrin.</a:t>
-            </a:r>
-            <a:endParaRPr lang="fi-FI" dirty="0">
-              <a:solidFill>
-                <a:schemeClr val="tx1"/>
-              </a:solidFill>
-            </a:endParaRPr>
+              <a:t>Kokeile mitä tapahtuu kun ”unohtaa” sulut tai unohtaa toisen argumentin laskutoimituksesta</a:t>
+            </a:r>
+            <a:r>
+              <a:rPr lang="fi-FI" dirty="0">
+                <a:solidFill>
+                  <a:schemeClr val="tx1"/>
+                </a:solidFill>
+              </a:rPr>
+              <a:t>.</a:t>
+            </a:r>
           </a:p>
         </p:txBody>
       </p:sp>
       <p:pic>
         <p:nvPicPr>
-          <p:cNvPr id="4" name="Picture 3"/>
+          <p:cNvPr id="5" name="Picture 4"/>
           <p:cNvPicPr>
             <a:picLocks noChangeAspect="1"/>
           </p:cNvPicPr>
@@ -8540,27 +8549,18 @@
         </p:blipFill>
         <p:spPr>
           <a:xfrm>
-            <a:off x="343383" y="3436750"/>
-            <a:ext cx="8583320" cy="1318597"/>
+            <a:off x="1309146" y="3545507"/>
+            <a:ext cx="6135299" cy="1515256"/>
           </a:xfrm>
           <a:prstGeom prst="rect">
             <a:avLst/>
           </a:prstGeom>
+          <a:ln>
+            <a:solidFill>
+              <a:schemeClr val="dk1"/>
+            </a:solidFill>
+          </a:ln>
         </p:spPr>
-        <p:style>
-          <a:lnRef idx="2">
-            <a:schemeClr val="dk1"/>
-          </a:lnRef>
-          <a:fillRef idx="1">
-            <a:schemeClr val="lt1"/>
-          </a:fillRef>
-          <a:effectRef idx="0">
-            <a:schemeClr val="dk1"/>
-          </a:effectRef>
-          <a:fontRef idx="minor">
-            <a:schemeClr val="dk1"/>
-          </a:fontRef>
-        </p:style>
       </p:pic>
     </p:spTree>
     <p:extLst>
@@ -8655,193 +8655,6 @@
       </p:pic>
       <p:sp>
         <p:nvSpPr>
-          <p:cNvPr id="43" name="Suorakulmio 42"/>
-          <p:cNvSpPr/>
-          <p:nvPr/>
-        </p:nvSpPr>
-        <p:spPr>
-          <a:xfrm>
-            <a:off x="-10739" y="3073567"/>
-            <a:ext cx="1074012" cy="338554"/>
-          </a:xfrm>
-          <a:prstGeom prst="rect">
-            <a:avLst/>
-          </a:prstGeom>
-          <a:solidFill>
-            <a:schemeClr val="accent2">
-              <a:lumMod val="75000"/>
-            </a:schemeClr>
-          </a:solidFill>
-        </p:spPr>
-        <p:txBody>
-          <a:bodyPr wrap="none">
-            <a:spAutoFit/>
-          </a:bodyPr>
-          <a:lstStyle/>
-          <a:p>
-            <a:r>
-              <a:rPr kumimoji="0" lang="fi-FI" sz="1600" b="0" i="0" u="none" strike="noStrike" cap="none" normalizeH="0" dirty="0">
-                <a:ln>
-                  <a:noFill/>
-                </a:ln>
-                <a:effectLst/>
-                <a:latin typeface="Arial" charset="0"/>
-              </a:rPr>
-              <a:t>Tehtävä </a:t>
-            </a:r>
-            <a:r>
-              <a:rPr lang="fi-FI" sz="1600" dirty="0">
-                <a:latin typeface="Arial" charset="0"/>
-              </a:rPr>
-              <a:t>2</a:t>
-            </a:r>
-            <a:endParaRPr lang="fi-FI" sz="1600" dirty="0"/>
-          </a:p>
-        </p:txBody>
-      </p:sp>
-      <p:sp>
-        <p:nvSpPr>
-          <p:cNvPr id="44" name="Suorakulmio 43"/>
-          <p:cNvSpPr/>
-          <p:nvPr/>
-        </p:nvSpPr>
-        <p:spPr>
-          <a:xfrm>
-            <a:off x="-21763" y="1839026"/>
-            <a:ext cx="1074012" cy="338554"/>
-          </a:xfrm>
-          <a:prstGeom prst="rect">
-            <a:avLst/>
-          </a:prstGeom>
-          <a:solidFill>
-            <a:schemeClr val="accent2">
-              <a:lumMod val="75000"/>
-            </a:schemeClr>
-          </a:solidFill>
-        </p:spPr>
-        <p:txBody>
-          <a:bodyPr wrap="none">
-            <a:spAutoFit/>
-          </a:bodyPr>
-          <a:lstStyle/>
-          <a:p>
-            <a:r>
-              <a:rPr kumimoji="0" lang="fi-FI" sz="1600" b="0" i="0" u="none" strike="noStrike" cap="none" normalizeH="0" dirty="0">
-                <a:ln>
-                  <a:noFill/>
-                </a:ln>
-                <a:effectLst/>
-                <a:latin typeface="Arial" charset="0"/>
-              </a:rPr>
-              <a:t>Tehtävä </a:t>
-            </a:r>
-            <a:r>
-              <a:rPr lang="fi-FI" sz="1600" dirty="0">
-                <a:latin typeface="Arial" charset="0"/>
-              </a:rPr>
-              <a:t>1</a:t>
-            </a:r>
-            <a:endParaRPr lang="fi-FI" sz="1600" dirty="0"/>
-          </a:p>
-        </p:txBody>
-      </p:sp>
-      <p:sp>
-        <p:nvSpPr>
-          <p:cNvPr id="45" name="Suorakulmio 44"/>
-          <p:cNvSpPr/>
-          <p:nvPr/>
-        </p:nvSpPr>
-        <p:spPr>
-          <a:xfrm>
-            <a:off x="-10739" y="4286520"/>
-            <a:ext cx="1104566" cy="338554"/>
-          </a:xfrm>
-          <a:prstGeom prst="rect">
-            <a:avLst/>
-          </a:prstGeom>
-          <a:solidFill>
-            <a:schemeClr val="accent2">
-              <a:lumMod val="75000"/>
-            </a:schemeClr>
-          </a:solidFill>
-        </p:spPr>
-        <p:txBody>
-          <a:bodyPr wrap="square">
-            <a:spAutoFit/>
-          </a:bodyPr>
-          <a:lstStyle/>
-          <a:p>
-            <a:r>
-              <a:rPr kumimoji="0" lang="fi-FI" sz="1600" b="0" i="0" u="none" strike="noStrike" cap="none" normalizeH="0" dirty="0">
-                <a:ln>
-                  <a:noFill/>
-                </a:ln>
-                <a:effectLst/>
-                <a:latin typeface="Arial" charset="0"/>
-              </a:rPr>
-              <a:t>Tehtävä </a:t>
-            </a:r>
-            <a:r>
-              <a:rPr lang="fi-FI" sz="1600" dirty="0">
-                <a:latin typeface="Arial" charset="0"/>
-              </a:rPr>
-              <a:t>3</a:t>
-            </a:r>
-            <a:endParaRPr lang="fi-FI" sz="1600" dirty="0"/>
-          </a:p>
-        </p:txBody>
-      </p:sp>
-      <p:sp>
-        <p:nvSpPr>
-          <p:cNvPr id="47" name="Suorakulmio 46"/>
-          <p:cNvSpPr/>
-          <p:nvPr/>
-        </p:nvSpPr>
-        <p:spPr>
-          <a:xfrm>
-            <a:off x="1240861" y="2988837"/>
-            <a:ext cx="6761877" cy="769441"/>
-          </a:xfrm>
-          <a:prstGeom prst="rect">
-            <a:avLst/>
-          </a:prstGeom>
-          <a:noFill/>
-        </p:spPr>
-        <p:txBody>
-          <a:bodyPr wrap="square">
-            <a:spAutoFit/>
-          </a:bodyPr>
-          <a:lstStyle/>
-          <a:p>
-            <a:r>
-              <a:rPr lang="fi-FI" sz="2200" dirty="0" smtClean="0">
-                <a:solidFill>
-                  <a:schemeClr val="tx1"/>
-                </a:solidFill>
-                <a:latin typeface="Arial" charset="0"/>
-              </a:rPr>
-              <a:t>Laske interaktioikkunassa.</a:t>
-            </a:r>
-          </a:p>
-          <a:p>
-            <a:r>
-              <a:rPr kumimoji="0" lang="fi-FI" sz="2200" b="0" i="0" u="none" strike="noStrike" cap="none" normalizeH="0" dirty="0" smtClean="0">
-                <a:ln>
-                  <a:noFill/>
-                </a:ln>
-                <a:solidFill>
-                  <a:schemeClr val="tx1"/>
-                </a:solidFill>
-                <a:effectLst/>
-                <a:latin typeface="Arial" charset="0"/>
-              </a:rPr>
-              <a:t>a) 10-6	  b) 20-66  c) 44-23  d) 550-300</a:t>
-            </a:r>
-          </a:p>
-        </p:txBody>
-      </p:sp>
-      <p:sp>
-        <p:nvSpPr>
           <p:cNvPr id="3" name="Alatunnisteen paikkamerkki 2"/>
           <p:cNvSpPr>
             <a:spLocks noGrp="1"/>
@@ -8863,55 +8676,6 @@
               <a:t>MAOL Ohjelmointia matematiikkaan</a:t>
             </a:r>
             <a:endParaRPr lang="ru-RU" dirty="0"/>
-          </a:p>
-        </p:txBody>
-      </p:sp>
-      <p:sp>
-        <p:nvSpPr>
-          <p:cNvPr id="38" name="Suorakulmio 46"/>
-          <p:cNvSpPr/>
-          <p:nvPr/>
-        </p:nvSpPr>
-        <p:spPr>
-          <a:xfrm>
-            <a:off x="1253426" y="1738146"/>
-            <a:ext cx="5406806" cy="769441"/>
-          </a:xfrm>
-          <a:prstGeom prst="rect">
-            <a:avLst/>
-          </a:prstGeom>
-          <a:noFill/>
-        </p:spPr>
-        <p:txBody>
-          <a:bodyPr wrap="square">
-            <a:spAutoFit/>
-          </a:bodyPr>
-          <a:lstStyle/>
-          <a:p>
-            <a:r>
-              <a:rPr lang="fi-FI" sz="2200" dirty="0" smtClean="0">
-                <a:solidFill>
-                  <a:schemeClr val="tx1"/>
-                </a:solidFill>
-                <a:latin typeface="Arial" charset="0"/>
-              </a:rPr>
-              <a:t>Laske interaktioikkunassa.</a:t>
-            </a:r>
-          </a:p>
-          <a:p>
-            <a:r>
-              <a:rPr kumimoji="0" lang="fi-FI" sz="2200" b="0" i="0" u="none" strike="noStrike" cap="none" normalizeH="0" dirty="0" smtClean="0">
-                <a:ln>
-                  <a:noFill/>
-                </a:ln>
-                <a:solidFill>
-                  <a:schemeClr val="tx1"/>
-                </a:solidFill>
-                <a:effectLst/>
-                <a:latin typeface="Arial" charset="0"/>
-              </a:rPr>
-              <a:t>a) 5+9  b) 54+37  c) 123+66  d) 110+230</a:t>
-            </a:r>
           </a:p>
         </p:txBody>
       </p:sp>
@@ -8978,61 +8742,6 @@
       </p:pic>
       <p:sp>
         <p:nvSpPr>
-          <p:cNvPr id="21" name="Suorakulmio 46"/>
-          <p:cNvSpPr/>
-          <p:nvPr/>
-        </p:nvSpPr>
-        <p:spPr>
-          <a:xfrm>
-            <a:off x="1240861" y="4238861"/>
-            <a:ext cx="6761877" cy="769441"/>
-          </a:xfrm>
-          <a:prstGeom prst="rect">
-            <a:avLst/>
-          </a:prstGeom>
-          <a:noFill/>
-        </p:spPr>
-        <p:txBody>
-          <a:bodyPr wrap="square">
-            <a:spAutoFit/>
-          </a:bodyPr>
-          <a:lstStyle/>
-          <a:p>
-            <a:r>
-              <a:rPr lang="fi-FI" sz="2200" dirty="0" smtClean="0">
-                <a:solidFill>
-                  <a:schemeClr val="tx1"/>
-                </a:solidFill>
-                <a:latin typeface="Arial" charset="0"/>
-              </a:rPr>
-              <a:t>Laske interaktioikkunassa.</a:t>
-            </a:r>
-          </a:p>
-          <a:p>
-            <a:r>
-              <a:rPr lang="fi-FI" sz="2200" dirty="0" smtClean="0">
-                <a:solidFill>
-                  <a:schemeClr val="tx1"/>
-                </a:solidFill>
-                <a:latin typeface="Arial" charset="0"/>
-              </a:rPr>
-              <a:t>a) 3*9  b) 12*10  c) 10/2  d) 120/6   </a:t>
-            </a:r>
-            <a:endParaRPr kumimoji="0" lang="fi-FI" sz="2200" b="0" i="0" u="none" strike="noStrike" cap="none" normalizeH="0" dirty="0" smtClean="0">
-              <a:ln>
-                <a:noFill/>
-              </a:ln>
-              <a:solidFill>
-                <a:schemeClr val="tx1"/>
-              </a:solidFill>
-              <a:effectLst/>
-              <a:latin typeface="Arial" charset="0"/>
-            </a:endParaRPr>
-          </a:p>
-        </p:txBody>
-      </p:sp>
-      <p:sp>
-        <p:nvSpPr>
           <p:cNvPr id="11" name="Otsikko 1"/>
           <p:cNvSpPr txBox="1">
             <a:spLocks/>
@@ -9278,7 +8987,7 @@
                   </a:schemeClr>
                 </a:solidFill>
               </a:rPr>
-              <a:t>Tehtäväsarja 1. Peruslaskuja</a:t>
+              <a:t>Tehtäväsarja I. Peruslaskuja</a:t>
             </a:r>
             <a:endParaRPr lang="fi-FI" altLang="fi-FI" sz="4000" b="1" kern="0" dirty="0">
               <a:solidFill>
@@ -9290,6 +8999,2573 @@
           </a:p>
         </p:txBody>
       </p:sp>
+      <p:sp>
+        <p:nvSpPr>
+          <p:cNvPr id="14" name="Suorakulmio 2"/>
+          <p:cNvSpPr/>
+          <p:nvPr/>
+        </p:nvSpPr>
+        <p:spPr>
+          <a:xfrm>
+            <a:off x="1907704" y="2165867"/>
+            <a:ext cx="964764" cy="461665"/>
+          </a:xfrm>
+          <a:prstGeom prst="rect">
+            <a:avLst/>
+          </a:prstGeom>
+          <a:solidFill>
+            <a:srgbClr val="FFE593"/>
+          </a:solidFill>
+        </p:spPr>
+        <p:txBody>
+          <a:bodyPr wrap="square">
+            <a:spAutoFit/>
+          </a:bodyPr>
+          <a:lstStyle>
+            <a:defPPr>
+              <a:defRPr lang="en-GB"/>
+            </a:defPPr>
+            <a:lvl1pPr algn="l" defTabSz="449263" rtl="0" eaLnBrk="0" fontAlgn="base" hangingPunct="0">
+              <a:spcBef>
+                <a:spcPct val="0"/>
+              </a:spcBef>
+              <a:spcAft>
+                <a:spcPct val="0"/>
+              </a:spcAft>
+              <a:defRPr kern="1200">
+                <a:solidFill>
+                  <a:schemeClr val="bg1"/>
+                </a:solidFill>
+                <a:latin typeface="Arial" panose="020B0604020202020204" pitchFamily="34" charset="0"/>
+                <a:ea typeface="AR PL Mingti2L Big5" charset="0"/>
+                <a:cs typeface="AR PL Mingti2L Big5" charset="0"/>
+              </a:defRPr>
+            </a:lvl1pPr>
+            <a:lvl2pPr marL="742950" indent="-285750" algn="l" defTabSz="449263" rtl="0" eaLnBrk="0" fontAlgn="base" hangingPunct="0">
+              <a:spcBef>
+                <a:spcPct val="0"/>
+              </a:spcBef>
+              <a:spcAft>
+                <a:spcPct val="0"/>
+              </a:spcAft>
+              <a:defRPr kern="1200">
+                <a:solidFill>
+                  <a:schemeClr val="bg1"/>
+                </a:solidFill>
+                <a:latin typeface="Arial" panose="020B0604020202020204" pitchFamily="34" charset="0"/>
+                <a:ea typeface="AR PL Mingti2L Big5" charset="0"/>
+                <a:cs typeface="AR PL Mingti2L Big5" charset="0"/>
+              </a:defRPr>
+            </a:lvl2pPr>
+            <a:lvl3pPr marL="1143000" indent="-228600" algn="l" defTabSz="449263" rtl="0" eaLnBrk="0" fontAlgn="base" hangingPunct="0">
+              <a:spcBef>
+                <a:spcPct val="0"/>
+              </a:spcBef>
+              <a:spcAft>
+                <a:spcPct val="0"/>
+              </a:spcAft>
+              <a:defRPr kern="1200">
+                <a:solidFill>
+                  <a:schemeClr val="bg1"/>
+                </a:solidFill>
+                <a:latin typeface="Arial" panose="020B0604020202020204" pitchFamily="34" charset="0"/>
+                <a:ea typeface="AR PL Mingti2L Big5" charset="0"/>
+                <a:cs typeface="AR PL Mingti2L Big5" charset="0"/>
+              </a:defRPr>
+            </a:lvl3pPr>
+            <a:lvl4pPr marL="1600200" indent="-228600" algn="l" defTabSz="449263" rtl="0" eaLnBrk="0" fontAlgn="base" hangingPunct="0">
+              <a:spcBef>
+                <a:spcPct val="0"/>
+              </a:spcBef>
+              <a:spcAft>
+                <a:spcPct val="0"/>
+              </a:spcAft>
+              <a:defRPr kern="1200">
+                <a:solidFill>
+                  <a:schemeClr val="bg1"/>
+                </a:solidFill>
+                <a:latin typeface="Arial" panose="020B0604020202020204" pitchFamily="34" charset="0"/>
+                <a:ea typeface="AR PL Mingti2L Big5" charset="0"/>
+                <a:cs typeface="AR PL Mingti2L Big5" charset="0"/>
+              </a:defRPr>
+            </a:lvl4pPr>
+            <a:lvl5pPr marL="2057400" indent="-228600" algn="l" defTabSz="449263" rtl="0" eaLnBrk="0" fontAlgn="base" hangingPunct="0">
+              <a:spcBef>
+                <a:spcPct val="0"/>
+              </a:spcBef>
+              <a:spcAft>
+                <a:spcPct val="0"/>
+              </a:spcAft>
+              <a:defRPr kern="1200">
+                <a:solidFill>
+                  <a:schemeClr val="bg1"/>
+                </a:solidFill>
+                <a:latin typeface="Arial" panose="020B0604020202020204" pitchFamily="34" charset="0"/>
+                <a:ea typeface="AR PL Mingti2L Big5" charset="0"/>
+                <a:cs typeface="AR PL Mingti2L Big5" charset="0"/>
+              </a:defRPr>
+            </a:lvl5pPr>
+            <a:lvl6pPr marL="2286000" algn="l" defTabSz="914400" rtl="0" eaLnBrk="1" latinLnBrk="0" hangingPunct="1">
+              <a:defRPr kern="1200">
+                <a:solidFill>
+                  <a:schemeClr val="bg1"/>
+                </a:solidFill>
+                <a:latin typeface="Arial" panose="020B0604020202020204" pitchFamily="34" charset="0"/>
+                <a:ea typeface="AR PL Mingti2L Big5" charset="0"/>
+                <a:cs typeface="AR PL Mingti2L Big5" charset="0"/>
+              </a:defRPr>
+            </a:lvl6pPr>
+            <a:lvl7pPr marL="2743200" algn="l" defTabSz="914400" rtl="0" eaLnBrk="1" latinLnBrk="0" hangingPunct="1">
+              <a:defRPr kern="1200">
+                <a:solidFill>
+                  <a:schemeClr val="bg1"/>
+                </a:solidFill>
+                <a:latin typeface="Arial" panose="020B0604020202020204" pitchFamily="34" charset="0"/>
+                <a:ea typeface="AR PL Mingti2L Big5" charset="0"/>
+                <a:cs typeface="AR PL Mingti2L Big5" charset="0"/>
+              </a:defRPr>
+            </a:lvl7pPr>
+            <a:lvl8pPr marL="3200400" algn="l" defTabSz="914400" rtl="0" eaLnBrk="1" latinLnBrk="0" hangingPunct="1">
+              <a:defRPr kern="1200">
+                <a:solidFill>
+                  <a:schemeClr val="bg1"/>
+                </a:solidFill>
+                <a:latin typeface="Arial" panose="020B0604020202020204" pitchFamily="34" charset="0"/>
+                <a:ea typeface="AR PL Mingti2L Big5" charset="0"/>
+                <a:cs typeface="AR PL Mingti2L Big5" charset="0"/>
+              </a:defRPr>
+            </a:lvl8pPr>
+            <a:lvl9pPr marL="3657600" algn="l" defTabSz="914400" rtl="0" eaLnBrk="1" latinLnBrk="0" hangingPunct="1">
+              <a:defRPr kern="1200">
+                <a:solidFill>
+                  <a:schemeClr val="bg1"/>
+                </a:solidFill>
+                <a:latin typeface="Arial" panose="020B0604020202020204" pitchFamily="34" charset="0"/>
+                <a:ea typeface="AR PL Mingti2L Big5" charset="0"/>
+                <a:cs typeface="AR PL Mingti2L Big5" charset="0"/>
+              </a:defRPr>
+            </a:lvl9pPr>
+          </a:lstStyle>
+          <a:p>
+            <a:r>
+              <a:rPr lang="fi-FI" sz="2400" dirty="0" smtClean="0">
+                <a:solidFill>
+                  <a:schemeClr val="tx1">
+                    <a:lumMod val="65000"/>
+                    <a:lumOff val="35000"/>
+                  </a:schemeClr>
+                </a:solidFill>
+              </a:rPr>
+              <a:t>5 + 9</a:t>
+            </a:r>
+            <a:endParaRPr lang="fi-FI" sz="2400" dirty="0">
+              <a:solidFill>
+                <a:schemeClr val="tx1">
+                  <a:lumMod val="65000"/>
+                  <a:lumOff val="35000"/>
+                </a:schemeClr>
+              </a:solidFill>
+            </a:endParaRPr>
+          </a:p>
+        </p:txBody>
+      </p:sp>
+      <p:sp>
+        <p:nvSpPr>
+          <p:cNvPr id="5" name="TextBox 4"/>
+          <p:cNvSpPr txBox="1"/>
+          <p:nvPr/>
+        </p:nvSpPr>
+        <p:spPr>
+          <a:xfrm>
+            <a:off x="497709" y="1415968"/>
+            <a:ext cx="5347363" cy="461665"/>
+          </a:xfrm>
+          <a:prstGeom prst="rect">
+            <a:avLst/>
+          </a:prstGeom>
+          <a:noFill/>
+        </p:spPr>
+        <p:txBody>
+          <a:bodyPr wrap="square" rtlCol="0">
+            <a:spAutoFit/>
+          </a:bodyPr>
+          <a:lstStyle/>
+          <a:p>
+            <a:r>
+              <a:rPr lang="fi-FI" sz="2400" dirty="0" smtClean="0">
+                <a:solidFill>
+                  <a:schemeClr val="tx1"/>
+                </a:solidFill>
+              </a:rPr>
+              <a:t>Laske interaktioikkunassa.</a:t>
+            </a:r>
+            <a:endParaRPr lang="fi-FI" sz="2400" dirty="0">
+              <a:solidFill>
+                <a:schemeClr val="tx1"/>
+              </a:solidFill>
+            </a:endParaRPr>
+          </a:p>
+        </p:txBody>
+      </p:sp>
+      <p:grpSp>
+        <p:nvGrpSpPr>
+          <p:cNvPr id="7" name="Group 6"/>
+          <p:cNvGrpSpPr/>
+          <p:nvPr/>
+        </p:nvGrpSpPr>
+        <p:grpSpPr>
+          <a:xfrm>
+            <a:off x="179512" y="2137006"/>
+            <a:ext cx="8640960" cy="461665"/>
+            <a:chOff x="179512" y="2137006"/>
+            <a:chExt cx="8640960" cy="461665"/>
+          </a:xfrm>
+        </p:grpSpPr>
+        <p:sp>
+          <p:nvSpPr>
+            <p:cNvPr id="44" name="Suorakulmio 43"/>
+            <p:cNvSpPr/>
+            <p:nvPr/>
+          </p:nvSpPr>
+          <p:spPr>
+            <a:xfrm>
+              <a:off x="179512" y="2194255"/>
+              <a:ext cx="1074012" cy="338554"/>
+            </a:xfrm>
+            <a:prstGeom prst="rect">
+              <a:avLst/>
+            </a:prstGeom>
+            <a:solidFill>
+              <a:schemeClr val="accent2">
+                <a:lumMod val="75000"/>
+              </a:schemeClr>
+            </a:solidFill>
+          </p:spPr>
+          <p:txBody>
+            <a:bodyPr wrap="none">
+              <a:spAutoFit/>
+            </a:bodyPr>
+            <a:lstStyle/>
+            <a:p>
+              <a:r>
+                <a:rPr kumimoji="0" lang="fi-FI" sz="1600" b="0" i="0" u="none" strike="noStrike" cap="none" normalizeH="0" dirty="0">
+                  <a:ln>
+                    <a:noFill/>
+                  </a:ln>
+                  <a:effectLst/>
+                  <a:latin typeface="Arial" charset="0"/>
+                </a:rPr>
+                <a:t>Tehtävä </a:t>
+              </a:r>
+              <a:r>
+                <a:rPr lang="fi-FI" sz="1600" dirty="0">
+                  <a:latin typeface="Arial" charset="0"/>
+                </a:rPr>
+                <a:t>1</a:t>
+              </a:r>
+              <a:endParaRPr lang="fi-FI" sz="1600" dirty="0"/>
+            </a:p>
+          </p:txBody>
+        </p:sp>
+        <p:sp>
+          <p:nvSpPr>
+            <p:cNvPr id="6" name="TextBox 5"/>
+            <p:cNvSpPr txBox="1"/>
+            <p:nvPr/>
+          </p:nvSpPr>
+          <p:spPr>
+            <a:xfrm>
+              <a:off x="1434179" y="2137006"/>
+              <a:ext cx="7386293" cy="461665"/>
+            </a:xfrm>
+            <a:prstGeom prst="rect">
+              <a:avLst/>
+            </a:prstGeom>
+            <a:noFill/>
+          </p:spPr>
+          <p:txBody>
+            <a:bodyPr wrap="square" rtlCol="0">
+              <a:spAutoFit/>
+            </a:bodyPr>
+            <a:lstStyle/>
+            <a:p>
+              <a:r>
+                <a:rPr lang="fi-FI" sz="2400" dirty="0" smtClean="0">
+                  <a:solidFill>
+                    <a:schemeClr val="tx1"/>
+                  </a:solidFill>
+                </a:rPr>
+                <a:t>a)              b)                c)                    d) </a:t>
+              </a:r>
+              <a:endParaRPr lang="fi-FI" sz="2400" dirty="0">
+                <a:solidFill>
+                  <a:schemeClr val="tx1"/>
+                </a:solidFill>
+              </a:endParaRPr>
+            </a:p>
+          </p:txBody>
+        </p:sp>
+      </p:grpSp>
+      <p:sp>
+        <p:nvSpPr>
+          <p:cNvPr id="15" name="Suorakulmio 2"/>
+          <p:cNvSpPr/>
+          <p:nvPr/>
+        </p:nvSpPr>
+        <p:spPr>
+          <a:xfrm>
+            <a:off x="6881008" y="2158159"/>
+            <a:ext cx="1550376" cy="461665"/>
+          </a:xfrm>
+          <a:prstGeom prst="rect">
+            <a:avLst/>
+          </a:prstGeom>
+          <a:solidFill>
+            <a:srgbClr val="FFE593"/>
+          </a:solidFill>
+        </p:spPr>
+        <p:txBody>
+          <a:bodyPr wrap="square">
+            <a:spAutoFit/>
+          </a:bodyPr>
+          <a:lstStyle>
+            <a:defPPr>
+              <a:defRPr lang="en-GB"/>
+            </a:defPPr>
+            <a:lvl1pPr algn="l" defTabSz="449263" rtl="0" eaLnBrk="0" fontAlgn="base" hangingPunct="0">
+              <a:spcBef>
+                <a:spcPct val="0"/>
+              </a:spcBef>
+              <a:spcAft>
+                <a:spcPct val="0"/>
+              </a:spcAft>
+              <a:defRPr kern="1200">
+                <a:solidFill>
+                  <a:schemeClr val="bg1"/>
+                </a:solidFill>
+                <a:latin typeface="Arial" panose="020B0604020202020204" pitchFamily="34" charset="0"/>
+                <a:ea typeface="AR PL Mingti2L Big5" charset="0"/>
+                <a:cs typeface="AR PL Mingti2L Big5" charset="0"/>
+              </a:defRPr>
+            </a:lvl1pPr>
+            <a:lvl2pPr marL="742950" indent="-285750" algn="l" defTabSz="449263" rtl="0" eaLnBrk="0" fontAlgn="base" hangingPunct="0">
+              <a:spcBef>
+                <a:spcPct val="0"/>
+              </a:spcBef>
+              <a:spcAft>
+                <a:spcPct val="0"/>
+              </a:spcAft>
+              <a:defRPr kern="1200">
+                <a:solidFill>
+                  <a:schemeClr val="bg1"/>
+                </a:solidFill>
+                <a:latin typeface="Arial" panose="020B0604020202020204" pitchFamily="34" charset="0"/>
+                <a:ea typeface="AR PL Mingti2L Big5" charset="0"/>
+                <a:cs typeface="AR PL Mingti2L Big5" charset="0"/>
+              </a:defRPr>
+            </a:lvl2pPr>
+            <a:lvl3pPr marL="1143000" indent="-228600" algn="l" defTabSz="449263" rtl="0" eaLnBrk="0" fontAlgn="base" hangingPunct="0">
+              <a:spcBef>
+                <a:spcPct val="0"/>
+              </a:spcBef>
+              <a:spcAft>
+                <a:spcPct val="0"/>
+              </a:spcAft>
+              <a:defRPr kern="1200">
+                <a:solidFill>
+                  <a:schemeClr val="bg1"/>
+                </a:solidFill>
+                <a:latin typeface="Arial" panose="020B0604020202020204" pitchFamily="34" charset="0"/>
+                <a:ea typeface="AR PL Mingti2L Big5" charset="0"/>
+                <a:cs typeface="AR PL Mingti2L Big5" charset="0"/>
+              </a:defRPr>
+            </a:lvl3pPr>
+            <a:lvl4pPr marL="1600200" indent="-228600" algn="l" defTabSz="449263" rtl="0" eaLnBrk="0" fontAlgn="base" hangingPunct="0">
+              <a:spcBef>
+                <a:spcPct val="0"/>
+              </a:spcBef>
+              <a:spcAft>
+                <a:spcPct val="0"/>
+              </a:spcAft>
+              <a:defRPr kern="1200">
+                <a:solidFill>
+                  <a:schemeClr val="bg1"/>
+                </a:solidFill>
+                <a:latin typeface="Arial" panose="020B0604020202020204" pitchFamily="34" charset="0"/>
+                <a:ea typeface="AR PL Mingti2L Big5" charset="0"/>
+                <a:cs typeface="AR PL Mingti2L Big5" charset="0"/>
+              </a:defRPr>
+            </a:lvl4pPr>
+            <a:lvl5pPr marL="2057400" indent="-228600" algn="l" defTabSz="449263" rtl="0" eaLnBrk="0" fontAlgn="base" hangingPunct="0">
+              <a:spcBef>
+                <a:spcPct val="0"/>
+              </a:spcBef>
+              <a:spcAft>
+                <a:spcPct val="0"/>
+              </a:spcAft>
+              <a:defRPr kern="1200">
+                <a:solidFill>
+                  <a:schemeClr val="bg1"/>
+                </a:solidFill>
+                <a:latin typeface="Arial" panose="020B0604020202020204" pitchFamily="34" charset="0"/>
+                <a:ea typeface="AR PL Mingti2L Big5" charset="0"/>
+                <a:cs typeface="AR PL Mingti2L Big5" charset="0"/>
+              </a:defRPr>
+            </a:lvl5pPr>
+            <a:lvl6pPr marL="2286000" algn="l" defTabSz="914400" rtl="0" eaLnBrk="1" latinLnBrk="0" hangingPunct="1">
+              <a:defRPr kern="1200">
+                <a:solidFill>
+                  <a:schemeClr val="bg1"/>
+                </a:solidFill>
+                <a:latin typeface="Arial" panose="020B0604020202020204" pitchFamily="34" charset="0"/>
+                <a:ea typeface="AR PL Mingti2L Big5" charset="0"/>
+                <a:cs typeface="AR PL Mingti2L Big5" charset="0"/>
+              </a:defRPr>
+            </a:lvl6pPr>
+            <a:lvl7pPr marL="2743200" algn="l" defTabSz="914400" rtl="0" eaLnBrk="1" latinLnBrk="0" hangingPunct="1">
+              <a:defRPr kern="1200">
+                <a:solidFill>
+                  <a:schemeClr val="bg1"/>
+                </a:solidFill>
+                <a:latin typeface="Arial" panose="020B0604020202020204" pitchFamily="34" charset="0"/>
+                <a:ea typeface="AR PL Mingti2L Big5" charset="0"/>
+                <a:cs typeface="AR PL Mingti2L Big5" charset="0"/>
+              </a:defRPr>
+            </a:lvl7pPr>
+            <a:lvl8pPr marL="3200400" algn="l" defTabSz="914400" rtl="0" eaLnBrk="1" latinLnBrk="0" hangingPunct="1">
+              <a:defRPr kern="1200">
+                <a:solidFill>
+                  <a:schemeClr val="bg1"/>
+                </a:solidFill>
+                <a:latin typeface="Arial" panose="020B0604020202020204" pitchFamily="34" charset="0"/>
+                <a:ea typeface="AR PL Mingti2L Big5" charset="0"/>
+                <a:cs typeface="AR PL Mingti2L Big5" charset="0"/>
+              </a:defRPr>
+            </a:lvl8pPr>
+            <a:lvl9pPr marL="3657600" algn="l" defTabSz="914400" rtl="0" eaLnBrk="1" latinLnBrk="0" hangingPunct="1">
+              <a:defRPr kern="1200">
+                <a:solidFill>
+                  <a:schemeClr val="bg1"/>
+                </a:solidFill>
+                <a:latin typeface="Arial" panose="020B0604020202020204" pitchFamily="34" charset="0"/>
+                <a:ea typeface="AR PL Mingti2L Big5" charset="0"/>
+                <a:cs typeface="AR PL Mingti2L Big5" charset="0"/>
+              </a:defRPr>
+            </a:lvl9pPr>
+          </a:lstStyle>
+          <a:p>
+            <a:r>
+              <a:rPr lang="fi-FI" sz="2400" dirty="0" smtClean="0">
+                <a:solidFill>
+                  <a:schemeClr val="tx1">
+                    <a:lumMod val="65000"/>
+                    <a:lumOff val="35000"/>
+                  </a:schemeClr>
+                </a:solidFill>
+              </a:rPr>
+              <a:t>110 + 230</a:t>
+            </a:r>
+            <a:endParaRPr lang="fi-FI" sz="2400" dirty="0">
+              <a:solidFill>
+                <a:schemeClr val="tx1">
+                  <a:lumMod val="65000"/>
+                  <a:lumOff val="35000"/>
+                </a:schemeClr>
+              </a:solidFill>
+            </a:endParaRPr>
+          </a:p>
+        </p:txBody>
+      </p:sp>
+      <p:sp>
+        <p:nvSpPr>
+          <p:cNvPr id="16" name="Suorakulmio 2"/>
+          <p:cNvSpPr/>
+          <p:nvPr/>
+        </p:nvSpPr>
+        <p:spPr>
+          <a:xfrm>
+            <a:off x="4910570" y="2143252"/>
+            <a:ext cx="1484334" cy="461665"/>
+          </a:xfrm>
+          <a:prstGeom prst="rect">
+            <a:avLst/>
+          </a:prstGeom>
+          <a:solidFill>
+            <a:srgbClr val="FFE593"/>
+          </a:solidFill>
+        </p:spPr>
+        <p:txBody>
+          <a:bodyPr wrap="square">
+            <a:spAutoFit/>
+          </a:bodyPr>
+          <a:lstStyle>
+            <a:defPPr>
+              <a:defRPr lang="en-GB"/>
+            </a:defPPr>
+            <a:lvl1pPr algn="l" defTabSz="449263" rtl="0" eaLnBrk="0" fontAlgn="base" hangingPunct="0">
+              <a:spcBef>
+                <a:spcPct val="0"/>
+              </a:spcBef>
+              <a:spcAft>
+                <a:spcPct val="0"/>
+              </a:spcAft>
+              <a:defRPr kern="1200">
+                <a:solidFill>
+                  <a:schemeClr val="bg1"/>
+                </a:solidFill>
+                <a:latin typeface="Arial" panose="020B0604020202020204" pitchFamily="34" charset="0"/>
+                <a:ea typeface="AR PL Mingti2L Big5" charset="0"/>
+                <a:cs typeface="AR PL Mingti2L Big5" charset="0"/>
+              </a:defRPr>
+            </a:lvl1pPr>
+            <a:lvl2pPr marL="742950" indent="-285750" algn="l" defTabSz="449263" rtl="0" eaLnBrk="0" fontAlgn="base" hangingPunct="0">
+              <a:spcBef>
+                <a:spcPct val="0"/>
+              </a:spcBef>
+              <a:spcAft>
+                <a:spcPct val="0"/>
+              </a:spcAft>
+              <a:defRPr kern="1200">
+                <a:solidFill>
+                  <a:schemeClr val="bg1"/>
+                </a:solidFill>
+                <a:latin typeface="Arial" panose="020B0604020202020204" pitchFamily="34" charset="0"/>
+                <a:ea typeface="AR PL Mingti2L Big5" charset="0"/>
+                <a:cs typeface="AR PL Mingti2L Big5" charset="0"/>
+              </a:defRPr>
+            </a:lvl2pPr>
+            <a:lvl3pPr marL="1143000" indent="-228600" algn="l" defTabSz="449263" rtl="0" eaLnBrk="0" fontAlgn="base" hangingPunct="0">
+              <a:spcBef>
+                <a:spcPct val="0"/>
+              </a:spcBef>
+              <a:spcAft>
+                <a:spcPct val="0"/>
+              </a:spcAft>
+              <a:defRPr kern="1200">
+                <a:solidFill>
+                  <a:schemeClr val="bg1"/>
+                </a:solidFill>
+                <a:latin typeface="Arial" panose="020B0604020202020204" pitchFamily="34" charset="0"/>
+                <a:ea typeface="AR PL Mingti2L Big5" charset="0"/>
+                <a:cs typeface="AR PL Mingti2L Big5" charset="0"/>
+              </a:defRPr>
+            </a:lvl3pPr>
+            <a:lvl4pPr marL="1600200" indent="-228600" algn="l" defTabSz="449263" rtl="0" eaLnBrk="0" fontAlgn="base" hangingPunct="0">
+              <a:spcBef>
+                <a:spcPct val="0"/>
+              </a:spcBef>
+              <a:spcAft>
+                <a:spcPct val="0"/>
+              </a:spcAft>
+              <a:defRPr kern="1200">
+                <a:solidFill>
+                  <a:schemeClr val="bg1"/>
+                </a:solidFill>
+                <a:latin typeface="Arial" panose="020B0604020202020204" pitchFamily="34" charset="0"/>
+                <a:ea typeface="AR PL Mingti2L Big5" charset="0"/>
+                <a:cs typeface="AR PL Mingti2L Big5" charset="0"/>
+              </a:defRPr>
+            </a:lvl4pPr>
+            <a:lvl5pPr marL="2057400" indent="-228600" algn="l" defTabSz="449263" rtl="0" eaLnBrk="0" fontAlgn="base" hangingPunct="0">
+              <a:spcBef>
+                <a:spcPct val="0"/>
+              </a:spcBef>
+              <a:spcAft>
+                <a:spcPct val="0"/>
+              </a:spcAft>
+              <a:defRPr kern="1200">
+                <a:solidFill>
+                  <a:schemeClr val="bg1"/>
+                </a:solidFill>
+                <a:latin typeface="Arial" panose="020B0604020202020204" pitchFamily="34" charset="0"/>
+                <a:ea typeface="AR PL Mingti2L Big5" charset="0"/>
+                <a:cs typeface="AR PL Mingti2L Big5" charset="0"/>
+              </a:defRPr>
+            </a:lvl5pPr>
+            <a:lvl6pPr marL="2286000" algn="l" defTabSz="914400" rtl="0" eaLnBrk="1" latinLnBrk="0" hangingPunct="1">
+              <a:defRPr kern="1200">
+                <a:solidFill>
+                  <a:schemeClr val="bg1"/>
+                </a:solidFill>
+                <a:latin typeface="Arial" panose="020B0604020202020204" pitchFamily="34" charset="0"/>
+                <a:ea typeface="AR PL Mingti2L Big5" charset="0"/>
+                <a:cs typeface="AR PL Mingti2L Big5" charset="0"/>
+              </a:defRPr>
+            </a:lvl6pPr>
+            <a:lvl7pPr marL="2743200" algn="l" defTabSz="914400" rtl="0" eaLnBrk="1" latinLnBrk="0" hangingPunct="1">
+              <a:defRPr kern="1200">
+                <a:solidFill>
+                  <a:schemeClr val="bg1"/>
+                </a:solidFill>
+                <a:latin typeface="Arial" panose="020B0604020202020204" pitchFamily="34" charset="0"/>
+                <a:ea typeface="AR PL Mingti2L Big5" charset="0"/>
+                <a:cs typeface="AR PL Mingti2L Big5" charset="0"/>
+              </a:defRPr>
+            </a:lvl7pPr>
+            <a:lvl8pPr marL="3200400" algn="l" defTabSz="914400" rtl="0" eaLnBrk="1" latinLnBrk="0" hangingPunct="1">
+              <a:defRPr kern="1200">
+                <a:solidFill>
+                  <a:schemeClr val="bg1"/>
+                </a:solidFill>
+                <a:latin typeface="Arial" panose="020B0604020202020204" pitchFamily="34" charset="0"/>
+                <a:ea typeface="AR PL Mingti2L Big5" charset="0"/>
+                <a:cs typeface="AR PL Mingti2L Big5" charset="0"/>
+              </a:defRPr>
+            </a:lvl8pPr>
+            <a:lvl9pPr marL="3657600" algn="l" defTabSz="914400" rtl="0" eaLnBrk="1" latinLnBrk="0" hangingPunct="1">
+              <a:defRPr kern="1200">
+                <a:solidFill>
+                  <a:schemeClr val="bg1"/>
+                </a:solidFill>
+                <a:latin typeface="Arial" panose="020B0604020202020204" pitchFamily="34" charset="0"/>
+                <a:ea typeface="AR PL Mingti2L Big5" charset="0"/>
+                <a:cs typeface="AR PL Mingti2L Big5" charset="0"/>
+              </a:defRPr>
+            </a:lvl9pPr>
+          </a:lstStyle>
+          <a:p>
+            <a:r>
+              <a:rPr lang="fi-FI" sz="2400" dirty="0" smtClean="0">
+                <a:solidFill>
+                  <a:schemeClr val="tx1">
+                    <a:lumMod val="65000"/>
+                    <a:lumOff val="35000"/>
+                  </a:schemeClr>
+                </a:solidFill>
+              </a:rPr>
+              <a:t>123 + 66</a:t>
+            </a:r>
+            <a:endParaRPr lang="fi-FI" sz="2400" dirty="0">
+              <a:solidFill>
+                <a:schemeClr val="tx1">
+                  <a:lumMod val="65000"/>
+                  <a:lumOff val="35000"/>
+                </a:schemeClr>
+              </a:solidFill>
+            </a:endParaRPr>
+          </a:p>
+        </p:txBody>
+      </p:sp>
+      <p:sp>
+        <p:nvSpPr>
+          <p:cNvPr id="17" name="Suorakulmio 2"/>
+          <p:cNvSpPr/>
+          <p:nvPr/>
+        </p:nvSpPr>
+        <p:spPr>
+          <a:xfrm>
+            <a:off x="3308617" y="2158160"/>
+            <a:ext cx="1211849" cy="461665"/>
+          </a:xfrm>
+          <a:prstGeom prst="rect">
+            <a:avLst/>
+          </a:prstGeom>
+          <a:solidFill>
+            <a:srgbClr val="FFE593"/>
+          </a:solidFill>
+        </p:spPr>
+        <p:txBody>
+          <a:bodyPr wrap="square">
+            <a:spAutoFit/>
+          </a:bodyPr>
+          <a:lstStyle>
+            <a:defPPr>
+              <a:defRPr lang="en-GB"/>
+            </a:defPPr>
+            <a:lvl1pPr algn="l" defTabSz="449263" rtl="0" eaLnBrk="0" fontAlgn="base" hangingPunct="0">
+              <a:spcBef>
+                <a:spcPct val="0"/>
+              </a:spcBef>
+              <a:spcAft>
+                <a:spcPct val="0"/>
+              </a:spcAft>
+              <a:defRPr kern="1200">
+                <a:solidFill>
+                  <a:schemeClr val="bg1"/>
+                </a:solidFill>
+                <a:latin typeface="Arial" panose="020B0604020202020204" pitchFamily="34" charset="0"/>
+                <a:ea typeface="AR PL Mingti2L Big5" charset="0"/>
+                <a:cs typeface="AR PL Mingti2L Big5" charset="0"/>
+              </a:defRPr>
+            </a:lvl1pPr>
+            <a:lvl2pPr marL="742950" indent="-285750" algn="l" defTabSz="449263" rtl="0" eaLnBrk="0" fontAlgn="base" hangingPunct="0">
+              <a:spcBef>
+                <a:spcPct val="0"/>
+              </a:spcBef>
+              <a:spcAft>
+                <a:spcPct val="0"/>
+              </a:spcAft>
+              <a:defRPr kern="1200">
+                <a:solidFill>
+                  <a:schemeClr val="bg1"/>
+                </a:solidFill>
+                <a:latin typeface="Arial" panose="020B0604020202020204" pitchFamily="34" charset="0"/>
+                <a:ea typeface="AR PL Mingti2L Big5" charset="0"/>
+                <a:cs typeface="AR PL Mingti2L Big5" charset="0"/>
+              </a:defRPr>
+            </a:lvl2pPr>
+            <a:lvl3pPr marL="1143000" indent="-228600" algn="l" defTabSz="449263" rtl="0" eaLnBrk="0" fontAlgn="base" hangingPunct="0">
+              <a:spcBef>
+                <a:spcPct val="0"/>
+              </a:spcBef>
+              <a:spcAft>
+                <a:spcPct val="0"/>
+              </a:spcAft>
+              <a:defRPr kern="1200">
+                <a:solidFill>
+                  <a:schemeClr val="bg1"/>
+                </a:solidFill>
+                <a:latin typeface="Arial" panose="020B0604020202020204" pitchFamily="34" charset="0"/>
+                <a:ea typeface="AR PL Mingti2L Big5" charset="0"/>
+                <a:cs typeface="AR PL Mingti2L Big5" charset="0"/>
+              </a:defRPr>
+            </a:lvl3pPr>
+            <a:lvl4pPr marL="1600200" indent="-228600" algn="l" defTabSz="449263" rtl="0" eaLnBrk="0" fontAlgn="base" hangingPunct="0">
+              <a:spcBef>
+                <a:spcPct val="0"/>
+              </a:spcBef>
+              <a:spcAft>
+                <a:spcPct val="0"/>
+              </a:spcAft>
+              <a:defRPr kern="1200">
+                <a:solidFill>
+                  <a:schemeClr val="bg1"/>
+                </a:solidFill>
+                <a:latin typeface="Arial" panose="020B0604020202020204" pitchFamily="34" charset="0"/>
+                <a:ea typeface="AR PL Mingti2L Big5" charset="0"/>
+                <a:cs typeface="AR PL Mingti2L Big5" charset="0"/>
+              </a:defRPr>
+            </a:lvl4pPr>
+            <a:lvl5pPr marL="2057400" indent="-228600" algn="l" defTabSz="449263" rtl="0" eaLnBrk="0" fontAlgn="base" hangingPunct="0">
+              <a:spcBef>
+                <a:spcPct val="0"/>
+              </a:spcBef>
+              <a:spcAft>
+                <a:spcPct val="0"/>
+              </a:spcAft>
+              <a:defRPr kern="1200">
+                <a:solidFill>
+                  <a:schemeClr val="bg1"/>
+                </a:solidFill>
+                <a:latin typeface="Arial" panose="020B0604020202020204" pitchFamily="34" charset="0"/>
+                <a:ea typeface="AR PL Mingti2L Big5" charset="0"/>
+                <a:cs typeface="AR PL Mingti2L Big5" charset="0"/>
+              </a:defRPr>
+            </a:lvl5pPr>
+            <a:lvl6pPr marL="2286000" algn="l" defTabSz="914400" rtl="0" eaLnBrk="1" latinLnBrk="0" hangingPunct="1">
+              <a:defRPr kern="1200">
+                <a:solidFill>
+                  <a:schemeClr val="bg1"/>
+                </a:solidFill>
+                <a:latin typeface="Arial" panose="020B0604020202020204" pitchFamily="34" charset="0"/>
+                <a:ea typeface="AR PL Mingti2L Big5" charset="0"/>
+                <a:cs typeface="AR PL Mingti2L Big5" charset="0"/>
+              </a:defRPr>
+            </a:lvl6pPr>
+            <a:lvl7pPr marL="2743200" algn="l" defTabSz="914400" rtl="0" eaLnBrk="1" latinLnBrk="0" hangingPunct="1">
+              <a:defRPr kern="1200">
+                <a:solidFill>
+                  <a:schemeClr val="bg1"/>
+                </a:solidFill>
+                <a:latin typeface="Arial" panose="020B0604020202020204" pitchFamily="34" charset="0"/>
+                <a:ea typeface="AR PL Mingti2L Big5" charset="0"/>
+                <a:cs typeface="AR PL Mingti2L Big5" charset="0"/>
+              </a:defRPr>
+            </a:lvl7pPr>
+            <a:lvl8pPr marL="3200400" algn="l" defTabSz="914400" rtl="0" eaLnBrk="1" latinLnBrk="0" hangingPunct="1">
+              <a:defRPr kern="1200">
+                <a:solidFill>
+                  <a:schemeClr val="bg1"/>
+                </a:solidFill>
+                <a:latin typeface="Arial" panose="020B0604020202020204" pitchFamily="34" charset="0"/>
+                <a:ea typeface="AR PL Mingti2L Big5" charset="0"/>
+                <a:cs typeface="AR PL Mingti2L Big5" charset="0"/>
+              </a:defRPr>
+            </a:lvl8pPr>
+            <a:lvl9pPr marL="3657600" algn="l" defTabSz="914400" rtl="0" eaLnBrk="1" latinLnBrk="0" hangingPunct="1">
+              <a:defRPr kern="1200">
+                <a:solidFill>
+                  <a:schemeClr val="bg1"/>
+                </a:solidFill>
+                <a:latin typeface="Arial" panose="020B0604020202020204" pitchFamily="34" charset="0"/>
+                <a:ea typeface="AR PL Mingti2L Big5" charset="0"/>
+                <a:cs typeface="AR PL Mingti2L Big5" charset="0"/>
+              </a:defRPr>
+            </a:lvl9pPr>
+          </a:lstStyle>
+          <a:p>
+            <a:r>
+              <a:rPr lang="fi-FI" sz="2400" dirty="0" smtClean="0">
+                <a:solidFill>
+                  <a:schemeClr val="tx1">
+                    <a:lumMod val="65000"/>
+                    <a:lumOff val="35000"/>
+                  </a:schemeClr>
+                </a:solidFill>
+              </a:rPr>
+              <a:t>54 + 37</a:t>
+            </a:r>
+            <a:endParaRPr lang="fi-FI" sz="2400" dirty="0">
+              <a:solidFill>
+                <a:schemeClr val="tx1">
+                  <a:lumMod val="65000"/>
+                  <a:lumOff val="35000"/>
+                </a:schemeClr>
+              </a:solidFill>
+            </a:endParaRPr>
+          </a:p>
+        </p:txBody>
+      </p:sp>
+      <p:grpSp>
+        <p:nvGrpSpPr>
+          <p:cNvPr id="4" name="Group 3"/>
+          <p:cNvGrpSpPr/>
+          <p:nvPr/>
+        </p:nvGrpSpPr>
+        <p:grpSpPr>
+          <a:xfrm>
+            <a:off x="179512" y="3140218"/>
+            <a:ext cx="8256441" cy="487894"/>
+            <a:chOff x="166849" y="2962608"/>
+            <a:chExt cx="8256441" cy="487894"/>
+          </a:xfrm>
+        </p:grpSpPr>
+        <p:sp>
+          <p:nvSpPr>
+            <p:cNvPr id="43" name="Suorakulmio 42"/>
+            <p:cNvSpPr/>
+            <p:nvPr/>
+          </p:nvSpPr>
+          <p:spPr>
+            <a:xfrm>
+              <a:off x="166849" y="3044146"/>
+              <a:ext cx="1074012" cy="338554"/>
+            </a:xfrm>
+            <a:prstGeom prst="rect">
+              <a:avLst/>
+            </a:prstGeom>
+            <a:solidFill>
+              <a:schemeClr val="accent2">
+                <a:lumMod val="75000"/>
+              </a:schemeClr>
+            </a:solidFill>
+          </p:spPr>
+          <p:txBody>
+            <a:bodyPr wrap="none">
+              <a:spAutoFit/>
+            </a:bodyPr>
+            <a:lstStyle/>
+            <a:p>
+              <a:r>
+                <a:rPr kumimoji="0" lang="fi-FI" sz="1600" b="0" i="0" u="none" strike="noStrike" cap="none" normalizeH="0" dirty="0">
+                  <a:ln>
+                    <a:noFill/>
+                  </a:ln>
+                  <a:effectLst/>
+                  <a:latin typeface="Arial" charset="0"/>
+                </a:rPr>
+                <a:t>Tehtävä </a:t>
+              </a:r>
+              <a:r>
+                <a:rPr lang="fi-FI" sz="1600" dirty="0">
+                  <a:latin typeface="Arial" charset="0"/>
+                </a:rPr>
+                <a:t>2</a:t>
+              </a:r>
+              <a:endParaRPr lang="fi-FI" sz="1600" dirty="0"/>
+            </a:p>
+          </p:txBody>
+        </p:sp>
+        <p:sp>
+          <p:nvSpPr>
+            <p:cNvPr id="47" name="Suorakulmio 46"/>
+            <p:cNvSpPr/>
+            <p:nvPr/>
+          </p:nvSpPr>
+          <p:spPr>
+            <a:xfrm>
+              <a:off x="1240861" y="2988837"/>
+              <a:ext cx="7182429" cy="461665"/>
+            </a:xfrm>
+            <a:prstGeom prst="rect">
+              <a:avLst/>
+            </a:prstGeom>
+            <a:noFill/>
+          </p:spPr>
+          <p:txBody>
+            <a:bodyPr wrap="square">
+              <a:spAutoFit/>
+            </a:bodyPr>
+            <a:lstStyle/>
+            <a:p>
+              <a:r>
+                <a:rPr lang="fi-FI" sz="2400" dirty="0" smtClean="0">
+                  <a:solidFill>
+                    <a:schemeClr val="tx1"/>
+                  </a:solidFill>
+                </a:rPr>
+                <a:t>  a</a:t>
+              </a:r>
+              <a:r>
+                <a:rPr lang="fi-FI" sz="2400" dirty="0">
+                  <a:solidFill>
+                    <a:schemeClr val="tx1"/>
+                  </a:solidFill>
+                </a:rPr>
+                <a:t>)             </a:t>
+              </a:r>
+              <a:r>
+                <a:rPr lang="fi-FI" sz="2400" dirty="0" smtClean="0">
+                  <a:solidFill>
+                    <a:schemeClr val="tx1"/>
+                  </a:solidFill>
+                </a:rPr>
+                <a:t> b</a:t>
+              </a:r>
+              <a:r>
+                <a:rPr lang="fi-FI" sz="2400" dirty="0">
+                  <a:solidFill>
+                    <a:schemeClr val="tx1"/>
+                  </a:solidFill>
+                </a:rPr>
+                <a:t>)                </a:t>
+              </a:r>
+              <a:r>
+                <a:rPr lang="fi-FI" sz="2400" dirty="0" smtClean="0">
+                  <a:solidFill>
+                    <a:schemeClr val="tx1"/>
+                  </a:solidFill>
+                </a:rPr>
+                <a:t> c</a:t>
+              </a:r>
+              <a:r>
+                <a:rPr lang="fi-FI" sz="2400" dirty="0">
+                  <a:solidFill>
+                    <a:schemeClr val="tx1"/>
+                  </a:solidFill>
+                </a:rPr>
+                <a:t>)                </a:t>
+              </a:r>
+              <a:r>
+                <a:rPr lang="fi-FI" sz="2400" dirty="0" smtClean="0">
+                  <a:solidFill>
+                    <a:schemeClr val="tx1"/>
+                  </a:solidFill>
+                </a:rPr>
+                <a:t> d</a:t>
+              </a:r>
+              <a:r>
+                <a:rPr lang="fi-FI" sz="2400" dirty="0">
+                  <a:solidFill>
+                    <a:schemeClr val="tx1"/>
+                  </a:solidFill>
+                </a:rPr>
+                <a:t>) </a:t>
+              </a:r>
+            </a:p>
+          </p:txBody>
+        </p:sp>
+        <p:sp>
+          <p:nvSpPr>
+            <p:cNvPr id="18" name="Suorakulmio 2"/>
+            <p:cNvSpPr/>
+            <p:nvPr/>
+          </p:nvSpPr>
+          <p:spPr>
+            <a:xfrm>
+              <a:off x="6700428" y="2962608"/>
+              <a:ext cx="1609968" cy="461665"/>
+            </a:xfrm>
+            <a:prstGeom prst="rect">
+              <a:avLst/>
+            </a:prstGeom>
+            <a:solidFill>
+              <a:srgbClr val="FFE593"/>
+            </a:solidFill>
+          </p:spPr>
+          <p:txBody>
+            <a:bodyPr wrap="square">
+              <a:spAutoFit/>
+            </a:bodyPr>
+            <a:lstStyle>
+              <a:defPPr>
+                <a:defRPr lang="en-GB"/>
+              </a:defPPr>
+              <a:lvl1pPr algn="l" defTabSz="449263" rtl="0" eaLnBrk="0" fontAlgn="base" hangingPunct="0">
+                <a:spcBef>
+                  <a:spcPct val="0"/>
+                </a:spcBef>
+                <a:spcAft>
+                  <a:spcPct val="0"/>
+                </a:spcAft>
+                <a:defRPr kern="1200">
+                  <a:solidFill>
+                    <a:schemeClr val="bg1"/>
+                  </a:solidFill>
+                  <a:latin typeface="Arial" panose="020B0604020202020204" pitchFamily="34" charset="0"/>
+                  <a:ea typeface="AR PL Mingti2L Big5" charset="0"/>
+                  <a:cs typeface="AR PL Mingti2L Big5" charset="0"/>
+                </a:defRPr>
+              </a:lvl1pPr>
+              <a:lvl2pPr marL="742950" indent="-285750" algn="l" defTabSz="449263" rtl="0" eaLnBrk="0" fontAlgn="base" hangingPunct="0">
+                <a:spcBef>
+                  <a:spcPct val="0"/>
+                </a:spcBef>
+                <a:spcAft>
+                  <a:spcPct val="0"/>
+                </a:spcAft>
+                <a:defRPr kern="1200">
+                  <a:solidFill>
+                    <a:schemeClr val="bg1"/>
+                  </a:solidFill>
+                  <a:latin typeface="Arial" panose="020B0604020202020204" pitchFamily="34" charset="0"/>
+                  <a:ea typeface="AR PL Mingti2L Big5" charset="0"/>
+                  <a:cs typeface="AR PL Mingti2L Big5" charset="0"/>
+                </a:defRPr>
+              </a:lvl2pPr>
+              <a:lvl3pPr marL="1143000" indent="-228600" algn="l" defTabSz="449263" rtl="0" eaLnBrk="0" fontAlgn="base" hangingPunct="0">
+                <a:spcBef>
+                  <a:spcPct val="0"/>
+                </a:spcBef>
+                <a:spcAft>
+                  <a:spcPct val="0"/>
+                </a:spcAft>
+                <a:defRPr kern="1200">
+                  <a:solidFill>
+                    <a:schemeClr val="bg1"/>
+                  </a:solidFill>
+                  <a:latin typeface="Arial" panose="020B0604020202020204" pitchFamily="34" charset="0"/>
+                  <a:ea typeface="AR PL Mingti2L Big5" charset="0"/>
+                  <a:cs typeface="AR PL Mingti2L Big5" charset="0"/>
+                </a:defRPr>
+              </a:lvl3pPr>
+              <a:lvl4pPr marL="1600200" indent="-228600" algn="l" defTabSz="449263" rtl="0" eaLnBrk="0" fontAlgn="base" hangingPunct="0">
+                <a:spcBef>
+                  <a:spcPct val="0"/>
+                </a:spcBef>
+                <a:spcAft>
+                  <a:spcPct val="0"/>
+                </a:spcAft>
+                <a:defRPr kern="1200">
+                  <a:solidFill>
+                    <a:schemeClr val="bg1"/>
+                  </a:solidFill>
+                  <a:latin typeface="Arial" panose="020B0604020202020204" pitchFamily="34" charset="0"/>
+                  <a:ea typeface="AR PL Mingti2L Big5" charset="0"/>
+                  <a:cs typeface="AR PL Mingti2L Big5" charset="0"/>
+                </a:defRPr>
+              </a:lvl4pPr>
+              <a:lvl5pPr marL="2057400" indent="-228600" algn="l" defTabSz="449263" rtl="0" eaLnBrk="0" fontAlgn="base" hangingPunct="0">
+                <a:spcBef>
+                  <a:spcPct val="0"/>
+                </a:spcBef>
+                <a:spcAft>
+                  <a:spcPct val="0"/>
+                </a:spcAft>
+                <a:defRPr kern="1200">
+                  <a:solidFill>
+                    <a:schemeClr val="bg1"/>
+                  </a:solidFill>
+                  <a:latin typeface="Arial" panose="020B0604020202020204" pitchFamily="34" charset="0"/>
+                  <a:ea typeface="AR PL Mingti2L Big5" charset="0"/>
+                  <a:cs typeface="AR PL Mingti2L Big5" charset="0"/>
+                </a:defRPr>
+              </a:lvl5pPr>
+              <a:lvl6pPr marL="2286000" algn="l" defTabSz="914400" rtl="0" eaLnBrk="1" latinLnBrk="0" hangingPunct="1">
+                <a:defRPr kern="1200">
+                  <a:solidFill>
+                    <a:schemeClr val="bg1"/>
+                  </a:solidFill>
+                  <a:latin typeface="Arial" panose="020B0604020202020204" pitchFamily="34" charset="0"/>
+                  <a:ea typeface="AR PL Mingti2L Big5" charset="0"/>
+                  <a:cs typeface="AR PL Mingti2L Big5" charset="0"/>
+                </a:defRPr>
+              </a:lvl6pPr>
+              <a:lvl7pPr marL="2743200" algn="l" defTabSz="914400" rtl="0" eaLnBrk="1" latinLnBrk="0" hangingPunct="1">
+                <a:defRPr kern="1200">
+                  <a:solidFill>
+                    <a:schemeClr val="bg1"/>
+                  </a:solidFill>
+                  <a:latin typeface="Arial" panose="020B0604020202020204" pitchFamily="34" charset="0"/>
+                  <a:ea typeface="AR PL Mingti2L Big5" charset="0"/>
+                  <a:cs typeface="AR PL Mingti2L Big5" charset="0"/>
+                </a:defRPr>
+              </a:lvl7pPr>
+              <a:lvl8pPr marL="3200400" algn="l" defTabSz="914400" rtl="0" eaLnBrk="1" latinLnBrk="0" hangingPunct="1">
+                <a:defRPr kern="1200">
+                  <a:solidFill>
+                    <a:schemeClr val="bg1"/>
+                  </a:solidFill>
+                  <a:latin typeface="Arial" panose="020B0604020202020204" pitchFamily="34" charset="0"/>
+                  <a:ea typeface="AR PL Mingti2L Big5" charset="0"/>
+                  <a:cs typeface="AR PL Mingti2L Big5" charset="0"/>
+                </a:defRPr>
+              </a:lvl8pPr>
+              <a:lvl9pPr marL="3657600" algn="l" defTabSz="914400" rtl="0" eaLnBrk="1" latinLnBrk="0" hangingPunct="1">
+                <a:defRPr kern="1200">
+                  <a:solidFill>
+                    <a:schemeClr val="bg1"/>
+                  </a:solidFill>
+                  <a:latin typeface="Arial" panose="020B0604020202020204" pitchFamily="34" charset="0"/>
+                  <a:ea typeface="AR PL Mingti2L Big5" charset="0"/>
+                  <a:cs typeface="AR PL Mingti2L Big5" charset="0"/>
+                </a:defRPr>
+              </a:lvl9pPr>
+            </a:lstStyle>
+            <a:p>
+              <a:r>
+                <a:rPr lang="fi-FI" sz="2400" dirty="0" smtClean="0">
+                  <a:solidFill>
+                    <a:schemeClr val="tx1">
+                      <a:lumMod val="65000"/>
+                      <a:lumOff val="35000"/>
+                    </a:schemeClr>
+                  </a:solidFill>
+                </a:rPr>
+                <a:t>550 - 300</a:t>
+              </a:r>
+              <a:endParaRPr lang="fi-FI" sz="2400" dirty="0">
+                <a:solidFill>
+                  <a:schemeClr val="tx1">
+                    <a:lumMod val="65000"/>
+                    <a:lumOff val="35000"/>
+                  </a:schemeClr>
+                </a:solidFill>
+              </a:endParaRPr>
+            </a:p>
+          </p:txBody>
+        </p:sp>
+        <p:sp>
+          <p:nvSpPr>
+            <p:cNvPr id="19" name="Suorakulmio 2"/>
+            <p:cNvSpPr/>
+            <p:nvPr/>
+          </p:nvSpPr>
+          <p:spPr>
+            <a:xfrm>
+              <a:off x="5020492" y="2982591"/>
+              <a:ext cx="1211849" cy="461665"/>
+            </a:xfrm>
+            <a:prstGeom prst="rect">
+              <a:avLst/>
+            </a:prstGeom>
+            <a:solidFill>
+              <a:srgbClr val="FFE593"/>
+            </a:solidFill>
+          </p:spPr>
+          <p:txBody>
+            <a:bodyPr wrap="square">
+              <a:spAutoFit/>
+            </a:bodyPr>
+            <a:lstStyle>
+              <a:defPPr>
+                <a:defRPr lang="en-GB"/>
+              </a:defPPr>
+              <a:lvl1pPr algn="l" defTabSz="449263" rtl="0" eaLnBrk="0" fontAlgn="base" hangingPunct="0">
+                <a:spcBef>
+                  <a:spcPct val="0"/>
+                </a:spcBef>
+                <a:spcAft>
+                  <a:spcPct val="0"/>
+                </a:spcAft>
+                <a:defRPr kern="1200">
+                  <a:solidFill>
+                    <a:schemeClr val="bg1"/>
+                  </a:solidFill>
+                  <a:latin typeface="Arial" panose="020B0604020202020204" pitchFamily="34" charset="0"/>
+                  <a:ea typeface="AR PL Mingti2L Big5" charset="0"/>
+                  <a:cs typeface="AR PL Mingti2L Big5" charset="0"/>
+                </a:defRPr>
+              </a:lvl1pPr>
+              <a:lvl2pPr marL="742950" indent="-285750" algn="l" defTabSz="449263" rtl="0" eaLnBrk="0" fontAlgn="base" hangingPunct="0">
+                <a:spcBef>
+                  <a:spcPct val="0"/>
+                </a:spcBef>
+                <a:spcAft>
+                  <a:spcPct val="0"/>
+                </a:spcAft>
+                <a:defRPr kern="1200">
+                  <a:solidFill>
+                    <a:schemeClr val="bg1"/>
+                  </a:solidFill>
+                  <a:latin typeface="Arial" panose="020B0604020202020204" pitchFamily="34" charset="0"/>
+                  <a:ea typeface="AR PL Mingti2L Big5" charset="0"/>
+                  <a:cs typeface="AR PL Mingti2L Big5" charset="0"/>
+                </a:defRPr>
+              </a:lvl2pPr>
+              <a:lvl3pPr marL="1143000" indent="-228600" algn="l" defTabSz="449263" rtl="0" eaLnBrk="0" fontAlgn="base" hangingPunct="0">
+                <a:spcBef>
+                  <a:spcPct val="0"/>
+                </a:spcBef>
+                <a:spcAft>
+                  <a:spcPct val="0"/>
+                </a:spcAft>
+                <a:defRPr kern="1200">
+                  <a:solidFill>
+                    <a:schemeClr val="bg1"/>
+                  </a:solidFill>
+                  <a:latin typeface="Arial" panose="020B0604020202020204" pitchFamily="34" charset="0"/>
+                  <a:ea typeface="AR PL Mingti2L Big5" charset="0"/>
+                  <a:cs typeface="AR PL Mingti2L Big5" charset="0"/>
+                </a:defRPr>
+              </a:lvl3pPr>
+              <a:lvl4pPr marL="1600200" indent="-228600" algn="l" defTabSz="449263" rtl="0" eaLnBrk="0" fontAlgn="base" hangingPunct="0">
+                <a:spcBef>
+                  <a:spcPct val="0"/>
+                </a:spcBef>
+                <a:spcAft>
+                  <a:spcPct val="0"/>
+                </a:spcAft>
+                <a:defRPr kern="1200">
+                  <a:solidFill>
+                    <a:schemeClr val="bg1"/>
+                  </a:solidFill>
+                  <a:latin typeface="Arial" panose="020B0604020202020204" pitchFamily="34" charset="0"/>
+                  <a:ea typeface="AR PL Mingti2L Big5" charset="0"/>
+                  <a:cs typeface="AR PL Mingti2L Big5" charset="0"/>
+                </a:defRPr>
+              </a:lvl4pPr>
+              <a:lvl5pPr marL="2057400" indent="-228600" algn="l" defTabSz="449263" rtl="0" eaLnBrk="0" fontAlgn="base" hangingPunct="0">
+                <a:spcBef>
+                  <a:spcPct val="0"/>
+                </a:spcBef>
+                <a:spcAft>
+                  <a:spcPct val="0"/>
+                </a:spcAft>
+                <a:defRPr kern="1200">
+                  <a:solidFill>
+                    <a:schemeClr val="bg1"/>
+                  </a:solidFill>
+                  <a:latin typeface="Arial" panose="020B0604020202020204" pitchFamily="34" charset="0"/>
+                  <a:ea typeface="AR PL Mingti2L Big5" charset="0"/>
+                  <a:cs typeface="AR PL Mingti2L Big5" charset="0"/>
+                </a:defRPr>
+              </a:lvl5pPr>
+              <a:lvl6pPr marL="2286000" algn="l" defTabSz="914400" rtl="0" eaLnBrk="1" latinLnBrk="0" hangingPunct="1">
+                <a:defRPr kern="1200">
+                  <a:solidFill>
+                    <a:schemeClr val="bg1"/>
+                  </a:solidFill>
+                  <a:latin typeface="Arial" panose="020B0604020202020204" pitchFamily="34" charset="0"/>
+                  <a:ea typeface="AR PL Mingti2L Big5" charset="0"/>
+                  <a:cs typeface="AR PL Mingti2L Big5" charset="0"/>
+                </a:defRPr>
+              </a:lvl6pPr>
+              <a:lvl7pPr marL="2743200" algn="l" defTabSz="914400" rtl="0" eaLnBrk="1" latinLnBrk="0" hangingPunct="1">
+                <a:defRPr kern="1200">
+                  <a:solidFill>
+                    <a:schemeClr val="bg1"/>
+                  </a:solidFill>
+                  <a:latin typeface="Arial" panose="020B0604020202020204" pitchFamily="34" charset="0"/>
+                  <a:ea typeface="AR PL Mingti2L Big5" charset="0"/>
+                  <a:cs typeface="AR PL Mingti2L Big5" charset="0"/>
+                </a:defRPr>
+              </a:lvl7pPr>
+              <a:lvl8pPr marL="3200400" algn="l" defTabSz="914400" rtl="0" eaLnBrk="1" latinLnBrk="0" hangingPunct="1">
+                <a:defRPr kern="1200">
+                  <a:solidFill>
+                    <a:schemeClr val="bg1"/>
+                  </a:solidFill>
+                  <a:latin typeface="Arial" panose="020B0604020202020204" pitchFamily="34" charset="0"/>
+                  <a:ea typeface="AR PL Mingti2L Big5" charset="0"/>
+                  <a:cs typeface="AR PL Mingti2L Big5" charset="0"/>
+                </a:defRPr>
+              </a:lvl8pPr>
+              <a:lvl9pPr marL="3657600" algn="l" defTabSz="914400" rtl="0" eaLnBrk="1" latinLnBrk="0" hangingPunct="1">
+                <a:defRPr kern="1200">
+                  <a:solidFill>
+                    <a:schemeClr val="bg1"/>
+                  </a:solidFill>
+                  <a:latin typeface="Arial" panose="020B0604020202020204" pitchFamily="34" charset="0"/>
+                  <a:ea typeface="AR PL Mingti2L Big5" charset="0"/>
+                  <a:cs typeface="AR PL Mingti2L Big5" charset="0"/>
+                </a:defRPr>
+              </a:lvl9pPr>
+            </a:lstStyle>
+            <a:p>
+              <a:r>
+                <a:rPr lang="fi-FI" sz="2400" dirty="0" smtClean="0">
+                  <a:solidFill>
+                    <a:schemeClr val="tx1">
+                      <a:lumMod val="65000"/>
+                      <a:lumOff val="35000"/>
+                    </a:schemeClr>
+                  </a:solidFill>
+                </a:rPr>
+                <a:t>44 </a:t>
+              </a:r>
+              <a:r>
+                <a:rPr lang="fi-FI" sz="2400" dirty="0">
+                  <a:solidFill>
+                    <a:schemeClr val="tx1">
+                      <a:lumMod val="65000"/>
+                      <a:lumOff val="35000"/>
+                    </a:schemeClr>
+                  </a:solidFill>
+                </a:rPr>
+                <a:t>-</a:t>
+              </a:r>
+              <a:r>
+                <a:rPr lang="fi-FI" sz="2400" dirty="0" smtClean="0">
+                  <a:solidFill>
+                    <a:schemeClr val="tx1">
+                      <a:lumMod val="65000"/>
+                      <a:lumOff val="35000"/>
+                    </a:schemeClr>
+                  </a:solidFill>
+                </a:rPr>
+                <a:t> 23</a:t>
+              </a:r>
+              <a:endParaRPr lang="fi-FI" sz="2400" dirty="0">
+                <a:solidFill>
+                  <a:schemeClr val="tx1">
+                    <a:lumMod val="65000"/>
+                    <a:lumOff val="35000"/>
+                  </a:schemeClr>
+                </a:solidFill>
+              </a:endParaRPr>
+            </a:p>
+          </p:txBody>
+        </p:sp>
+        <p:sp>
+          <p:nvSpPr>
+            <p:cNvPr id="20" name="Suorakulmio 2"/>
+            <p:cNvSpPr/>
+            <p:nvPr/>
+          </p:nvSpPr>
+          <p:spPr>
+            <a:xfrm>
+              <a:off x="3340556" y="2988837"/>
+              <a:ext cx="1211849" cy="461665"/>
+            </a:xfrm>
+            <a:prstGeom prst="rect">
+              <a:avLst/>
+            </a:prstGeom>
+            <a:solidFill>
+              <a:srgbClr val="FFE593"/>
+            </a:solidFill>
+          </p:spPr>
+          <p:txBody>
+            <a:bodyPr wrap="square">
+              <a:spAutoFit/>
+            </a:bodyPr>
+            <a:lstStyle>
+              <a:defPPr>
+                <a:defRPr lang="en-GB"/>
+              </a:defPPr>
+              <a:lvl1pPr algn="l" defTabSz="449263" rtl="0" eaLnBrk="0" fontAlgn="base" hangingPunct="0">
+                <a:spcBef>
+                  <a:spcPct val="0"/>
+                </a:spcBef>
+                <a:spcAft>
+                  <a:spcPct val="0"/>
+                </a:spcAft>
+                <a:defRPr kern="1200">
+                  <a:solidFill>
+                    <a:schemeClr val="bg1"/>
+                  </a:solidFill>
+                  <a:latin typeface="Arial" panose="020B0604020202020204" pitchFamily="34" charset="0"/>
+                  <a:ea typeface="AR PL Mingti2L Big5" charset="0"/>
+                  <a:cs typeface="AR PL Mingti2L Big5" charset="0"/>
+                </a:defRPr>
+              </a:lvl1pPr>
+              <a:lvl2pPr marL="742950" indent="-285750" algn="l" defTabSz="449263" rtl="0" eaLnBrk="0" fontAlgn="base" hangingPunct="0">
+                <a:spcBef>
+                  <a:spcPct val="0"/>
+                </a:spcBef>
+                <a:spcAft>
+                  <a:spcPct val="0"/>
+                </a:spcAft>
+                <a:defRPr kern="1200">
+                  <a:solidFill>
+                    <a:schemeClr val="bg1"/>
+                  </a:solidFill>
+                  <a:latin typeface="Arial" panose="020B0604020202020204" pitchFamily="34" charset="0"/>
+                  <a:ea typeface="AR PL Mingti2L Big5" charset="0"/>
+                  <a:cs typeface="AR PL Mingti2L Big5" charset="0"/>
+                </a:defRPr>
+              </a:lvl2pPr>
+              <a:lvl3pPr marL="1143000" indent="-228600" algn="l" defTabSz="449263" rtl="0" eaLnBrk="0" fontAlgn="base" hangingPunct="0">
+                <a:spcBef>
+                  <a:spcPct val="0"/>
+                </a:spcBef>
+                <a:spcAft>
+                  <a:spcPct val="0"/>
+                </a:spcAft>
+                <a:defRPr kern="1200">
+                  <a:solidFill>
+                    <a:schemeClr val="bg1"/>
+                  </a:solidFill>
+                  <a:latin typeface="Arial" panose="020B0604020202020204" pitchFamily="34" charset="0"/>
+                  <a:ea typeface="AR PL Mingti2L Big5" charset="0"/>
+                  <a:cs typeface="AR PL Mingti2L Big5" charset="0"/>
+                </a:defRPr>
+              </a:lvl3pPr>
+              <a:lvl4pPr marL="1600200" indent="-228600" algn="l" defTabSz="449263" rtl="0" eaLnBrk="0" fontAlgn="base" hangingPunct="0">
+                <a:spcBef>
+                  <a:spcPct val="0"/>
+                </a:spcBef>
+                <a:spcAft>
+                  <a:spcPct val="0"/>
+                </a:spcAft>
+                <a:defRPr kern="1200">
+                  <a:solidFill>
+                    <a:schemeClr val="bg1"/>
+                  </a:solidFill>
+                  <a:latin typeface="Arial" panose="020B0604020202020204" pitchFamily="34" charset="0"/>
+                  <a:ea typeface="AR PL Mingti2L Big5" charset="0"/>
+                  <a:cs typeface="AR PL Mingti2L Big5" charset="0"/>
+                </a:defRPr>
+              </a:lvl4pPr>
+              <a:lvl5pPr marL="2057400" indent="-228600" algn="l" defTabSz="449263" rtl="0" eaLnBrk="0" fontAlgn="base" hangingPunct="0">
+                <a:spcBef>
+                  <a:spcPct val="0"/>
+                </a:spcBef>
+                <a:spcAft>
+                  <a:spcPct val="0"/>
+                </a:spcAft>
+                <a:defRPr kern="1200">
+                  <a:solidFill>
+                    <a:schemeClr val="bg1"/>
+                  </a:solidFill>
+                  <a:latin typeface="Arial" panose="020B0604020202020204" pitchFamily="34" charset="0"/>
+                  <a:ea typeface="AR PL Mingti2L Big5" charset="0"/>
+                  <a:cs typeface="AR PL Mingti2L Big5" charset="0"/>
+                </a:defRPr>
+              </a:lvl5pPr>
+              <a:lvl6pPr marL="2286000" algn="l" defTabSz="914400" rtl="0" eaLnBrk="1" latinLnBrk="0" hangingPunct="1">
+                <a:defRPr kern="1200">
+                  <a:solidFill>
+                    <a:schemeClr val="bg1"/>
+                  </a:solidFill>
+                  <a:latin typeface="Arial" panose="020B0604020202020204" pitchFamily="34" charset="0"/>
+                  <a:ea typeface="AR PL Mingti2L Big5" charset="0"/>
+                  <a:cs typeface="AR PL Mingti2L Big5" charset="0"/>
+                </a:defRPr>
+              </a:lvl6pPr>
+              <a:lvl7pPr marL="2743200" algn="l" defTabSz="914400" rtl="0" eaLnBrk="1" latinLnBrk="0" hangingPunct="1">
+                <a:defRPr kern="1200">
+                  <a:solidFill>
+                    <a:schemeClr val="bg1"/>
+                  </a:solidFill>
+                  <a:latin typeface="Arial" panose="020B0604020202020204" pitchFamily="34" charset="0"/>
+                  <a:ea typeface="AR PL Mingti2L Big5" charset="0"/>
+                  <a:cs typeface="AR PL Mingti2L Big5" charset="0"/>
+                </a:defRPr>
+              </a:lvl7pPr>
+              <a:lvl8pPr marL="3200400" algn="l" defTabSz="914400" rtl="0" eaLnBrk="1" latinLnBrk="0" hangingPunct="1">
+                <a:defRPr kern="1200">
+                  <a:solidFill>
+                    <a:schemeClr val="bg1"/>
+                  </a:solidFill>
+                  <a:latin typeface="Arial" panose="020B0604020202020204" pitchFamily="34" charset="0"/>
+                  <a:ea typeface="AR PL Mingti2L Big5" charset="0"/>
+                  <a:cs typeface="AR PL Mingti2L Big5" charset="0"/>
+                </a:defRPr>
+              </a:lvl8pPr>
+              <a:lvl9pPr marL="3657600" algn="l" defTabSz="914400" rtl="0" eaLnBrk="1" latinLnBrk="0" hangingPunct="1">
+                <a:defRPr kern="1200">
+                  <a:solidFill>
+                    <a:schemeClr val="bg1"/>
+                  </a:solidFill>
+                  <a:latin typeface="Arial" panose="020B0604020202020204" pitchFamily="34" charset="0"/>
+                  <a:ea typeface="AR PL Mingti2L Big5" charset="0"/>
+                  <a:cs typeface="AR PL Mingti2L Big5" charset="0"/>
+                </a:defRPr>
+              </a:lvl9pPr>
+            </a:lstStyle>
+            <a:p>
+              <a:r>
+                <a:rPr lang="fi-FI" sz="2400" dirty="0" smtClean="0">
+                  <a:solidFill>
+                    <a:schemeClr val="tx1">
+                      <a:lumMod val="65000"/>
+                      <a:lumOff val="35000"/>
+                    </a:schemeClr>
+                  </a:solidFill>
+                </a:rPr>
+                <a:t>20 </a:t>
+              </a:r>
+              <a:r>
+                <a:rPr lang="fi-FI" sz="2400" dirty="0">
+                  <a:solidFill>
+                    <a:schemeClr val="tx1">
+                      <a:lumMod val="65000"/>
+                      <a:lumOff val="35000"/>
+                    </a:schemeClr>
+                  </a:solidFill>
+                </a:rPr>
+                <a:t>-</a:t>
+              </a:r>
+              <a:r>
+                <a:rPr lang="fi-FI" sz="2400" dirty="0" smtClean="0">
+                  <a:solidFill>
+                    <a:schemeClr val="tx1">
+                      <a:lumMod val="65000"/>
+                      <a:lumOff val="35000"/>
+                    </a:schemeClr>
+                  </a:solidFill>
+                </a:rPr>
+                <a:t> 66</a:t>
+              </a:r>
+              <a:endParaRPr lang="fi-FI" sz="2400" dirty="0">
+                <a:solidFill>
+                  <a:schemeClr val="tx1">
+                    <a:lumMod val="65000"/>
+                    <a:lumOff val="35000"/>
+                  </a:schemeClr>
+                </a:solidFill>
+              </a:endParaRPr>
+            </a:p>
+          </p:txBody>
+        </p:sp>
+        <p:sp>
+          <p:nvSpPr>
+            <p:cNvPr id="22" name="Suorakulmio 2"/>
+            <p:cNvSpPr/>
+            <p:nvPr/>
+          </p:nvSpPr>
+          <p:spPr>
+            <a:xfrm>
+              <a:off x="1873023" y="2962977"/>
+              <a:ext cx="999446" cy="461665"/>
+            </a:xfrm>
+            <a:prstGeom prst="rect">
+              <a:avLst/>
+            </a:prstGeom>
+            <a:solidFill>
+              <a:srgbClr val="FFE593"/>
+            </a:solidFill>
+          </p:spPr>
+          <p:txBody>
+            <a:bodyPr wrap="square">
+              <a:spAutoFit/>
+            </a:bodyPr>
+            <a:lstStyle>
+              <a:defPPr>
+                <a:defRPr lang="en-GB"/>
+              </a:defPPr>
+              <a:lvl1pPr algn="l" defTabSz="449263" rtl="0" eaLnBrk="0" fontAlgn="base" hangingPunct="0">
+                <a:spcBef>
+                  <a:spcPct val="0"/>
+                </a:spcBef>
+                <a:spcAft>
+                  <a:spcPct val="0"/>
+                </a:spcAft>
+                <a:defRPr kern="1200">
+                  <a:solidFill>
+                    <a:schemeClr val="bg1"/>
+                  </a:solidFill>
+                  <a:latin typeface="Arial" panose="020B0604020202020204" pitchFamily="34" charset="0"/>
+                  <a:ea typeface="AR PL Mingti2L Big5" charset="0"/>
+                  <a:cs typeface="AR PL Mingti2L Big5" charset="0"/>
+                </a:defRPr>
+              </a:lvl1pPr>
+              <a:lvl2pPr marL="742950" indent="-285750" algn="l" defTabSz="449263" rtl="0" eaLnBrk="0" fontAlgn="base" hangingPunct="0">
+                <a:spcBef>
+                  <a:spcPct val="0"/>
+                </a:spcBef>
+                <a:spcAft>
+                  <a:spcPct val="0"/>
+                </a:spcAft>
+                <a:defRPr kern="1200">
+                  <a:solidFill>
+                    <a:schemeClr val="bg1"/>
+                  </a:solidFill>
+                  <a:latin typeface="Arial" panose="020B0604020202020204" pitchFamily="34" charset="0"/>
+                  <a:ea typeface="AR PL Mingti2L Big5" charset="0"/>
+                  <a:cs typeface="AR PL Mingti2L Big5" charset="0"/>
+                </a:defRPr>
+              </a:lvl2pPr>
+              <a:lvl3pPr marL="1143000" indent="-228600" algn="l" defTabSz="449263" rtl="0" eaLnBrk="0" fontAlgn="base" hangingPunct="0">
+                <a:spcBef>
+                  <a:spcPct val="0"/>
+                </a:spcBef>
+                <a:spcAft>
+                  <a:spcPct val="0"/>
+                </a:spcAft>
+                <a:defRPr kern="1200">
+                  <a:solidFill>
+                    <a:schemeClr val="bg1"/>
+                  </a:solidFill>
+                  <a:latin typeface="Arial" panose="020B0604020202020204" pitchFamily="34" charset="0"/>
+                  <a:ea typeface="AR PL Mingti2L Big5" charset="0"/>
+                  <a:cs typeface="AR PL Mingti2L Big5" charset="0"/>
+                </a:defRPr>
+              </a:lvl3pPr>
+              <a:lvl4pPr marL="1600200" indent="-228600" algn="l" defTabSz="449263" rtl="0" eaLnBrk="0" fontAlgn="base" hangingPunct="0">
+                <a:spcBef>
+                  <a:spcPct val="0"/>
+                </a:spcBef>
+                <a:spcAft>
+                  <a:spcPct val="0"/>
+                </a:spcAft>
+                <a:defRPr kern="1200">
+                  <a:solidFill>
+                    <a:schemeClr val="bg1"/>
+                  </a:solidFill>
+                  <a:latin typeface="Arial" panose="020B0604020202020204" pitchFamily="34" charset="0"/>
+                  <a:ea typeface="AR PL Mingti2L Big5" charset="0"/>
+                  <a:cs typeface="AR PL Mingti2L Big5" charset="0"/>
+                </a:defRPr>
+              </a:lvl4pPr>
+              <a:lvl5pPr marL="2057400" indent="-228600" algn="l" defTabSz="449263" rtl="0" eaLnBrk="0" fontAlgn="base" hangingPunct="0">
+                <a:spcBef>
+                  <a:spcPct val="0"/>
+                </a:spcBef>
+                <a:spcAft>
+                  <a:spcPct val="0"/>
+                </a:spcAft>
+                <a:defRPr kern="1200">
+                  <a:solidFill>
+                    <a:schemeClr val="bg1"/>
+                  </a:solidFill>
+                  <a:latin typeface="Arial" panose="020B0604020202020204" pitchFamily="34" charset="0"/>
+                  <a:ea typeface="AR PL Mingti2L Big5" charset="0"/>
+                  <a:cs typeface="AR PL Mingti2L Big5" charset="0"/>
+                </a:defRPr>
+              </a:lvl5pPr>
+              <a:lvl6pPr marL="2286000" algn="l" defTabSz="914400" rtl="0" eaLnBrk="1" latinLnBrk="0" hangingPunct="1">
+                <a:defRPr kern="1200">
+                  <a:solidFill>
+                    <a:schemeClr val="bg1"/>
+                  </a:solidFill>
+                  <a:latin typeface="Arial" panose="020B0604020202020204" pitchFamily="34" charset="0"/>
+                  <a:ea typeface="AR PL Mingti2L Big5" charset="0"/>
+                  <a:cs typeface="AR PL Mingti2L Big5" charset="0"/>
+                </a:defRPr>
+              </a:lvl6pPr>
+              <a:lvl7pPr marL="2743200" algn="l" defTabSz="914400" rtl="0" eaLnBrk="1" latinLnBrk="0" hangingPunct="1">
+                <a:defRPr kern="1200">
+                  <a:solidFill>
+                    <a:schemeClr val="bg1"/>
+                  </a:solidFill>
+                  <a:latin typeface="Arial" panose="020B0604020202020204" pitchFamily="34" charset="0"/>
+                  <a:ea typeface="AR PL Mingti2L Big5" charset="0"/>
+                  <a:cs typeface="AR PL Mingti2L Big5" charset="0"/>
+                </a:defRPr>
+              </a:lvl7pPr>
+              <a:lvl8pPr marL="3200400" algn="l" defTabSz="914400" rtl="0" eaLnBrk="1" latinLnBrk="0" hangingPunct="1">
+                <a:defRPr kern="1200">
+                  <a:solidFill>
+                    <a:schemeClr val="bg1"/>
+                  </a:solidFill>
+                  <a:latin typeface="Arial" panose="020B0604020202020204" pitchFamily="34" charset="0"/>
+                  <a:ea typeface="AR PL Mingti2L Big5" charset="0"/>
+                  <a:cs typeface="AR PL Mingti2L Big5" charset="0"/>
+                </a:defRPr>
+              </a:lvl8pPr>
+              <a:lvl9pPr marL="3657600" algn="l" defTabSz="914400" rtl="0" eaLnBrk="1" latinLnBrk="0" hangingPunct="1">
+                <a:defRPr kern="1200">
+                  <a:solidFill>
+                    <a:schemeClr val="bg1"/>
+                  </a:solidFill>
+                  <a:latin typeface="Arial" panose="020B0604020202020204" pitchFamily="34" charset="0"/>
+                  <a:ea typeface="AR PL Mingti2L Big5" charset="0"/>
+                  <a:cs typeface="AR PL Mingti2L Big5" charset="0"/>
+                </a:defRPr>
+              </a:lvl9pPr>
+            </a:lstStyle>
+            <a:p>
+              <a:r>
+                <a:rPr lang="fi-FI" sz="2400" dirty="0" smtClean="0">
+                  <a:solidFill>
+                    <a:schemeClr val="tx1">
+                      <a:lumMod val="65000"/>
+                      <a:lumOff val="35000"/>
+                    </a:schemeClr>
+                  </a:solidFill>
+                </a:rPr>
+                <a:t>10 - 6</a:t>
+              </a:r>
+              <a:endParaRPr lang="fi-FI" sz="2400" dirty="0">
+                <a:solidFill>
+                  <a:schemeClr val="tx1">
+                    <a:lumMod val="65000"/>
+                    <a:lumOff val="35000"/>
+                  </a:schemeClr>
+                </a:solidFill>
+              </a:endParaRPr>
+            </a:p>
+          </p:txBody>
+        </p:sp>
+      </p:grpSp>
+      <p:grpSp>
+        <p:nvGrpSpPr>
+          <p:cNvPr id="2" name="Group 1"/>
+          <p:cNvGrpSpPr/>
+          <p:nvPr/>
+        </p:nvGrpSpPr>
+        <p:grpSpPr>
+          <a:xfrm>
+            <a:off x="166849" y="4146883"/>
+            <a:ext cx="7937015" cy="489504"/>
+            <a:chOff x="166849" y="4108748"/>
+            <a:chExt cx="7937015" cy="489504"/>
+          </a:xfrm>
+        </p:grpSpPr>
+        <p:sp>
+          <p:nvSpPr>
+            <p:cNvPr id="45" name="Suorakulmio 44"/>
+            <p:cNvSpPr/>
+            <p:nvPr/>
+          </p:nvSpPr>
+          <p:spPr>
+            <a:xfrm>
+              <a:off x="166849" y="4148454"/>
+              <a:ext cx="1104566" cy="338554"/>
+            </a:xfrm>
+            <a:prstGeom prst="rect">
+              <a:avLst/>
+            </a:prstGeom>
+            <a:solidFill>
+              <a:schemeClr val="accent2">
+                <a:lumMod val="75000"/>
+              </a:schemeClr>
+            </a:solidFill>
+          </p:spPr>
+          <p:txBody>
+            <a:bodyPr wrap="square">
+              <a:spAutoFit/>
+            </a:bodyPr>
+            <a:lstStyle/>
+            <a:p>
+              <a:r>
+                <a:rPr kumimoji="0" lang="fi-FI" sz="1600" b="0" i="0" u="none" strike="noStrike" cap="none" normalizeH="0" dirty="0">
+                  <a:ln>
+                    <a:noFill/>
+                  </a:ln>
+                  <a:effectLst/>
+                  <a:latin typeface="Arial" charset="0"/>
+                </a:rPr>
+                <a:t>Tehtävä </a:t>
+              </a:r>
+              <a:r>
+                <a:rPr lang="fi-FI" sz="1600" dirty="0">
+                  <a:latin typeface="Arial" charset="0"/>
+                </a:rPr>
+                <a:t>3</a:t>
+              </a:r>
+              <a:endParaRPr lang="fi-FI" sz="1600" dirty="0"/>
+            </a:p>
+          </p:txBody>
+        </p:sp>
+        <p:sp>
+          <p:nvSpPr>
+            <p:cNvPr id="21" name="Suorakulmio 46"/>
+            <p:cNvSpPr/>
+            <p:nvPr/>
+          </p:nvSpPr>
+          <p:spPr>
+            <a:xfrm>
+              <a:off x="1341987" y="4126400"/>
+              <a:ext cx="6761877" cy="430887"/>
+            </a:xfrm>
+            <a:prstGeom prst="rect">
+              <a:avLst/>
+            </a:prstGeom>
+            <a:noFill/>
+          </p:spPr>
+          <p:txBody>
+            <a:bodyPr wrap="square">
+              <a:spAutoFit/>
+            </a:bodyPr>
+            <a:lstStyle/>
+            <a:p>
+              <a:r>
+                <a:rPr lang="fi-FI" sz="2200" dirty="0" smtClean="0">
+                  <a:solidFill>
+                    <a:schemeClr val="tx1"/>
+                  </a:solidFill>
+                  <a:latin typeface="Arial" charset="0"/>
+                </a:rPr>
+                <a:t> a) </a:t>
+              </a:r>
+              <a:r>
+                <a:rPr lang="fi-FI" sz="2200" dirty="0">
+                  <a:solidFill>
+                    <a:schemeClr val="tx1"/>
+                  </a:solidFill>
+                  <a:latin typeface="Arial" charset="0"/>
+                </a:rPr>
+                <a:t> </a:t>
+              </a:r>
+              <a:r>
+                <a:rPr lang="fi-FI" sz="2200" dirty="0" smtClean="0">
+                  <a:solidFill>
+                    <a:schemeClr val="tx1"/>
+                  </a:solidFill>
+                  <a:latin typeface="Arial" charset="0"/>
+                </a:rPr>
+                <a:t>           b)                      c)               d)</a:t>
+              </a:r>
+              <a:endParaRPr lang="fi-FI" sz="2200" dirty="0">
+                <a:solidFill>
+                  <a:schemeClr val="tx1"/>
+                </a:solidFill>
+                <a:latin typeface="Arial" charset="0"/>
+              </a:endParaRPr>
+            </a:p>
+          </p:txBody>
+        </p:sp>
+        <p:sp>
+          <p:nvSpPr>
+            <p:cNvPr id="23" name="Suorakulmio 2"/>
+            <p:cNvSpPr/>
+            <p:nvPr/>
+          </p:nvSpPr>
+          <p:spPr>
+            <a:xfrm>
+              <a:off x="1846021" y="4131323"/>
+              <a:ext cx="844307" cy="461665"/>
+            </a:xfrm>
+            <a:prstGeom prst="rect">
+              <a:avLst/>
+            </a:prstGeom>
+            <a:solidFill>
+              <a:srgbClr val="FFE593"/>
+            </a:solidFill>
+          </p:spPr>
+          <p:txBody>
+            <a:bodyPr wrap="square">
+              <a:spAutoFit/>
+            </a:bodyPr>
+            <a:lstStyle>
+              <a:defPPr>
+                <a:defRPr lang="en-GB"/>
+              </a:defPPr>
+              <a:lvl1pPr algn="l" defTabSz="449263" rtl="0" eaLnBrk="0" fontAlgn="base" hangingPunct="0">
+                <a:spcBef>
+                  <a:spcPct val="0"/>
+                </a:spcBef>
+                <a:spcAft>
+                  <a:spcPct val="0"/>
+                </a:spcAft>
+                <a:defRPr kern="1200">
+                  <a:solidFill>
+                    <a:schemeClr val="bg1"/>
+                  </a:solidFill>
+                  <a:latin typeface="Arial" panose="020B0604020202020204" pitchFamily="34" charset="0"/>
+                  <a:ea typeface="AR PL Mingti2L Big5" charset="0"/>
+                  <a:cs typeface="AR PL Mingti2L Big5" charset="0"/>
+                </a:defRPr>
+              </a:lvl1pPr>
+              <a:lvl2pPr marL="742950" indent="-285750" algn="l" defTabSz="449263" rtl="0" eaLnBrk="0" fontAlgn="base" hangingPunct="0">
+                <a:spcBef>
+                  <a:spcPct val="0"/>
+                </a:spcBef>
+                <a:spcAft>
+                  <a:spcPct val="0"/>
+                </a:spcAft>
+                <a:defRPr kern="1200">
+                  <a:solidFill>
+                    <a:schemeClr val="bg1"/>
+                  </a:solidFill>
+                  <a:latin typeface="Arial" panose="020B0604020202020204" pitchFamily="34" charset="0"/>
+                  <a:ea typeface="AR PL Mingti2L Big5" charset="0"/>
+                  <a:cs typeface="AR PL Mingti2L Big5" charset="0"/>
+                </a:defRPr>
+              </a:lvl2pPr>
+              <a:lvl3pPr marL="1143000" indent="-228600" algn="l" defTabSz="449263" rtl="0" eaLnBrk="0" fontAlgn="base" hangingPunct="0">
+                <a:spcBef>
+                  <a:spcPct val="0"/>
+                </a:spcBef>
+                <a:spcAft>
+                  <a:spcPct val="0"/>
+                </a:spcAft>
+                <a:defRPr kern="1200">
+                  <a:solidFill>
+                    <a:schemeClr val="bg1"/>
+                  </a:solidFill>
+                  <a:latin typeface="Arial" panose="020B0604020202020204" pitchFamily="34" charset="0"/>
+                  <a:ea typeface="AR PL Mingti2L Big5" charset="0"/>
+                  <a:cs typeface="AR PL Mingti2L Big5" charset="0"/>
+                </a:defRPr>
+              </a:lvl3pPr>
+              <a:lvl4pPr marL="1600200" indent="-228600" algn="l" defTabSz="449263" rtl="0" eaLnBrk="0" fontAlgn="base" hangingPunct="0">
+                <a:spcBef>
+                  <a:spcPct val="0"/>
+                </a:spcBef>
+                <a:spcAft>
+                  <a:spcPct val="0"/>
+                </a:spcAft>
+                <a:defRPr kern="1200">
+                  <a:solidFill>
+                    <a:schemeClr val="bg1"/>
+                  </a:solidFill>
+                  <a:latin typeface="Arial" panose="020B0604020202020204" pitchFamily="34" charset="0"/>
+                  <a:ea typeface="AR PL Mingti2L Big5" charset="0"/>
+                  <a:cs typeface="AR PL Mingti2L Big5" charset="0"/>
+                </a:defRPr>
+              </a:lvl4pPr>
+              <a:lvl5pPr marL="2057400" indent="-228600" algn="l" defTabSz="449263" rtl="0" eaLnBrk="0" fontAlgn="base" hangingPunct="0">
+                <a:spcBef>
+                  <a:spcPct val="0"/>
+                </a:spcBef>
+                <a:spcAft>
+                  <a:spcPct val="0"/>
+                </a:spcAft>
+                <a:defRPr kern="1200">
+                  <a:solidFill>
+                    <a:schemeClr val="bg1"/>
+                  </a:solidFill>
+                  <a:latin typeface="Arial" panose="020B0604020202020204" pitchFamily="34" charset="0"/>
+                  <a:ea typeface="AR PL Mingti2L Big5" charset="0"/>
+                  <a:cs typeface="AR PL Mingti2L Big5" charset="0"/>
+                </a:defRPr>
+              </a:lvl5pPr>
+              <a:lvl6pPr marL="2286000" algn="l" defTabSz="914400" rtl="0" eaLnBrk="1" latinLnBrk="0" hangingPunct="1">
+                <a:defRPr kern="1200">
+                  <a:solidFill>
+                    <a:schemeClr val="bg1"/>
+                  </a:solidFill>
+                  <a:latin typeface="Arial" panose="020B0604020202020204" pitchFamily="34" charset="0"/>
+                  <a:ea typeface="AR PL Mingti2L Big5" charset="0"/>
+                  <a:cs typeface="AR PL Mingti2L Big5" charset="0"/>
+                </a:defRPr>
+              </a:lvl6pPr>
+              <a:lvl7pPr marL="2743200" algn="l" defTabSz="914400" rtl="0" eaLnBrk="1" latinLnBrk="0" hangingPunct="1">
+                <a:defRPr kern="1200">
+                  <a:solidFill>
+                    <a:schemeClr val="bg1"/>
+                  </a:solidFill>
+                  <a:latin typeface="Arial" panose="020B0604020202020204" pitchFamily="34" charset="0"/>
+                  <a:ea typeface="AR PL Mingti2L Big5" charset="0"/>
+                  <a:cs typeface="AR PL Mingti2L Big5" charset="0"/>
+                </a:defRPr>
+              </a:lvl7pPr>
+              <a:lvl8pPr marL="3200400" algn="l" defTabSz="914400" rtl="0" eaLnBrk="1" latinLnBrk="0" hangingPunct="1">
+                <a:defRPr kern="1200">
+                  <a:solidFill>
+                    <a:schemeClr val="bg1"/>
+                  </a:solidFill>
+                  <a:latin typeface="Arial" panose="020B0604020202020204" pitchFamily="34" charset="0"/>
+                  <a:ea typeface="AR PL Mingti2L Big5" charset="0"/>
+                  <a:cs typeface="AR PL Mingti2L Big5" charset="0"/>
+                </a:defRPr>
+              </a:lvl8pPr>
+              <a:lvl9pPr marL="3657600" algn="l" defTabSz="914400" rtl="0" eaLnBrk="1" latinLnBrk="0" hangingPunct="1">
+                <a:defRPr kern="1200">
+                  <a:solidFill>
+                    <a:schemeClr val="bg1"/>
+                  </a:solidFill>
+                  <a:latin typeface="Arial" panose="020B0604020202020204" pitchFamily="34" charset="0"/>
+                  <a:ea typeface="AR PL Mingti2L Big5" charset="0"/>
+                  <a:cs typeface="AR PL Mingti2L Big5" charset="0"/>
+                </a:defRPr>
+              </a:lvl9pPr>
+            </a:lstStyle>
+            <a:p>
+              <a:r>
+                <a:rPr lang="fi-FI" sz="2400" dirty="0">
+                  <a:solidFill>
+                    <a:schemeClr val="tx1">
+                      <a:lumMod val="65000"/>
+                      <a:lumOff val="35000"/>
+                    </a:schemeClr>
+                  </a:solidFill>
+                </a:rPr>
+                <a:t>3</a:t>
+              </a:r>
+              <a:r>
+                <a:rPr lang="fi-FI" sz="2400" dirty="0" smtClean="0">
+                  <a:solidFill>
+                    <a:schemeClr val="tx1">
+                      <a:lumMod val="65000"/>
+                      <a:lumOff val="35000"/>
+                    </a:schemeClr>
+                  </a:solidFill>
+                </a:rPr>
+                <a:t> </a:t>
+              </a:r>
+              <a:r>
+                <a:rPr lang="fi-FI" sz="2400" dirty="0">
+                  <a:solidFill>
+                    <a:schemeClr val="tx1">
+                      <a:lumMod val="65000"/>
+                      <a:lumOff val="35000"/>
+                    </a:schemeClr>
+                  </a:solidFill>
+                </a:rPr>
+                <a:t>*</a:t>
+              </a:r>
+              <a:r>
+                <a:rPr lang="fi-FI" sz="2400" dirty="0" smtClean="0">
+                  <a:solidFill>
+                    <a:schemeClr val="tx1">
+                      <a:lumMod val="65000"/>
+                      <a:lumOff val="35000"/>
+                    </a:schemeClr>
+                  </a:solidFill>
+                </a:rPr>
+                <a:t> 9</a:t>
+              </a:r>
+              <a:endParaRPr lang="fi-FI" sz="2400" dirty="0">
+                <a:solidFill>
+                  <a:schemeClr val="tx1">
+                    <a:lumMod val="65000"/>
+                    <a:lumOff val="35000"/>
+                  </a:schemeClr>
+                </a:solidFill>
+              </a:endParaRPr>
+            </a:p>
+          </p:txBody>
+        </p:sp>
+        <p:sp>
+          <p:nvSpPr>
+            <p:cNvPr id="24" name="Suorakulmio 2"/>
+            <p:cNvSpPr/>
+            <p:nvPr/>
+          </p:nvSpPr>
+          <p:spPr>
+            <a:xfrm>
+              <a:off x="3171391" y="4136587"/>
+              <a:ext cx="1484334" cy="461665"/>
+            </a:xfrm>
+            <a:prstGeom prst="rect">
+              <a:avLst/>
+            </a:prstGeom>
+            <a:solidFill>
+              <a:srgbClr val="FFE593"/>
+            </a:solidFill>
+          </p:spPr>
+          <p:txBody>
+            <a:bodyPr wrap="square">
+              <a:spAutoFit/>
+            </a:bodyPr>
+            <a:lstStyle>
+              <a:defPPr>
+                <a:defRPr lang="en-GB"/>
+              </a:defPPr>
+              <a:lvl1pPr algn="l" defTabSz="449263" rtl="0" eaLnBrk="0" fontAlgn="base" hangingPunct="0">
+                <a:spcBef>
+                  <a:spcPct val="0"/>
+                </a:spcBef>
+                <a:spcAft>
+                  <a:spcPct val="0"/>
+                </a:spcAft>
+                <a:defRPr kern="1200">
+                  <a:solidFill>
+                    <a:schemeClr val="bg1"/>
+                  </a:solidFill>
+                  <a:latin typeface="Arial" panose="020B0604020202020204" pitchFamily="34" charset="0"/>
+                  <a:ea typeface="AR PL Mingti2L Big5" charset="0"/>
+                  <a:cs typeface="AR PL Mingti2L Big5" charset="0"/>
+                </a:defRPr>
+              </a:lvl1pPr>
+              <a:lvl2pPr marL="742950" indent="-285750" algn="l" defTabSz="449263" rtl="0" eaLnBrk="0" fontAlgn="base" hangingPunct="0">
+                <a:spcBef>
+                  <a:spcPct val="0"/>
+                </a:spcBef>
+                <a:spcAft>
+                  <a:spcPct val="0"/>
+                </a:spcAft>
+                <a:defRPr kern="1200">
+                  <a:solidFill>
+                    <a:schemeClr val="bg1"/>
+                  </a:solidFill>
+                  <a:latin typeface="Arial" panose="020B0604020202020204" pitchFamily="34" charset="0"/>
+                  <a:ea typeface="AR PL Mingti2L Big5" charset="0"/>
+                  <a:cs typeface="AR PL Mingti2L Big5" charset="0"/>
+                </a:defRPr>
+              </a:lvl2pPr>
+              <a:lvl3pPr marL="1143000" indent="-228600" algn="l" defTabSz="449263" rtl="0" eaLnBrk="0" fontAlgn="base" hangingPunct="0">
+                <a:spcBef>
+                  <a:spcPct val="0"/>
+                </a:spcBef>
+                <a:spcAft>
+                  <a:spcPct val="0"/>
+                </a:spcAft>
+                <a:defRPr kern="1200">
+                  <a:solidFill>
+                    <a:schemeClr val="bg1"/>
+                  </a:solidFill>
+                  <a:latin typeface="Arial" panose="020B0604020202020204" pitchFamily="34" charset="0"/>
+                  <a:ea typeface="AR PL Mingti2L Big5" charset="0"/>
+                  <a:cs typeface="AR PL Mingti2L Big5" charset="0"/>
+                </a:defRPr>
+              </a:lvl3pPr>
+              <a:lvl4pPr marL="1600200" indent="-228600" algn="l" defTabSz="449263" rtl="0" eaLnBrk="0" fontAlgn="base" hangingPunct="0">
+                <a:spcBef>
+                  <a:spcPct val="0"/>
+                </a:spcBef>
+                <a:spcAft>
+                  <a:spcPct val="0"/>
+                </a:spcAft>
+                <a:defRPr kern="1200">
+                  <a:solidFill>
+                    <a:schemeClr val="bg1"/>
+                  </a:solidFill>
+                  <a:latin typeface="Arial" panose="020B0604020202020204" pitchFamily="34" charset="0"/>
+                  <a:ea typeface="AR PL Mingti2L Big5" charset="0"/>
+                  <a:cs typeface="AR PL Mingti2L Big5" charset="0"/>
+                </a:defRPr>
+              </a:lvl4pPr>
+              <a:lvl5pPr marL="2057400" indent="-228600" algn="l" defTabSz="449263" rtl="0" eaLnBrk="0" fontAlgn="base" hangingPunct="0">
+                <a:spcBef>
+                  <a:spcPct val="0"/>
+                </a:spcBef>
+                <a:spcAft>
+                  <a:spcPct val="0"/>
+                </a:spcAft>
+                <a:defRPr kern="1200">
+                  <a:solidFill>
+                    <a:schemeClr val="bg1"/>
+                  </a:solidFill>
+                  <a:latin typeface="Arial" panose="020B0604020202020204" pitchFamily="34" charset="0"/>
+                  <a:ea typeface="AR PL Mingti2L Big5" charset="0"/>
+                  <a:cs typeface="AR PL Mingti2L Big5" charset="0"/>
+                </a:defRPr>
+              </a:lvl5pPr>
+              <a:lvl6pPr marL="2286000" algn="l" defTabSz="914400" rtl="0" eaLnBrk="1" latinLnBrk="0" hangingPunct="1">
+                <a:defRPr kern="1200">
+                  <a:solidFill>
+                    <a:schemeClr val="bg1"/>
+                  </a:solidFill>
+                  <a:latin typeface="Arial" panose="020B0604020202020204" pitchFamily="34" charset="0"/>
+                  <a:ea typeface="AR PL Mingti2L Big5" charset="0"/>
+                  <a:cs typeface="AR PL Mingti2L Big5" charset="0"/>
+                </a:defRPr>
+              </a:lvl6pPr>
+              <a:lvl7pPr marL="2743200" algn="l" defTabSz="914400" rtl="0" eaLnBrk="1" latinLnBrk="0" hangingPunct="1">
+                <a:defRPr kern="1200">
+                  <a:solidFill>
+                    <a:schemeClr val="bg1"/>
+                  </a:solidFill>
+                  <a:latin typeface="Arial" panose="020B0604020202020204" pitchFamily="34" charset="0"/>
+                  <a:ea typeface="AR PL Mingti2L Big5" charset="0"/>
+                  <a:cs typeface="AR PL Mingti2L Big5" charset="0"/>
+                </a:defRPr>
+              </a:lvl7pPr>
+              <a:lvl8pPr marL="3200400" algn="l" defTabSz="914400" rtl="0" eaLnBrk="1" latinLnBrk="0" hangingPunct="1">
+                <a:defRPr kern="1200">
+                  <a:solidFill>
+                    <a:schemeClr val="bg1"/>
+                  </a:solidFill>
+                  <a:latin typeface="Arial" panose="020B0604020202020204" pitchFamily="34" charset="0"/>
+                  <a:ea typeface="AR PL Mingti2L Big5" charset="0"/>
+                  <a:cs typeface="AR PL Mingti2L Big5" charset="0"/>
+                </a:defRPr>
+              </a:lvl8pPr>
+              <a:lvl9pPr marL="3657600" algn="l" defTabSz="914400" rtl="0" eaLnBrk="1" latinLnBrk="0" hangingPunct="1">
+                <a:defRPr kern="1200">
+                  <a:solidFill>
+                    <a:schemeClr val="bg1"/>
+                  </a:solidFill>
+                  <a:latin typeface="Arial" panose="020B0604020202020204" pitchFamily="34" charset="0"/>
+                  <a:ea typeface="AR PL Mingti2L Big5" charset="0"/>
+                  <a:cs typeface="AR PL Mingti2L Big5" charset="0"/>
+                </a:defRPr>
+              </a:lvl9pPr>
+            </a:lstStyle>
+            <a:p>
+              <a:r>
+                <a:rPr lang="fi-FI" sz="2400" dirty="0" smtClean="0">
+                  <a:solidFill>
+                    <a:schemeClr val="tx1">
+                      <a:lumMod val="65000"/>
+                      <a:lumOff val="35000"/>
+                    </a:schemeClr>
+                  </a:solidFill>
+                </a:rPr>
+                <a:t>12 </a:t>
+              </a:r>
+              <a:r>
+                <a:rPr lang="fi-FI" sz="2400" dirty="0">
+                  <a:solidFill>
+                    <a:schemeClr val="tx1">
+                      <a:lumMod val="65000"/>
+                      <a:lumOff val="35000"/>
+                    </a:schemeClr>
+                  </a:solidFill>
+                </a:rPr>
+                <a:t>*</a:t>
+              </a:r>
+              <a:r>
+                <a:rPr lang="fi-FI" sz="2400" dirty="0" smtClean="0">
+                  <a:solidFill>
+                    <a:schemeClr val="tx1">
+                      <a:lumMod val="65000"/>
+                      <a:lumOff val="35000"/>
+                    </a:schemeClr>
+                  </a:solidFill>
+                </a:rPr>
+                <a:t> 10</a:t>
+              </a:r>
+              <a:endParaRPr lang="fi-FI" sz="2400" dirty="0">
+                <a:solidFill>
+                  <a:schemeClr val="tx1">
+                    <a:lumMod val="65000"/>
+                    <a:lumOff val="35000"/>
+                  </a:schemeClr>
+                </a:solidFill>
+              </a:endParaRPr>
+            </a:p>
+          </p:txBody>
+        </p:sp>
+        <p:sp>
+          <p:nvSpPr>
+            <p:cNvPr id="25" name="Suorakulmio 2"/>
+            <p:cNvSpPr/>
+            <p:nvPr/>
+          </p:nvSpPr>
+          <p:spPr>
+            <a:xfrm>
+              <a:off x="5020492" y="4120154"/>
+              <a:ext cx="991668" cy="461665"/>
+            </a:xfrm>
+            <a:prstGeom prst="rect">
+              <a:avLst/>
+            </a:prstGeom>
+            <a:solidFill>
+              <a:srgbClr val="FFE593"/>
+            </a:solidFill>
+          </p:spPr>
+          <p:txBody>
+            <a:bodyPr wrap="square">
+              <a:spAutoFit/>
+            </a:bodyPr>
+            <a:lstStyle>
+              <a:defPPr>
+                <a:defRPr lang="en-GB"/>
+              </a:defPPr>
+              <a:lvl1pPr algn="l" defTabSz="449263" rtl="0" eaLnBrk="0" fontAlgn="base" hangingPunct="0">
+                <a:spcBef>
+                  <a:spcPct val="0"/>
+                </a:spcBef>
+                <a:spcAft>
+                  <a:spcPct val="0"/>
+                </a:spcAft>
+                <a:defRPr kern="1200">
+                  <a:solidFill>
+                    <a:schemeClr val="bg1"/>
+                  </a:solidFill>
+                  <a:latin typeface="Arial" panose="020B0604020202020204" pitchFamily="34" charset="0"/>
+                  <a:ea typeface="AR PL Mingti2L Big5" charset="0"/>
+                  <a:cs typeface="AR PL Mingti2L Big5" charset="0"/>
+                </a:defRPr>
+              </a:lvl1pPr>
+              <a:lvl2pPr marL="742950" indent="-285750" algn="l" defTabSz="449263" rtl="0" eaLnBrk="0" fontAlgn="base" hangingPunct="0">
+                <a:spcBef>
+                  <a:spcPct val="0"/>
+                </a:spcBef>
+                <a:spcAft>
+                  <a:spcPct val="0"/>
+                </a:spcAft>
+                <a:defRPr kern="1200">
+                  <a:solidFill>
+                    <a:schemeClr val="bg1"/>
+                  </a:solidFill>
+                  <a:latin typeface="Arial" panose="020B0604020202020204" pitchFamily="34" charset="0"/>
+                  <a:ea typeface="AR PL Mingti2L Big5" charset="0"/>
+                  <a:cs typeface="AR PL Mingti2L Big5" charset="0"/>
+                </a:defRPr>
+              </a:lvl2pPr>
+              <a:lvl3pPr marL="1143000" indent="-228600" algn="l" defTabSz="449263" rtl="0" eaLnBrk="0" fontAlgn="base" hangingPunct="0">
+                <a:spcBef>
+                  <a:spcPct val="0"/>
+                </a:spcBef>
+                <a:spcAft>
+                  <a:spcPct val="0"/>
+                </a:spcAft>
+                <a:defRPr kern="1200">
+                  <a:solidFill>
+                    <a:schemeClr val="bg1"/>
+                  </a:solidFill>
+                  <a:latin typeface="Arial" panose="020B0604020202020204" pitchFamily="34" charset="0"/>
+                  <a:ea typeface="AR PL Mingti2L Big5" charset="0"/>
+                  <a:cs typeface="AR PL Mingti2L Big5" charset="0"/>
+                </a:defRPr>
+              </a:lvl3pPr>
+              <a:lvl4pPr marL="1600200" indent="-228600" algn="l" defTabSz="449263" rtl="0" eaLnBrk="0" fontAlgn="base" hangingPunct="0">
+                <a:spcBef>
+                  <a:spcPct val="0"/>
+                </a:spcBef>
+                <a:spcAft>
+                  <a:spcPct val="0"/>
+                </a:spcAft>
+                <a:defRPr kern="1200">
+                  <a:solidFill>
+                    <a:schemeClr val="bg1"/>
+                  </a:solidFill>
+                  <a:latin typeface="Arial" panose="020B0604020202020204" pitchFamily="34" charset="0"/>
+                  <a:ea typeface="AR PL Mingti2L Big5" charset="0"/>
+                  <a:cs typeface="AR PL Mingti2L Big5" charset="0"/>
+                </a:defRPr>
+              </a:lvl4pPr>
+              <a:lvl5pPr marL="2057400" indent="-228600" algn="l" defTabSz="449263" rtl="0" eaLnBrk="0" fontAlgn="base" hangingPunct="0">
+                <a:spcBef>
+                  <a:spcPct val="0"/>
+                </a:spcBef>
+                <a:spcAft>
+                  <a:spcPct val="0"/>
+                </a:spcAft>
+                <a:defRPr kern="1200">
+                  <a:solidFill>
+                    <a:schemeClr val="bg1"/>
+                  </a:solidFill>
+                  <a:latin typeface="Arial" panose="020B0604020202020204" pitchFamily="34" charset="0"/>
+                  <a:ea typeface="AR PL Mingti2L Big5" charset="0"/>
+                  <a:cs typeface="AR PL Mingti2L Big5" charset="0"/>
+                </a:defRPr>
+              </a:lvl5pPr>
+              <a:lvl6pPr marL="2286000" algn="l" defTabSz="914400" rtl="0" eaLnBrk="1" latinLnBrk="0" hangingPunct="1">
+                <a:defRPr kern="1200">
+                  <a:solidFill>
+                    <a:schemeClr val="bg1"/>
+                  </a:solidFill>
+                  <a:latin typeface="Arial" panose="020B0604020202020204" pitchFamily="34" charset="0"/>
+                  <a:ea typeface="AR PL Mingti2L Big5" charset="0"/>
+                  <a:cs typeface="AR PL Mingti2L Big5" charset="0"/>
+                </a:defRPr>
+              </a:lvl6pPr>
+              <a:lvl7pPr marL="2743200" algn="l" defTabSz="914400" rtl="0" eaLnBrk="1" latinLnBrk="0" hangingPunct="1">
+                <a:defRPr kern="1200">
+                  <a:solidFill>
+                    <a:schemeClr val="bg1"/>
+                  </a:solidFill>
+                  <a:latin typeface="Arial" panose="020B0604020202020204" pitchFamily="34" charset="0"/>
+                  <a:ea typeface="AR PL Mingti2L Big5" charset="0"/>
+                  <a:cs typeface="AR PL Mingti2L Big5" charset="0"/>
+                </a:defRPr>
+              </a:lvl7pPr>
+              <a:lvl8pPr marL="3200400" algn="l" defTabSz="914400" rtl="0" eaLnBrk="1" latinLnBrk="0" hangingPunct="1">
+                <a:defRPr kern="1200">
+                  <a:solidFill>
+                    <a:schemeClr val="bg1"/>
+                  </a:solidFill>
+                  <a:latin typeface="Arial" panose="020B0604020202020204" pitchFamily="34" charset="0"/>
+                  <a:ea typeface="AR PL Mingti2L Big5" charset="0"/>
+                  <a:cs typeface="AR PL Mingti2L Big5" charset="0"/>
+                </a:defRPr>
+              </a:lvl8pPr>
+              <a:lvl9pPr marL="3657600" algn="l" defTabSz="914400" rtl="0" eaLnBrk="1" latinLnBrk="0" hangingPunct="1">
+                <a:defRPr kern="1200">
+                  <a:solidFill>
+                    <a:schemeClr val="bg1"/>
+                  </a:solidFill>
+                  <a:latin typeface="Arial" panose="020B0604020202020204" pitchFamily="34" charset="0"/>
+                  <a:ea typeface="AR PL Mingti2L Big5" charset="0"/>
+                  <a:cs typeface="AR PL Mingti2L Big5" charset="0"/>
+                </a:defRPr>
+              </a:lvl9pPr>
+            </a:lstStyle>
+            <a:p>
+              <a:r>
+                <a:rPr lang="fi-FI" sz="2400" dirty="0" smtClean="0">
+                  <a:solidFill>
+                    <a:schemeClr val="tx1">
+                      <a:lumMod val="65000"/>
+                      <a:lumOff val="35000"/>
+                    </a:schemeClr>
+                  </a:solidFill>
+                </a:rPr>
+                <a:t>10 </a:t>
+              </a:r>
+              <a:r>
+                <a:rPr lang="fi-FI" sz="2400" dirty="0">
+                  <a:solidFill>
+                    <a:schemeClr val="tx1">
+                      <a:lumMod val="65000"/>
+                      <a:lumOff val="35000"/>
+                    </a:schemeClr>
+                  </a:solidFill>
+                </a:rPr>
+                <a:t>/</a:t>
+              </a:r>
+              <a:r>
+                <a:rPr lang="fi-FI" sz="2400" dirty="0" smtClean="0">
+                  <a:solidFill>
+                    <a:schemeClr val="tx1">
+                      <a:lumMod val="65000"/>
+                      <a:lumOff val="35000"/>
+                    </a:schemeClr>
+                  </a:solidFill>
+                </a:rPr>
+                <a:t> 2</a:t>
+              </a:r>
+              <a:endParaRPr lang="fi-FI" sz="2400" dirty="0">
+                <a:solidFill>
+                  <a:schemeClr val="tx1">
+                    <a:lumMod val="65000"/>
+                    <a:lumOff val="35000"/>
+                  </a:schemeClr>
+                </a:solidFill>
+              </a:endParaRPr>
+            </a:p>
+          </p:txBody>
+        </p:sp>
+        <p:sp>
+          <p:nvSpPr>
+            <p:cNvPr id="26" name="Suorakulmio 2"/>
+            <p:cNvSpPr/>
+            <p:nvPr/>
+          </p:nvSpPr>
+          <p:spPr>
+            <a:xfrm>
+              <a:off x="6493223" y="4108748"/>
+              <a:ext cx="1175121" cy="461665"/>
+            </a:xfrm>
+            <a:prstGeom prst="rect">
+              <a:avLst/>
+            </a:prstGeom>
+            <a:solidFill>
+              <a:srgbClr val="FFE593"/>
+            </a:solidFill>
+          </p:spPr>
+          <p:txBody>
+            <a:bodyPr wrap="square">
+              <a:spAutoFit/>
+            </a:bodyPr>
+            <a:lstStyle>
+              <a:defPPr>
+                <a:defRPr lang="en-GB"/>
+              </a:defPPr>
+              <a:lvl1pPr algn="l" defTabSz="449263" rtl="0" eaLnBrk="0" fontAlgn="base" hangingPunct="0">
+                <a:spcBef>
+                  <a:spcPct val="0"/>
+                </a:spcBef>
+                <a:spcAft>
+                  <a:spcPct val="0"/>
+                </a:spcAft>
+                <a:defRPr kern="1200">
+                  <a:solidFill>
+                    <a:schemeClr val="bg1"/>
+                  </a:solidFill>
+                  <a:latin typeface="Arial" panose="020B0604020202020204" pitchFamily="34" charset="0"/>
+                  <a:ea typeface="AR PL Mingti2L Big5" charset="0"/>
+                  <a:cs typeface="AR PL Mingti2L Big5" charset="0"/>
+                </a:defRPr>
+              </a:lvl1pPr>
+              <a:lvl2pPr marL="742950" indent="-285750" algn="l" defTabSz="449263" rtl="0" eaLnBrk="0" fontAlgn="base" hangingPunct="0">
+                <a:spcBef>
+                  <a:spcPct val="0"/>
+                </a:spcBef>
+                <a:spcAft>
+                  <a:spcPct val="0"/>
+                </a:spcAft>
+                <a:defRPr kern="1200">
+                  <a:solidFill>
+                    <a:schemeClr val="bg1"/>
+                  </a:solidFill>
+                  <a:latin typeface="Arial" panose="020B0604020202020204" pitchFamily="34" charset="0"/>
+                  <a:ea typeface="AR PL Mingti2L Big5" charset="0"/>
+                  <a:cs typeface="AR PL Mingti2L Big5" charset="0"/>
+                </a:defRPr>
+              </a:lvl2pPr>
+              <a:lvl3pPr marL="1143000" indent="-228600" algn="l" defTabSz="449263" rtl="0" eaLnBrk="0" fontAlgn="base" hangingPunct="0">
+                <a:spcBef>
+                  <a:spcPct val="0"/>
+                </a:spcBef>
+                <a:spcAft>
+                  <a:spcPct val="0"/>
+                </a:spcAft>
+                <a:defRPr kern="1200">
+                  <a:solidFill>
+                    <a:schemeClr val="bg1"/>
+                  </a:solidFill>
+                  <a:latin typeface="Arial" panose="020B0604020202020204" pitchFamily="34" charset="0"/>
+                  <a:ea typeface="AR PL Mingti2L Big5" charset="0"/>
+                  <a:cs typeface="AR PL Mingti2L Big5" charset="0"/>
+                </a:defRPr>
+              </a:lvl3pPr>
+              <a:lvl4pPr marL="1600200" indent="-228600" algn="l" defTabSz="449263" rtl="0" eaLnBrk="0" fontAlgn="base" hangingPunct="0">
+                <a:spcBef>
+                  <a:spcPct val="0"/>
+                </a:spcBef>
+                <a:spcAft>
+                  <a:spcPct val="0"/>
+                </a:spcAft>
+                <a:defRPr kern="1200">
+                  <a:solidFill>
+                    <a:schemeClr val="bg1"/>
+                  </a:solidFill>
+                  <a:latin typeface="Arial" panose="020B0604020202020204" pitchFamily="34" charset="0"/>
+                  <a:ea typeface="AR PL Mingti2L Big5" charset="0"/>
+                  <a:cs typeface="AR PL Mingti2L Big5" charset="0"/>
+                </a:defRPr>
+              </a:lvl4pPr>
+              <a:lvl5pPr marL="2057400" indent="-228600" algn="l" defTabSz="449263" rtl="0" eaLnBrk="0" fontAlgn="base" hangingPunct="0">
+                <a:spcBef>
+                  <a:spcPct val="0"/>
+                </a:spcBef>
+                <a:spcAft>
+                  <a:spcPct val="0"/>
+                </a:spcAft>
+                <a:defRPr kern="1200">
+                  <a:solidFill>
+                    <a:schemeClr val="bg1"/>
+                  </a:solidFill>
+                  <a:latin typeface="Arial" panose="020B0604020202020204" pitchFamily="34" charset="0"/>
+                  <a:ea typeface="AR PL Mingti2L Big5" charset="0"/>
+                  <a:cs typeface="AR PL Mingti2L Big5" charset="0"/>
+                </a:defRPr>
+              </a:lvl5pPr>
+              <a:lvl6pPr marL="2286000" algn="l" defTabSz="914400" rtl="0" eaLnBrk="1" latinLnBrk="0" hangingPunct="1">
+                <a:defRPr kern="1200">
+                  <a:solidFill>
+                    <a:schemeClr val="bg1"/>
+                  </a:solidFill>
+                  <a:latin typeface="Arial" panose="020B0604020202020204" pitchFamily="34" charset="0"/>
+                  <a:ea typeface="AR PL Mingti2L Big5" charset="0"/>
+                  <a:cs typeface="AR PL Mingti2L Big5" charset="0"/>
+                </a:defRPr>
+              </a:lvl6pPr>
+              <a:lvl7pPr marL="2743200" algn="l" defTabSz="914400" rtl="0" eaLnBrk="1" latinLnBrk="0" hangingPunct="1">
+                <a:defRPr kern="1200">
+                  <a:solidFill>
+                    <a:schemeClr val="bg1"/>
+                  </a:solidFill>
+                  <a:latin typeface="Arial" panose="020B0604020202020204" pitchFamily="34" charset="0"/>
+                  <a:ea typeface="AR PL Mingti2L Big5" charset="0"/>
+                  <a:cs typeface="AR PL Mingti2L Big5" charset="0"/>
+                </a:defRPr>
+              </a:lvl7pPr>
+              <a:lvl8pPr marL="3200400" algn="l" defTabSz="914400" rtl="0" eaLnBrk="1" latinLnBrk="0" hangingPunct="1">
+                <a:defRPr kern="1200">
+                  <a:solidFill>
+                    <a:schemeClr val="bg1"/>
+                  </a:solidFill>
+                  <a:latin typeface="Arial" panose="020B0604020202020204" pitchFamily="34" charset="0"/>
+                  <a:ea typeface="AR PL Mingti2L Big5" charset="0"/>
+                  <a:cs typeface="AR PL Mingti2L Big5" charset="0"/>
+                </a:defRPr>
+              </a:lvl8pPr>
+              <a:lvl9pPr marL="3657600" algn="l" defTabSz="914400" rtl="0" eaLnBrk="1" latinLnBrk="0" hangingPunct="1">
+                <a:defRPr kern="1200">
+                  <a:solidFill>
+                    <a:schemeClr val="bg1"/>
+                  </a:solidFill>
+                  <a:latin typeface="Arial" panose="020B0604020202020204" pitchFamily="34" charset="0"/>
+                  <a:ea typeface="AR PL Mingti2L Big5" charset="0"/>
+                  <a:cs typeface="AR PL Mingti2L Big5" charset="0"/>
+                </a:defRPr>
+              </a:lvl9pPr>
+            </a:lstStyle>
+            <a:p>
+              <a:r>
+                <a:rPr lang="fi-FI" sz="2400" dirty="0" smtClean="0">
+                  <a:solidFill>
+                    <a:schemeClr val="tx1">
+                      <a:lumMod val="65000"/>
+                      <a:lumOff val="35000"/>
+                    </a:schemeClr>
+                  </a:solidFill>
+                </a:rPr>
+                <a:t>120 / 6</a:t>
+              </a:r>
+              <a:endParaRPr lang="fi-FI" sz="2400" dirty="0">
+                <a:solidFill>
+                  <a:schemeClr val="tx1">
+                    <a:lumMod val="65000"/>
+                    <a:lumOff val="35000"/>
+                  </a:schemeClr>
+                </a:solidFill>
+              </a:endParaRPr>
+            </a:p>
+          </p:txBody>
+        </p:sp>
+      </p:grpSp>
     </p:spTree>
     <p:extLst>
       <p:ext uri="{BB962C8B-B14F-4D97-AF65-F5344CB8AC3E}">
@@ -9735,7 +12011,7 @@
         </p:nvSpPr>
         <p:spPr>
           <a:xfrm>
-            <a:off x="581192" y="1973691"/>
+            <a:off x="581192" y="1917265"/>
             <a:ext cx="8078364" cy="646331"/>
           </a:xfrm>
           <a:prstGeom prst="rect">
@@ -9775,7 +12051,7 @@
       </p:sp>
       <p:pic>
         <p:nvPicPr>
-          <p:cNvPr id="5" name="Picture 4"/>
+          <p:cNvPr id="2" name="Picture 1"/>
           <p:cNvPicPr>
             <a:picLocks noChangeAspect="1"/>
           </p:cNvPicPr>
@@ -9795,14 +12071,113 @@
         </p:blipFill>
         <p:spPr>
           <a:xfrm>
-            <a:off x="3203848" y="2733642"/>
-            <a:ext cx="2087860" cy="2210675"/>
+            <a:off x="2267744" y="2745484"/>
+            <a:ext cx="2448272" cy="2429438"/>
           </a:xfrm>
           <a:prstGeom prst="rect">
             <a:avLst/>
           </a:prstGeom>
+          <a:ln>
+            <a:solidFill>
+              <a:schemeClr val="dk1"/>
+            </a:solidFill>
+          </a:ln>
         </p:spPr>
       </p:pic>
+      <p:sp>
+        <p:nvSpPr>
+          <p:cNvPr id="6" name="TextBox 5"/>
+          <p:cNvSpPr txBox="1"/>
+          <p:nvPr/>
+        </p:nvSpPr>
+        <p:spPr>
+          <a:xfrm>
+            <a:off x="5451777" y="2756913"/>
+            <a:ext cx="2936647" cy="2031325"/>
+          </a:xfrm>
+          <a:prstGeom prst="rect">
+            <a:avLst/>
+          </a:prstGeom>
+          <a:noFill/>
+          <a:ln>
+            <a:solidFill>
+              <a:schemeClr val="dk1"/>
+            </a:solidFill>
+          </a:ln>
+        </p:spPr>
+        <p:txBody>
+          <a:bodyPr wrap="square" rtlCol="0">
+            <a:spAutoFit/>
+          </a:bodyPr>
+          <a:lstStyle/>
+          <a:p>
+            <a:r>
+              <a:rPr lang="fi-FI" dirty="0" smtClean="0">
+                <a:solidFill>
+                  <a:schemeClr val="tx1"/>
+                </a:solidFill>
+              </a:rPr>
+              <a:t>10 + 11 + 12 = ?</a:t>
+            </a:r>
+          </a:p>
+          <a:p>
+            <a:endParaRPr lang="fi-FI" dirty="0">
+              <a:solidFill>
+                <a:schemeClr val="tx1"/>
+              </a:solidFill>
+            </a:endParaRPr>
+          </a:p>
+          <a:p>
+            <a:r>
+              <a:rPr lang="fi-FI" dirty="0" smtClean="0">
+                <a:solidFill>
+                  <a:schemeClr val="tx1"/>
+                </a:solidFill>
+              </a:rPr>
+              <a:t>100 – 10 – 13 = ?</a:t>
+            </a:r>
+          </a:p>
+          <a:p>
+            <a:endParaRPr lang="fi-FI" dirty="0">
+              <a:solidFill>
+                <a:schemeClr val="tx1"/>
+              </a:solidFill>
+            </a:endParaRPr>
+          </a:p>
+          <a:p>
+            <a:r>
+              <a:rPr lang="fi-FI" dirty="0" smtClean="0">
+                <a:solidFill>
+                  <a:schemeClr val="tx1"/>
+                </a:solidFill>
+              </a:rPr>
+              <a:t>2 * 2 * 2 * 2 = ?</a:t>
+            </a:r>
+          </a:p>
+          <a:p>
+            <a:endParaRPr lang="fi-FI" dirty="0">
+              <a:solidFill>
+                <a:schemeClr val="tx1"/>
+              </a:solidFill>
+            </a:endParaRPr>
+          </a:p>
+          <a:p>
+            <a:r>
+              <a:rPr lang="fi-FI" dirty="0" smtClean="0">
+                <a:solidFill>
+                  <a:schemeClr val="tx1"/>
+                </a:solidFill>
+              </a:rPr>
+              <a:t>( 100 / 10 ) / 10 = ?</a:t>
+            </a:r>
+            <a:endParaRPr lang="fi-FI" dirty="0">
+              <a:solidFill>
+                <a:schemeClr val="tx1"/>
+              </a:solidFill>
+            </a:endParaRPr>
+          </a:p>
+        </p:txBody>
+      </p:sp>
     </p:spTree>
     <p:extLst>
       <p:ext uri="{BB962C8B-B14F-4D97-AF65-F5344CB8AC3E}">
@@ -9896,13 +12271,13 @@
       </p:pic>
       <p:sp>
         <p:nvSpPr>
-          <p:cNvPr id="43" name="Suorakulmio 42"/>
+          <p:cNvPr id="44" name="Suorakulmio 43"/>
           <p:cNvSpPr/>
           <p:nvPr/>
         </p:nvSpPr>
         <p:spPr>
           <a:xfrm>
-            <a:off x="-10739" y="3073567"/>
+            <a:off x="179512" y="2194255"/>
             <a:ext cx="1074012" cy="338554"/>
           </a:xfrm>
           <a:prstGeom prst="rect">
@@ -9934,150 +12309,9 @@
               <a:rPr lang="fi-FI" sz="1600" dirty="0">
                 <a:latin typeface="Arial" charset="0"/>
               </a:rPr>
-              <a:t>2</a:t>
+              <a:t>1</a:t>
             </a:r>
             <a:endParaRPr lang="fi-FI" sz="1600" dirty="0"/>
-          </a:p>
-        </p:txBody>
-      </p:sp>
-      <p:sp>
-        <p:nvSpPr>
-          <p:cNvPr id="44" name="Suorakulmio 43"/>
-          <p:cNvSpPr/>
-          <p:nvPr/>
-        </p:nvSpPr>
-        <p:spPr>
-          <a:xfrm>
-            <a:off x="-21763" y="1839026"/>
-            <a:ext cx="1074012" cy="338554"/>
-          </a:xfrm>
-          <a:prstGeom prst="rect">
-            <a:avLst/>
-          </a:prstGeom>
-          <a:solidFill>
-            <a:schemeClr val="accent2">
-              <a:lumMod val="75000"/>
-            </a:schemeClr>
-          </a:solidFill>
-        </p:spPr>
-        <p:txBody>
-          <a:bodyPr wrap="none">
-            <a:spAutoFit/>
-          </a:bodyPr>
-          <a:lstStyle/>
-          <a:p>
-            <a:r>
-              <a:rPr kumimoji="0" lang="fi-FI" sz="1600" b="0" i="0" u="none" strike="noStrike" cap="none" normalizeH="0" dirty="0">
-                <a:ln>
-                  <a:noFill/>
-                </a:ln>
-                <a:effectLst/>
-                <a:latin typeface="Arial" charset="0"/>
-              </a:rPr>
-              <a:t>Tehtävä </a:t>
-            </a:r>
-            <a:r>
-              <a:rPr lang="fi-FI" sz="1600" dirty="0">
-                <a:latin typeface="Arial" charset="0"/>
-              </a:rPr>
-              <a:t>1</a:t>
-            </a:r>
-            <a:endParaRPr lang="fi-FI" sz="1600" dirty="0"/>
-          </a:p>
-        </p:txBody>
-      </p:sp>
-      <p:sp>
-        <p:nvSpPr>
-          <p:cNvPr id="45" name="Suorakulmio 44"/>
-          <p:cNvSpPr/>
-          <p:nvPr/>
-        </p:nvSpPr>
-        <p:spPr>
-          <a:xfrm>
-            <a:off x="-10739" y="4286520"/>
-            <a:ext cx="1104566" cy="338554"/>
-          </a:xfrm>
-          <a:prstGeom prst="rect">
-            <a:avLst/>
-          </a:prstGeom>
-          <a:solidFill>
-            <a:schemeClr val="accent2">
-              <a:lumMod val="75000"/>
-            </a:schemeClr>
-          </a:solidFill>
-        </p:spPr>
-        <p:txBody>
-          <a:bodyPr wrap="square">
-            <a:spAutoFit/>
-          </a:bodyPr>
-          <a:lstStyle/>
-          <a:p>
-            <a:r>
-              <a:rPr kumimoji="0" lang="fi-FI" sz="1600" b="0" i="0" u="none" strike="noStrike" cap="none" normalizeH="0" dirty="0">
-                <a:ln>
-                  <a:noFill/>
-                </a:ln>
-                <a:effectLst/>
-                <a:latin typeface="Arial" charset="0"/>
-              </a:rPr>
-              <a:t>Tehtävä </a:t>
-            </a:r>
-            <a:r>
-              <a:rPr lang="fi-FI" sz="1600" dirty="0">
-                <a:latin typeface="Arial" charset="0"/>
-              </a:rPr>
-              <a:t>3</a:t>
-            </a:r>
-            <a:endParaRPr lang="fi-FI" sz="1600" dirty="0"/>
-          </a:p>
-        </p:txBody>
-      </p:sp>
-      <p:sp>
-        <p:nvSpPr>
-          <p:cNvPr id="47" name="Suorakulmio 46"/>
-          <p:cNvSpPr/>
-          <p:nvPr/>
-        </p:nvSpPr>
-        <p:spPr>
-          <a:xfrm>
-            <a:off x="1240861" y="2988837"/>
-            <a:ext cx="6761877" cy="769441"/>
-          </a:xfrm>
-          <a:prstGeom prst="rect">
-            <a:avLst/>
-          </a:prstGeom>
-          <a:noFill/>
-        </p:spPr>
-        <p:txBody>
-          <a:bodyPr wrap="square">
-            <a:spAutoFit/>
-          </a:bodyPr>
-          <a:lstStyle/>
-          <a:p>
-            <a:r>
-              <a:rPr lang="fi-FI" sz="2200" dirty="0" smtClean="0">
-                <a:solidFill>
-                  <a:schemeClr val="tx1"/>
-                </a:solidFill>
-                <a:latin typeface="Arial" charset="0"/>
-              </a:rPr>
-              <a:t>Laske interaktioikkunassa.</a:t>
-            </a:r>
-          </a:p>
-          <a:p>
-            <a:r>
-              <a:rPr kumimoji="0" lang="fi-FI" sz="2200" b="0" i="0" u="none" strike="noStrike" cap="none" normalizeH="0" dirty="0" smtClean="0">
-                <a:ln>
-                  <a:noFill/>
-                </a:ln>
-                <a:solidFill>
-                  <a:schemeClr val="tx1"/>
-                </a:solidFill>
-                <a:effectLst/>
-                <a:latin typeface="Arial" charset="0"/>
-              </a:rPr>
-              <a:t>a) 300-150-100-50  b) 20-15-10</a:t>
-            </a:r>
           </a:p>
         </p:txBody>
       </p:sp>
@@ -10104,55 +12338,6 @@
               <a:t>MAOL Ohjelmointia matematiikkaan</a:t>
             </a:r>
             <a:endParaRPr lang="ru-RU" dirty="0"/>
-          </a:p>
-        </p:txBody>
-      </p:sp>
-      <p:sp>
-        <p:nvSpPr>
-          <p:cNvPr id="38" name="Suorakulmio 46"/>
-          <p:cNvSpPr/>
-          <p:nvPr/>
-        </p:nvSpPr>
-        <p:spPr>
-          <a:xfrm>
-            <a:off x="1253426" y="1738146"/>
-            <a:ext cx="5406806" cy="769441"/>
-          </a:xfrm>
-          <a:prstGeom prst="rect">
-            <a:avLst/>
-          </a:prstGeom>
-          <a:noFill/>
-        </p:spPr>
-        <p:txBody>
-          <a:bodyPr wrap="square">
-            <a:spAutoFit/>
-          </a:bodyPr>
-          <a:lstStyle/>
-          <a:p>
-            <a:r>
-              <a:rPr lang="fi-FI" sz="2200" dirty="0" smtClean="0">
-                <a:solidFill>
-                  <a:schemeClr val="tx1"/>
-                </a:solidFill>
-                <a:latin typeface="Arial" charset="0"/>
-              </a:rPr>
-              <a:t>Laske interaktioikkunassa.</a:t>
-            </a:r>
-          </a:p>
-          <a:p>
-            <a:r>
-              <a:rPr kumimoji="0" lang="fi-FI" sz="2200" b="0" i="0" u="none" strike="noStrike" cap="none" normalizeH="0" dirty="0" smtClean="0">
-                <a:ln>
-                  <a:noFill/>
-                </a:ln>
-                <a:solidFill>
-                  <a:schemeClr val="tx1"/>
-                </a:solidFill>
-                <a:effectLst/>
-                <a:latin typeface="Arial" charset="0"/>
-              </a:rPr>
-              <a:t>a) 10+12+19	b) 45+222+300</a:t>
-            </a:r>
           </a:p>
         </p:txBody>
       </p:sp>
@@ -10219,61 +12404,6 @@
       </p:pic>
       <p:sp>
         <p:nvSpPr>
-          <p:cNvPr id="21" name="Suorakulmio 46"/>
-          <p:cNvSpPr/>
-          <p:nvPr/>
-        </p:nvSpPr>
-        <p:spPr>
-          <a:xfrm>
-            <a:off x="1240861" y="4238861"/>
-            <a:ext cx="6761877" cy="769441"/>
-          </a:xfrm>
-          <a:prstGeom prst="rect">
-            <a:avLst/>
-          </a:prstGeom>
-          <a:noFill/>
-        </p:spPr>
-        <p:txBody>
-          <a:bodyPr wrap="square">
-            <a:spAutoFit/>
-          </a:bodyPr>
-          <a:lstStyle/>
-          <a:p>
-            <a:r>
-              <a:rPr lang="fi-FI" sz="2200" dirty="0" smtClean="0">
-                <a:solidFill>
-                  <a:schemeClr val="tx1"/>
-                </a:solidFill>
-                <a:latin typeface="Arial" charset="0"/>
-              </a:rPr>
-              <a:t>Laske interaktioikkunassa.</a:t>
-            </a:r>
-          </a:p>
-          <a:p>
-            <a:r>
-              <a:rPr lang="fi-FI" sz="2200" dirty="0" smtClean="0">
-                <a:solidFill>
-                  <a:schemeClr val="tx1"/>
-                </a:solidFill>
-                <a:latin typeface="Arial" charset="0"/>
-              </a:rPr>
-              <a:t>a) 59*10*47  b) (1000/25)/10</a:t>
-            </a:r>
-            <a:endParaRPr kumimoji="0" lang="fi-FI" sz="2200" b="0" i="0" u="none" strike="noStrike" cap="none" normalizeH="0" dirty="0" smtClean="0">
-              <a:ln>
-                <a:noFill/>
-              </a:ln>
-              <a:solidFill>
-                <a:schemeClr val="tx1"/>
-              </a:solidFill>
-              <a:effectLst/>
-              <a:latin typeface="Arial" charset="0"/>
-            </a:endParaRPr>
-          </a:p>
-        </p:txBody>
-      </p:sp>
-      <p:sp>
-        <p:nvSpPr>
           <p:cNvPr id="11" name="Otsikko 1"/>
           <p:cNvSpPr txBox="1">
             <a:spLocks/>
@@ -10283,7 +12413,7 @@
         <p:spPr bwMode="auto">
           <a:xfrm>
             <a:off x="353192" y="752966"/>
-            <a:ext cx="8306364" cy="599694"/>
+            <a:ext cx="7603184" cy="599694"/>
           </a:xfrm>
           <a:prstGeom prst="rect">
             <a:avLst/>
@@ -10512,7 +12642,7 @@
           <a:p>
             <a:pPr algn="l"/>
             <a:r>
-              <a:rPr lang="fi-FI" altLang="fi-FI" sz="4000" b="1" kern="0" dirty="0" smtClean="0">
+              <a:rPr lang="fi-FI" altLang="fi-FI" sz="3600" b="1" kern="0" dirty="0" smtClean="0">
                 <a:solidFill>
                   <a:schemeClr val="accent6">
                     <a:lumMod val="75000"/>
@@ -10521,7 +12651,7 @@
               </a:rPr>
               <a:t>Tehtäväsarja II. Lisää peruslaskuja</a:t>
             </a:r>
-            <a:endParaRPr lang="fi-FI" altLang="fi-FI" sz="4000" b="1" kern="0" dirty="0">
+            <a:endParaRPr lang="fi-FI" altLang="fi-FI" sz="3600" b="1" kern="0" dirty="0">
               <a:solidFill>
                 <a:schemeClr val="accent6">
                   <a:lumMod val="75000"/>
@@ -10531,10 +12661,1376 @@
           </a:p>
         </p:txBody>
       </p:sp>
+      <p:sp>
+        <p:nvSpPr>
+          <p:cNvPr id="14" name="Suorakulmio 2"/>
+          <p:cNvSpPr/>
+          <p:nvPr/>
+        </p:nvSpPr>
+        <p:spPr>
+          <a:xfrm>
+            <a:off x="1907703" y="2165867"/>
+            <a:ext cx="2016225" cy="461665"/>
+          </a:xfrm>
+          <a:prstGeom prst="rect">
+            <a:avLst/>
+          </a:prstGeom>
+          <a:solidFill>
+            <a:srgbClr val="FFE593"/>
+          </a:solidFill>
+        </p:spPr>
+        <p:txBody>
+          <a:bodyPr wrap="square">
+            <a:spAutoFit/>
+          </a:bodyPr>
+          <a:lstStyle>
+            <a:defPPr>
+              <a:defRPr lang="en-GB"/>
+            </a:defPPr>
+            <a:lvl1pPr algn="l" defTabSz="449263" rtl="0" eaLnBrk="0" fontAlgn="base" hangingPunct="0">
+              <a:spcBef>
+                <a:spcPct val="0"/>
+              </a:spcBef>
+              <a:spcAft>
+                <a:spcPct val="0"/>
+              </a:spcAft>
+              <a:defRPr kern="1200">
+                <a:solidFill>
+                  <a:schemeClr val="bg1"/>
+                </a:solidFill>
+                <a:latin typeface="Arial" panose="020B0604020202020204" pitchFamily="34" charset="0"/>
+                <a:ea typeface="AR PL Mingti2L Big5" charset="0"/>
+                <a:cs typeface="AR PL Mingti2L Big5" charset="0"/>
+              </a:defRPr>
+            </a:lvl1pPr>
+            <a:lvl2pPr marL="742950" indent="-285750" algn="l" defTabSz="449263" rtl="0" eaLnBrk="0" fontAlgn="base" hangingPunct="0">
+              <a:spcBef>
+                <a:spcPct val="0"/>
+              </a:spcBef>
+              <a:spcAft>
+                <a:spcPct val="0"/>
+              </a:spcAft>
+              <a:defRPr kern="1200">
+                <a:solidFill>
+                  <a:schemeClr val="bg1"/>
+                </a:solidFill>
+                <a:latin typeface="Arial" panose="020B0604020202020204" pitchFamily="34" charset="0"/>
+                <a:ea typeface="AR PL Mingti2L Big5" charset="0"/>
+                <a:cs typeface="AR PL Mingti2L Big5" charset="0"/>
+              </a:defRPr>
+            </a:lvl2pPr>
+            <a:lvl3pPr marL="1143000" indent="-228600" algn="l" defTabSz="449263" rtl="0" eaLnBrk="0" fontAlgn="base" hangingPunct="0">
+              <a:spcBef>
+                <a:spcPct val="0"/>
+              </a:spcBef>
+              <a:spcAft>
+                <a:spcPct val="0"/>
+              </a:spcAft>
+              <a:defRPr kern="1200">
+                <a:solidFill>
+                  <a:schemeClr val="bg1"/>
+                </a:solidFill>
+                <a:latin typeface="Arial" panose="020B0604020202020204" pitchFamily="34" charset="0"/>
+                <a:ea typeface="AR PL Mingti2L Big5" charset="0"/>
+                <a:cs typeface="AR PL Mingti2L Big5" charset="0"/>
+              </a:defRPr>
+            </a:lvl3pPr>
+            <a:lvl4pPr marL="1600200" indent="-228600" algn="l" defTabSz="449263" rtl="0" eaLnBrk="0" fontAlgn="base" hangingPunct="0">
+              <a:spcBef>
+                <a:spcPct val="0"/>
+              </a:spcBef>
+              <a:spcAft>
+                <a:spcPct val="0"/>
+              </a:spcAft>
+              <a:defRPr kern="1200">
+                <a:solidFill>
+                  <a:schemeClr val="bg1"/>
+                </a:solidFill>
+                <a:latin typeface="Arial" panose="020B0604020202020204" pitchFamily="34" charset="0"/>
+                <a:ea typeface="AR PL Mingti2L Big5" charset="0"/>
+                <a:cs typeface="AR PL Mingti2L Big5" charset="0"/>
+              </a:defRPr>
+            </a:lvl4pPr>
+            <a:lvl5pPr marL="2057400" indent="-228600" algn="l" defTabSz="449263" rtl="0" eaLnBrk="0" fontAlgn="base" hangingPunct="0">
+              <a:spcBef>
+                <a:spcPct val="0"/>
+              </a:spcBef>
+              <a:spcAft>
+                <a:spcPct val="0"/>
+              </a:spcAft>
+              <a:defRPr kern="1200">
+                <a:solidFill>
+                  <a:schemeClr val="bg1"/>
+                </a:solidFill>
+                <a:latin typeface="Arial" panose="020B0604020202020204" pitchFamily="34" charset="0"/>
+                <a:ea typeface="AR PL Mingti2L Big5" charset="0"/>
+                <a:cs typeface="AR PL Mingti2L Big5" charset="0"/>
+              </a:defRPr>
+            </a:lvl5pPr>
+            <a:lvl6pPr marL="2286000" algn="l" defTabSz="914400" rtl="0" eaLnBrk="1" latinLnBrk="0" hangingPunct="1">
+              <a:defRPr kern="1200">
+                <a:solidFill>
+                  <a:schemeClr val="bg1"/>
+                </a:solidFill>
+                <a:latin typeface="Arial" panose="020B0604020202020204" pitchFamily="34" charset="0"/>
+                <a:ea typeface="AR PL Mingti2L Big5" charset="0"/>
+                <a:cs typeface="AR PL Mingti2L Big5" charset="0"/>
+              </a:defRPr>
+            </a:lvl6pPr>
+            <a:lvl7pPr marL="2743200" algn="l" defTabSz="914400" rtl="0" eaLnBrk="1" latinLnBrk="0" hangingPunct="1">
+              <a:defRPr kern="1200">
+                <a:solidFill>
+                  <a:schemeClr val="bg1"/>
+                </a:solidFill>
+                <a:latin typeface="Arial" panose="020B0604020202020204" pitchFamily="34" charset="0"/>
+                <a:ea typeface="AR PL Mingti2L Big5" charset="0"/>
+                <a:cs typeface="AR PL Mingti2L Big5" charset="0"/>
+              </a:defRPr>
+            </a:lvl7pPr>
+            <a:lvl8pPr marL="3200400" algn="l" defTabSz="914400" rtl="0" eaLnBrk="1" latinLnBrk="0" hangingPunct="1">
+              <a:defRPr kern="1200">
+                <a:solidFill>
+                  <a:schemeClr val="bg1"/>
+                </a:solidFill>
+                <a:latin typeface="Arial" panose="020B0604020202020204" pitchFamily="34" charset="0"/>
+                <a:ea typeface="AR PL Mingti2L Big5" charset="0"/>
+                <a:cs typeface="AR PL Mingti2L Big5" charset="0"/>
+              </a:defRPr>
+            </a:lvl8pPr>
+            <a:lvl9pPr marL="3657600" algn="l" defTabSz="914400" rtl="0" eaLnBrk="1" latinLnBrk="0" hangingPunct="1">
+              <a:defRPr kern="1200">
+                <a:solidFill>
+                  <a:schemeClr val="bg1"/>
+                </a:solidFill>
+                <a:latin typeface="Arial" panose="020B0604020202020204" pitchFamily="34" charset="0"/>
+                <a:ea typeface="AR PL Mingti2L Big5" charset="0"/>
+                <a:cs typeface="AR PL Mingti2L Big5" charset="0"/>
+              </a:defRPr>
+            </a:lvl9pPr>
+          </a:lstStyle>
+          <a:p>
+            <a:r>
+              <a:rPr lang="fi-FI" sz="2400" dirty="0" smtClean="0">
+                <a:solidFill>
+                  <a:schemeClr val="tx1">
+                    <a:lumMod val="65000"/>
+                    <a:lumOff val="35000"/>
+                  </a:schemeClr>
+                </a:solidFill>
+              </a:rPr>
+              <a:t>10 + 12 +19 </a:t>
+            </a:r>
+            <a:endParaRPr lang="fi-FI" sz="2400" dirty="0">
+              <a:solidFill>
+                <a:schemeClr val="tx1">
+                  <a:lumMod val="65000"/>
+                  <a:lumOff val="35000"/>
+                </a:schemeClr>
+              </a:solidFill>
+            </a:endParaRPr>
+          </a:p>
+        </p:txBody>
+      </p:sp>
+      <p:sp>
+        <p:nvSpPr>
+          <p:cNvPr id="5" name="TextBox 4"/>
+          <p:cNvSpPr txBox="1"/>
+          <p:nvPr/>
+        </p:nvSpPr>
+        <p:spPr>
+          <a:xfrm>
+            <a:off x="497709" y="1415968"/>
+            <a:ext cx="5347363" cy="461665"/>
+          </a:xfrm>
+          <a:prstGeom prst="rect">
+            <a:avLst/>
+          </a:prstGeom>
+          <a:noFill/>
+        </p:spPr>
+        <p:txBody>
+          <a:bodyPr wrap="square" rtlCol="0">
+            <a:spAutoFit/>
+          </a:bodyPr>
+          <a:lstStyle/>
+          <a:p>
+            <a:r>
+              <a:rPr lang="fi-FI" sz="2400" dirty="0" smtClean="0">
+                <a:solidFill>
+                  <a:schemeClr val="tx1"/>
+                </a:solidFill>
+              </a:rPr>
+              <a:t>Laske interaktioikkunassa.</a:t>
+            </a:r>
+            <a:endParaRPr lang="fi-FI" sz="2400" dirty="0">
+              <a:solidFill>
+                <a:schemeClr val="tx1"/>
+              </a:solidFill>
+            </a:endParaRPr>
+          </a:p>
+        </p:txBody>
+      </p:sp>
+      <p:sp>
+        <p:nvSpPr>
+          <p:cNvPr id="6" name="TextBox 5"/>
+          <p:cNvSpPr txBox="1"/>
+          <p:nvPr/>
+        </p:nvSpPr>
+        <p:spPr>
+          <a:xfrm>
+            <a:off x="1463399" y="2149815"/>
+            <a:ext cx="7386293" cy="461665"/>
+          </a:xfrm>
+          <a:prstGeom prst="rect">
+            <a:avLst/>
+          </a:prstGeom>
+          <a:noFill/>
+        </p:spPr>
+        <p:txBody>
+          <a:bodyPr wrap="square" rtlCol="0">
+            <a:spAutoFit/>
+          </a:bodyPr>
+          <a:lstStyle/>
+          <a:p>
+            <a:r>
+              <a:rPr lang="fi-FI" sz="2400" dirty="0" smtClean="0">
+                <a:solidFill>
+                  <a:schemeClr val="tx1"/>
+                </a:solidFill>
+              </a:rPr>
+              <a:t>a)                           b)                            </a:t>
+            </a:r>
+            <a:endParaRPr lang="fi-FI" sz="2400" dirty="0">
+              <a:solidFill>
+                <a:schemeClr val="tx1"/>
+              </a:solidFill>
+            </a:endParaRPr>
+          </a:p>
+        </p:txBody>
+      </p:sp>
+      <p:sp>
+        <p:nvSpPr>
+          <p:cNvPr id="16" name="Suorakulmio 2"/>
+          <p:cNvSpPr/>
+          <p:nvPr/>
+        </p:nvSpPr>
+        <p:spPr>
+          <a:xfrm>
+            <a:off x="4499992" y="2157131"/>
+            <a:ext cx="2253184" cy="461665"/>
+          </a:xfrm>
+          <a:prstGeom prst="rect">
+            <a:avLst/>
+          </a:prstGeom>
+          <a:solidFill>
+            <a:srgbClr val="FFE593"/>
+          </a:solidFill>
+        </p:spPr>
+        <p:txBody>
+          <a:bodyPr wrap="square">
+            <a:spAutoFit/>
+          </a:bodyPr>
+          <a:lstStyle>
+            <a:defPPr>
+              <a:defRPr lang="en-GB"/>
+            </a:defPPr>
+            <a:lvl1pPr algn="l" defTabSz="449263" rtl="0" eaLnBrk="0" fontAlgn="base" hangingPunct="0">
+              <a:spcBef>
+                <a:spcPct val="0"/>
+              </a:spcBef>
+              <a:spcAft>
+                <a:spcPct val="0"/>
+              </a:spcAft>
+              <a:defRPr kern="1200">
+                <a:solidFill>
+                  <a:schemeClr val="bg1"/>
+                </a:solidFill>
+                <a:latin typeface="Arial" panose="020B0604020202020204" pitchFamily="34" charset="0"/>
+                <a:ea typeface="AR PL Mingti2L Big5" charset="0"/>
+                <a:cs typeface="AR PL Mingti2L Big5" charset="0"/>
+              </a:defRPr>
+            </a:lvl1pPr>
+            <a:lvl2pPr marL="742950" indent="-285750" algn="l" defTabSz="449263" rtl="0" eaLnBrk="0" fontAlgn="base" hangingPunct="0">
+              <a:spcBef>
+                <a:spcPct val="0"/>
+              </a:spcBef>
+              <a:spcAft>
+                <a:spcPct val="0"/>
+              </a:spcAft>
+              <a:defRPr kern="1200">
+                <a:solidFill>
+                  <a:schemeClr val="bg1"/>
+                </a:solidFill>
+                <a:latin typeface="Arial" panose="020B0604020202020204" pitchFamily="34" charset="0"/>
+                <a:ea typeface="AR PL Mingti2L Big5" charset="0"/>
+                <a:cs typeface="AR PL Mingti2L Big5" charset="0"/>
+              </a:defRPr>
+            </a:lvl2pPr>
+            <a:lvl3pPr marL="1143000" indent="-228600" algn="l" defTabSz="449263" rtl="0" eaLnBrk="0" fontAlgn="base" hangingPunct="0">
+              <a:spcBef>
+                <a:spcPct val="0"/>
+              </a:spcBef>
+              <a:spcAft>
+                <a:spcPct val="0"/>
+              </a:spcAft>
+              <a:defRPr kern="1200">
+                <a:solidFill>
+                  <a:schemeClr val="bg1"/>
+                </a:solidFill>
+                <a:latin typeface="Arial" panose="020B0604020202020204" pitchFamily="34" charset="0"/>
+                <a:ea typeface="AR PL Mingti2L Big5" charset="0"/>
+                <a:cs typeface="AR PL Mingti2L Big5" charset="0"/>
+              </a:defRPr>
+            </a:lvl3pPr>
+            <a:lvl4pPr marL="1600200" indent="-228600" algn="l" defTabSz="449263" rtl="0" eaLnBrk="0" fontAlgn="base" hangingPunct="0">
+              <a:spcBef>
+                <a:spcPct val="0"/>
+              </a:spcBef>
+              <a:spcAft>
+                <a:spcPct val="0"/>
+              </a:spcAft>
+              <a:defRPr kern="1200">
+                <a:solidFill>
+                  <a:schemeClr val="bg1"/>
+                </a:solidFill>
+                <a:latin typeface="Arial" panose="020B0604020202020204" pitchFamily="34" charset="0"/>
+                <a:ea typeface="AR PL Mingti2L Big5" charset="0"/>
+                <a:cs typeface="AR PL Mingti2L Big5" charset="0"/>
+              </a:defRPr>
+            </a:lvl4pPr>
+            <a:lvl5pPr marL="2057400" indent="-228600" algn="l" defTabSz="449263" rtl="0" eaLnBrk="0" fontAlgn="base" hangingPunct="0">
+              <a:spcBef>
+                <a:spcPct val="0"/>
+              </a:spcBef>
+              <a:spcAft>
+                <a:spcPct val="0"/>
+              </a:spcAft>
+              <a:defRPr kern="1200">
+                <a:solidFill>
+                  <a:schemeClr val="bg1"/>
+                </a:solidFill>
+                <a:latin typeface="Arial" panose="020B0604020202020204" pitchFamily="34" charset="0"/>
+                <a:ea typeface="AR PL Mingti2L Big5" charset="0"/>
+                <a:cs typeface="AR PL Mingti2L Big5" charset="0"/>
+              </a:defRPr>
+            </a:lvl5pPr>
+            <a:lvl6pPr marL="2286000" algn="l" defTabSz="914400" rtl="0" eaLnBrk="1" latinLnBrk="0" hangingPunct="1">
+              <a:defRPr kern="1200">
+                <a:solidFill>
+                  <a:schemeClr val="bg1"/>
+                </a:solidFill>
+                <a:latin typeface="Arial" panose="020B0604020202020204" pitchFamily="34" charset="0"/>
+                <a:ea typeface="AR PL Mingti2L Big5" charset="0"/>
+                <a:cs typeface="AR PL Mingti2L Big5" charset="0"/>
+              </a:defRPr>
+            </a:lvl6pPr>
+            <a:lvl7pPr marL="2743200" algn="l" defTabSz="914400" rtl="0" eaLnBrk="1" latinLnBrk="0" hangingPunct="1">
+              <a:defRPr kern="1200">
+                <a:solidFill>
+                  <a:schemeClr val="bg1"/>
+                </a:solidFill>
+                <a:latin typeface="Arial" panose="020B0604020202020204" pitchFamily="34" charset="0"/>
+                <a:ea typeface="AR PL Mingti2L Big5" charset="0"/>
+                <a:cs typeface="AR PL Mingti2L Big5" charset="0"/>
+              </a:defRPr>
+            </a:lvl7pPr>
+            <a:lvl8pPr marL="3200400" algn="l" defTabSz="914400" rtl="0" eaLnBrk="1" latinLnBrk="0" hangingPunct="1">
+              <a:defRPr kern="1200">
+                <a:solidFill>
+                  <a:schemeClr val="bg1"/>
+                </a:solidFill>
+                <a:latin typeface="Arial" panose="020B0604020202020204" pitchFamily="34" charset="0"/>
+                <a:ea typeface="AR PL Mingti2L Big5" charset="0"/>
+                <a:cs typeface="AR PL Mingti2L Big5" charset="0"/>
+              </a:defRPr>
+            </a:lvl8pPr>
+            <a:lvl9pPr marL="3657600" algn="l" defTabSz="914400" rtl="0" eaLnBrk="1" latinLnBrk="0" hangingPunct="1">
+              <a:defRPr kern="1200">
+                <a:solidFill>
+                  <a:schemeClr val="bg1"/>
+                </a:solidFill>
+                <a:latin typeface="Arial" panose="020B0604020202020204" pitchFamily="34" charset="0"/>
+                <a:ea typeface="AR PL Mingti2L Big5" charset="0"/>
+                <a:cs typeface="AR PL Mingti2L Big5" charset="0"/>
+              </a:defRPr>
+            </a:lvl9pPr>
+          </a:lstStyle>
+          <a:p>
+            <a:r>
+              <a:rPr lang="fi-FI" sz="2400" dirty="0" smtClean="0">
+                <a:solidFill>
+                  <a:schemeClr val="tx1">
+                    <a:lumMod val="65000"/>
+                    <a:lumOff val="35000"/>
+                  </a:schemeClr>
+                </a:solidFill>
+              </a:rPr>
+              <a:t>45 + 222 + 300</a:t>
+            </a:r>
+            <a:endParaRPr lang="fi-FI" sz="2400" dirty="0">
+              <a:solidFill>
+                <a:schemeClr val="tx1">
+                  <a:lumMod val="65000"/>
+                  <a:lumOff val="35000"/>
+                </a:schemeClr>
+              </a:solidFill>
+            </a:endParaRPr>
+          </a:p>
+        </p:txBody>
+      </p:sp>
+      <p:grpSp>
+        <p:nvGrpSpPr>
+          <p:cNvPr id="4" name="Group 3"/>
+          <p:cNvGrpSpPr/>
+          <p:nvPr/>
+        </p:nvGrpSpPr>
+        <p:grpSpPr>
+          <a:xfrm>
+            <a:off x="179512" y="3127375"/>
+            <a:ext cx="8256441" cy="500737"/>
+            <a:chOff x="166849" y="2949765"/>
+            <a:chExt cx="8256441" cy="500737"/>
+          </a:xfrm>
+        </p:grpSpPr>
+        <p:sp>
+          <p:nvSpPr>
+            <p:cNvPr id="43" name="Suorakulmio 42"/>
+            <p:cNvSpPr/>
+            <p:nvPr/>
+          </p:nvSpPr>
+          <p:spPr>
+            <a:xfrm>
+              <a:off x="166849" y="3044146"/>
+              <a:ext cx="1074012" cy="338554"/>
+            </a:xfrm>
+            <a:prstGeom prst="rect">
+              <a:avLst/>
+            </a:prstGeom>
+            <a:solidFill>
+              <a:schemeClr val="accent2">
+                <a:lumMod val="75000"/>
+              </a:schemeClr>
+            </a:solidFill>
+          </p:spPr>
+          <p:txBody>
+            <a:bodyPr wrap="none">
+              <a:spAutoFit/>
+            </a:bodyPr>
+            <a:lstStyle/>
+            <a:p>
+              <a:r>
+                <a:rPr kumimoji="0" lang="fi-FI" sz="1600" b="0" i="0" u="none" strike="noStrike" cap="none" normalizeH="0" dirty="0">
+                  <a:ln>
+                    <a:noFill/>
+                  </a:ln>
+                  <a:effectLst/>
+                  <a:latin typeface="Arial" charset="0"/>
+                </a:rPr>
+                <a:t>Tehtävä </a:t>
+              </a:r>
+              <a:r>
+                <a:rPr lang="fi-FI" sz="1600" dirty="0">
+                  <a:latin typeface="Arial" charset="0"/>
+                </a:rPr>
+                <a:t>2</a:t>
+              </a:r>
+              <a:endParaRPr lang="fi-FI" sz="1600" dirty="0"/>
+            </a:p>
+          </p:txBody>
+        </p:sp>
+        <p:sp>
+          <p:nvSpPr>
+            <p:cNvPr id="47" name="Suorakulmio 46"/>
+            <p:cNvSpPr/>
+            <p:nvPr/>
+          </p:nvSpPr>
+          <p:spPr>
+            <a:xfrm>
+              <a:off x="1240861" y="2988837"/>
+              <a:ext cx="7182429" cy="461665"/>
+            </a:xfrm>
+            <a:prstGeom prst="rect">
+              <a:avLst/>
+            </a:prstGeom>
+            <a:noFill/>
+          </p:spPr>
+          <p:txBody>
+            <a:bodyPr wrap="square">
+              <a:spAutoFit/>
+            </a:bodyPr>
+            <a:lstStyle/>
+            <a:p>
+              <a:r>
+                <a:rPr lang="fi-FI" sz="2400" dirty="0" smtClean="0">
+                  <a:solidFill>
+                    <a:schemeClr val="tx1"/>
+                  </a:solidFill>
+                </a:rPr>
+                <a:t>  a</a:t>
+              </a:r>
+              <a:r>
+                <a:rPr lang="fi-FI" sz="2400" dirty="0">
+                  <a:solidFill>
+                    <a:schemeClr val="tx1"/>
+                  </a:solidFill>
+                </a:rPr>
+                <a:t>)             </a:t>
+              </a:r>
+              <a:r>
+                <a:rPr lang="fi-FI" sz="2400" dirty="0" smtClean="0">
+                  <a:solidFill>
+                    <a:schemeClr val="tx1"/>
+                  </a:solidFill>
+                </a:rPr>
+                <a:t>                          b)                                </a:t>
+              </a:r>
+              <a:endParaRPr lang="fi-FI" sz="2400" dirty="0">
+                <a:solidFill>
+                  <a:schemeClr val="tx1"/>
+                </a:solidFill>
+              </a:endParaRPr>
+            </a:p>
+          </p:txBody>
+        </p:sp>
+        <p:sp>
+          <p:nvSpPr>
+            <p:cNvPr id="20" name="Suorakulmio 2"/>
+            <p:cNvSpPr/>
+            <p:nvPr/>
+          </p:nvSpPr>
+          <p:spPr>
+            <a:xfrm>
+              <a:off x="5439114" y="2949765"/>
+              <a:ext cx="2000543" cy="461665"/>
+            </a:xfrm>
+            <a:prstGeom prst="rect">
+              <a:avLst/>
+            </a:prstGeom>
+            <a:solidFill>
+              <a:srgbClr val="FFE593"/>
+            </a:solidFill>
+          </p:spPr>
+          <p:txBody>
+            <a:bodyPr wrap="square">
+              <a:spAutoFit/>
+            </a:bodyPr>
+            <a:lstStyle>
+              <a:defPPr>
+                <a:defRPr lang="en-GB"/>
+              </a:defPPr>
+              <a:lvl1pPr algn="l" defTabSz="449263" rtl="0" eaLnBrk="0" fontAlgn="base" hangingPunct="0">
+                <a:spcBef>
+                  <a:spcPct val="0"/>
+                </a:spcBef>
+                <a:spcAft>
+                  <a:spcPct val="0"/>
+                </a:spcAft>
+                <a:defRPr kern="1200">
+                  <a:solidFill>
+                    <a:schemeClr val="bg1"/>
+                  </a:solidFill>
+                  <a:latin typeface="Arial" panose="020B0604020202020204" pitchFamily="34" charset="0"/>
+                  <a:ea typeface="AR PL Mingti2L Big5" charset="0"/>
+                  <a:cs typeface="AR PL Mingti2L Big5" charset="0"/>
+                </a:defRPr>
+              </a:lvl1pPr>
+              <a:lvl2pPr marL="742950" indent="-285750" algn="l" defTabSz="449263" rtl="0" eaLnBrk="0" fontAlgn="base" hangingPunct="0">
+                <a:spcBef>
+                  <a:spcPct val="0"/>
+                </a:spcBef>
+                <a:spcAft>
+                  <a:spcPct val="0"/>
+                </a:spcAft>
+                <a:defRPr kern="1200">
+                  <a:solidFill>
+                    <a:schemeClr val="bg1"/>
+                  </a:solidFill>
+                  <a:latin typeface="Arial" panose="020B0604020202020204" pitchFamily="34" charset="0"/>
+                  <a:ea typeface="AR PL Mingti2L Big5" charset="0"/>
+                  <a:cs typeface="AR PL Mingti2L Big5" charset="0"/>
+                </a:defRPr>
+              </a:lvl2pPr>
+              <a:lvl3pPr marL="1143000" indent="-228600" algn="l" defTabSz="449263" rtl="0" eaLnBrk="0" fontAlgn="base" hangingPunct="0">
+                <a:spcBef>
+                  <a:spcPct val="0"/>
+                </a:spcBef>
+                <a:spcAft>
+                  <a:spcPct val="0"/>
+                </a:spcAft>
+                <a:defRPr kern="1200">
+                  <a:solidFill>
+                    <a:schemeClr val="bg1"/>
+                  </a:solidFill>
+                  <a:latin typeface="Arial" panose="020B0604020202020204" pitchFamily="34" charset="0"/>
+                  <a:ea typeface="AR PL Mingti2L Big5" charset="0"/>
+                  <a:cs typeface="AR PL Mingti2L Big5" charset="0"/>
+                </a:defRPr>
+              </a:lvl3pPr>
+              <a:lvl4pPr marL="1600200" indent="-228600" algn="l" defTabSz="449263" rtl="0" eaLnBrk="0" fontAlgn="base" hangingPunct="0">
+                <a:spcBef>
+                  <a:spcPct val="0"/>
+                </a:spcBef>
+                <a:spcAft>
+                  <a:spcPct val="0"/>
+                </a:spcAft>
+                <a:defRPr kern="1200">
+                  <a:solidFill>
+                    <a:schemeClr val="bg1"/>
+                  </a:solidFill>
+                  <a:latin typeface="Arial" panose="020B0604020202020204" pitchFamily="34" charset="0"/>
+                  <a:ea typeface="AR PL Mingti2L Big5" charset="0"/>
+                  <a:cs typeface="AR PL Mingti2L Big5" charset="0"/>
+                </a:defRPr>
+              </a:lvl4pPr>
+              <a:lvl5pPr marL="2057400" indent="-228600" algn="l" defTabSz="449263" rtl="0" eaLnBrk="0" fontAlgn="base" hangingPunct="0">
+                <a:spcBef>
+                  <a:spcPct val="0"/>
+                </a:spcBef>
+                <a:spcAft>
+                  <a:spcPct val="0"/>
+                </a:spcAft>
+                <a:defRPr kern="1200">
+                  <a:solidFill>
+                    <a:schemeClr val="bg1"/>
+                  </a:solidFill>
+                  <a:latin typeface="Arial" panose="020B0604020202020204" pitchFamily="34" charset="0"/>
+                  <a:ea typeface="AR PL Mingti2L Big5" charset="0"/>
+                  <a:cs typeface="AR PL Mingti2L Big5" charset="0"/>
+                </a:defRPr>
+              </a:lvl5pPr>
+              <a:lvl6pPr marL="2286000" algn="l" defTabSz="914400" rtl="0" eaLnBrk="1" latinLnBrk="0" hangingPunct="1">
+                <a:defRPr kern="1200">
+                  <a:solidFill>
+                    <a:schemeClr val="bg1"/>
+                  </a:solidFill>
+                  <a:latin typeface="Arial" panose="020B0604020202020204" pitchFamily="34" charset="0"/>
+                  <a:ea typeface="AR PL Mingti2L Big5" charset="0"/>
+                  <a:cs typeface="AR PL Mingti2L Big5" charset="0"/>
+                </a:defRPr>
+              </a:lvl6pPr>
+              <a:lvl7pPr marL="2743200" algn="l" defTabSz="914400" rtl="0" eaLnBrk="1" latinLnBrk="0" hangingPunct="1">
+                <a:defRPr kern="1200">
+                  <a:solidFill>
+                    <a:schemeClr val="bg1"/>
+                  </a:solidFill>
+                  <a:latin typeface="Arial" panose="020B0604020202020204" pitchFamily="34" charset="0"/>
+                  <a:ea typeface="AR PL Mingti2L Big5" charset="0"/>
+                  <a:cs typeface="AR PL Mingti2L Big5" charset="0"/>
+                </a:defRPr>
+              </a:lvl7pPr>
+              <a:lvl8pPr marL="3200400" algn="l" defTabSz="914400" rtl="0" eaLnBrk="1" latinLnBrk="0" hangingPunct="1">
+                <a:defRPr kern="1200">
+                  <a:solidFill>
+                    <a:schemeClr val="bg1"/>
+                  </a:solidFill>
+                  <a:latin typeface="Arial" panose="020B0604020202020204" pitchFamily="34" charset="0"/>
+                  <a:ea typeface="AR PL Mingti2L Big5" charset="0"/>
+                  <a:cs typeface="AR PL Mingti2L Big5" charset="0"/>
+                </a:defRPr>
+              </a:lvl8pPr>
+              <a:lvl9pPr marL="3657600" algn="l" defTabSz="914400" rtl="0" eaLnBrk="1" latinLnBrk="0" hangingPunct="1">
+                <a:defRPr kern="1200">
+                  <a:solidFill>
+                    <a:schemeClr val="bg1"/>
+                  </a:solidFill>
+                  <a:latin typeface="Arial" panose="020B0604020202020204" pitchFamily="34" charset="0"/>
+                  <a:ea typeface="AR PL Mingti2L Big5" charset="0"/>
+                  <a:cs typeface="AR PL Mingti2L Big5" charset="0"/>
+                </a:defRPr>
+              </a:lvl9pPr>
+            </a:lstStyle>
+            <a:p>
+              <a:r>
+                <a:rPr lang="fi-FI" sz="2400" dirty="0" smtClean="0">
+                  <a:solidFill>
+                    <a:schemeClr val="tx1">
+                      <a:lumMod val="65000"/>
+                      <a:lumOff val="35000"/>
+                    </a:schemeClr>
+                  </a:solidFill>
+                </a:rPr>
+                <a:t>20 – 15 – 10</a:t>
+              </a:r>
+            </a:p>
+          </p:txBody>
+        </p:sp>
+        <p:sp>
+          <p:nvSpPr>
+            <p:cNvPr id="22" name="Suorakulmio 2"/>
+            <p:cNvSpPr/>
+            <p:nvPr/>
+          </p:nvSpPr>
+          <p:spPr>
+            <a:xfrm>
+              <a:off x="1873023" y="2962977"/>
+              <a:ext cx="3024884" cy="461665"/>
+            </a:xfrm>
+            <a:prstGeom prst="rect">
+              <a:avLst/>
+            </a:prstGeom>
+            <a:solidFill>
+              <a:srgbClr val="FFE593"/>
+            </a:solidFill>
+          </p:spPr>
+          <p:txBody>
+            <a:bodyPr wrap="square">
+              <a:spAutoFit/>
+            </a:bodyPr>
+            <a:lstStyle>
+              <a:defPPr>
+                <a:defRPr lang="en-GB"/>
+              </a:defPPr>
+              <a:lvl1pPr algn="l" defTabSz="449263" rtl="0" eaLnBrk="0" fontAlgn="base" hangingPunct="0">
+                <a:spcBef>
+                  <a:spcPct val="0"/>
+                </a:spcBef>
+                <a:spcAft>
+                  <a:spcPct val="0"/>
+                </a:spcAft>
+                <a:defRPr kern="1200">
+                  <a:solidFill>
+                    <a:schemeClr val="bg1"/>
+                  </a:solidFill>
+                  <a:latin typeface="Arial" panose="020B0604020202020204" pitchFamily="34" charset="0"/>
+                  <a:ea typeface="AR PL Mingti2L Big5" charset="0"/>
+                  <a:cs typeface="AR PL Mingti2L Big5" charset="0"/>
+                </a:defRPr>
+              </a:lvl1pPr>
+              <a:lvl2pPr marL="742950" indent="-285750" algn="l" defTabSz="449263" rtl="0" eaLnBrk="0" fontAlgn="base" hangingPunct="0">
+                <a:spcBef>
+                  <a:spcPct val="0"/>
+                </a:spcBef>
+                <a:spcAft>
+                  <a:spcPct val="0"/>
+                </a:spcAft>
+                <a:defRPr kern="1200">
+                  <a:solidFill>
+                    <a:schemeClr val="bg1"/>
+                  </a:solidFill>
+                  <a:latin typeface="Arial" panose="020B0604020202020204" pitchFamily="34" charset="0"/>
+                  <a:ea typeface="AR PL Mingti2L Big5" charset="0"/>
+                  <a:cs typeface="AR PL Mingti2L Big5" charset="0"/>
+                </a:defRPr>
+              </a:lvl2pPr>
+              <a:lvl3pPr marL="1143000" indent="-228600" algn="l" defTabSz="449263" rtl="0" eaLnBrk="0" fontAlgn="base" hangingPunct="0">
+                <a:spcBef>
+                  <a:spcPct val="0"/>
+                </a:spcBef>
+                <a:spcAft>
+                  <a:spcPct val="0"/>
+                </a:spcAft>
+                <a:defRPr kern="1200">
+                  <a:solidFill>
+                    <a:schemeClr val="bg1"/>
+                  </a:solidFill>
+                  <a:latin typeface="Arial" panose="020B0604020202020204" pitchFamily="34" charset="0"/>
+                  <a:ea typeface="AR PL Mingti2L Big5" charset="0"/>
+                  <a:cs typeface="AR PL Mingti2L Big5" charset="0"/>
+                </a:defRPr>
+              </a:lvl3pPr>
+              <a:lvl4pPr marL="1600200" indent="-228600" algn="l" defTabSz="449263" rtl="0" eaLnBrk="0" fontAlgn="base" hangingPunct="0">
+                <a:spcBef>
+                  <a:spcPct val="0"/>
+                </a:spcBef>
+                <a:spcAft>
+                  <a:spcPct val="0"/>
+                </a:spcAft>
+                <a:defRPr kern="1200">
+                  <a:solidFill>
+                    <a:schemeClr val="bg1"/>
+                  </a:solidFill>
+                  <a:latin typeface="Arial" panose="020B0604020202020204" pitchFamily="34" charset="0"/>
+                  <a:ea typeface="AR PL Mingti2L Big5" charset="0"/>
+                  <a:cs typeface="AR PL Mingti2L Big5" charset="0"/>
+                </a:defRPr>
+              </a:lvl4pPr>
+              <a:lvl5pPr marL="2057400" indent="-228600" algn="l" defTabSz="449263" rtl="0" eaLnBrk="0" fontAlgn="base" hangingPunct="0">
+                <a:spcBef>
+                  <a:spcPct val="0"/>
+                </a:spcBef>
+                <a:spcAft>
+                  <a:spcPct val="0"/>
+                </a:spcAft>
+                <a:defRPr kern="1200">
+                  <a:solidFill>
+                    <a:schemeClr val="bg1"/>
+                  </a:solidFill>
+                  <a:latin typeface="Arial" panose="020B0604020202020204" pitchFamily="34" charset="0"/>
+                  <a:ea typeface="AR PL Mingti2L Big5" charset="0"/>
+                  <a:cs typeface="AR PL Mingti2L Big5" charset="0"/>
+                </a:defRPr>
+              </a:lvl5pPr>
+              <a:lvl6pPr marL="2286000" algn="l" defTabSz="914400" rtl="0" eaLnBrk="1" latinLnBrk="0" hangingPunct="1">
+                <a:defRPr kern="1200">
+                  <a:solidFill>
+                    <a:schemeClr val="bg1"/>
+                  </a:solidFill>
+                  <a:latin typeface="Arial" panose="020B0604020202020204" pitchFamily="34" charset="0"/>
+                  <a:ea typeface="AR PL Mingti2L Big5" charset="0"/>
+                  <a:cs typeface="AR PL Mingti2L Big5" charset="0"/>
+                </a:defRPr>
+              </a:lvl6pPr>
+              <a:lvl7pPr marL="2743200" algn="l" defTabSz="914400" rtl="0" eaLnBrk="1" latinLnBrk="0" hangingPunct="1">
+                <a:defRPr kern="1200">
+                  <a:solidFill>
+                    <a:schemeClr val="bg1"/>
+                  </a:solidFill>
+                  <a:latin typeface="Arial" panose="020B0604020202020204" pitchFamily="34" charset="0"/>
+                  <a:ea typeface="AR PL Mingti2L Big5" charset="0"/>
+                  <a:cs typeface="AR PL Mingti2L Big5" charset="0"/>
+                </a:defRPr>
+              </a:lvl7pPr>
+              <a:lvl8pPr marL="3200400" algn="l" defTabSz="914400" rtl="0" eaLnBrk="1" latinLnBrk="0" hangingPunct="1">
+                <a:defRPr kern="1200">
+                  <a:solidFill>
+                    <a:schemeClr val="bg1"/>
+                  </a:solidFill>
+                  <a:latin typeface="Arial" panose="020B0604020202020204" pitchFamily="34" charset="0"/>
+                  <a:ea typeface="AR PL Mingti2L Big5" charset="0"/>
+                  <a:cs typeface="AR PL Mingti2L Big5" charset="0"/>
+                </a:defRPr>
+              </a:lvl8pPr>
+              <a:lvl9pPr marL="3657600" algn="l" defTabSz="914400" rtl="0" eaLnBrk="1" latinLnBrk="0" hangingPunct="1">
+                <a:defRPr kern="1200">
+                  <a:solidFill>
+                    <a:schemeClr val="bg1"/>
+                  </a:solidFill>
+                  <a:latin typeface="Arial" panose="020B0604020202020204" pitchFamily="34" charset="0"/>
+                  <a:ea typeface="AR PL Mingti2L Big5" charset="0"/>
+                  <a:cs typeface="AR PL Mingti2L Big5" charset="0"/>
+                </a:defRPr>
+              </a:lvl9pPr>
+            </a:lstStyle>
+            <a:p>
+              <a:r>
+                <a:rPr lang="fi-FI" sz="2400" dirty="0" smtClean="0">
+                  <a:solidFill>
+                    <a:schemeClr val="tx1">
+                      <a:lumMod val="65000"/>
+                      <a:lumOff val="35000"/>
+                    </a:schemeClr>
+                  </a:solidFill>
+                </a:rPr>
+                <a:t>300 – 150 – 100 -50 </a:t>
+              </a:r>
+              <a:endParaRPr lang="fi-FI" sz="2400" dirty="0">
+                <a:solidFill>
+                  <a:schemeClr val="tx1">
+                    <a:lumMod val="65000"/>
+                    <a:lumOff val="35000"/>
+                  </a:schemeClr>
+                </a:solidFill>
+              </a:endParaRPr>
+            </a:p>
+          </p:txBody>
+        </p:sp>
+      </p:grpSp>
+      <p:grpSp>
+        <p:nvGrpSpPr>
+          <p:cNvPr id="2" name="Group 1"/>
+          <p:cNvGrpSpPr/>
+          <p:nvPr/>
+        </p:nvGrpSpPr>
+        <p:grpSpPr>
+          <a:xfrm>
+            <a:off x="166849" y="4135678"/>
+            <a:ext cx="7937015" cy="495445"/>
+            <a:chOff x="166849" y="4097543"/>
+            <a:chExt cx="7937015" cy="495445"/>
+          </a:xfrm>
+        </p:grpSpPr>
+        <p:sp>
+          <p:nvSpPr>
+            <p:cNvPr id="45" name="Suorakulmio 44"/>
+            <p:cNvSpPr/>
+            <p:nvPr/>
+          </p:nvSpPr>
+          <p:spPr>
+            <a:xfrm>
+              <a:off x="166849" y="4148454"/>
+              <a:ext cx="1104566" cy="338554"/>
+            </a:xfrm>
+            <a:prstGeom prst="rect">
+              <a:avLst/>
+            </a:prstGeom>
+            <a:solidFill>
+              <a:schemeClr val="accent2">
+                <a:lumMod val="75000"/>
+              </a:schemeClr>
+            </a:solidFill>
+          </p:spPr>
+          <p:txBody>
+            <a:bodyPr wrap="square">
+              <a:spAutoFit/>
+            </a:bodyPr>
+            <a:lstStyle/>
+            <a:p>
+              <a:r>
+                <a:rPr kumimoji="0" lang="fi-FI" sz="1600" b="0" i="0" u="none" strike="noStrike" cap="none" normalizeH="0" dirty="0">
+                  <a:ln>
+                    <a:noFill/>
+                  </a:ln>
+                  <a:effectLst/>
+                  <a:latin typeface="Arial" charset="0"/>
+                </a:rPr>
+                <a:t>Tehtävä </a:t>
+              </a:r>
+              <a:r>
+                <a:rPr lang="fi-FI" sz="1600" dirty="0">
+                  <a:latin typeface="Arial" charset="0"/>
+                </a:rPr>
+                <a:t>3</a:t>
+              </a:r>
+              <a:endParaRPr lang="fi-FI" sz="1600" dirty="0"/>
+            </a:p>
+          </p:txBody>
+        </p:sp>
+        <p:sp>
+          <p:nvSpPr>
+            <p:cNvPr id="21" name="Suorakulmio 46"/>
+            <p:cNvSpPr/>
+            <p:nvPr/>
+          </p:nvSpPr>
+          <p:spPr>
+            <a:xfrm>
+              <a:off x="1341987" y="4126400"/>
+              <a:ext cx="6761877" cy="430887"/>
+            </a:xfrm>
+            <a:prstGeom prst="rect">
+              <a:avLst/>
+            </a:prstGeom>
+            <a:noFill/>
+          </p:spPr>
+          <p:txBody>
+            <a:bodyPr wrap="square">
+              <a:spAutoFit/>
+            </a:bodyPr>
+            <a:lstStyle/>
+            <a:p>
+              <a:r>
+                <a:rPr lang="fi-FI" sz="2200" dirty="0" smtClean="0">
+                  <a:solidFill>
+                    <a:schemeClr val="tx1"/>
+                  </a:solidFill>
+                  <a:latin typeface="Arial" charset="0"/>
+                </a:rPr>
+                <a:t> a) </a:t>
+              </a:r>
+              <a:r>
+                <a:rPr lang="fi-FI" sz="2200" dirty="0">
+                  <a:solidFill>
+                    <a:schemeClr val="tx1"/>
+                  </a:solidFill>
+                  <a:latin typeface="Arial" charset="0"/>
+                </a:rPr>
+                <a:t> </a:t>
+              </a:r>
+              <a:r>
+                <a:rPr lang="fi-FI" sz="2200" dirty="0" smtClean="0">
+                  <a:solidFill>
+                    <a:schemeClr val="tx1"/>
+                  </a:solidFill>
+                  <a:latin typeface="Arial" charset="0"/>
+                </a:rPr>
+                <a:t>                        b)                     </a:t>
+              </a:r>
+              <a:endParaRPr lang="fi-FI" sz="2200" dirty="0">
+                <a:solidFill>
+                  <a:schemeClr val="tx1"/>
+                </a:solidFill>
+                <a:latin typeface="Arial" charset="0"/>
+              </a:endParaRPr>
+            </a:p>
+          </p:txBody>
+        </p:sp>
+        <p:sp>
+          <p:nvSpPr>
+            <p:cNvPr id="23" name="Suorakulmio 2"/>
+            <p:cNvSpPr/>
+            <p:nvPr/>
+          </p:nvSpPr>
+          <p:spPr>
+            <a:xfrm>
+              <a:off x="1846021" y="4131323"/>
+              <a:ext cx="1789875" cy="461665"/>
+            </a:xfrm>
+            <a:prstGeom prst="rect">
+              <a:avLst/>
+            </a:prstGeom>
+            <a:solidFill>
+              <a:srgbClr val="FFE593"/>
+            </a:solidFill>
+          </p:spPr>
+          <p:txBody>
+            <a:bodyPr wrap="square">
+              <a:spAutoFit/>
+            </a:bodyPr>
+            <a:lstStyle>
+              <a:defPPr>
+                <a:defRPr lang="en-GB"/>
+              </a:defPPr>
+              <a:lvl1pPr algn="l" defTabSz="449263" rtl="0" eaLnBrk="0" fontAlgn="base" hangingPunct="0">
+                <a:spcBef>
+                  <a:spcPct val="0"/>
+                </a:spcBef>
+                <a:spcAft>
+                  <a:spcPct val="0"/>
+                </a:spcAft>
+                <a:defRPr kern="1200">
+                  <a:solidFill>
+                    <a:schemeClr val="bg1"/>
+                  </a:solidFill>
+                  <a:latin typeface="Arial" panose="020B0604020202020204" pitchFamily="34" charset="0"/>
+                  <a:ea typeface="AR PL Mingti2L Big5" charset="0"/>
+                  <a:cs typeface="AR PL Mingti2L Big5" charset="0"/>
+                </a:defRPr>
+              </a:lvl1pPr>
+              <a:lvl2pPr marL="742950" indent="-285750" algn="l" defTabSz="449263" rtl="0" eaLnBrk="0" fontAlgn="base" hangingPunct="0">
+                <a:spcBef>
+                  <a:spcPct val="0"/>
+                </a:spcBef>
+                <a:spcAft>
+                  <a:spcPct val="0"/>
+                </a:spcAft>
+                <a:defRPr kern="1200">
+                  <a:solidFill>
+                    <a:schemeClr val="bg1"/>
+                  </a:solidFill>
+                  <a:latin typeface="Arial" panose="020B0604020202020204" pitchFamily="34" charset="0"/>
+                  <a:ea typeface="AR PL Mingti2L Big5" charset="0"/>
+                  <a:cs typeface="AR PL Mingti2L Big5" charset="0"/>
+                </a:defRPr>
+              </a:lvl2pPr>
+              <a:lvl3pPr marL="1143000" indent="-228600" algn="l" defTabSz="449263" rtl="0" eaLnBrk="0" fontAlgn="base" hangingPunct="0">
+                <a:spcBef>
+                  <a:spcPct val="0"/>
+                </a:spcBef>
+                <a:spcAft>
+                  <a:spcPct val="0"/>
+                </a:spcAft>
+                <a:defRPr kern="1200">
+                  <a:solidFill>
+                    <a:schemeClr val="bg1"/>
+                  </a:solidFill>
+                  <a:latin typeface="Arial" panose="020B0604020202020204" pitchFamily="34" charset="0"/>
+                  <a:ea typeface="AR PL Mingti2L Big5" charset="0"/>
+                  <a:cs typeface="AR PL Mingti2L Big5" charset="0"/>
+                </a:defRPr>
+              </a:lvl3pPr>
+              <a:lvl4pPr marL="1600200" indent="-228600" algn="l" defTabSz="449263" rtl="0" eaLnBrk="0" fontAlgn="base" hangingPunct="0">
+                <a:spcBef>
+                  <a:spcPct val="0"/>
+                </a:spcBef>
+                <a:spcAft>
+                  <a:spcPct val="0"/>
+                </a:spcAft>
+                <a:defRPr kern="1200">
+                  <a:solidFill>
+                    <a:schemeClr val="bg1"/>
+                  </a:solidFill>
+                  <a:latin typeface="Arial" panose="020B0604020202020204" pitchFamily="34" charset="0"/>
+                  <a:ea typeface="AR PL Mingti2L Big5" charset="0"/>
+                  <a:cs typeface="AR PL Mingti2L Big5" charset="0"/>
+                </a:defRPr>
+              </a:lvl4pPr>
+              <a:lvl5pPr marL="2057400" indent="-228600" algn="l" defTabSz="449263" rtl="0" eaLnBrk="0" fontAlgn="base" hangingPunct="0">
+                <a:spcBef>
+                  <a:spcPct val="0"/>
+                </a:spcBef>
+                <a:spcAft>
+                  <a:spcPct val="0"/>
+                </a:spcAft>
+                <a:defRPr kern="1200">
+                  <a:solidFill>
+                    <a:schemeClr val="bg1"/>
+                  </a:solidFill>
+                  <a:latin typeface="Arial" panose="020B0604020202020204" pitchFamily="34" charset="0"/>
+                  <a:ea typeface="AR PL Mingti2L Big5" charset="0"/>
+                  <a:cs typeface="AR PL Mingti2L Big5" charset="0"/>
+                </a:defRPr>
+              </a:lvl5pPr>
+              <a:lvl6pPr marL="2286000" algn="l" defTabSz="914400" rtl="0" eaLnBrk="1" latinLnBrk="0" hangingPunct="1">
+                <a:defRPr kern="1200">
+                  <a:solidFill>
+                    <a:schemeClr val="bg1"/>
+                  </a:solidFill>
+                  <a:latin typeface="Arial" panose="020B0604020202020204" pitchFamily="34" charset="0"/>
+                  <a:ea typeface="AR PL Mingti2L Big5" charset="0"/>
+                  <a:cs typeface="AR PL Mingti2L Big5" charset="0"/>
+                </a:defRPr>
+              </a:lvl6pPr>
+              <a:lvl7pPr marL="2743200" algn="l" defTabSz="914400" rtl="0" eaLnBrk="1" latinLnBrk="0" hangingPunct="1">
+                <a:defRPr kern="1200">
+                  <a:solidFill>
+                    <a:schemeClr val="bg1"/>
+                  </a:solidFill>
+                  <a:latin typeface="Arial" panose="020B0604020202020204" pitchFamily="34" charset="0"/>
+                  <a:ea typeface="AR PL Mingti2L Big5" charset="0"/>
+                  <a:cs typeface="AR PL Mingti2L Big5" charset="0"/>
+                </a:defRPr>
+              </a:lvl7pPr>
+              <a:lvl8pPr marL="3200400" algn="l" defTabSz="914400" rtl="0" eaLnBrk="1" latinLnBrk="0" hangingPunct="1">
+                <a:defRPr kern="1200">
+                  <a:solidFill>
+                    <a:schemeClr val="bg1"/>
+                  </a:solidFill>
+                  <a:latin typeface="Arial" panose="020B0604020202020204" pitchFamily="34" charset="0"/>
+                  <a:ea typeface="AR PL Mingti2L Big5" charset="0"/>
+                  <a:cs typeface="AR PL Mingti2L Big5" charset="0"/>
+                </a:defRPr>
+              </a:lvl8pPr>
+              <a:lvl9pPr marL="3657600" algn="l" defTabSz="914400" rtl="0" eaLnBrk="1" latinLnBrk="0" hangingPunct="1">
+                <a:defRPr kern="1200">
+                  <a:solidFill>
+                    <a:schemeClr val="bg1"/>
+                  </a:solidFill>
+                  <a:latin typeface="Arial" panose="020B0604020202020204" pitchFamily="34" charset="0"/>
+                  <a:ea typeface="AR PL Mingti2L Big5" charset="0"/>
+                  <a:cs typeface="AR PL Mingti2L Big5" charset="0"/>
+                </a:defRPr>
+              </a:lvl9pPr>
+            </a:lstStyle>
+            <a:p>
+              <a:r>
+                <a:rPr lang="fi-FI" sz="2400" dirty="0" smtClean="0">
+                  <a:solidFill>
+                    <a:schemeClr val="tx1">
+                      <a:lumMod val="65000"/>
+                      <a:lumOff val="35000"/>
+                    </a:schemeClr>
+                  </a:solidFill>
+                </a:rPr>
+                <a:t>59 </a:t>
+              </a:r>
+              <a:r>
+                <a:rPr lang="fi-FI" sz="2400" dirty="0">
+                  <a:solidFill>
+                    <a:schemeClr val="tx1">
+                      <a:lumMod val="65000"/>
+                      <a:lumOff val="35000"/>
+                    </a:schemeClr>
+                  </a:solidFill>
+                </a:rPr>
+                <a:t>*</a:t>
+              </a:r>
+              <a:r>
+                <a:rPr lang="fi-FI" sz="2400" dirty="0" smtClean="0">
+                  <a:solidFill>
+                    <a:schemeClr val="tx1">
+                      <a:lumMod val="65000"/>
+                      <a:lumOff val="35000"/>
+                    </a:schemeClr>
+                  </a:solidFill>
+                </a:rPr>
+                <a:t> 10 * 47</a:t>
+              </a:r>
+              <a:endParaRPr lang="fi-FI" sz="2400" dirty="0">
+                <a:solidFill>
+                  <a:schemeClr val="tx1">
+                    <a:lumMod val="65000"/>
+                    <a:lumOff val="35000"/>
+                  </a:schemeClr>
+                </a:solidFill>
+              </a:endParaRPr>
+            </a:p>
+          </p:txBody>
+        </p:sp>
+        <p:sp>
+          <p:nvSpPr>
+            <p:cNvPr id="24" name="Suorakulmio 2"/>
+            <p:cNvSpPr/>
+            <p:nvPr/>
+          </p:nvSpPr>
+          <p:spPr>
+            <a:xfrm>
+              <a:off x="4139930" y="4097543"/>
+              <a:ext cx="2304256" cy="461665"/>
+            </a:xfrm>
+            <a:prstGeom prst="rect">
+              <a:avLst/>
+            </a:prstGeom>
+            <a:solidFill>
+              <a:srgbClr val="FFE593"/>
+            </a:solidFill>
+          </p:spPr>
+          <p:txBody>
+            <a:bodyPr wrap="square">
+              <a:spAutoFit/>
+            </a:bodyPr>
+            <a:lstStyle>
+              <a:defPPr>
+                <a:defRPr lang="en-GB"/>
+              </a:defPPr>
+              <a:lvl1pPr algn="l" defTabSz="449263" rtl="0" eaLnBrk="0" fontAlgn="base" hangingPunct="0">
+                <a:spcBef>
+                  <a:spcPct val="0"/>
+                </a:spcBef>
+                <a:spcAft>
+                  <a:spcPct val="0"/>
+                </a:spcAft>
+                <a:defRPr kern="1200">
+                  <a:solidFill>
+                    <a:schemeClr val="bg1"/>
+                  </a:solidFill>
+                  <a:latin typeface="Arial" panose="020B0604020202020204" pitchFamily="34" charset="0"/>
+                  <a:ea typeface="AR PL Mingti2L Big5" charset="0"/>
+                  <a:cs typeface="AR PL Mingti2L Big5" charset="0"/>
+                </a:defRPr>
+              </a:lvl1pPr>
+              <a:lvl2pPr marL="742950" indent="-285750" algn="l" defTabSz="449263" rtl="0" eaLnBrk="0" fontAlgn="base" hangingPunct="0">
+                <a:spcBef>
+                  <a:spcPct val="0"/>
+                </a:spcBef>
+                <a:spcAft>
+                  <a:spcPct val="0"/>
+                </a:spcAft>
+                <a:defRPr kern="1200">
+                  <a:solidFill>
+                    <a:schemeClr val="bg1"/>
+                  </a:solidFill>
+                  <a:latin typeface="Arial" panose="020B0604020202020204" pitchFamily="34" charset="0"/>
+                  <a:ea typeface="AR PL Mingti2L Big5" charset="0"/>
+                  <a:cs typeface="AR PL Mingti2L Big5" charset="0"/>
+                </a:defRPr>
+              </a:lvl2pPr>
+              <a:lvl3pPr marL="1143000" indent="-228600" algn="l" defTabSz="449263" rtl="0" eaLnBrk="0" fontAlgn="base" hangingPunct="0">
+                <a:spcBef>
+                  <a:spcPct val="0"/>
+                </a:spcBef>
+                <a:spcAft>
+                  <a:spcPct val="0"/>
+                </a:spcAft>
+                <a:defRPr kern="1200">
+                  <a:solidFill>
+                    <a:schemeClr val="bg1"/>
+                  </a:solidFill>
+                  <a:latin typeface="Arial" panose="020B0604020202020204" pitchFamily="34" charset="0"/>
+                  <a:ea typeface="AR PL Mingti2L Big5" charset="0"/>
+                  <a:cs typeface="AR PL Mingti2L Big5" charset="0"/>
+                </a:defRPr>
+              </a:lvl3pPr>
+              <a:lvl4pPr marL="1600200" indent="-228600" algn="l" defTabSz="449263" rtl="0" eaLnBrk="0" fontAlgn="base" hangingPunct="0">
+                <a:spcBef>
+                  <a:spcPct val="0"/>
+                </a:spcBef>
+                <a:spcAft>
+                  <a:spcPct val="0"/>
+                </a:spcAft>
+                <a:defRPr kern="1200">
+                  <a:solidFill>
+                    <a:schemeClr val="bg1"/>
+                  </a:solidFill>
+                  <a:latin typeface="Arial" panose="020B0604020202020204" pitchFamily="34" charset="0"/>
+                  <a:ea typeface="AR PL Mingti2L Big5" charset="0"/>
+                  <a:cs typeface="AR PL Mingti2L Big5" charset="0"/>
+                </a:defRPr>
+              </a:lvl4pPr>
+              <a:lvl5pPr marL="2057400" indent="-228600" algn="l" defTabSz="449263" rtl="0" eaLnBrk="0" fontAlgn="base" hangingPunct="0">
+                <a:spcBef>
+                  <a:spcPct val="0"/>
+                </a:spcBef>
+                <a:spcAft>
+                  <a:spcPct val="0"/>
+                </a:spcAft>
+                <a:defRPr kern="1200">
+                  <a:solidFill>
+                    <a:schemeClr val="bg1"/>
+                  </a:solidFill>
+                  <a:latin typeface="Arial" panose="020B0604020202020204" pitchFamily="34" charset="0"/>
+                  <a:ea typeface="AR PL Mingti2L Big5" charset="0"/>
+                  <a:cs typeface="AR PL Mingti2L Big5" charset="0"/>
+                </a:defRPr>
+              </a:lvl5pPr>
+              <a:lvl6pPr marL="2286000" algn="l" defTabSz="914400" rtl="0" eaLnBrk="1" latinLnBrk="0" hangingPunct="1">
+                <a:defRPr kern="1200">
+                  <a:solidFill>
+                    <a:schemeClr val="bg1"/>
+                  </a:solidFill>
+                  <a:latin typeface="Arial" panose="020B0604020202020204" pitchFamily="34" charset="0"/>
+                  <a:ea typeface="AR PL Mingti2L Big5" charset="0"/>
+                  <a:cs typeface="AR PL Mingti2L Big5" charset="0"/>
+                </a:defRPr>
+              </a:lvl6pPr>
+              <a:lvl7pPr marL="2743200" algn="l" defTabSz="914400" rtl="0" eaLnBrk="1" latinLnBrk="0" hangingPunct="1">
+                <a:defRPr kern="1200">
+                  <a:solidFill>
+                    <a:schemeClr val="bg1"/>
+                  </a:solidFill>
+                  <a:latin typeface="Arial" panose="020B0604020202020204" pitchFamily="34" charset="0"/>
+                  <a:ea typeface="AR PL Mingti2L Big5" charset="0"/>
+                  <a:cs typeface="AR PL Mingti2L Big5" charset="0"/>
+                </a:defRPr>
+              </a:lvl7pPr>
+              <a:lvl8pPr marL="3200400" algn="l" defTabSz="914400" rtl="0" eaLnBrk="1" latinLnBrk="0" hangingPunct="1">
+                <a:defRPr kern="1200">
+                  <a:solidFill>
+                    <a:schemeClr val="bg1"/>
+                  </a:solidFill>
+                  <a:latin typeface="Arial" panose="020B0604020202020204" pitchFamily="34" charset="0"/>
+                  <a:ea typeface="AR PL Mingti2L Big5" charset="0"/>
+                  <a:cs typeface="AR PL Mingti2L Big5" charset="0"/>
+                </a:defRPr>
+              </a:lvl8pPr>
+              <a:lvl9pPr marL="3657600" algn="l" defTabSz="914400" rtl="0" eaLnBrk="1" latinLnBrk="0" hangingPunct="1">
+                <a:defRPr kern="1200">
+                  <a:solidFill>
+                    <a:schemeClr val="bg1"/>
+                  </a:solidFill>
+                  <a:latin typeface="Arial" panose="020B0604020202020204" pitchFamily="34" charset="0"/>
+                  <a:ea typeface="AR PL Mingti2L Big5" charset="0"/>
+                  <a:cs typeface="AR PL Mingti2L Big5" charset="0"/>
+                </a:defRPr>
+              </a:lvl9pPr>
+            </a:lstStyle>
+            <a:p>
+              <a:r>
+                <a:rPr lang="fi-FI" sz="2400" dirty="0" smtClean="0">
+                  <a:solidFill>
+                    <a:schemeClr val="tx1">
+                      <a:lumMod val="65000"/>
+                      <a:lumOff val="35000"/>
+                    </a:schemeClr>
+                  </a:solidFill>
+                </a:rPr>
+                <a:t>(1000 </a:t>
+              </a:r>
+              <a:r>
+                <a:rPr lang="fi-FI" sz="2400" dirty="0">
+                  <a:solidFill>
+                    <a:schemeClr val="tx1">
+                      <a:lumMod val="65000"/>
+                      <a:lumOff val="35000"/>
+                    </a:schemeClr>
+                  </a:solidFill>
+                </a:rPr>
+                <a:t>/</a:t>
+              </a:r>
+              <a:r>
+                <a:rPr lang="fi-FI" sz="2400" dirty="0" smtClean="0">
+                  <a:solidFill>
+                    <a:schemeClr val="tx1">
+                      <a:lumMod val="65000"/>
+                      <a:lumOff val="35000"/>
+                    </a:schemeClr>
+                  </a:solidFill>
+                </a:rPr>
+                <a:t> 25) / 10 </a:t>
+              </a:r>
+              <a:endParaRPr lang="fi-FI" sz="2400" dirty="0">
+                <a:solidFill>
+                  <a:schemeClr val="tx1">
+                    <a:lumMod val="65000"/>
+                    <a:lumOff val="35000"/>
+                  </a:schemeClr>
+                </a:solidFill>
+              </a:endParaRPr>
+            </a:p>
+          </p:txBody>
+        </p:sp>
+      </p:grpSp>
     </p:spTree>
     <p:extLst>
       <p:ext uri="{BB962C8B-B14F-4D97-AF65-F5344CB8AC3E}">
-        <p14:creationId xmlns:p14="http://schemas.microsoft.com/office/powerpoint/2010/main" val="3985491986"/>
+        <p14:creationId xmlns:p14="http://schemas.microsoft.com/office/powerpoint/2010/main" val="2979554791"/>
       </p:ext>
     </p:extLst>
   </p:cSld>
@@ -11034,7 +14530,31 @@
                   <a:schemeClr val="tx1"/>
                 </a:solidFill>
               </a:rPr>
-              <a:t>Sama lasku olisi ollut mahdollista laskea myös toisella tavalla:</a:t>
+              <a:t>Lasku -</a:t>
+            </a:r>
+            <a:r>
+              <a:rPr lang="fi-FI" dirty="0" smtClean="0">
+                <a:solidFill>
+                  <a:schemeClr val="tx1"/>
+                </a:solidFill>
+              </a:rPr>
+              <a:t>11+4+6 </a:t>
+            </a:r>
+            <a:r>
+              <a:rPr lang="fi-FI" dirty="0" smtClean="0">
+                <a:solidFill>
+                  <a:schemeClr val="tx1"/>
+                </a:solidFill>
+              </a:rPr>
+              <a:t>voidaan </a:t>
+            </a:r>
+            <a:r>
+              <a:rPr lang="fi-FI" dirty="0" smtClean="0">
+                <a:solidFill>
+                  <a:schemeClr val="tx1"/>
+                </a:solidFill>
+              </a:rPr>
+              <a:t>laskea vastaavasti:</a:t>
             </a:r>
             <a:endParaRPr lang="fi-FI" dirty="0">
               <a:solidFill>
@@ -11046,7 +14566,7 @@
       </p:sp>
       <p:pic>
         <p:nvPicPr>
-          <p:cNvPr id="8" name="Picture 7"/>
+          <p:cNvPr id="2" name="Picture 1"/>
           <p:cNvPicPr>
             <a:picLocks noChangeAspect="1"/>
           </p:cNvPicPr>
@@ -11066,8 +14586,8 @@
         </p:blipFill>
         <p:spPr>
           <a:xfrm>
-            <a:off x="2628704" y="2753686"/>
-            <a:ext cx="2946278" cy="668659"/>
+            <a:off x="2632987" y="2689513"/>
+            <a:ext cx="3023417" cy="669470"/>
           </a:xfrm>
           <a:prstGeom prst="rect">
             <a:avLst/>
@@ -11081,7 +14601,7 @@
       </p:pic>
       <p:pic>
         <p:nvPicPr>
-          <p:cNvPr id="12" name="Picture 11"/>
+          <p:cNvPr id="6" name="Picture 5"/>
           <p:cNvPicPr>
             <a:picLocks noChangeAspect="1"/>
           </p:cNvPicPr>
@@ -11101,8 +14621,8 @@
         </p:blipFill>
         <p:spPr>
           <a:xfrm>
-            <a:off x="2628704" y="4417943"/>
-            <a:ext cx="3526595" cy="705319"/>
+            <a:off x="2605255" y="4447880"/>
+            <a:ext cx="2390400" cy="676529"/>
           </a:xfrm>
           <a:prstGeom prst="rect">
             <a:avLst/>
@@ -11452,7 +14972,7 @@
                   </a:schemeClr>
                 </a:solidFill>
               </a:rPr>
-              <a:t>Moniosaiset laskut</a:t>
+              <a:t>Laskujärjestys</a:t>
             </a:r>
             <a:endParaRPr lang="fi-FI" altLang="fi-FI" sz="4000" b="1" kern="0" dirty="0">
               <a:solidFill>
@@ -11713,7 +15233,7 @@
       </p:sp>
       <p:pic>
         <p:nvPicPr>
-          <p:cNvPr id="8" name="Picture 7"/>
+          <p:cNvPr id="2" name="Picture 1"/>
           <p:cNvPicPr>
             <a:picLocks noChangeAspect="1"/>
           </p:cNvPicPr>
@@ -11733,8 +15253,8 @@
         </p:blipFill>
         <p:spPr>
           <a:xfrm>
-            <a:off x="2069925" y="4914568"/>
-            <a:ext cx="3452734" cy="674672"/>
+            <a:off x="2339753" y="4921192"/>
+            <a:ext cx="3600400" cy="682835"/>
           </a:xfrm>
           <a:prstGeom prst="rect">
             <a:avLst/>
@@ -11839,13 +15359,13 @@
       </p:pic>
       <p:sp>
         <p:nvSpPr>
-          <p:cNvPr id="43" name="Suorakulmio 42"/>
+          <p:cNvPr id="44" name="Suorakulmio 43"/>
           <p:cNvSpPr/>
           <p:nvPr/>
         </p:nvSpPr>
         <p:spPr>
           <a:xfrm>
-            <a:off x="-21763" y="2739435"/>
+            <a:off x="179512" y="2194255"/>
             <a:ext cx="1074012" cy="338554"/>
           </a:xfrm>
           <a:prstGeom prst="rect">
@@ -11877,172 +15397,9 @@
               <a:rPr lang="fi-FI" sz="1600" dirty="0">
                 <a:latin typeface="Arial" charset="0"/>
               </a:rPr>
-              <a:t>2</a:t>
+              <a:t>1</a:t>
             </a:r>
             <a:endParaRPr lang="fi-FI" sz="1600" dirty="0"/>
-          </a:p>
-        </p:txBody>
-      </p:sp>
-      <p:sp>
-        <p:nvSpPr>
-          <p:cNvPr id="44" name="Suorakulmio 43"/>
-          <p:cNvSpPr/>
-          <p:nvPr/>
-        </p:nvSpPr>
-        <p:spPr>
-          <a:xfrm>
-            <a:off x="-21763" y="1839026"/>
-            <a:ext cx="1074012" cy="338554"/>
-          </a:xfrm>
-          <a:prstGeom prst="rect">
-            <a:avLst/>
-          </a:prstGeom>
-          <a:solidFill>
-            <a:schemeClr val="accent2">
-              <a:lumMod val="75000"/>
-            </a:schemeClr>
-          </a:solidFill>
-        </p:spPr>
-        <p:txBody>
-          <a:bodyPr wrap="none">
-            <a:spAutoFit/>
-          </a:bodyPr>
-          <a:lstStyle/>
-          <a:p>
-            <a:r>
-              <a:rPr kumimoji="0" lang="fi-FI" sz="1600" b="0" i="0" u="none" strike="noStrike" cap="none" normalizeH="0" dirty="0">
-                <a:ln>
-                  <a:noFill/>
-                </a:ln>
-                <a:effectLst/>
-                <a:latin typeface="Arial" charset="0"/>
-              </a:rPr>
-              <a:t>Tehtävä </a:t>
-            </a:r>
-            <a:r>
-              <a:rPr lang="fi-FI" sz="1600" dirty="0">
-                <a:latin typeface="Arial" charset="0"/>
-              </a:rPr>
-              <a:t>1</a:t>
-            </a:r>
-            <a:endParaRPr lang="fi-FI" sz="1600" dirty="0"/>
-          </a:p>
-        </p:txBody>
-      </p:sp>
-      <p:sp>
-        <p:nvSpPr>
-          <p:cNvPr id="45" name="Suorakulmio 44"/>
-          <p:cNvSpPr/>
-          <p:nvPr/>
-        </p:nvSpPr>
-        <p:spPr>
-          <a:xfrm>
-            <a:off x="0" y="3682943"/>
-            <a:ext cx="1104566" cy="338554"/>
-          </a:xfrm>
-          <a:prstGeom prst="rect">
-            <a:avLst/>
-          </a:prstGeom>
-          <a:solidFill>
-            <a:schemeClr val="accent2">
-              <a:lumMod val="75000"/>
-            </a:schemeClr>
-          </a:solidFill>
-        </p:spPr>
-        <p:txBody>
-          <a:bodyPr wrap="square">
-            <a:spAutoFit/>
-          </a:bodyPr>
-          <a:lstStyle/>
-          <a:p>
-            <a:r>
-              <a:rPr kumimoji="0" lang="fi-FI" sz="1600" b="0" i="0" u="none" strike="noStrike" cap="none" normalizeH="0" dirty="0">
-                <a:ln>
-                  <a:noFill/>
-                </a:ln>
-                <a:effectLst/>
-                <a:latin typeface="Arial" charset="0"/>
-              </a:rPr>
-              <a:t>Tehtävä </a:t>
-            </a:r>
-            <a:r>
-              <a:rPr lang="fi-FI" sz="1600" dirty="0">
-                <a:latin typeface="Arial" charset="0"/>
-              </a:rPr>
-              <a:t>3</a:t>
-            </a:r>
-            <a:endParaRPr lang="fi-FI" sz="1600" dirty="0"/>
-          </a:p>
-        </p:txBody>
-      </p:sp>
-      <p:sp>
-        <p:nvSpPr>
-          <p:cNvPr id="47" name="Suorakulmio 46"/>
-          <p:cNvSpPr/>
-          <p:nvPr/>
-        </p:nvSpPr>
-        <p:spPr>
-          <a:xfrm>
-            <a:off x="1230894" y="2681654"/>
-            <a:ext cx="6761877" cy="769441"/>
-          </a:xfrm>
-          <a:prstGeom prst="rect">
-            <a:avLst/>
-          </a:prstGeom>
-          <a:noFill/>
-        </p:spPr>
-        <p:txBody>
-          <a:bodyPr wrap="square">
-            <a:spAutoFit/>
-          </a:bodyPr>
-          <a:lstStyle/>
-          <a:p>
-            <a:r>
-              <a:rPr lang="fi-FI" sz="2200" dirty="0" smtClean="0">
-                <a:solidFill>
-                  <a:schemeClr val="tx1"/>
-                </a:solidFill>
-                <a:latin typeface="Arial" charset="0"/>
-              </a:rPr>
-              <a:t>Laske interaktioikkunassa.</a:t>
-            </a:r>
-          </a:p>
-          <a:p>
-            <a:r>
-              <a:rPr kumimoji="0" lang="fi-FI" sz="2200" b="0" i="0" u="none" strike="noStrike" cap="none" normalizeH="0" dirty="0" smtClean="0">
-                <a:ln>
-                  <a:noFill/>
-                </a:ln>
-                <a:solidFill>
-                  <a:schemeClr val="tx1"/>
-                </a:solidFill>
-                <a:effectLst/>
-                <a:latin typeface="Arial" charset="0"/>
-              </a:rPr>
-              <a:t>a) </a:t>
-            </a:r>
-            <a:r>
-              <a:rPr lang="fi-FI" sz="2200" dirty="0" smtClean="0">
-                <a:solidFill>
-                  <a:schemeClr val="tx1"/>
-                </a:solidFill>
-                <a:latin typeface="Arial" charset="0"/>
-              </a:rPr>
-              <a:t>(10-2)*(14-6)  </a:t>
-            </a:r>
-            <a:r>
-              <a:rPr kumimoji="0" lang="fi-FI" sz="2200" b="0" i="0" u="none" strike="noStrike" cap="none" normalizeH="0" dirty="0" smtClean="0">
-                <a:ln>
-                  <a:noFill/>
-                </a:ln>
-                <a:solidFill>
-                  <a:schemeClr val="tx1"/>
-                </a:solidFill>
-                <a:effectLst/>
-                <a:latin typeface="Arial" charset="0"/>
-              </a:rPr>
-              <a:t>b) (4+5)*(3+6)</a:t>
-            </a:r>
           </a:p>
         </p:txBody>
       </p:sp>
@@ -12069,55 +15426,6 @@
               <a:t>MAOL Ohjelmointia matematiikkaan</a:t>
             </a:r>
             <a:endParaRPr lang="ru-RU" dirty="0"/>
-          </a:p>
-        </p:txBody>
-      </p:sp>
-      <p:sp>
-        <p:nvSpPr>
-          <p:cNvPr id="38" name="Suorakulmio 46"/>
-          <p:cNvSpPr/>
-          <p:nvPr/>
-        </p:nvSpPr>
-        <p:spPr>
-          <a:xfrm>
-            <a:off x="1253426" y="1738146"/>
-            <a:ext cx="5406806" cy="769441"/>
-          </a:xfrm>
-          <a:prstGeom prst="rect">
-            <a:avLst/>
-          </a:prstGeom>
-          <a:noFill/>
-        </p:spPr>
-        <p:txBody>
-          <a:bodyPr wrap="square">
-            <a:spAutoFit/>
-          </a:bodyPr>
-          <a:lstStyle/>
-          <a:p>
-            <a:r>
-              <a:rPr lang="fi-FI" sz="2200" dirty="0" smtClean="0">
-                <a:solidFill>
-                  <a:schemeClr val="tx1"/>
-                </a:solidFill>
-                <a:latin typeface="Arial" charset="0"/>
-              </a:rPr>
-              <a:t>Laske interaktioikkunassa.</a:t>
-            </a:r>
-          </a:p>
-          <a:p>
-            <a:r>
-              <a:rPr kumimoji="0" lang="fi-FI" sz="2200" b="0" i="0" u="none" strike="noStrike" cap="none" normalizeH="0" dirty="0" smtClean="0">
-                <a:ln>
-                  <a:noFill/>
-                </a:ln>
-                <a:solidFill>
-                  <a:schemeClr val="tx1"/>
-                </a:solidFill>
-                <a:effectLst/>
-                <a:latin typeface="Arial" charset="0"/>
-              </a:rPr>
-              <a:t>a) 10+12-19  b) 45-22+30  c) 12+13-14</a:t>
-            </a:r>
           </a:p>
         </p:txBody>
       </p:sp>
@@ -12184,40 +15492,6 @@
       </p:pic>
       <p:sp>
         <p:nvSpPr>
-          <p:cNvPr id="21" name="Suorakulmio 46"/>
-          <p:cNvSpPr/>
-          <p:nvPr/>
-        </p:nvSpPr>
-        <p:spPr>
-          <a:xfrm>
-            <a:off x="1230893" y="3682943"/>
-            <a:ext cx="6761877" cy="769441"/>
-          </a:xfrm>
-          <a:prstGeom prst="rect">
-            <a:avLst/>
-          </a:prstGeom>
-          <a:noFill/>
-        </p:spPr>
-        <p:txBody>
-          <a:bodyPr wrap="square">
-            <a:spAutoFit/>
-          </a:bodyPr>
-          <a:lstStyle/>
-          <a:p>
-            <a:r>
-              <a:rPr lang="fi-FI" sz="2200" dirty="0" smtClean="0">
-                <a:solidFill>
-                  <a:schemeClr val="tx1"/>
-                </a:solidFill>
-                <a:latin typeface="Arial" charset="0"/>
-              </a:rPr>
-              <a:t>Keksi oma laskutoimitus ensin kynällä ja paperilla, ja laske sitten laskutoimituksesi interaktioikkunassa.</a:t>
-            </a:r>
-          </a:p>
-        </p:txBody>
-      </p:sp>
-      <p:sp>
-        <p:nvSpPr>
           <p:cNvPr id="11" name="Otsikko 1"/>
           <p:cNvSpPr txBox="1">
             <a:spLocks/>
@@ -12227,7 +15501,7 @@
         <p:spPr bwMode="auto">
           <a:xfrm>
             <a:off x="353192" y="752966"/>
-            <a:ext cx="8683304" cy="599694"/>
+            <a:ext cx="7603184" cy="599694"/>
           </a:xfrm>
           <a:prstGeom prst="rect">
             <a:avLst/>
@@ -12456,16 +15730,16 @@
           <a:p>
             <a:pPr algn="l"/>
             <a:r>
-              <a:rPr lang="fi-FI" altLang="fi-FI" sz="4000" b="1" kern="0" dirty="0" smtClean="0">
+              <a:rPr lang="fi-FI" altLang="fi-FI" sz="3600" b="1" kern="0" dirty="0" smtClean="0">
                 <a:solidFill>
                   <a:schemeClr val="accent6">
                     <a:lumMod val="75000"/>
                   </a:schemeClr>
                 </a:solidFill>
               </a:rPr>
-              <a:t>Tehtäväsarja III. Laskutoimitusten yhdistäminen</a:t>
-            </a:r>
-            <a:endParaRPr lang="fi-FI" altLang="fi-FI" sz="4000" b="1" kern="0" dirty="0">
+              <a:t>Tehtäväsarja III. </a:t>
+            </a:r>
+            <a:endParaRPr lang="fi-FI" altLang="fi-FI" sz="3600" b="1" kern="0" dirty="0">
               <a:solidFill>
                 <a:schemeClr val="accent6">
                   <a:lumMod val="75000"/>
@@ -12477,60 +15751,184 @@
       </p:sp>
       <p:sp>
         <p:nvSpPr>
-          <p:cNvPr id="12" name="Suorakulmio 44"/>
+          <p:cNvPr id="14" name="Suorakulmio 2"/>
           <p:cNvSpPr/>
           <p:nvPr/>
         </p:nvSpPr>
         <p:spPr>
           <a:xfrm>
-            <a:off x="0" y="4671515"/>
-            <a:ext cx="1104566" cy="338554"/>
+            <a:off x="1907703" y="2165867"/>
+            <a:ext cx="2016225" cy="461665"/>
           </a:xfrm>
           <a:prstGeom prst="rect">
             <a:avLst/>
           </a:prstGeom>
           <a:solidFill>
-            <a:schemeClr val="accent2">
-              <a:lumMod val="75000"/>
-            </a:schemeClr>
+            <a:srgbClr val="FFE593"/>
           </a:solidFill>
         </p:spPr>
         <p:txBody>
           <a:bodyPr wrap="square">
             <a:spAutoFit/>
           </a:bodyPr>
-          <a:lstStyle/>
-          <a:p>
-            <a:r>
-              <a:rPr kumimoji="0" lang="fi-FI" sz="1600" b="0" i="0" u="none" strike="noStrike" cap="none" normalizeH="0" dirty="0">
-                <a:ln>
-                  <a:noFill/>
-                </a:ln>
-                <a:effectLst/>
-                <a:latin typeface="Arial" charset="0"/>
+          <a:lstStyle>
+            <a:defPPr>
+              <a:defRPr lang="en-GB"/>
+            </a:defPPr>
+            <a:lvl1pPr algn="l" defTabSz="449263" rtl="0" eaLnBrk="0" fontAlgn="base" hangingPunct="0">
+              <a:spcBef>
+                <a:spcPct val="0"/>
+              </a:spcBef>
+              <a:spcAft>
+                <a:spcPct val="0"/>
+              </a:spcAft>
+              <a:defRPr kern="1200">
+                <a:solidFill>
+                  <a:schemeClr val="bg1"/>
+                </a:solidFill>
+                <a:latin typeface="Arial" panose="020B0604020202020204" pitchFamily="34" charset="0"/>
+                <a:ea typeface="AR PL Mingti2L Big5" charset="0"/>
+                <a:cs typeface="AR PL Mingti2L Big5" charset="0"/>
+              </a:defRPr>
+            </a:lvl1pPr>
+            <a:lvl2pPr marL="742950" indent="-285750" algn="l" defTabSz="449263" rtl="0" eaLnBrk="0" fontAlgn="base" hangingPunct="0">
+              <a:spcBef>
+                <a:spcPct val="0"/>
+              </a:spcBef>
+              <a:spcAft>
+                <a:spcPct val="0"/>
+              </a:spcAft>
+              <a:defRPr kern="1200">
+                <a:solidFill>
+                  <a:schemeClr val="bg1"/>
+                </a:solidFill>
+                <a:latin typeface="Arial" panose="020B0604020202020204" pitchFamily="34" charset="0"/>
+                <a:ea typeface="AR PL Mingti2L Big5" charset="0"/>
+                <a:cs typeface="AR PL Mingti2L Big5" charset="0"/>
+              </a:defRPr>
+            </a:lvl2pPr>
+            <a:lvl3pPr marL="1143000" indent="-228600" algn="l" defTabSz="449263" rtl="0" eaLnBrk="0" fontAlgn="base" hangingPunct="0">
+              <a:spcBef>
+                <a:spcPct val="0"/>
+              </a:spcBef>
+              <a:spcAft>
+                <a:spcPct val="0"/>
+              </a:spcAft>
+              <a:defRPr kern="1200">
+                <a:solidFill>
+                  <a:schemeClr val="bg1"/>
+                </a:solidFill>
+                <a:latin typeface="Arial" panose="020B0604020202020204" pitchFamily="34" charset="0"/>
+                <a:ea typeface="AR PL Mingti2L Big5" charset="0"/>
+                <a:cs typeface="AR PL Mingti2L Big5" charset="0"/>
+              </a:defRPr>
+            </a:lvl3pPr>
+            <a:lvl4pPr marL="1600200" indent="-228600" algn="l" defTabSz="449263" rtl="0" eaLnBrk="0" fontAlgn="base" hangingPunct="0">
+              <a:spcBef>
+                <a:spcPct val="0"/>
+              </a:spcBef>
+              <a:spcAft>
+                <a:spcPct val="0"/>
+              </a:spcAft>
+              <a:defRPr kern="1200">
+                <a:solidFill>
+                  <a:schemeClr val="bg1"/>
+                </a:solidFill>
+                <a:latin typeface="Arial" panose="020B0604020202020204" pitchFamily="34" charset="0"/>
+                <a:ea typeface="AR PL Mingti2L Big5" charset="0"/>
+                <a:cs typeface="AR PL Mingti2L Big5" charset="0"/>
+              </a:defRPr>
+            </a:lvl4pPr>
+            <a:lvl5pPr marL="2057400" indent="-228600" algn="l" defTabSz="449263" rtl="0" eaLnBrk="0" fontAlgn="base" hangingPunct="0">
+              <a:spcBef>
+                <a:spcPct val="0"/>
+              </a:spcBef>
+              <a:spcAft>
+                <a:spcPct val="0"/>
+              </a:spcAft>
+              <a:defRPr kern="1200">
+                <a:solidFill>
+                  <a:schemeClr val="bg1"/>
+                </a:solidFill>
+                <a:latin typeface="Arial" panose="020B0604020202020204" pitchFamily="34" charset="0"/>
+                <a:ea typeface="AR PL Mingti2L Big5" charset="0"/>
+                <a:cs typeface="AR PL Mingti2L Big5" charset="0"/>
+              </a:defRPr>
+            </a:lvl5pPr>
+            <a:lvl6pPr marL="2286000" algn="l" defTabSz="914400" rtl="0" eaLnBrk="1" latinLnBrk="0" hangingPunct="1">
+              <a:defRPr kern="1200">
+                <a:solidFill>
+                  <a:schemeClr val="bg1"/>
+                </a:solidFill>
+                <a:latin typeface="Arial" panose="020B0604020202020204" pitchFamily="34" charset="0"/>
+                <a:ea typeface="AR PL Mingti2L Big5" charset="0"/>
+                <a:cs typeface="AR PL Mingti2L Big5" charset="0"/>
+              </a:defRPr>
+            </a:lvl6pPr>
+            <a:lvl7pPr marL="2743200" algn="l" defTabSz="914400" rtl="0" eaLnBrk="1" latinLnBrk="0" hangingPunct="1">
+              <a:defRPr kern="1200">
+                <a:solidFill>
+                  <a:schemeClr val="bg1"/>
+                </a:solidFill>
+                <a:latin typeface="Arial" panose="020B0604020202020204" pitchFamily="34" charset="0"/>
+                <a:ea typeface="AR PL Mingti2L Big5" charset="0"/>
+                <a:cs typeface="AR PL Mingti2L Big5" charset="0"/>
+              </a:defRPr>
+            </a:lvl7pPr>
+            <a:lvl8pPr marL="3200400" algn="l" defTabSz="914400" rtl="0" eaLnBrk="1" latinLnBrk="0" hangingPunct="1">
+              <a:defRPr kern="1200">
+                <a:solidFill>
+                  <a:schemeClr val="bg1"/>
+                </a:solidFill>
+                <a:latin typeface="Arial" panose="020B0604020202020204" pitchFamily="34" charset="0"/>
+                <a:ea typeface="AR PL Mingti2L Big5" charset="0"/>
+                <a:cs typeface="AR PL Mingti2L Big5" charset="0"/>
+              </a:defRPr>
+            </a:lvl8pPr>
+            <a:lvl9pPr marL="3657600" algn="l" defTabSz="914400" rtl="0" eaLnBrk="1" latinLnBrk="0" hangingPunct="1">
+              <a:defRPr kern="1200">
+                <a:solidFill>
+                  <a:schemeClr val="bg1"/>
+                </a:solidFill>
+                <a:latin typeface="Arial" panose="020B0604020202020204" pitchFamily="34" charset="0"/>
+                <a:ea typeface="AR PL Mingti2L Big5" charset="0"/>
+                <a:cs typeface="AR PL Mingti2L Big5" charset="0"/>
+              </a:defRPr>
+            </a:lvl9pPr>
+          </a:lstStyle>
+          <a:p>
+            <a:r>
+              <a:rPr lang="fi-FI" sz="2400" dirty="0" smtClean="0">
+                <a:solidFill>
+                  <a:schemeClr val="tx1">
+                    <a:lumMod val="65000"/>
+                    <a:lumOff val="35000"/>
+                  </a:schemeClr>
+                </a:solidFill>
               </a:rPr>
-              <a:t>Tehtävä </a:t>
-            </a:r>
-            <a:r>
-              <a:rPr lang="fi-FI" sz="1600" dirty="0">
-                <a:latin typeface="Arial" charset="0"/>
-              </a:rPr>
-              <a:t>4</a:t>
-            </a:r>
-            <a:endParaRPr lang="fi-FI" sz="1600" dirty="0"/>
+              <a:t>10 + 12 - 19 </a:t>
+            </a:r>
+            <a:endParaRPr lang="fi-FI" sz="2400" dirty="0">
+              <a:solidFill>
+                <a:schemeClr val="tx1">
+                  <a:lumMod val="65000"/>
+                  <a:lumOff val="35000"/>
+                </a:schemeClr>
+              </a:solidFill>
+            </a:endParaRPr>
           </a:p>
         </p:txBody>
       </p:sp>
       <p:sp>
         <p:nvSpPr>
-          <p:cNvPr id="14" name="Suorakulmio 46"/>
-          <p:cNvSpPr/>
+          <p:cNvPr id="5" name="TextBox 4"/>
+          <p:cNvSpPr txBox="1"/>
           <p:nvPr/>
         </p:nvSpPr>
         <p:spPr>
           <a:xfrm>
-            <a:off x="1253426" y="4625348"/>
-            <a:ext cx="6761877" cy="1107996"/>
+            <a:off x="353192" y="1605693"/>
+            <a:ext cx="5347363" cy="461665"/>
           </a:xfrm>
           <a:prstGeom prst="rect">
             <a:avLst/>
@@ -12538,27 +15936,1122 @@
           <a:noFill/>
         </p:spPr>
         <p:txBody>
+          <a:bodyPr wrap="square" rtlCol="0">
+            <a:spAutoFit/>
+          </a:bodyPr>
+          <a:lstStyle/>
+          <a:p>
+            <a:r>
+              <a:rPr lang="fi-FI" sz="2400" dirty="0" smtClean="0">
+                <a:solidFill>
+                  <a:schemeClr val="tx1"/>
+                </a:solidFill>
+              </a:rPr>
+              <a:t>Laske interaktioikkunassa.</a:t>
+            </a:r>
+            <a:endParaRPr lang="fi-FI" sz="2400" dirty="0">
+              <a:solidFill>
+                <a:schemeClr val="tx1"/>
+              </a:solidFill>
+            </a:endParaRPr>
+          </a:p>
+        </p:txBody>
+      </p:sp>
+      <p:sp>
+        <p:nvSpPr>
+          <p:cNvPr id="6" name="TextBox 5"/>
+          <p:cNvSpPr txBox="1"/>
+          <p:nvPr/>
+        </p:nvSpPr>
+        <p:spPr>
+          <a:xfrm>
+            <a:off x="1434179" y="2153344"/>
+            <a:ext cx="7709821" cy="461665"/>
+          </a:xfrm>
+          <a:prstGeom prst="rect">
+            <a:avLst/>
+          </a:prstGeom>
+          <a:noFill/>
+        </p:spPr>
+        <p:txBody>
+          <a:bodyPr wrap="square" rtlCol="0">
+            <a:spAutoFit/>
+          </a:bodyPr>
+          <a:lstStyle/>
+          <a:p>
+            <a:r>
+              <a:rPr lang="fi-FI" sz="2400" dirty="0" smtClean="0">
+                <a:solidFill>
+                  <a:schemeClr val="tx1"/>
+                </a:solidFill>
+              </a:rPr>
+              <a:t>a)                           b)                           c)                            </a:t>
+            </a:r>
+            <a:endParaRPr lang="fi-FI" sz="2400" dirty="0">
+              <a:solidFill>
+                <a:schemeClr val="tx1"/>
+              </a:solidFill>
+            </a:endParaRPr>
+          </a:p>
+        </p:txBody>
+      </p:sp>
+      <p:sp>
+        <p:nvSpPr>
+          <p:cNvPr id="16" name="Suorakulmio 2"/>
+          <p:cNvSpPr/>
+          <p:nvPr/>
+        </p:nvSpPr>
+        <p:spPr>
+          <a:xfrm>
+            <a:off x="4499992" y="2157131"/>
+            <a:ext cx="1944194" cy="461665"/>
+          </a:xfrm>
+          <a:prstGeom prst="rect">
+            <a:avLst/>
+          </a:prstGeom>
+          <a:solidFill>
+            <a:srgbClr val="FFE593"/>
+          </a:solidFill>
+        </p:spPr>
+        <p:txBody>
           <a:bodyPr wrap="square">
             <a:spAutoFit/>
           </a:bodyPr>
-          <a:lstStyle/>
-          <a:p>
-            <a:r>
-              <a:rPr lang="fi-FI" sz="2200" dirty="0" smtClean="0">
-                <a:solidFill>
-                  <a:schemeClr val="tx1"/>
-                </a:solidFill>
-                <a:latin typeface="Arial" charset="0"/>
+          <a:lstStyle>
+            <a:defPPr>
+              <a:defRPr lang="en-GB"/>
+            </a:defPPr>
+            <a:lvl1pPr algn="l" defTabSz="449263" rtl="0" eaLnBrk="0" fontAlgn="base" hangingPunct="0">
+              <a:spcBef>
+                <a:spcPct val="0"/>
+              </a:spcBef>
+              <a:spcAft>
+                <a:spcPct val="0"/>
+              </a:spcAft>
+              <a:defRPr kern="1200">
+                <a:solidFill>
+                  <a:schemeClr val="bg1"/>
+                </a:solidFill>
+                <a:latin typeface="Arial" panose="020B0604020202020204" pitchFamily="34" charset="0"/>
+                <a:ea typeface="AR PL Mingti2L Big5" charset="0"/>
+                <a:cs typeface="AR PL Mingti2L Big5" charset="0"/>
+              </a:defRPr>
+            </a:lvl1pPr>
+            <a:lvl2pPr marL="742950" indent="-285750" algn="l" defTabSz="449263" rtl="0" eaLnBrk="0" fontAlgn="base" hangingPunct="0">
+              <a:spcBef>
+                <a:spcPct val="0"/>
+              </a:spcBef>
+              <a:spcAft>
+                <a:spcPct val="0"/>
+              </a:spcAft>
+              <a:defRPr kern="1200">
+                <a:solidFill>
+                  <a:schemeClr val="bg1"/>
+                </a:solidFill>
+                <a:latin typeface="Arial" panose="020B0604020202020204" pitchFamily="34" charset="0"/>
+                <a:ea typeface="AR PL Mingti2L Big5" charset="0"/>
+                <a:cs typeface="AR PL Mingti2L Big5" charset="0"/>
+              </a:defRPr>
+            </a:lvl2pPr>
+            <a:lvl3pPr marL="1143000" indent="-228600" algn="l" defTabSz="449263" rtl="0" eaLnBrk="0" fontAlgn="base" hangingPunct="0">
+              <a:spcBef>
+                <a:spcPct val="0"/>
+              </a:spcBef>
+              <a:spcAft>
+                <a:spcPct val="0"/>
+              </a:spcAft>
+              <a:defRPr kern="1200">
+                <a:solidFill>
+                  <a:schemeClr val="bg1"/>
+                </a:solidFill>
+                <a:latin typeface="Arial" panose="020B0604020202020204" pitchFamily="34" charset="0"/>
+                <a:ea typeface="AR PL Mingti2L Big5" charset="0"/>
+                <a:cs typeface="AR PL Mingti2L Big5" charset="0"/>
+              </a:defRPr>
+            </a:lvl3pPr>
+            <a:lvl4pPr marL="1600200" indent="-228600" algn="l" defTabSz="449263" rtl="0" eaLnBrk="0" fontAlgn="base" hangingPunct="0">
+              <a:spcBef>
+                <a:spcPct val="0"/>
+              </a:spcBef>
+              <a:spcAft>
+                <a:spcPct val="0"/>
+              </a:spcAft>
+              <a:defRPr kern="1200">
+                <a:solidFill>
+                  <a:schemeClr val="bg1"/>
+                </a:solidFill>
+                <a:latin typeface="Arial" panose="020B0604020202020204" pitchFamily="34" charset="0"/>
+                <a:ea typeface="AR PL Mingti2L Big5" charset="0"/>
+                <a:cs typeface="AR PL Mingti2L Big5" charset="0"/>
+              </a:defRPr>
+            </a:lvl4pPr>
+            <a:lvl5pPr marL="2057400" indent="-228600" algn="l" defTabSz="449263" rtl="0" eaLnBrk="0" fontAlgn="base" hangingPunct="0">
+              <a:spcBef>
+                <a:spcPct val="0"/>
+              </a:spcBef>
+              <a:spcAft>
+                <a:spcPct val="0"/>
+              </a:spcAft>
+              <a:defRPr kern="1200">
+                <a:solidFill>
+                  <a:schemeClr val="bg1"/>
+                </a:solidFill>
+                <a:latin typeface="Arial" panose="020B0604020202020204" pitchFamily="34" charset="0"/>
+                <a:ea typeface="AR PL Mingti2L Big5" charset="0"/>
+                <a:cs typeface="AR PL Mingti2L Big5" charset="0"/>
+              </a:defRPr>
+            </a:lvl5pPr>
+            <a:lvl6pPr marL="2286000" algn="l" defTabSz="914400" rtl="0" eaLnBrk="1" latinLnBrk="0" hangingPunct="1">
+              <a:defRPr kern="1200">
+                <a:solidFill>
+                  <a:schemeClr val="bg1"/>
+                </a:solidFill>
+                <a:latin typeface="Arial" panose="020B0604020202020204" pitchFamily="34" charset="0"/>
+                <a:ea typeface="AR PL Mingti2L Big5" charset="0"/>
+                <a:cs typeface="AR PL Mingti2L Big5" charset="0"/>
+              </a:defRPr>
+            </a:lvl6pPr>
+            <a:lvl7pPr marL="2743200" algn="l" defTabSz="914400" rtl="0" eaLnBrk="1" latinLnBrk="0" hangingPunct="1">
+              <a:defRPr kern="1200">
+                <a:solidFill>
+                  <a:schemeClr val="bg1"/>
+                </a:solidFill>
+                <a:latin typeface="Arial" panose="020B0604020202020204" pitchFamily="34" charset="0"/>
+                <a:ea typeface="AR PL Mingti2L Big5" charset="0"/>
+                <a:cs typeface="AR PL Mingti2L Big5" charset="0"/>
+              </a:defRPr>
+            </a:lvl7pPr>
+            <a:lvl8pPr marL="3200400" algn="l" defTabSz="914400" rtl="0" eaLnBrk="1" latinLnBrk="0" hangingPunct="1">
+              <a:defRPr kern="1200">
+                <a:solidFill>
+                  <a:schemeClr val="bg1"/>
+                </a:solidFill>
+                <a:latin typeface="Arial" panose="020B0604020202020204" pitchFamily="34" charset="0"/>
+                <a:ea typeface="AR PL Mingti2L Big5" charset="0"/>
+                <a:cs typeface="AR PL Mingti2L Big5" charset="0"/>
+              </a:defRPr>
+            </a:lvl8pPr>
+            <a:lvl9pPr marL="3657600" algn="l" defTabSz="914400" rtl="0" eaLnBrk="1" latinLnBrk="0" hangingPunct="1">
+              <a:defRPr kern="1200">
+                <a:solidFill>
+                  <a:schemeClr val="bg1"/>
+                </a:solidFill>
+                <a:latin typeface="Arial" panose="020B0604020202020204" pitchFamily="34" charset="0"/>
+                <a:ea typeface="AR PL Mingti2L Big5" charset="0"/>
+                <a:cs typeface="AR PL Mingti2L Big5" charset="0"/>
+              </a:defRPr>
+            </a:lvl9pPr>
+          </a:lstStyle>
+          <a:p>
+            <a:r>
+              <a:rPr lang="fi-FI" sz="2400" dirty="0" smtClean="0">
+                <a:solidFill>
+                  <a:schemeClr val="tx1">
+                    <a:lumMod val="65000"/>
+                    <a:lumOff val="35000"/>
+                  </a:schemeClr>
+                </a:solidFill>
               </a:rPr>
-              <a:t>Tutki pystytkö laskemaan interaktioikkunassa suurilla luvuilla. Kokeile esimerkiksi laskea paljonko on 10000*999999.</a:t>
-            </a:r>
+              <a:t>45 </a:t>
+            </a:r>
+            <a:r>
+              <a:rPr lang="fi-FI" sz="2400" dirty="0">
+                <a:solidFill>
+                  <a:schemeClr val="tx1">
+                    <a:lumMod val="65000"/>
+                    <a:lumOff val="35000"/>
+                  </a:schemeClr>
+                </a:solidFill>
+              </a:rPr>
+              <a:t>-</a:t>
+            </a:r>
+            <a:r>
+              <a:rPr lang="fi-FI" sz="2400" dirty="0" smtClean="0">
+                <a:solidFill>
+                  <a:schemeClr val="tx1">
+                    <a:lumMod val="65000"/>
+                    <a:lumOff val="35000"/>
+                  </a:schemeClr>
+                </a:solidFill>
+              </a:rPr>
+              <a:t> 22 + 30</a:t>
+            </a:r>
+            <a:endParaRPr lang="fi-FI" sz="2400" dirty="0">
+              <a:solidFill>
+                <a:schemeClr val="tx1">
+                  <a:lumMod val="65000"/>
+                  <a:lumOff val="35000"/>
+                </a:schemeClr>
+              </a:solidFill>
+            </a:endParaRPr>
           </a:p>
         </p:txBody>
       </p:sp>
+      <p:grpSp>
+        <p:nvGrpSpPr>
+          <p:cNvPr id="4" name="Group 3"/>
+          <p:cNvGrpSpPr/>
+          <p:nvPr/>
+        </p:nvGrpSpPr>
+        <p:grpSpPr>
+          <a:xfrm>
+            <a:off x="179512" y="2787138"/>
+            <a:ext cx="8256441" cy="500737"/>
+            <a:chOff x="166849" y="2949765"/>
+            <a:chExt cx="8256441" cy="500737"/>
+          </a:xfrm>
+        </p:grpSpPr>
+        <p:sp>
+          <p:nvSpPr>
+            <p:cNvPr id="43" name="Suorakulmio 42"/>
+            <p:cNvSpPr/>
+            <p:nvPr/>
+          </p:nvSpPr>
+          <p:spPr>
+            <a:xfrm>
+              <a:off x="166849" y="3044146"/>
+              <a:ext cx="1074012" cy="338554"/>
+            </a:xfrm>
+            <a:prstGeom prst="rect">
+              <a:avLst/>
+            </a:prstGeom>
+            <a:solidFill>
+              <a:schemeClr val="accent2">
+                <a:lumMod val="75000"/>
+              </a:schemeClr>
+            </a:solidFill>
+          </p:spPr>
+          <p:txBody>
+            <a:bodyPr wrap="none">
+              <a:spAutoFit/>
+            </a:bodyPr>
+            <a:lstStyle/>
+            <a:p>
+              <a:r>
+                <a:rPr kumimoji="0" lang="fi-FI" sz="1600" b="0" i="0" u="none" strike="noStrike" cap="none" normalizeH="0" dirty="0">
+                  <a:ln>
+                    <a:noFill/>
+                  </a:ln>
+                  <a:effectLst/>
+                  <a:latin typeface="Arial" charset="0"/>
+                </a:rPr>
+                <a:t>Tehtävä </a:t>
+              </a:r>
+              <a:r>
+                <a:rPr lang="fi-FI" sz="1600" dirty="0">
+                  <a:latin typeface="Arial" charset="0"/>
+                </a:rPr>
+                <a:t>2</a:t>
+              </a:r>
+              <a:endParaRPr lang="fi-FI" sz="1600" dirty="0"/>
+            </a:p>
+          </p:txBody>
+        </p:sp>
+        <p:sp>
+          <p:nvSpPr>
+            <p:cNvPr id="47" name="Suorakulmio 46"/>
+            <p:cNvSpPr/>
+            <p:nvPr/>
+          </p:nvSpPr>
+          <p:spPr>
+            <a:xfrm>
+              <a:off x="1240861" y="2988837"/>
+              <a:ext cx="7182429" cy="461665"/>
+            </a:xfrm>
+            <a:prstGeom prst="rect">
+              <a:avLst/>
+            </a:prstGeom>
+            <a:noFill/>
+          </p:spPr>
+          <p:txBody>
+            <a:bodyPr wrap="square">
+              <a:spAutoFit/>
+            </a:bodyPr>
+            <a:lstStyle/>
+            <a:p>
+              <a:r>
+                <a:rPr lang="fi-FI" sz="2400" dirty="0" smtClean="0">
+                  <a:solidFill>
+                    <a:schemeClr val="tx1"/>
+                  </a:solidFill>
+                </a:rPr>
+                <a:t>  a</a:t>
+              </a:r>
+              <a:r>
+                <a:rPr lang="fi-FI" sz="2400" dirty="0">
+                  <a:solidFill>
+                    <a:schemeClr val="tx1"/>
+                  </a:solidFill>
+                </a:rPr>
+                <a:t>)             </a:t>
+              </a:r>
+              <a:r>
+                <a:rPr lang="fi-FI" sz="2400" dirty="0" smtClean="0">
+                  <a:solidFill>
+                    <a:schemeClr val="tx1"/>
+                  </a:solidFill>
+                </a:rPr>
+                <a:t>                          b)                                </a:t>
+              </a:r>
+              <a:endParaRPr lang="fi-FI" sz="2400" dirty="0">
+                <a:solidFill>
+                  <a:schemeClr val="tx1"/>
+                </a:solidFill>
+              </a:endParaRPr>
+            </a:p>
+          </p:txBody>
+        </p:sp>
+        <p:sp>
+          <p:nvSpPr>
+            <p:cNvPr id="20" name="Suorakulmio 2"/>
+            <p:cNvSpPr/>
+            <p:nvPr/>
+          </p:nvSpPr>
+          <p:spPr>
+            <a:xfrm>
+              <a:off x="5439114" y="2949765"/>
+              <a:ext cx="2360583" cy="461665"/>
+            </a:xfrm>
+            <a:prstGeom prst="rect">
+              <a:avLst/>
+            </a:prstGeom>
+            <a:solidFill>
+              <a:srgbClr val="FFE593"/>
+            </a:solidFill>
+          </p:spPr>
+          <p:txBody>
+            <a:bodyPr wrap="square">
+              <a:spAutoFit/>
+            </a:bodyPr>
+            <a:lstStyle>
+              <a:defPPr>
+                <a:defRPr lang="en-GB"/>
+              </a:defPPr>
+              <a:lvl1pPr algn="l" defTabSz="449263" rtl="0" eaLnBrk="0" fontAlgn="base" hangingPunct="0">
+                <a:spcBef>
+                  <a:spcPct val="0"/>
+                </a:spcBef>
+                <a:spcAft>
+                  <a:spcPct val="0"/>
+                </a:spcAft>
+                <a:defRPr kern="1200">
+                  <a:solidFill>
+                    <a:schemeClr val="bg1"/>
+                  </a:solidFill>
+                  <a:latin typeface="Arial" panose="020B0604020202020204" pitchFamily="34" charset="0"/>
+                  <a:ea typeface="AR PL Mingti2L Big5" charset="0"/>
+                  <a:cs typeface="AR PL Mingti2L Big5" charset="0"/>
+                </a:defRPr>
+              </a:lvl1pPr>
+              <a:lvl2pPr marL="742950" indent="-285750" algn="l" defTabSz="449263" rtl="0" eaLnBrk="0" fontAlgn="base" hangingPunct="0">
+                <a:spcBef>
+                  <a:spcPct val="0"/>
+                </a:spcBef>
+                <a:spcAft>
+                  <a:spcPct val="0"/>
+                </a:spcAft>
+                <a:defRPr kern="1200">
+                  <a:solidFill>
+                    <a:schemeClr val="bg1"/>
+                  </a:solidFill>
+                  <a:latin typeface="Arial" panose="020B0604020202020204" pitchFamily="34" charset="0"/>
+                  <a:ea typeface="AR PL Mingti2L Big5" charset="0"/>
+                  <a:cs typeface="AR PL Mingti2L Big5" charset="0"/>
+                </a:defRPr>
+              </a:lvl2pPr>
+              <a:lvl3pPr marL="1143000" indent="-228600" algn="l" defTabSz="449263" rtl="0" eaLnBrk="0" fontAlgn="base" hangingPunct="0">
+                <a:spcBef>
+                  <a:spcPct val="0"/>
+                </a:spcBef>
+                <a:spcAft>
+                  <a:spcPct val="0"/>
+                </a:spcAft>
+                <a:defRPr kern="1200">
+                  <a:solidFill>
+                    <a:schemeClr val="bg1"/>
+                  </a:solidFill>
+                  <a:latin typeface="Arial" panose="020B0604020202020204" pitchFamily="34" charset="0"/>
+                  <a:ea typeface="AR PL Mingti2L Big5" charset="0"/>
+                  <a:cs typeface="AR PL Mingti2L Big5" charset="0"/>
+                </a:defRPr>
+              </a:lvl3pPr>
+              <a:lvl4pPr marL="1600200" indent="-228600" algn="l" defTabSz="449263" rtl="0" eaLnBrk="0" fontAlgn="base" hangingPunct="0">
+                <a:spcBef>
+                  <a:spcPct val="0"/>
+                </a:spcBef>
+                <a:spcAft>
+                  <a:spcPct val="0"/>
+                </a:spcAft>
+                <a:defRPr kern="1200">
+                  <a:solidFill>
+                    <a:schemeClr val="bg1"/>
+                  </a:solidFill>
+                  <a:latin typeface="Arial" panose="020B0604020202020204" pitchFamily="34" charset="0"/>
+                  <a:ea typeface="AR PL Mingti2L Big5" charset="0"/>
+                  <a:cs typeface="AR PL Mingti2L Big5" charset="0"/>
+                </a:defRPr>
+              </a:lvl4pPr>
+              <a:lvl5pPr marL="2057400" indent="-228600" algn="l" defTabSz="449263" rtl="0" eaLnBrk="0" fontAlgn="base" hangingPunct="0">
+                <a:spcBef>
+                  <a:spcPct val="0"/>
+                </a:spcBef>
+                <a:spcAft>
+                  <a:spcPct val="0"/>
+                </a:spcAft>
+                <a:defRPr kern="1200">
+                  <a:solidFill>
+                    <a:schemeClr val="bg1"/>
+                  </a:solidFill>
+                  <a:latin typeface="Arial" panose="020B0604020202020204" pitchFamily="34" charset="0"/>
+                  <a:ea typeface="AR PL Mingti2L Big5" charset="0"/>
+                  <a:cs typeface="AR PL Mingti2L Big5" charset="0"/>
+                </a:defRPr>
+              </a:lvl5pPr>
+              <a:lvl6pPr marL="2286000" algn="l" defTabSz="914400" rtl="0" eaLnBrk="1" latinLnBrk="0" hangingPunct="1">
+                <a:defRPr kern="1200">
+                  <a:solidFill>
+                    <a:schemeClr val="bg1"/>
+                  </a:solidFill>
+                  <a:latin typeface="Arial" panose="020B0604020202020204" pitchFamily="34" charset="0"/>
+                  <a:ea typeface="AR PL Mingti2L Big5" charset="0"/>
+                  <a:cs typeface="AR PL Mingti2L Big5" charset="0"/>
+                </a:defRPr>
+              </a:lvl6pPr>
+              <a:lvl7pPr marL="2743200" algn="l" defTabSz="914400" rtl="0" eaLnBrk="1" latinLnBrk="0" hangingPunct="1">
+                <a:defRPr kern="1200">
+                  <a:solidFill>
+                    <a:schemeClr val="bg1"/>
+                  </a:solidFill>
+                  <a:latin typeface="Arial" panose="020B0604020202020204" pitchFamily="34" charset="0"/>
+                  <a:ea typeface="AR PL Mingti2L Big5" charset="0"/>
+                  <a:cs typeface="AR PL Mingti2L Big5" charset="0"/>
+                </a:defRPr>
+              </a:lvl7pPr>
+              <a:lvl8pPr marL="3200400" algn="l" defTabSz="914400" rtl="0" eaLnBrk="1" latinLnBrk="0" hangingPunct="1">
+                <a:defRPr kern="1200">
+                  <a:solidFill>
+                    <a:schemeClr val="bg1"/>
+                  </a:solidFill>
+                  <a:latin typeface="Arial" panose="020B0604020202020204" pitchFamily="34" charset="0"/>
+                  <a:ea typeface="AR PL Mingti2L Big5" charset="0"/>
+                  <a:cs typeface="AR PL Mingti2L Big5" charset="0"/>
+                </a:defRPr>
+              </a:lvl8pPr>
+              <a:lvl9pPr marL="3657600" algn="l" defTabSz="914400" rtl="0" eaLnBrk="1" latinLnBrk="0" hangingPunct="1">
+                <a:defRPr kern="1200">
+                  <a:solidFill>
+                    <a:schemeClr val="bg1"/>
+                  </a:solidFill>
+                  <a:latin typeface="Arial" panose="020B0604020202020204" pitchFamily="34" charset="0"/>
+                  <a:ea typeface="AR PL Mingti2L Big5" charset="0"/>
+                  <a:cs typeface="AR PL Mingti2L Big5" charset="0"/>
+                </a:defRPr>
+              </a:lvl9pPr>
+            </a:lstStyle>
+            <a:p>
+              <a:r>
+                <a:rPr lang="fi-FI" sz="2400" dirty="0" smtClean="0">
+                  <a:solidFill>
+                    <a:schemeClr val="tx1">
+                      <a:lumMod val="65000"/>
+                      <a:lumOff val="35000"/>
+                    </a:schemeClr>
+                  </a:solidFill>
+                </a:rPr>
+                <a:t>(4 + 5) * (3 + 6)</a:t>
+              </a:r>
+            </a:p>
+          </p:txBody>
+        </p:sp>
+        <p:sp>
+          <p:nvSpPr>
+            <p:cNvPr id="22" name="Suorakulmio 2"/>
+            <p:cNvSpPr/>
+            <p:nvPr/>
+          </p:nvSpPr>
+          <p:spPr>
+            <a:xfrm>
+              <a:off x="1873023" y="2962977"/>
+              <a:ext cx="2686314" cy="461665"/>
+            </a:xfrm>
+            <a:prstGeom prst="rect">
+              <a:avLst/>
+            </a:prstGeom>
+            <a:solidFill>
+              <a:srgbClr val="FFE593"/>
+            </a:solidFill>
+          </p:spPr>
+          <p:txBody>
+            <a:bodyPr wrap="square">
+              <a:spAutoFit/>
+            </a:bodyPr>
+            <a:lstStyle>
+              <a:defPPr>
+                <a:defRPr lang="en-GB"/>
+              </a:defPPr>
+              <a:lvl1pPr algn="l" defTabSz="449263" rtl="0" eaLnBrk="0" fontAlgn="base" hangingPunct="0">
+                <a:spcBef>
+                  <a:spcPct val="0"/>
+                </a:spcBef>
+                <a:spcAft>
+                  <a:spcPct val="0"/>
+                </a:spcAft>
+                <a:defRPr kern="1200">
+                  <a:solidFill>
+                    <a:schemeClr val="bg1"/>
+                  </a:solidFill>
+                  <a:latin typeface="Arial" panose="020B0604020202020204" pitchFamily="34" charset="0"/>
+                  <a:ea typeface="AR PL Mingti2L Big5" charset="0"/>
+                  <a:cs typeface="AR PL Mingti2L Big5" charset="0"/>
+                </a:defRPr>
+              </a:lvl1pPr>
+              <a:lvl2pPr marL="742950" indent="-285750" algn="l" defTabSz="449263" rtl="0" eaLnBrk="0" fontAlgn="base" hangingPunct="0">
+                <a:spcBef>
+                  <a:spcPct val="0"/>
+                </a:spcBef>
+                <a:spcAft>
+                  <a:spcPct val="0"/>
+                </a:spcAft>
+                <a:defRPr kern="1200">
+                  <a:solidFill>
+                    <a:schemeClr val="bg1"/>
+                  </a:solidFill>
+                  <a:latin typeface="Arial" panose="020B0604020202020204" pitchFamily="34" charset="0"/>
+                  <a:ea typeface="AR PL Mingti2L Big5" charset="0"/>
+                  <a:cs typeface="AR PL Mingti2L Big5" charset="0"/>
+                </a:defRPr>
+              </a:lvl2pPr>
+              <a:lvl3pPr marL="1143000" indent="-228600" algn="l" defTabSz="449263" rtl="0" eaLnBrk="0" fontAlgn="base" hangingPunct="0">
+                <a:spcBef>
+                  <a:spcPct val="0"/>
+                </a:spcBef>
+                <a:spcAft>
+                  <a:spcPct val="0"/>
+                </a:spcAft>
+                <a:defRPr kern="1200">
+                  <a:solidFill>
+                    <a:schemeClr val="bg1"/>
+                  </a:solidFill>
+                  <a:latin typeface="Arial" panose="020B0604020202020204" pitchFamily="34" charset="0"/>
+                  <a:ea typeface="AR PL Mingti2L Big5" charset="0"/>
+                  <a:cs typeface="AR PL Mingti2L Big5" charset="0"/>
+                </a:defRPr>
+              </a:lvl3pPr>
+              <a:lvl4pPr marL="1600200" indent="-228600" algn="l" defTabSz="449263" rtl="0" eaLnBrk="0" fontAlgn="base" hangingPunct="0">
+                <a:spcBef>
+                  <a:spcPct val="0"/>
+                </a:spcBef>
+                <a:spcAft>
+                  <a:spcPct val="0"/>
+                </a:spcAft>
+                <a:defRPr kern="1200">
+                  <a:solidFill>
+                    <a:schemeClr val="bg1"/>
+                  </a:solidFill>
+                  <a:latin typeface="Arial" panose="020B0604020202020204" pitchFamily="34" charset="0"/>
+                  <a:ea typeface="AR PL Mingti2L Big5" charset="0"/>
+                  <a:cs typeface="AR PL Mingti2L Big5" charset="0"/>
+                </a:defRPr>
+              </a:lvl4pPr>
+              <a:lvl5pPr marL="2057400" indent="-228600" algn="l" defTabSz="449263" rtl="0" eaLnBrk="0" fontAlgn="base" hangingPunct="0">
+                <a:spcBef>
+                  <a:spcPct val="0"/>
+                </a:spcBef>
+                <a:spcAft>
+                  <a:spcPct val="0"/>
+                </a:spcAft>
+                <a:defRPr kern="1200">
+                  <a:solidFill>
+                    <a:schemeClr val="bg1"/>
+                  </a:solidFill>
+                  <a:latin typeface="Arial" panose="020B0604020202020204" pitchFamily="34" charset="0"/>
+                  <a:ea typeface="AR PL Mingti2L Big5" charset="0"/>
+                  <a:cs typeface="AR PL Mingti2L Big5" charset="0"/>
+                </a:defRPr>
+              </a:lvl5pPr>
+              <a:lvl6pPr marL="2286000" algn="l" defTabSz="914400" rtl="0" eaLnBrk="1" latinLnBrk="0" hangingPunct="1">
+                <a:defRPr kern="1200">
+                  <a:solidFill>
+                    <a:schemeClr val="bg1"/>
+                  </a:solidFill>
+                  <a:latin typeface="Arial" panose="020B0604020202020204" pitchFamily="34" charset="0"/>
+                  <a:ea typeface="AR PL Mingti2L Big5" charset="0"/>
+                  <a:cs typeface="AR PL Mingti2L Big5" charset="0"/>
+                </a:defRPr>
+              </a:lvl6pPr>
+              <a:lvl7pPr marL="2743200" algn="l" defTabSz="914400" rtl="0" eaLnBrk="1" latinLnBrk="0" hangingPunct="1">
+                <a:defRPr kern="1200">
+                  <a:solidFill>
+                    <a:schemeClr val="bg1"/>
+                  </a:solidFill>
+                  <a:latin typeface="Arial" panose="020B0604020202020204" pitchFamily="34" charset="0"/>
+                  <a:ea typeface="AR PL Mingti2L Big5" charset="0"/>
+                  <a:cs typeface="AR PL Mingti2L Big5" charset="0"/>
+                </a:defRPr>
+              </a:lvl7pPr>
+              <a:lvl8pPr marL="3200400" algn="l" defTabSz="914400" rtl="0" eaLnBrk="1" latinLnBrk="0" hangingPunct="1">
+                <a:defRPr kern="1200">
+                  <a:solidFill>
+                    <a:schemeClr val="bg1"/>
+                  </a:solidFill>
+                  <a:latin typeface="Arial" panose="020B0604020202020204" pitchFamily="34" charset="0"/>
+                  <a:ea typeface="AR PL Mingti2L Big5" charset="0"/>
+                  <a:cs typeface="AR PL Mingti2L Big5" charset="0"/>
+                </a:defRPr>
+              </a:lvl8pPr>
+              <a:lvl9pPr marL="3657600" algn="l" defTabSz="914400" rtl="0" eaLnBrk="1" latinLnBrk="0" hangingPunct="1">
+                <a:defRPr kern="1200">
+                  <a:solidFill>
+                    <a:schemeClr val="bg1"/>
+                  </a:solidFill>
+                  <a:latin typeface="Arial" panose="020B0604020202020204" pitchFamily="34" charset="0"/>
+                  <a:ea typeface="AR PL Mingti2L Big5" charset="0"/>
+                  <a:cs typeface="AR PL Mingti2L Big5" charset="0"/>
+                </a:defRPr>
+              </a:lvl9pPr>
+            </a:lstStyle>
+            <a:p>
+              <a:r>
+                <a:rPr lang="fi-FI" sz="2400" dirty="0" smtClean="0">
+                  <a:solidFill>
+                    <a:schemeClr val="tx1">
+                      <a:lumMod val="65000"/>
+                      <a:lumOff val="35000"/>
+                    </a:schemeClr>
+                  </a:solidFill>
+                </a:rPr>
+                <a:t>(10 – 2)  * (14 – 6)</a:t>
+              </a:r>
+              <a:endParaRPr lang="fi-FI" sz="2400" dirty="0">
+                <a:solidFill>
+                  <a:schemeClr val="tx1">
+                    <a:lumMod val="65000"/>
+                    <a:lumOff val="35000"/>
+                  </a:schemeClr>
+                </a:solidFill>
+              </a:endParaRPr>
+            </a:p>
+          </p:txBody>
+        </p:sp>
+      </p:grpSp>
+      <p:grpSp>
+        <p:nvGrpSpPr>
+          <p:cNvPr id="2" name="Group 1"/>
+          <p:cNvGrpSpPr/>
+          <p:nvPr/>
+        </p:nvGrpSpPr>
+        <p:grpSpPr>
+          <a:xfrm>
+            <a:off x="186276" y="3582208"/>
+            <a:ext cx="7937015" cy="769441"/>
+            <a:chOff x="166849" y="4126400"/>
+            <a:chExt cx="7937015" cy="769441"/>
+          </a:xfrm>
+        </p:grpSpPr>
+        <p:sp>
+          <p:nvSpPr>
+            <p:cNvPr id="45" name="Suorakulmio 44"/>
+            <p:cNvSpPr/>
+            <p:nvPr/>
+          </p:nvSpPr>
+          <p:spPr>
+            <a:xfrm>
+              <a:off x="166849" y="4148454"/>
+              <a:ext cx="1104566" cy="338554"/>
+            </a:xfrm>
+            <a:prstGeom prst="rect">
+              <a:avLst/>
+            </a:prstGeom>
+            <a:solidFill>
+              <a:schemeClr val="accent2">
+                <a:lumMod val="75000"/>
+              </a:schemeClr>
+            </a:solidFill>
+          </p:spPr>
+          <p:txBody>
+            <a:bodyPr wrap="square">
+              <a:spAutoFit/>
+            </a:bodyPr>
+            <a:lstStyle/>
+            <a:p>
+              <a:r>
+                <a:rPr kumimoji="0" lang="fi-FI" sz="1600" b="0" i="0" u="none" strike="noStrike" cap="none" normalizeH="0" dirty="0">
+                  <a:ln>
+                    <a:noFill/>
+                  </a:ln>
+                  <a:effectLst/>
+                  <a:latin typeface="Arial" charset="0"/>
+                </a:rPr>
+                <a:t>Tehtävä </a:t>
+              </a:r>
+              <a:r>
+                <a:rPr lang="fi-FI" sz="1600" dirty="0">
+                  <a:latin typeface="Arial" charset="0"/>
+                </a:rPr>
+                <a:t>3</a:t>
+              </a:r>
+              <a:endParaRPr lang="fi-FI" sz="1600" dirty="0"/>
+            </a:p>
+          </p:txBody>
+        </p:sp>
+        <p:sp>
+          <p:nvSpPr>
+            <p:cNvPr id="21" name="Suorakulmio 46"/>
+            <p:cNvSpPr/>
+            <p:nvPr/>
+          </p:nvSpPr>
+          <p:spPr>
+            <a:xfrm>
+              <a:off x="1341987" y="4126400"/>
+              <a:ext cx="6761877" cy="769441"/>
+            </a:xfrm>
+            <a:prstGeom prst="rect">
+              <a:avLst/>
+            </a:prstGeom>
+            <a:noFill/>
+          </p:spPr>
+          <p:txBody>
+            <a:bodyPr wrap="square">
+              <a:spAutoFit/>
+            </a:bodyPr>
+            <a:lstStyle/>
+            <a:p>
+              <a:r>
+                <a:rPr lang="fi-FI" sz="2200" dirty="0" smtClean="0">
+                  <a:solidFill>
+                    <a:schemeClr val="tx1"/>
+                  </a:solidFill>
+                  <a:latin typeface="Arial" charset="0"/>
+                </a:rPr>
+                <a:t>Keksi </a:t>
+              </a:r>
+              <a:r>
+                <a:rPr lang="fi-FI" sz="2200" dirty="0">
+                  <a:solidFill>
+                    <a:schemeClr val="tx1"/>
+                  </a:solidFill>
+                  <a:latin typeface="Arial" charset="0"/>
+                </a:rPr>
+                <a:t>oma laskutoimitus ensin kynällä ja paperilla, ja laske sitten laskutoimituksesi interaktioikkunassa</a:t>
+              </a:r>
+              <a:r>
+                <a:rPr lang="fi-FI" sz="2200" dirty="0" smtClean="0">
+                  <a:solidFill>
+                    <a:schemeClr val="tx1"/>
+                  </a:solidFill>
+                  <a:latin typeface="Arial" charset="0"/>
+                </a:rPr>
+                <a:t>.                            </a:t>
+              </a:r>
+              <a:endParaRPr lang="fi-FI" sz="2200" dirty="0">
+                <a:solidFill>
+                  <a:schemeClr val="tx1"/>
+                </a:solidFill>
+                <a:latin typeface="Arial" charset="0"/>
+              </a:endParaRPr>
+            </a:p>
+          </p:txBody>
+        </p:sp>
+      </p:grpSp>
+      <p:sp>
+        <p:nvSpPr>
+          <p:cNvPr id="25" name="Suorakulmio 2"/>
+          <p:cNvSpPr/>
+          <p:nvPr/>
+        </p:nvSpPr>
+        <p:spPr>
+          <a:xfrm>
+            <a:off x="6991849" y="2157131"/>
+            <a:ext cx="1944194" cy="461665"/>
+          </a:xfrm>
+          <a:prstGeom prst="rect">
+            <a:avLst/>
+          </a:prstGeom>
+          <a:solidFill>
+            <a:srgbClr val="FFE593"/>
+          </a:solidFill>
+        </p:spPr>
+        <p:txBody>
+          <a:bodyPr wrap="square">
+            <a:spAutoFit/>
+          </a:bodyPr>
+          <a:lstStyle>
+            <a:defPPr>
+              <a:defRPr lang="en-GB"/>
+            </a:defPPr>
+            <a:lvl1pPr algn="l" defTabSz="449263" rtl="0" eaLnBrk="0" fontAlgn="base" hangingPunct="0">
+              <a:spcBef>
+                <a:spcPct val="0"/>
+              </a:spcBef>
+              <a:spcAft>
+                <a:spcPct val="0"/>
+              </a:spcAft>
+              <a:defRPr kern="1200">
+                <a:solidFill>
+                  <a:schemeClr val="bg1"/>
+                </a:solidFill>
+                <a:latin typeface="Arial" panose="020B0604020202020204" pitchFamily="34" charset="0"/>
+                <a:ea typeface="AR PL Mingti2L Big5" charset="0"/>
+                <a:cs typeface="AR PL Mingti2L Big5" charset="0"/>
+              </a:defRPr>
+            </a:lvl1pPr>
+            <a:lvl2pPr marL="742950" indent="-285750" algn="l" defTabSz="449263" rtl="0" eaLnBrk="0" fontAlgn="base" hangingPunct="0">
+              <a:spcBef>
+                <a:spcPct val="0"/>
+              </a:spcBef>
+              <a:spcAft>
+                <a:spcPct val="0"/>
+              </a:spcAft>
+              <a:defRPr kern="1200">
+                <a:solidFill>
+                  <a:schemeClr val="bg1"/>
+                </a:solidFill>
+                <a:latin typeface="Arial" panose="020B0604020202020204" pitchFamily="34" charset="0"/>
+                <a:ea typeface="AR PL Mingti2L Big5" charset="0"/>
+                <a:cs typeface="AR PL Mingti2L Big5" charset="0"/>
+              </a:defRPr>
+            </a:lvl2pPr>
+            <a:lvl3pPr marL="1143000" indent="-228600" algn="l" defTabSz="449263" rtl="0" eaLnBrk="0" fontAlgn="base" hangingPunct="0">
+              <a:spcBef>
+                <a:spcPct val="0"/>
+              </a:spcBef>
+              <a:spcAft>
+                <a:spcPct val="0"/>
+              </a:spcAft>
+              <a:defRPr kern="1200">
+                <a:solidFill>
+                  <a:schemeClr val="bg1"/>
+                </a:solidFill>
+                <a:latin typeface="Arial" panose="020B0604020202020204" pitchFamily="34" charset="0"/>
+                <a:ea typeface="AR PL Mingti2L Big5" charset="0"/>
+                <a:cs typeface="AR PL Mingti2L Big5" charset="0"/>
+              </a:defRPr>
+            </a:lvl3pPr>
+            <a:lvl4pPr marL="1600200" indent="-228600" algn="l" defTabSz="449263" rtl="0" eaLnBrk="0" fontAlgn="base" hangingPunct="0">
+              <a:spcBef>
+                <a:spcPct val="0"/>
+              </a:spcBef>
+              <a:spcAft>
+                <a:spcPct val="0"/>
+              </a:spcAft>
+              <a:defRPr kern="1200">
+                <a:solidFill>
+                  <a:schemeClr val="bg1"/>
+                </a:solidFill>
+                <a:latin typeface="Arial" panose="020B0604020202020204" pitchFamily="34" charset="0"/>
+                <a:ea typeface="AR PL Mingti2L Big5" charset="0"/>
+                <a:cs typeface="AR PL Mingti2L Big5" charset="0"/>
+              </a:defRPr>
+            </a:lvl4pPr>
+            <a:lvl5pPr marL="2057400" indent="-228600" algn="l" defTabSz="449263" rtl="0" eaLnBrk="0" fontAlgn="base" hangingPunct="0">
+              <a:spcBef>
+                <a:spcPct val="0"/>
+              </a:spcBef>
+              <a:spcAft>
+                <a:spcPct val="0"/>
+              </a:spcAft>
+              <a:defRPr kern="1200">
+                <a:solidFill>
+                  <a:schemeClr val="bg1"/>
+                </a:solidFill>
+                <a:latin typeface="Arial" panose="020B0604020202020204" pitchFamily="34" charset="0"/>
+                <a:ea typeface="AR PL Mingti2L Big5" charset="0"/>
+                <a:cs typeface="AR PL Mingti2L Big5" charset="0"/>
+              </a:defRPr>
+            </a:lvl5pPr>
+            <a:lvl6pPr marL="2286000" algn="l" defTabSz="914400" rtl="0" eaLnBrk="1" latinLnBrk="0" hangingPunct="1">
+              <a:defRPr kern="1200">
+                <a:solidFill>
+                  <a:schemeClr val="bg1"/>
+                </a:solidFill>
+                <a:latin typeface="Arial" panose="020B0604020202020204" pitchFamily="34" charset="0"/>
+                <a:ea typeface="AR PL Mingti2L Big5" charset="0"/>
+                <a:cs typeface="AR PL Mingti2L Big5" charset="0"/>
+              </a:defRPr>
+            </a:lvl6pPr>
+            <a:lvl7pPr marL="2743200" algn="l" defTabSz="914400" rtl="0" eaLnBrk="1" latinLnBrk="0" hangingPunct="1">
+              <a:defRPr kern="1200">
+                <a:solidFill>
+                  <a:schemeClr val="bg1"/>
+                </a:solidFill>
+                <a:latin typeface="Arial" panose="020B0604020202020204" pitchFamily="34" charset="0"/>
+                <a:ea typeface="AR PL Mingti2L Big5" charset="0"/>
+                <a:cs typeface="AR PL Mingti2L Big5" charset="0"/>
+              </a:defRPr>
+            </a:lvl7pPr>
+            <a:lvl8pPr marL="3200400" algn="l" defTabSz="914400" rtl="0" eaLnBrk="1" latinLnBrk="0" hangingPunct="1">
+              <a:defRPr kern="1200">
+                <a:solidFill>
+                  <a:schemeClr val="bg1"/>
+                </a:solidFill>
+                <a:latin typeface="Arial" panose="020B0604020202020204" pitchFamily="34" charset="0"/>
+                <a:ea typeface="AR PL Mingti2L Big5" charset="0"/>
+                <a:cs typeface="AR PL Mingti2L Big5" charset="0"/>
+              </a:defRPr>
+            </a:lvl8pPr>
+            <a:lvl9pPr marL="3657600" algn="l" defTabSz="914400" rtl="0" eaLnBrk="1" latinLnBrk="0" hangingPunct="1">
+              <a:defRPr kern="1200">
+                <a:solidFill>
+                  <a:schemeClr val="bg1"/>
+                </a:solidFill>
+                <a:latin typeface="Arial" panose="020B0604020202020204" pitchFamily="34" charset="0"/>
+                <a:ea typeface="AR PL Mingti2L Big5" charset="0"/>
+                <a:cs typeface="AR PL Mingti2L Big5" charset="0"/>
+              </a:defRPr>
+            </a:lvl9pPr>
+          </a:lstStyle>
+          <a:p>
+            <a:r>
+              <a:rPr lang="fi-FI" sz="2400" dirty="0" smtClean="0">
+                <a:solidFill>
+                  <a:schemeClr val="tx1">
+                    <a:lumMod val="65000"/>
+                    <a:lumOff val="35000"/>
+                  </a:schemeClr>
+                </a:solidFill>
+              </a:rPr>
+              <a:t>12 + 13 </a:t>
+            </a:r>
+            <a:r>
+              <a:rPr lang="fi-FI" sz="2400" dirty="0">
+                <a:solidFill>
+                  <a:schemeClr val="tx1">
+                    <a:lumMod val="65000"/>
+                    <a:lumOff val="35000"/>
+                  </a:schemeClr>
+                </a:solidFill>
+              </a:rPr>
+              <a:t>-</a:t>
+            </a:r>
+            <a:r>
+              <a:rPr lang="fi-FI" sz="2400" dirty="0" smtClean="0">
+                <a:solidFill>
+                  <a:schemeClr val="tx1">
+                    <a:lumMod val="65000"/>
+                    <a:lumOff val="35000"/>
+                  </a:schemeClr>
+                </a:solidFill>
+              </a:rPr>
+              <a:t> 14</a:t>
+            </a:r>
+            <a:endParaRPr lang="fi-FI" sz="2400" dirty="0">
+              <a:solidFill>
+                <a:schemeClr val="tx1">
+                  <a:lumMod val="65000"/>
+                  <a:lumOff val="35000"/>
+                </a:schemeClr>
+              </a:solidFill>
+            </a:endParaRPr>
+          </a:p>
+        </p:txBody>
+      </p:sp>
+      <p:grpSp>
+        <p:nvGrpSpPr>
+          <p:cNvPr id="26" name="Group 25"/>
+          <p:cNvGrpSpPr/>
+          <p:nvPr/>
+        </p:nvGrpSpPr>
+        <p:grpSpPr>
+          <a:xfrm>
+            <a:off x="202176" y="4406953"/>
+            <a:ext cx="7937015" cy="1446550"/>
+            <a:chOff x="166849" y="4126400"/>
+            <a:chExt cx="7937015" cy="1446550"/>
+          </a:xfrm>
+        </p:grpSpPr>
+        <p:sp>
+          <p:nvSpPr>
+            <p:cNvPr id="27" name="Suorakulmio 44"/>
+            <p:cNvSpPr/>
+            <p:nvPr/>
+          </p:nvSpPr>
+          <p:spPr>
+            <a:xfrm>
+              <a:off x="166849" y="4148454"/>
+              <a:ext cx="1104566" cy="338554"/>
+            </a:xfrm>
+            <a:prstGeom prst="rect">
+              <a:avLst/>
+            </a:prstGeom>
+            <a:solidFill>
+              <a:schemeClr val="accent2">
+                <a:lumMod val="75000"/>
+              </a:schemeClr>
+            </a:solidFill>
+          </p:spPr>
+          <p:txBody>
+            <a:bodyPr wrap="square">
+              <a:spAutoFit/>
+            </a:bodyPr>
+            <a:lstStyle/>
+            <a:p>
+              <a:r>
+                <a:rPr kumimoji="0" lang="fi-FI" sz="1600" b="0" i="0" u="none" strike="noStrike" cap="none" normalizeH="0" dirty="0">
+                  <a:ln>
+                    <a:noFill/>
+                  </a:ln>
+                  <a:effectLst/>
+                  <a:latin typeface="Arial" charset="0"/>
+                </a:rPr>
+                <a:t>Tehtävä </a:t>
+              </a:r>
+              <a:r>
+                <a:rPr lang="fi-FI" sz="1600" dirty="0">
+                  <a:latin typeface="Arial" charset="0"/>
+                </a:rPr>
+                <a:t>4</a:t>
+              </a:r>
+              <a:endParaRPr lang="fi-FI" sz="1600" dirty="0"/>
+            </a:p>
+          </p:txBody>
+        </p:sp>
+        <p:sp>
+          <p:nvSpPr>
+            <p:cNvPr id="28" name="Suorakulmio 46"/>
+            <p:cNvSpPr/>
+            <p:nvPr/>
+          </p:nvSpPr>
+          <p:spPr>
+            <a:xfrm>
+              <a:off x="1341987" y="4126400"/>
+              <a:ext cx="6761877" cy="1446550"/>
+            </a:xfrm>
+            <a:prstGeom prst="rect">
+              <a:avLst/>
+            </a:prstGeom>
+            <a:noFill/>
+          </p:spPr>
+          <p:txBody>
+            <a:bodyPr wrap="square">
+              <a:spAutoFit/>
+            </a:bodyPr>
+            <a:lstStyle/>
+            <a:p>
+              <a:r>
+                <a:rPr lang="fi-FI" sz="2200" dirty="0">
+                  <a:solidFill>
+                    <a:schemeClr val="tx1"/>
+                  </a:solidFill>
+                  <a:latin typeface="Arial" charset="0"/>
+                </a:rPr>
+                <a:t>Tutki pystytkö laskemaan interaktioikkunassa suurilla luvuilla. Kokeile esimerkiksi laskea paljonko on 10000*999999.</a:t>
+              </a:r>
+            </a:p>
+            <a:p>
+              <a:endParaRPr lang="fi-FI" sz="2200" dirty="0">
+                <a:solidFill>
+                  <a:schemeClr val="tx1"/>
+                </a:solidFill>
+                <a:latin typeface="Arial" charset="0"/>
+              </a:endParaRPr>
+            </a:p>
+          </p:txBody>
+        </p:sp>
+      </p:grpSp>
     </p:spTree>
     <p:extLst>
       <p:ext uri="{BB962C8B-B14F-4D97-AF65-F5344CB8AC3E}">
-        <p14:creationId xmlns:p14="http://schemas.microsoft.com/office/powerpoint/2010/main" val="3636598526"/>
+        <p14:creationId xmlns:p14="http://schemas.microsoft.com/office/powerpoint/2010/main" val="1444456695"/>
       </p:ext>
     </p:extLst>
   </p:cSld>
@@ -13020,7 +17513,17 @@
                   <a:schemeClr val="tx1"/>
                 </a:solidFill>
               </a:rPr>
-              <a:t>Määrittelyikkunaa käytetään koodin tallentamiseen ja pidempien sekä monimutkaisempien ohjelmien kirjoittamiseen. Kokeillaan aluksi yksinkertaisen laskutoimituksen kirjoittamista määrittelyikkunaan.</a:t>
+              <a:t>Määrittelyikkunaa käytetään koodin tallentamiseen ja pidempien sekä monimutkaisempien ohjelmien kirjoittamiseen. Kokeillaan aluksi laskun </a:t>
+            </a:r>
+          </a:p>
+          <a:p>
+            <a:r>
+              <a:rPr lang="fi-FI" dirty="0" smtClean="0">
+                <a:solidFill>
+                  <a:schemeClr val="tx1"/>
+                </a:solidFill>
+              </a:rPr>
+              <a:t>(12–3)* (7-3) kirjoittamista määrittelyikkunaan.</a:t>
             </a:r>
             <a:endParaRPr lang="fi-FI" dirty="0">
               <a:solidFill>
@@ -13087,9 +17590,77 @@
           </a:p>
         </p:txBody>
       </p:sp>
+      <p:sp>
+        <p:nvSpPr>
+          <p:cNvPr id="13" name="TextBox 12"/>
+          <p:cNvSpPr txBox="1"/>
+          <p:nvPr/>
+        </p:nvSpPr>
+        <p:spPr>
+          <a:xfrm>
+            <a:off x="7398410" y="3433862"/>
+            <a:ext cx="1620180" cy="369332"/>
+          </a:xfrm>
+          <a:prstGeom prst="rect">
+            <a:avLst/>
+          </a:prstGeom>
+          <a:solidFill>
+            <a:schemeClr val="accent2">
+              <a:lumMod val="75000"/>
+            </a:schemeClr>
+          </a:solidFill>
+        </p:spPr>
+        <p:txBody>
+          <a:bodyPr wrap="square" rtlCol="0">
+            <a:spAutoFit/>
+          </a:bodyPr>
+          <a:lstStyle/>
+          <a:p>
+            <a:r>
+              <a:rPr lang="fi-FI" dirty="0" smtClean="0"/>
+              <a:t>Kommenttirivi</a:t>
+            </a:r>
+            <a:endParaRPr lang="fi-FI" dirty="0"/>
+          </a:p>
+        </p:txBody>
+      </p:sp>
+      <p:sp>
+        <p:nvSpPr>
+          <p:cNvPr id="18" name="TextBox 17"/>
+          <p:cNvSpPr txBox="1"/>
+          <p:nvPr/>
+        </p:nvSpPr>
+        <p:spPr>
+          <a:xfrm>
+            <a:off x="7398410" y="3907802"/>
+            <a:ext cx="1620180" cy="369332"/>
+          </a:xfrm>
+          <a:prstGeom prst="rect">
+            <a:avLst/>
+          </a:prstGeom>
+          <a:solidFill>
+            <a:schemeClr val="accent2">
+              <a:lumMod val="75000"/>
+            </a:schemeClr>
+          </a:solidFill>
+        </p:spPr>
+        <p:txBody>
+          <a:bodyPr wrap="square" rtlCol="0">
+            <a:spAutoFit/>
+          </a:bodyPr>
+          <a:lstStyle/>
+          <a:p>
+            <a:r>
+              <a:rPr lang="fi-FI" dirty="0" smtClean="0"/>
+              <a:t>Koodirivi</a:t>
+            </a:r>
+            <a:endParaRPr lang="fi-FI" dirty="0"/>
+          </a:p>
+        </p:txBody>
+      </p:sp>
       <p:pic>
         <p:nvPicPr>
-          <p:cNvPr id="5" name="Picture 4"/>
+          <p:cNvPr id="8" name="Picture 7"/>
           <p:cNvPicPr>
             <a:picLocks noChangeAspect="1"/>
           </p:cNvPicPr>
@@ -13109,22 +17680,17 @@
         </p:blipFill>
         <p:spPr>
           <a:xfrm>
-            <a:off x="534383" y="2678413"/>
-            <a:ext cx="6582562" cy="1784221"/>
+            <a:off x="2123728" y="5328756"/>
+            <a:ext cx="789246" cy="456009"/>
           </a:xfrm>
           <a:prstGeom prst="rect">
             <a:avLst/>
           </a:prstGeom>
-          <a:ln>
-            <a:solidFill>
-              <a:schemeClr val="tx1"/>
-            </a:solidFill>
-          </a:ln>
         </p:spPr>
       </p:pic>
       <p:pic>
         <p:nvPicPr>
-          <p:cNvPr id="6" name="Picture 5"/>
+          <p:cNvPr id="5" name="Picture 4"/>
           <p:cNvPicPr>
             <a:picLocks noChangeAspect="1"/>
           </p:cNvPicPr>
@@ -13144,48 +17710,14 @@
         </p:blipFill>
         <p:spPr>
           <a:xfrm>
-            <a:off x="1979712" y="5344532"/>
-            <a:ext cx="891500" cy="501469"/>
+            <a:off x="581192" y="2700479"/>
+            <a:ext cx="5775539" cy="1576655"/>
           </a:xfrm>
           <a:prstGeom prst="rect">
             <a:avLst/>
           </a:prstGeom>
         </p:spPr>
       </p:pic>
-      <p:sp>
-        <p:nvSpPr>
-          <p:cNvPr id="13" name="TextBox 12"/>
-          <p:cNvSpPr txBox="1"/>
-          <p:nvPr/>
-        </p:nvSpPr>
-        <p:spPr>
-          <a:xfrm>
-            <a:off x="7398410" y="3478787"/>
-            <a:ext cx="1620180" cy="369332"/>
-          </a:xfrm>
-          <a:prstGeom prst="rect">
-            <a:avLst/>
-          </a:prstGeom>
-          <a:solidFill>
-            <a:schemeClr val="accent2">
-              <a:lumMod val="75000"/>
-            </a:schemeClr>
-          </a:solidFill>
-        </p:spPr>
-        <p:txBody>
-          <a:bodyPr wrap="square" rtlCol="0">
-            <a:spAutoFit/>
-          </a:bodyPr>
-          <a:lstStyle/>
-          <a:p>
-            <a:r>
-              <a:rPr lang="fi-FI" dirty="0" smtClean="0"/>
-              <a:t>Kommenttirivi</a:t>
-            </a:r>
-            <a:endParaRPr lang="fi-FI" dirty="0"/>
-          </a:p>
-        </p:txBody>
-      </p:sp>
       <p:cxnSp>
         <p:nvCxnSpPr>
           <p:cNvPr id="15" name="Straight Arrow Connector 14"/>
@@ -13219,40 +17751,6 @@
           </a:fontRef>
         </p:style>
       </p:cxnSp>
-      <p:sp>
-        <p:nvSpPr>
-          <p:cNvPr id="18" name="TextBox 17"/>
-          <p:cNvSpPr txBox="1"/>
-          <p:nvPr/>
-        </p:nvSpPr>
-        <p:spPr>
-          <a:xfrm>
-            <a:off x="7398410" y="3947252"/>
-            <a:ext cx="1620180" cy="369332"/>
-          </a:xfrm>
-          <a:prstGeom prst="rect">
-            <a:avLst/>
-          </a:prstGeom>
-          <a:solidFill>
-            <a:schemeClr val="accent2">
-              <a:lumMod val="75000"/>
-            </a:schemeClr>
-          </a:solidFill>
-        </p:spPr>
-        <p:txBody>
-          <a:bodyPr wrap="square" rtlCol="0">
-            <a:spAutoFit/>
-          </a:bodyPr>
-          <a:lstStyle/>
-          <a:p>
-            <a:r>
-              <a:rPr lang="fi-FI" dirty="0" smtClean="0"/>
-              <a:t>Koodirivi</a:t>
-            </a:r>
-            <a:endParaRPr lang="fi-FI" dirty="0"/>
-          </a:p>
-        </p:txBody>
-      </p:sp>
       <p:cxnSp>
         <p:nvCxnSpPr>
           <p:cNvPr id="23" name="Straight Arrow Connector 22"/>
@@ -13261,7 +17759,7 @@
         </p:nvCxnSpPr>
         <p:spPr>
           <a:xfrm flipH="1">
-            <a:off x="3419872" y="4077072"/>
+            <a:off x="3419872" y="4005064"/>
             <a:ext cx="3978538" cy="0"/>
           </a:xfrm>
           <a:prstGeom prst="straightConnector1">
@@ -13288,7 +17786,7 @@
       </p:cxnSp>
       <p:pic>
         <p:nvPicPr>
-          <p:cNvPr id="26" name="Picture 25"/>
+          <p:cNvPr id="6" name="Picture 5"/>
           <p:cNvPicPr>
             <a:picLocks noChangeAspect="1"/>
           </p:cNvPicPr>
@@ -13308,8 +17806,8 @@
         </p:blipFill>
         <p:spPr>
           <a:xfrm>
-            <a:off x="5919678" y="5279091"/>
-            <a:ext cx="605587" cy="807448"/>
+            <a:off x="6248725" y="5309650"/>
+            <a:ext cx="553080" cy="594050"/>
           </a:xfrm>
           <a:prstGeom prst="rect">
             <a:avLst/>
@@ -13844,141 +18342,6 @@
           </a:p>
         </p:txBody>
       </p:sp>
-      <p:pic>
-        <p:nvPicPr>
-          <p:cNvPr id="2" name="Picture 1"/>
-          <p:cNvPicPr>
-            <a:picLocks noChangeAspect="1"/>
-          </p:cNvPicPr>
-          <p:nvPr/>
-        </p:nvPicPr>
-        <p:blipFill>
-          <a:blip r:embed="rId4">
-            <a:extLst>
-              <a:ext uri="{28A0092B-C50C-407E-A947-70E740481C1C}">
-                <a14:useLocalDpi xmlns:a14="http://schemas.microsoft.com/office/drawing/2010/main" val="0"/>
-              </a:ext>
-            </a:extLst>
-          </a:blip>
-          <a:stretch>
-            <a:fillRect/>
-          </a:stretch>
-        </p:blipFill>
-        <p:spPr>
-          <a:xfrm>
-            <a:off x="7693326" y="2547724"/>
-            <a:ext cx="966230" cy="483115"/>
-          </a:xfrm>
-          <a:prstGeom prst="rect">
-            <a:avLst/>
-          </a:prstGeom>
-        </p:spPr>
-      </p:pic>
-      <p:pic>
-        <p:nvPicPr>
-          <p:cNvPr id="7" name="Picture 6"/>
-          <p:cNvPicPr>
-            <a:picLocks noChangeAspect="1"/>
-          </p:cNvPicPr>
-          <p:nvPr/>
-        </p:nvPicPr>
-        <p:blipFill>
-          <a:blip r:embed="rId5">
-            <a:extLst>
-              <a:ext uri="{28A0092B-C50C-407E-A947-70E740481C1C}">
-                <a14:useLocalDpi xmlns:a14="http://schemas.microsoft.com/office/drawing/2010/main" val="0"/>
-              </a:ext>
-            </a:extLst>
-          </a:blip>
-          <a:stretch>
-            <a:fillRect/>
-          </a:stretch>
-        </p:blipFill>
-        <p:spPr>
-          <a:xfrm>
-            <a:off x="433684" y="2597933"/>
-            <a:ext cx="5894390" cy="1311201"/>
-          </a:xfrm>
-          <a:prstGeom prst="rect">
-            <a:avLst/>
-          </a:prstGeom>
-          <a:ln>
-            <a:solidFill>
-              <a:schemeClr val="tx1"/>
-            </a:solidFill>
-          </a:ln>
-        </p:spPr>
-      </p:pic>
-      <p:pic>
-        <p:nvPicPr>
-          <p:cNvPr id="8" name="Picture 7"/>
-          <p:cNvPicPr>
-            <a:picLocks noChangeAspect="1"/>
-          </p:cNvPicPr>
-          <p:nvPr/>
-        </p:nvPicPr>
-        <p:blipFill>
-          <a:blip r:embed="rId6">
-            <a:extLst>
-              <a:ext uri="{28A0092B-C50C-407E-A947-70E740481C1C}">
-                <a14:useLocalDpi xmlns:a14="http://schemas.microsoft.com/office/drawing/2010/main" val="0"/>
-              </a:ext>
-            </a:extLst>
-          </a:blip>
-          <a:stretch>
-            <a:fillRect/>
-          </a:stretch>
-        </p:blipFill>
-        <p:spPr>
-          <a:xfrm>
-            <a:off x="433684" y="4224432"/>
-            <a:ext cx="3902038" cy="322073"/>
-          </a:xfrm>
-          <a:prstGeom prst="rect">
-            <a:avLst/>
-          </a:prstGeom>
-          <a:ln>
-            <a:solidFill>
-              <a:schemeClr val="tx1"/>
-            </a:solidFill>
-          </a:ln>
-        </p:spPr>
-      </p:pic>
-      <p:pic>
-        <p:nvPicPr>
-          <p:cNvPr id="9" name="Picture 8"/>
-          <p:cNvPicPr>
-            <a:picLocks noChangeAspect="1"/>
-          </p:cNvPicPr>
-          <p:nvPr/>
-        </p:nvPicPr>
-        <p:blipFill>
-          <a:blip r:embed="rId7">
-            <a:extLst>
-              <a:ext uri="{28A0092B-C50C-407E-A947-70E740481C1C}">
-                <a14:useLocalDpi xmlns:a14="http://schemas.microsoft.com/office/drawing/2010/main" val="0"/>
-              </a:ext>
-            </a:extLst>
-          </a:blip>
-          <a:stretch>
-            <a:fillRect/>
-          </a:stretch>
-        </p:blipFill>
-        <p:spPr>
-          <a:xfrm>
-            <a:off x="433684" y="4789521"/>
-            <a:ext cx="3333416" cy="343520"/>
-          </a:xfrm>
-          <a:prstGeom prst="rect">
-            <a:avLst/>
-          </a:prstGeom>
-          <a:ln>
-            <a:solidFill>
-              <a:schemeClr val="tx1"/>
-            </a:solidFill>
-          </a:ln>
-        </p:spPr>
-      </p:pic>
       <p:sp>
         <p:nvSpPr>
           <p:cNvPr id="19" name="TextBox 18"/>
@@ -14180,41 +18543,6 @@
           </a:fontRef>
         </p:style>
       </p:cxnSp>
-      <p:pic>
-        <p:nvPicPr>
-          <p:cNvPr id="36" name="Picture 35"/>
-          <p:cNvPicPr>
-            <a:picLocks noChangeAspect="1"/>
-          </p:cNvPicPr>
-          <p:nvPr/>
-        </p:nvPicPr>
-        <p:blipFill>
-          <a:blip r:embed="rId8">
-            <a:extLst>
-              <a:ext uri="{28A0092B-C50C-407E-A947-70E740481C1C}">
-                <a14:useLocalDpi xmlns:a14="http://schemas.microsoft.com/office/drawing/2010/main" val="0"/>
-              </a:ext>
-            </a:extLst>
-          </a:blip>
-          <a:stretch>
-            <a:fillRect/>
-          </a:stretch>
-        </p:blipFill>
-        <p:spPr>
-          <a:xfrm>
-            <a:off x="1660209" y="5598652"/>
-            <a:ext cx="4965261" cy="314257"/>
-          </a:xfrm>
-          <a:prstGeom prst="rect">
-            <a:avLst/>
-          </a:prstGeom>
-          <a:ln>
-            <a:solidFill>
-              <a:schemeClr val="tx1"/>
-            </a:solidFill>
-          </a:ln>
-        </p:spPr>
-      </p:pic>
       <p:sp>
         <p:nvSpPr>
           <p:cNvPr id="37" name="TextBox 36"/>
@@ -14249,6 +18577,176 @@
           </a:p>
         </p:txBody>
       </p:sp>
+      <p:pic>
+        <p:nvPicPr>
+          <p:cNvPr id="4" name="Picture 3"/>
+          <p:cNvPicPr>
+            <a:picLocks noChangeAspect="1"/>
+          </p:cNvPicPr>
+          <p:nvPr/>
+        </p:nvPicPr>
+        <p:blipFill>
+          <a:blip r:embed="rId4">
+            <a:extLst>
+              <a:ext uri="{28A0092B-C50C-407E-A947-70E740481C1C}">
+                <a14:useLocalDpi xmlns:a14="http://schemas.microsoft.com/office/drawing/2010/main" val="0"/>
+              </a:ext>
+            </a:extLst>
+          </a:blip>
+          <a:stretch>
+            <a:fillRect/>
+          </a:stretch>
+        </p:blipFill>
+        <p:spPr>
+          <a:xfrm>
+            <a:off x="451196" y="2653099"/>
+            <a:ext cx="5337900" cy="1180185"/>
+          </a:xfrm>
+          <a:prstGeom prst="rect">
+            <a:avLst/>
+          </a:prstGeom>
+          <a:ln>
+            <a:solidFill>
+              <a:schemeClr val="tx1"/>
+            </a:solidFill>
+          </a:ln>
+        </p:spPr>
+      </p:pic>
+      <p:pic>
+        <p:nvPicPr>
+          <p:cNvPr id="5" name="Picture 4"/>
+          <p:cNvPicPr>
+            <a:picLocks noChangeAspect="1"/>
+          </p:cNvPicPr>
+          <p:nvPr/>
+        </p:nvPicPr>
+        <p:blipFill>
+          <a:blip r:embed="rId5">
+            <a:extLst>
+              <a:ext uri="{28A0092B-C50C-407E-A947-70E740481C1C}">
+                <a14:useLocalDpi xmlns:a14="http://schemas.microsoft.com/office/drawing/2010/main" val="0"/>
+              </a:ext>
+            </a:extLst>
+          </a:blip>
+          <a:stretch>
+            <a:fillRect/>
+          </a:stretch>
+        </p:blipFill>
+        <p:spPr>
+          <a:xfrm>
+            <a:off x="451196" y="4177173"/>
+            <a:ext cx="3880055" cy="350373"/>
+          </a:xfrm>
+          <a:prstGeom prst="rect">
+            <a:avLst/>
+          </a:prstGeom>
+          <a:ln>
+            <a:solidFill>
+              <a:schemeClr val="tx1"/>
+            </a:solidFill>
+          </a:ln>
+        </p:spPr>
+      </p:pic>
+      <p:pic>
+        <p:nvPicPr>
+          <p:cNvPr id="6" name="Picture 5"/>
+          <p:cNvPicPr>
+            <a:picLocks noChangeAspect="1"/>
+          </p:cNvPicPr>
+          <p:nvPr/>
+        </p:nvPicPr>
+        <p:blipFill>
+          <a:blip r:embed="rId6">
+            <a:extLst>
+              <a:ext uri="{28A0092B-C50C-407E-A947-70E740481C1C}">
+                <a14:useLocalDpi xmlns:a14="http://schemas.microsoft.com/office/drawing/2010/main" val="0"/>
+              </a:ext>
+            </a:extLst>
+          </a:blip>
+          <a:stretch>
+            <a:fillRect/>
+          </a:stretch>
+        </p:blipFill>
+        <p:spPr>
+          <a:xfrm>
+            <a:off x="451196" y="4752630"/>
+            <a:ext cx="3351340" cy="344054"/>
+          </a:xfrm>
+          <a:prstGeom prst="rect">
+            <a:avLst/>
+          </a:prstGeom>
+          <a:ln>
+            <a:solidFill>
+              <a:schemeClr val="tx1"/>
+            </a:solidFill>
+          </a:ln>
+        </p:spPr>
+      </p:pic>
+      <p:pic>
+        <p:nvPicPr>
+          <p:cNvPr id="12" name="Picture 11"/>
+          <p:cNvPicPr>
+            <a:picLocks noChangeAspect="1"/>
+          </p:cNvPicPr>
+          <p:nvPr/>
+        </p:nvPicPr>
+        <p:blipFill>
+          <a:blip r:embed="rId7">
+            <a:extLst>
+              <a:ext uri="{28A0092B-C50C-407E-A947-70E740481C1C}">
+                <a14:useLocalDpi xmlns:a14="http://schemas.microsoft.com/office/drawing/2010/main" val="0"/>
+              </a:ext>
+            </a:extLst>
+          </a:blip>
+          <a:stretch>
+            <a:fillRect/>
+          </a:stretch>
+        </p:blipFill>
+        <p:spPr>
+          <a:xfrm>
+            <a:off x="1732610" y="5283094"/>
+            <a:ext cx="4193358" cy="318483"/>
+          </a:xfrm>
+          <a:prstGeom prst="rect">
+            <a:avLst/>
+          </a:prstGeom>
+          <a:ln>
+            <a:solidFill>
+              <a:schemeClr val="tx1"/>
+            </a:solidFill>
+          </a:ln>
+        </p:spPr>
+      </p:pic>
+      <p:pic>
+        <p:nvPicPr>
+          <p:cNvPr id="13" name="Picture 12"/>
+          <p:cNvPicPr>
+            <a:picLocks noChangeAspect="1"/>
+          </p:cNvPicPr>
+          <p:nvPr/>
+        </p:nvPicPr>
+        <p:blipFill>
+          <a:blip r:embed="rId8">
+            <a:extLst>
+              <a:ext uri="{28A0092B-C50C-407E-A947-70E740481C1C}">
+                <a14:useLocalDpi xmlns:a14="http://schemas.microsoft.com/office/drawing/2010/main" val="0"/>
+              </a:ext>
+            </a:extLst>
+          </a:blip>
+          <a:stretch>
+            <a:fillRect/>
+          </a:stretch>
+        </p:blipFill>
+        <p:spPr>
+          <a:xfrm>
+            <a:off x="6761461" y="2477424"/>
+            <a:ext cx="755468" cy="348678"/>
+          </a:xfrm>
+          <a:prstGeom prst="rect">
+            <a:avLst/>
+          </a:prstGeom>
+        </p:spPr>
+      </p:pic>
     </p:spTree>
     <p:extLst>
       <p:ext uri="{BB962C8B-B14F-4D97-AF65-F5344CB8AC3E}">
@@ -14350,7 +18848,7 @@
         </p:nvSpPr>
         <p:spPr bwMode="auto">
           <a:xfrm>
-            <a:off x="405542" y="684363"/>
+            <a:off x="380390" y="393481"/>
             <a:ext cx="7884368" cy="1163866"/>
           </a:xfrm>
           <a:prstGeom prst="rect">
@@ -14694,8 +19192,8 @@
         </p:nvSpPr>
         <p:spPr>
           <a:xfrm>
-            <a:off x="3707904" y="1988840"/>
-            <a:ext cx="5263075" cy="2554545"/>
+            <a:off x="3707904" y="1632269"/>
+            <a:ext cx="5263075" cy="3170099"/>
           </a:xfrm>
           <a:prstGeom prst="rect">
             <a:avLst/>
@@ -14853,11 +19351,68 @@
               <a:t>allennetun tiedoston avaaminen tapahtuu Open… -toiminnolla.</a:t>
             </a:r>
           </a:p>
+          <a:p>
+            <a:pPr marL="342900" indent="-342900">
+              <a:buFont typeface="Arial" panose="020B0604020202020204" pitchFamily="34" charset="0"/>
+              <a:buChar char="•"/>
+            </a:pPr>
+            <a:endParaRPr lang="fi-FI" sz="2000" dirty="0">
+              <a:solidFill>
+                <a:schemeClr val="tx1"/>
+              </a:solidFill>
+            </a:endParaRPr>
+          </a:p>
+          <a:p>
+            <a:pPr marL="342900" indent="-342900">
+              <a:buFont typeface="Arial" panose="020B0604020202020204" pitchFamily="34" charset="0"/>
+              <a:buChar char="•"/>
+            </a:pPr>
+            <a:r>
+              <a:rPr lang="fi-FI" sz="2000" dirty="0" smtClean="0">
+                <a:solidFill>
+                  <a:schemeClr val="tx1"/>
+                </a:solidFill>
+              </a:rPr>
+              <a:t>Voit sulkea </a:t>
+            </a:r>
+            <a:r>
+              <a:rPr lang="fi-FI" sz="2000" dirty="0" err="1" smtClean="0">
+                <a:solidFill>
+                  <a:schemeClr val="tx1"/>
+                </a:solidFill>
+              </a:rPr>
+              <a:t>DrRacketin</a:t>
+            </a:r>
+            <a:r>
+              <a:rPr lang="fi-FI" sz="2000" dirty="0" smtClean="0">
+                <a:solidFill>
+                  <a:schemeClr val="tx1"/>
+                </a:solidFill>
+              </a:rPr>
+              <a:t> valitsemalla </a:t>
+            </a:r>
+            <a:r>
+              <a:rPr lang="fi-FI" sz="2000" dirty="0" err="1" smtClean="0">
+                <a:solidFill>
+                  <a:schemeClr val="tx1"/>
+                </a:solidFill>
+              </a:rPr>
+              <a:t>Exit</a:t>
+            </a:r>
+            <a:r>
+              <a:rPr lang="fi-FI" sz="2000" dirty="0" smtClean="0">
+                <a:solidFill>
+                  <a:schemeClr val="tx1"/>
+                </a:solidFill>
+              </a:rPr>
+              <a:t>.</a:t>
+            </a:r>
+          </a:p>
         </p:txBody>
       </p:sp>
       <p:pic>
         <p:nvPicPr>
-          <p:cNvPr id="12" name="Picture 11"/>
+          <p:cNvPr id="2" name="Picture 1"/>
           <p:cNvPicPr>
             <a:picLocks noChangeAspect="1"/>
           </p:cNvPicPr>
@@ -14877,8 +19432,8 @@
         </p:blipFill>
         <p:spPr>
           <a:xfrm>
-            <a:off x="406088" y="1605803"/>
-            <a:ext cx="2844798" cy="3656402"/>
+            <a:off x="567500" y="1295424"/>
+            <a:ext cx="2634815" cy="3966781"/>
           </a:xfrm>
           <a:prstGeom prst="rect">
             <a:avLst/>
@@ -15273,7 +19828,7 @@
           <a:p>
             <a:pPr algn="l"/>
             <a:r>
-              <a:rPr lang="fi-FI" altLang="fi-FI" sz="4000" b="1" kern="0" dirty="0">
+              <a:rPr lang="fi-FI" altLang="fi-FI" sz="4000" b="1" kern="0" dirty="0" smtClean="0">
                 <a:solidFill>
                   <a:schemeClr val="accent6">
                     <a:lumMod val="75000"/>
@@ -15282,6 +19837,13 @@
               </a:rPr>
               <a:t>Esivalmistelut</a:t>
             </a:r>
+            <a:endParaRPr lang="fi-FI" altLang="fi-FI" sz="4000" b="1" kern="0" dirty="0">
+              <a:solidFill>
+                <a:schemeClr val="accent6">
+                  <a:lumMod val="75000"/>
+                </a:schemeClr>
+              </a:solidFill>
+            </a:endParaRPr>
           </a:p>
         </p:txBody>
       </p:sp>
@@ -15372,36 +19934,6 @@
           </a:p>
         </p:txBody>
       </p:sp>
-      <p:pic>
-        <p:nvPicPr>
-          <p:cNvPr id="2" name="Picture 1"/>
-          <p:cNvPicPr>
-            <a:picLocks noChangeAspect="1"/>
-          </p:cNvPicPr>
-          <p:nvPr/>
-        </p:nvPicPr>
-        <p:blipFill>
-          <a:blip r:embed="rId4">
-            <a:extLst>
-              <a:ext uri="{28A0092B-C50C-407E-A947-70E740481C1C}">
-                <a14:useLocalDpi xmlns:a14="http://schemas.microsoft.com/office/drawing/2010/main" val="0"/>
-              </a:ext>
-            </a:extLst>
-          </a:blip>
-          <a:stretch>
-            <a:fillRect/>
-          </a:stretch>
-        </p:blipFill>
-        <p:spPr>
-          <a:xfrm>
-            <a:off x="4788024" y="1570194"/>
-            <a:ext cx="3839111" cy="3562847"/>
-          </a:xfrm>
-          <a:prstGeom prst="rect">
-            <a:avLst/>
-          </a:prstGeom>
-        </p:spPr>
-      </p:pic>
       <p:sp>
         <p:nvSpPr>
           <p:cNvPr id="6" name="TextBox 5"/>
@@ -15492,7 +20024,37 @@
       </p:sp>
       <p:pic>
         <p:nvPicPr>
-          <p:cNvPr id="7" name="Picture 6"/>
+          <p:cNvPr id="4" name="Picture 3"/>
+          <p:cNvPicPr>
+            <a:picLocks noChangeAspect="1"/>
+          </p:cNvPicPr>
+          <p:nvPr/>
+        </p:nvPicPr>
+        <p:blipFill>
+          <a:blip r:embed="rId4">
+            <a:extLst>
+              <a:ext uri="{28A0092B-C50C-407E-A947-70E740481C1C}">
+                <a14:useLocalDpi xmlns:a14="http://schemas.microsoft.com/office/drawing/2010/main" val="0"/>
+              </a:ext>
+            </a:extLst>
+          </a:blip>
+          <a:stretch>
+            <a:fillRect/>
+          </a:stretch>
+        </p:blipFill>
+        <p:spPr>
+          <a:xfrm>
+            <a:off x="1317260" y="3431485"/>
+            <a:ext cx="1166507" cy="1377126"/>
+          </a:xfrm>
+          <a:prstGeom prst="rect">
+            <a:avLst/>
+          </a:prstGeom>
+        </p:spPr>
+      </p:pic>
+      <p:pic>
+        <p:nvPicPr>
+          <p:cNvPr id="8" name="Picture 7"/>
           <p:cNvPicPr>
             <a:picLocks noChangeAspect="1"/>
           </p:cNvPicPr>
@@ -15512,8 +20074,8 @@
         </p:blipFill>
         <p:spPr>
           <a:xfrm>
-            <a:off x="2094194" y="3786751"/>
-            <a:ext cx="955947" cy="1177616"/>
+            <a:off x="4932040" y="1052813"/>
+            <a:ext cx="3522467" cy="3894476"/>
           </a:xfrm>
           <a:prstGeom prst="rect">
             <a:avLst/>
@@ -16005,30 +20567,6 @@
           </a:p>
         </p:txBody>
       </p:sp>
-      <p:pic>
-        <p:nvPicPr>
-          <p:cNvPr id="4" name="Picture 3"/>
-          <p:cNvPicPr>
-            <a:picLocks noChangeAspect="1"/>
-          </p:cNvPicPr>
-          <p:nvPr/>
-        </p:nvPicPr>
-        <p:blipFill>
-          <a:blip r:embed="rId4"/>
-          <a:stretch>
-            <a:fillRect/>
-          </a:stretch>
-        </p:blipFill>
-        <p:spPr>
-          <a:xfrm>
-            <a:off x="581193" y="1477252"/>
-            <a:ext cx="6087273" cy="2938684"/>
-          </a:xfrm>
-          <a:prstGeom prst="rect">
-            <a:avLst/>
-          </a:prstGeom>
-        </p:spPr>
-      </p:pic>
       <p:sp>
         <p:nvSpPr>
           <p:cNvPr id="7" name="TextBox 6"/>
@@ -16037,7 +20575,7 @@
         </p:nvSpPr>
         <p:spPr>
           <a:xfrm>
-            <a:off x="405542" y="4415936"/>
+            <a:off x="405542" y="4432065"/>
             <a:ext cx="8263544" cy="1015663"/>
           </a:xfrm>
           <a:prstGeom prst="rect">
@@ -16216,6 +20754,36 @@
           </a:fontRef>
         </p:style>
       </p:cxnSp>
+      <p:pic>
+        <p:nvPicPr>
+          <p:cNvPr id="6" name="Picture 5"/>
+          <p:cNvPicPr>
+            <a:picLocks noChangeAspect="1"/>
+          </p:cNvPicPr>
+          <p:nvPr/>
+        </p:nvPicPr>
+        <p:blipFill>
+          <a:blip r:embed="rId4">
+            <a:extLst>
+              <a:ext uri="{28A0092B-C50C-407E-A947-70E740481C1C}">
+                <a14:useLocalDpi xmlns:a14="http://schemas.microsoft.com/office/drawing/2010/main" val="0"/>
+              </a:ext>
+            </a:extLst>
+          </a:blip>
+          <a:stretch>
+            <a:fillRect/>
+          </a:stretch>
+        </p:blipFill>
+        <p:spPr>
+          <a:xfrm>
+            <a:off x="988598" y="1542013"/>
+            <a:ext cx="4996284" cy="2903950"/>
+          </a:xfrm>
+          <a:prstGeom prst="rect">
+            <a:avLst/>
+          </a:prstGeom>
+        </p:spPr>
+      </p:pic>
     </p:spTree>
     <p:extLst>
       <p:ext uri="{BB962C8B-B14F-4D97-AF65-F5344CB8AC3E}">
@@ -16255,6 +20823,36 @@
       </p:grpSpPr>
       <p:pic>
         <p:nvPicPr>
+          <p:cNvPr id="5" name="Picture 4"/>
+          <p:cNvPicPr>
+            <a:picLocks noChangeAspect="1"/>
+          </p:cNvPicPr>
+          <p:nvPr/>
+        </p:nvPicPr>
+        <p:blipFill>
+          <a:blip r:embed="rId2">
+            <a:extLst>
+              <a:ext uri="{28A0092B-C50C-407E-A947-70E740481C1C}">
+                <a14:useLocalDpi xmlns:a14="http://schemas.microsoft.com/office/drawing/2010/main" val="0"/>
+              </a:ext>
+            </a:extLst>
+          </a:blip>
+          <a:stretch>
+            <a:fillRect/>
+          </a:stretch>
+        </p:blipFill>
+        <p:spPr>
+          <a:xfrm>
+            <a:off x="543978" y="1583780"/>
+            <a:ext cx="4676093" cy="3479542"/>
+          </a:xfrm>
+          <a:prstGeom prst="rect">
+            <a:avLst/>
+          </a:prstGeom>
+        </p:spPr>
+      </p:pic>
+      <p:pic>
+        <p:nvPicPr>
           <p:cNvPr id="3" name="Picture 8" descr="https://avatars0.githubusercontent.com/u/232371?v=3&amp;s=400"/>
           <p:cNvPicPr>
             <a:picLocks noChangeAspect="1" noChangeArrowheads="1"/>
@@ -16262,7 +20860,7 @@
           <p:nvPr/>
         </p:nvPicPr>
         <p:blipFill>
-          <a:blip r:embed="rId2" cstate="print">
+          <a:blip r:embed="rId3" cstate="print">
             <a:extLst>
               <a:ext uri="{28A0092B-C50C-407E-A947-70E740481C1C}">
                 <a14:useLocalDpi xmlns:a14="http://schemas.microsoft.com/office/drawing/2010/main" val="0"/>
@@ -16621,7 +21219,7 @@
           <p:nvPr/>
         </p:nvPicPr>
         <p:blipFill>
-          <a:blip r:embed="rId3" cstate="print">
+          <a:blip r:embed="rId4" cstate="print">
             <a:extLst>
               <a:ext uri="{28A0092B-C50C-407E-A947-70E740481C1C}">
                 <a14:useLocalDpi xmlns:a14="http://schemas.microsoft.com/office/drawing/2010/main" val="0"/>
@@ -16884,36 +21482,6 @@
           </a:p>
         </p:txBody>
       </p:sp>
-      <p:pic>
-        <p:nvPicPr>
-          <p:cNvPr id="4" name="Picture 3"/>
-          <p:cNvPicPr>
-            <a:picLocks noChangeAspect="1"/>
-          </p:cNvPicPr>
-          <p:nvPr/>
-        </p:nvPicPr>
-        <p:blipFill>
-          <a:blip r:embed="rId4">
-            <a:extLst>
-              <a:ext uri="{28A0092B-C50C-407E-A947-70E740481C1C}">
-                <a14:useLocalDpi xmlns:a14="http://schemas.microsoft.com/office/drawing/2010/main" val="0"/>
-              </a:ext>
-            </a:extLst>
-          </a:blip>
-          <a:stretch>
-            <a:fillRect/>
-          </a:stretch>
-        </p:blipFill>
-        <p:spPr>
-          <a:xfrm>
-            <a:off x="581192" y="1397964"/>
-            <a:ext cx="4293281" cy="3883177"/>
-          </a:xfrm>
-          <a:prstGeom prst="rect">
-            <a:avLst/>
-          </a:prstGeom>
-        </p:spPr>
-      </p:pic>
       <p:sp>
         <p:nvSpPr>
           <p:cNvPr id="11" name="TextBox 10"/>
@@ -17537,36 +22105,6 @@
           </a:p>
         </p:txBody>
       </p:sp>
-      <p:pic>
-        <p:nvPicPr>
-          <p:cNvPr id="6" name="Picture 5"/>
-          <p:cNvPicPr>
-            <a:picLocks noChangeAspect="1"/>
-          </p:cNvPicPr>
-          <p:nvPr/>
-        </p:nvPicPr>
-        <p:blipFill>
-          <a:blip r:embed="rId4">
-            <a:extLst>
-              <a:ext uri="{28A0092B-C50C-407E-A947-70E740481C1C}">
-                <a14:useLocalDpi xmlns:a14="http://schemas.microsoft.com/office/drawing/2010/main" val="0"/>
-              </a:ext>
-            </a:extLst>
-          </a:blip>
-          <a:stretch>
-            <a:fillRect/>
-          </a:stretch>
-        </p:blipFill>
-        <p:spPr>
-          <a:xfrm>
-            <a:off x="405542" y="1352660"/>
-            <a:ext cx="4543485" cy="3372484"/>
-          </a:xfrm>
-          <a:prstGeom prst="rect">
-            <a:avLst/>
-          </a:prstGeom>
-        </p:spPr>
-      </p:pic>
       <p:sp>
         <p:nvSpPr>
           <p:cNvPr id="8" name="TextBox 7"/>
@@ -17852,7 +22390,7 @@
             </a:r>
             <a:r>
               <a:rPr lang="fi-FI" dirty="0">
-                <a:hlinkClick r:id="rId5"/>
+                <a:hlinkClick r:id="rId4"/>
               </a:rPr>
               <a:t>http://racket-lang.org/download/</a:t>
             </a:r>
@@ -17875,6 +22413,36 @@
           </a:p>
         </p:txBody>
       </p:sp>
+      <p:pic>
+        <p:nvPicPr>
+          <p:cNvPr id="4" name="Picture 3"/>
+          <p:cNvPicPr>
+            <a:picLocks noChangeAspect="1"/>
+          </p:cNvPicPr>
+          <p:nvPr/>
+        </p:nvPicPr>
+        <p:blipFill>
+          <a:blip r:embed="rId5">
+            <a:extLst>
+              <a:ext uri="{28A0092B-C50C-407E-A947-70E740481C1C}">
+                <a14:useLocalDpi xmlns:a14="http://schemas.microsoft.com/office/drawing/2010/main" val="0"/>
+              </a:ext>
+            </a:extLst>
+          </a:blip>
+          <a:stretch>
+            <a:fillRect/>
+          </a:stretch>
+        </p:blipFill>
+        <p:spPr>
+          <a:xfrm>
+            <a:off x="543062" y="1352660"/>
+            <a:ext cx="4487171" cy="3909545"/>
+          </a:xfrm>
+          <a:prstGeom prst="rect">
+            <a:avLst/>
+          </a:prstGeom>
+        </p:spPr>
+      </p:pic>
     </p:spTree>
     <p:extLst>
       <p:ext uri="{BB962C8B-B14F-4D97-AF65-F5344CB8AC3E}">
@@ -18432,7 +23000,7 @@
                   <a:schemeClr val="tx1"/>
                 </a:solidFill>
               </a:rPr>
-              <a:t>&gt;. Interaktioikkunan tunnistat kehotteesta &gt; ja se sijaitsee alhaalla tai oikealla riippuen asetuksista. Mikäli unohdit laittaa tekstin lainausmerkkien sisään, voi </a:t>
+              <a:t>&gt;. Interaktioikkunan tunnistat kehotteesta &gt; ja se sijaitsee alhaalla tai oikealla riippuen asetuksista. Mikäli unohdit laittaa tekstin lainausmerkkien sisään, antaa </a:t>
             </a:r>
             <a:r>
               <a:rPr lang="fi-FI" dirty="0" err="1" smtClean="0">
@@ -18443,12 +23011,20 @@
               <a:t>DrRacket</a:t>
             </a:r>
             <a:r>
+              <a:rPr lang="fi-FI" dirty="0">
+                <a:solidFill>
+                  <a:schemeClr val="tx1"/>
+                </a:solidFill>
+              </a:rPr>
+              <a:t> </a:t>
+            </a:r>
+            <a:r>
               <a:rPr lang="fi-FI" dirty="0" smtClean="0">
                 <a:solidFill>
                   <a:schemeClr val="tx1"/>
                 </a:solidFill>
               </a:rPr>
-              <a:t> antaa virheilmoituksen. Älä välitä virheilmoituksista tässä vaiheessa. Kokeile myös muita tekstejä ja numerosarjoja</a:t>
+              <a:t>virheilmoituksen. Älä välitä virheilmoituksista tässä vaiheessa. Kokeile myös muita tekstejä ja numerosarjoja</a:t>
             </a:r>
             <a:endParaRPr lang="fi-FI" dirty="0">
               <a:solidFill>
@@ -18480,12 +23056,17 @@
         </p:blipFill>
         <p:spPr>
           <a:xfrm>
-            <a:off x="2055102" y="4196513"/>
+            <a:off x="1996102" y="4070108"/>
             <a:ext cx="5130544" cy="1873056"/>
           </a:xfrm>
           <a:prstGeom prst="rect">
             <a:avLst/>
           </a:prstGeom>
+          <a:ln>
+            <a:solidFill>
+              <a:schemeClr val="tx1"/>
+            </a:solidFill>
+          </a:ln>
         </p:spPr>
       </p:pic>
     </p:spTree>
@@ -18934,7 +23515,7 @@
         <p:spPr>
           <a:xfrm>
             <a:off x="581192" y="1484784"/>
-            <a:ext cx="8078364" cy="2246769"/>
+            <a:ext cx="8078364" cy="1938992"/>
           </a:xfrm>
           <a:prstGeom prst="rect">
             <a:avLst/>
@@ -18948,15 +23529,15 @@
           <a:lstStyle/>
           <a:p>
             <a:r>
-              <a:rPr lang="fi-FI" sz="2800" dirty="0" smtClean="0">
+              <a:rPr lang="fi-FI" sz="2400" dirty="0" smtClean="0">
                 <a:solidFill>
                   <a:schemeClr val="tx1"/>
                 </a:solidFill>
               </a:rPr>
-              <a:t>Kirjoita </a:t>
-            </a:r>
-            <a:r>
-              <a:rPr lang="fi-FI" sz="2800" dirty="0" err="1" smtClean="0">
+              <a:t>Lasketaan seuraavaksi mitä on 1+2. Kirjoita </a:t>
+            </a:r>
+            <a:r>
+              <a:rPr lang="fi-FI" sz="2400" dirty="0" err="1" smtClean="0">
                 <a:solidFill>
                   <a:schemeClr val="tx1"/>
                 </a:solidFill>
@@ -18964,7 +23545,7 @@
               <a:t>DrRacketin</a:t>
             </a:r>
             <a:r>
-              <a:rPr lang="fi-FI" sz="2800" dirty="0" smtClean="0">
+              <a:rPr lang="fi-FI" sz="2400" dirty="0" smtClean="0">
                 <a:solidFill>
                   <a:schemeClr val="tx1"/>
                 </a:solidFill>
@@ -18974,14 +23555,14 @@
           </a:p>
           <a:p>
             <a:r>
-              <a:rPr lang="fi-FI" sz="2800" dirty="0" smtClean="0">
+              <a:rPr lang="fi-FI" sz="2400" dirty="0" smtClean="0">
                 <a:solidFill>
                   <a:schemeClr val="tx1"/>
                 </a:solidFill>
               </a:rPr>
               <a:t>(+ 1 2)</a:t>
             </a:r>
-            <a:endParaRPr lang="fi-FI" sz="2800" dirty="0">
+            <a:endParaRPr lang="fi-FI" sz="2400" dirty="0">
               <a:solidFill>
                 <a:schemeClr val="tx1"/>
               </a:solidFill>
@@ -18989,7 +23570,7 @@
           </a:p>
           <a:p>
             <a:r>
-              <a:rPr lang="fi-FI" sz="2800" dirty="0" smtClean="0">
+              <a:rPr lang="fi-FI" sz="2400" dirty="0" smtClean="0">
                 <a:solidFill>
                   <a:schemeClr val="tx1"/>
                 </a:solidFill>
@@ -18997,7 +23578,7 @@
               <a:t>ja paina &lt;</a:t>
             </a:r>
             <a:r>
-              <a:rPr lang="fi-FI" sz="2800" dirty="0" err="1" smtClean="0">
+              <a:rPr lang="fi-FI" sz="2400" dirty="0" err="1" smtClean="0">
                 <a:solidFill>
                   <a:schemeClr val="tx1"/>
                 </a:solidFill>
@@ -19005,14 +23586,14 @@
               <a:t>enter</a:t>
             </a:r>
             <a:r>
-              <a:rPr lang="fi-FI" sz="2800" dirty="0" smtClean="0">
+              <a:rPr lang="fi-FI" sz="2400" dirty="0" smtClean="0">
                 <a:solidFill>
                   <a:schemeClr val="tx1"/>
                 </a:solidFill>
               </a:rPr>
               <a:t>&gt;. Interaktioikkunan tunnistat kehotteesta &gt; ja se sijaitsee alhaalla tai oikealla riippuen asetuksista.</a:t>
             </a:r>
-            <a:endParaRPr lang="fi-FI" sz="2800" dirty="0">
+            <a:endParaRPr lang="fi-FI" sz="2400" dirty="0">
               <a:solidFill>
                 <a:schemeClr val="tx1"/>
               </a:solidFill>
@@ -19022,7 +23603,7 @@
       </p:sp>
       <p:pic>
         <p:nvPicPr>
-          <p:cNvPr id="4" name="Picture 3"/>
+          <p:cNvPr id="5" name="Picture 4"/>
           <p:cNvPicPr>
             <a:picLocks noChangeAspect="1"/>
           </p:cNvPicPr>
@@ -19042,27 +23623,18 @@
         </p:blipFill>
         <p:spPr>
           <a:xfrm>
-            <a:off x="1258098" y="3797275"/>
-            <a:ext cx="6724552" cy="1399208"/>
+            <a:off x="1148763" y="3721015"/>
+            <a:ext cx="6487130" cy="1412026"/>
           </a:xfrm>
           <a:prstGeom prst="rect">
             <a:avLst/>
           </a:prstGeom>
+          <a:ln>
+            <a:solidFill>
+              <a:schemeClr val="dk1"/>
+            </a:solidFill>
+          </a:ln>
         </p:spPr>
-        <p:style>
-          <a:lnRef idx="2">
-            <a:schemeClr val="dk1"/>
-          </a:lnRef>
-          <a:fillRef idx="1">
-            <a:schemeClr val="lt1"/>
-          </a:fillRef>
-          <a:effectRef idx="0">
-            <a:schemeClr val="dk1"/>
-          </a:effectRef>
-          <a:fontRef idx="minor">
-            <a:schemeClr val="dk1"/>
-          </a:fontRef>
-        </p:style>
       </p:pic>
     </p:spTree>
     <p:extLst>
@@ -19501,50 +24073,6 @@
           </a:extLst>
         </p:spPr>
       </p:pic>
-      <p:pic>
-        <p:nvPicPr>
-          <p:cNvPr id="5" name="Picture 4"/>
-          <p:cNvPicPr>
-            <a:picLocks noChangeAspect="1"/>
-          </p:cNvPicPr>
-          <p:nvPr/>
-        </p:nvPicPr>
-        <p:blipFill>
-          <a:blip r:embed="rId4">
-            <a:extLst>
-              <a:ext uri="{28A0092B-C50C-407E-A947-70E740481C1C}">
-                <a14:useLocalDpi xmlns:a14="http://schemas.microsoft.com/office/drawing/2010/main" val="0"/>
-              </a:ext>
-            </a:extLst>
-          </a:blip>
-          <a:stretch>
-            <a:fillRect/>
-          </a:stretch>
-        </p:blipFill>
-        <p:spPr>
-          <a:xfrm>
-            <a:off x="8661257" y="4867574"/>
-            <a:ext cx="1975875" cy="1914765"/>
-          </a:xfrm>
-          <a:prstGeom prst="rect">
-            <a:avLst/>
-          </a:prstGeom>
-        </p:spPr>
-        <p:style>
-          <a:lnRef idx="2">
-            <a:schemeClr val="dk1"/>
-          </a:lnRef>
-          <a:fillRef idx="1">
-            <a:schemeClr val="lt1"/>
-          </a:fillRef>
-          <a:effectRef idx="0">
-            <a:schemeClr val="dk1"/>
-          </a:effectRef>
-          <a:fontRef idx="minor">
-            <a:schemeClr val="dk1"/>
-          </a:fontRef>
-        </p:style>
-      </p:pic>
       <p:sp>
         <p:nvSpPr>
           <p:cNvPr id="6" name="TextBox 5"/>
@@ -19579,7 +24107,7 @@
         </p:nvSpPr>
         <p:spPr>
           <a:xfrm>
-            <a:off x="3016484" y="2682093"/>
+            <a:off x="3272459" y="2527181"/>
             <a:ext cx="2088232" cy="1200329"/>
           </a:xfrm>
           <a:prstGeom prst="rect">
@@ -19627,7 +24155,7 @@
         </p:nvSpPr>
         <p:spPr>
           <a:xfrm>
-            <a:off x="2843808" y="1301084"/>
+            <a:off x="2843808" y="1505169"/>
             <a:ext cx="3096344" cy="646331"/>
           </a:xfrm>
           <a:prstGeom prst="rect">
@@ -19673,8 +24201,8 @@
         </p:nvCxnSpPr>
         <p:spPr>
           <a:xfrm flipH="1">
-            <a:off x="3698247" y="1947415"/>
-            <a:ext cx="684076" cy="819180"/>
+            <a:off x="3977698" y="2131080"/>
+            <a:ext cx="412737" cy="490427"/>
           </a:xfrm>
           <a:prstGeom prst="straightConnector1">
             <a:avLst/>
@@ -19706,8 +24234,8 @@
         </p:nvCxnSpPr>
         <p:spPr>
           <a:xfrm>
-            <a:off x="4506373" y="1947415"/>
-            <a:ext cx="209643" cy="833024"/>
+            <a:off x="4770741" y="2064362"/>
+            <a:ext cx="161299" cy="492280"/>
           </a:xfrm>
           <a:prstGeom prst="straightConnector1">
             <a:avLst/>
@@ -19739,7 +24267,7 @@
         </p:nvSpPr>
         <p:spPr>
           <a:xfrm>
-            <a:off x="1108700" y="4388220"/>
+            <a:off x="2009234" y="4567773"/>
             <a:ext cx="3936929" cy="923330"/>
           </a:xfrm>
           <a:prstGeom prst="rect">
@@ -19768,15 +24296,13 @@
       <p:cxnSp>
         <p:nvCxnSpPr>
           <p:cNvPr id="21" name="Straight Arrow Connector 20"/>
-          <p:cNvCxnSpPr>
-            <a:stCxn id="20" idx="0"/>
-          </p:cNvCxnSpPr>
+          <p:cNvCxnSpPr/>
           <p:nvPr/>
         </p:nvCxnSpPr>
         <p:spPr>
           <a:xfrm flipV="1">
-            <a:off x="3077165" y="3140968"/>
-            <a:ext cx="702747" cy="1247252"/>
+            <a:off x="4014780" y="3062150"/>
+            <a:ext cx="13641" cy="1505623"/>
           </a:xfrm>
           <a:prstGeom prst="straightConnector1">
             <a:avLst/>
@@ -19808,7 +24334,7 @@
         </p:nvSpPr>
         <p:spPr>
           <a:xfrm>
-            <a:off x="4391980" y="3634210"/>
+            <a:off x="4357294" y="3569336"/>
             <a:ext cx="4644516" cy="646331"/>
           </a:xfrm>
           <a:prstGeom prst="rect">
@@ -19842,7 +24368,7 @@
         </p:nvCxnSpPr>
         <p:spPr>
           <a:xfrm flipH="1" flipV="1">
-            <a:off x="4211960" y="3140968"/>
+            <a:off x="4456104" y="3140968"/>
             <a:ext cx="294413" cy="493242"/>
           </a:xfrm>
           <a:prstGeom prst="straightConnector1">
@@ -19875,7 +24401,7 @@
         </p:nvCxnSpPr>
         <p:spPr>
           <a:xfrm flipV="1">
-            <a:off x="4611193" y="3140968"/>
+            <a:off x="4770741" y="3099329"/>
             <a:ext cx="0" cy="493242"/>
           </a:xfrm>
           <a:prstGeom prst="straightConnector1">
@@ -19908,7 +24434,7 @@
         </p:nvSpPr>
         <p:spPr>
           <a:xfrm>
-            <a:off x="-19180" y="3720252"/>
+            <a:off x="176115" y="3823261"/>
             <a:ext cx="3096344" cy="646331"/>
           </a:xfrm>
           <a:prstGeom prst="rect">
@@ -19942,8 +24468,8 @@
         </p:nvCxnSpPr>
         <p:spPr>
           <a:xfrm flipV="1">
-            <a:off x="1660209" y="3464890"/>
-            <a:ext cx="1416955" cy="255362"/>
+            <a:off x="1724911" y="3387589"/>
+            <a:ext cx="1527324" cy="427372"/>
           </a:xfrm>
           <a:prstGeom prst="straightConnector1">
             <a:avLst/>
@@ -20404,50 +24930,6 @@
           </a:extLst>
         </p:spPr>
       </p:pic>
-      <p:pic>
-        <p:nvPicPr>
-          <p:cNvPr id="5" name="Picture 4"/>
-          <p:cNvPicPr>
-            <a:picLocks noChangeAspect="1"/>
-          </p:cNvPicPr>
-          <p:nvPr/>
-        </p:nvPicPr>
-        <p:blipFill>
-          <a:blip r:embed="rId4">
-            <a:extLst>
-              <a:ext uri="{28A0092B-C50C-407E-A947-70E740481C1C}">
-                <a14:useLocalDpi xmlns:a14="http://schemas.microsoft.com/office/drawing/2010/main" val="0"/>
-              </a:ext>
-            </a:extLst>
-          </a:blip>
-          <a:stretch>
-            <a:fillRect/>
-          </a:stretch>
-        </p:blipFill>
-        <p:spPr>
-          <a:xfrm>
-            <a:off x="3656070" y="2705472"/>
-            <a:ext cx="1975875" cy="1914765"/>
-          </a:xfrm>
-          <a:prstGeom prst="rect">
-            <a:avLst/>
-          </a:prstGeom>
-        </p:spPr>
-        <p:style>
-          <a:lnRef idx="2">
-            <a:schemeClr val="dk1"/>
-          </a:lnRef>
-          <a:fillRef idx="1">
-            <a:schemeClr val="lt1"/>
-          </a:fillRef>
-          <a:effectRef idx="0">
-            <a:schemeClr val="dk1"/>
-          </a:effectRef>
-          <a:fontRef idx="minor">
-            <a:schemeClr val="dk1"/>
-          </a:fontRef>
-        </p:style>
-      </p:pic>
       <p:sp>
         <p:nvSpPr>
           <p:cNvPr id="6" name="TextBox 5"/>
@@ -20505,6 +24987,118 @@
               <a:t>Kokeillaan lisää erilaisia laskutoimituksia!</a:t>
             </a:r>
             <a:endParaRPr lang="fi-FI" sz="2800" dirty="0">
+              <a:solidFill>
+                <a:schemeClr val="tx1"/>
+              </a:solidFill>
+            </a:endParaRPr>
+          </a:p>
+        </p:txBody>
+      </p:sp>
+      <p:pic>
+        <p:nvPicPr>
+          <p:cNvPr id="4" name="Picture 3"/>
+          <p:cNvPicPr>
+            <a:picLocks noChangeAspect="1"/>
+          </p:cNvPicPr>
+          <p:nvPr/>
+        </p:nvPicPr>
+        <p:blipFill>
+          <a:blip r:embed="rId4">
+            <a:extLst>
+              <a:ext uri="{28A0092B-C50C-407E-A947-70E740481C1C}">
+                <a14:useLocalDpi xmlns:a14="http://schemas.microsoft.com/office/drawing/2010/main" val="0"/>
+              </a:ext>
+            </a:extLst>
+          </a:blip>
+          <a:stretch>
+            <a:fillRect/>
+          </a:stretch>
+        </p:blipFill>
+        <p:spPr>
+          <a:xfrm>
+            <a:off x="899592" y="2509458"/>
+            <a:ext cx="5429006" cy="2287694"/>
+          </a:xfrm>
+          <a:prstGeom prst="rect">
+            <a:avLst/>
+          </a:prstGeom>
+          <a:ln>
+            <a:solidFill>
+              <a:schemeClr val="dk1"/>
+            </a:solidFill>
+          </a:ln>
+        </p:spPr>
+      </p:pic>
+      <p:sp>
+        <p:nvSpPr>
+          <p:cNvPr id="7" name="TextBox 6"/>
+          <p:cNvSpPr txBox="1"/>
+          <p:nvPr/>
+        </p:nvSpPr>
+        <p:spPr>
+          <a:xfrm>
+            <a:off x="6481465" y="3154258"/>
+            <a:ext cx="2143340" cy="1477328"/>
+          </a:xfrm>
+          <a:prstGeom prst="rect">
+            <a:avLst/>
+          </a:prstGeom>
+          <a:noFill/>
+          <a:ln>
+            <a:solidFill>
+              <a:schemeClr val="dk1"/>
+            </a:solidFill>
+          </a:ln>
+        </p:spPr>
+        <p:txBody>
+          <a:bodyPr wrap="square" rtlCol="0">
+            <a:spAutoFit/>
+          </a:bodyPr>
+          <a:lstStyle/>
+          <a:p>
+            <a:r>
+              <a:rPr lang="fi-FI" dirty="0" smtClean="0">
+                <a:solidFill>
+                  <a:schemeClr val="tx1"/>
+                </a:solidFill>
+              </a:rPr>
+              <a:t>9 - 4 = ?</a:t>
+            </a:r>
+          </a:p>
+          <a:p>
+            <a:endParaRPr lang="fi-FI" dirty="0">
+              <a:solidFill>
+                <a:schemeClr val="tx1"/>
+              </a:solidFill>
+            </a:endParaRPr>
+          </a:p>
+          <a:p>
+            <a:r>
+              <a:rPr lang="fi-FI" dirty="0" smtClean="0">
+                <a:solidFill>
+                  <a:schemeClr val="tx1"/>
+                </a:solidFill>
+              </a:rPr>
+              <a:t>3 * 7 = ?</a:t>
+            </a:r>
+          </a:p>
+          <a:p>
+            <a:endParaRPr lang="fi-FI" dirty="0">
+              <a:solidFill>
+                <a:schemeClr val="tx1"/>
+              </a:solidFill>
+            </a:endParaRPr>
+          </a:p>
+          <a:p>
+            <a:r>
+              <a:rPr lang="fi-FI" dirty="0" smtClean="0">
+                <a:solidFill>
+                  <a:schemeClr val="tx1"/>
+                </a:solidFill>
+              </a:rPr>
+              <a:t>40 / 10 = ?</a:t>
+            </a:r>
+            <a:endParaRPr lang="fi-FI" dirty="0">
               <a:solidFill>
                 <a:schemeClr val="tx1"/>
               </a:solidFill>

--- a/tehtavat/tiedostot/maol/power_point/Racket-MAOL-5-6-tutustuminen-ohjelmointiymparistoon.pptx
+++ b/tehtavat/tiedostot/maol/power_point/Racket-MAOL-5-6-tutustuminen-ohjelmointiymparistoon.pptx
@@ -26,11 +26,11 @@
     <p:sldId id="387" r:id="rId14"/>
     <p:sldId id="397" r:id="rId15"/>
     <p:sldId id="389" r:id="rId16"/>
-    <p:sldId id="390" r:id="rId17"/>
-    <p:sldId id="398" r:id="rId18"/>
-    <p:sldId id="393" r:id="rId19"/>
-    <p:sldId id="394" r:id="rId20"/>
-    <p:sldId id="396" r:id="rId21"/>
+    <p:sldId id="398" r:id="rId17"/>
+    <p:sldId id="393" r:id="rId18"/>
+    <p:sldId id="394" r:id="rId19"/>
+    <p:sldId id="396" r:id="rId20"/>
+    <p:sldId id="390" r:id="rId21"/>
   </p:sldIdLst>
   <p:sldSz cx="9144000" cy="6858000" type="screen4x3"/>
   <p:notesSz cx="7102475" cy="10234613"/>
@@ -277,7 +277,7 @@
           <a:p>
             <a:fld id="{100248D0-42F4-4815-BD72-C2A0A7A2198E}" type="datetimeFigureOut">
               <a:rPr lang="fi-FI" smtClean="0"/>
-              <a:t>31.3.2017</a:t>
+              <a:t>21.8.2017</a:t>
             </a:fld>
             <a:endParaRPr lang="fi-FI"/>
           </a:p>
@@ -8987,7 +8987,29 @@
                   </a:schemeClr>
                 </a:solidFill>
               </a:rPr>
-              <a:t>Tehtäväsarja I. Peruslaskuja</a:t>
+              <a:t>Tehtäväsarja </a:t>
+            </a:r>
+            <a:r>
+              <a:rPr lang="fi-FI" altLang="fi-FI" sz="4000" b="1" kern="0" dirty="0" smtClean="0">
+                <a:solidFill>
+                  <a:schemeClr val="accent6">
+                    <a:lumMod val="75000"/>
+                  </a:schemeClr>
+                </a:solidFill>
+                <a:latin typeface="Arial" panose="020B0604020202020204" pitchFamily="34" charset="0"/>
+                <a:cs typeface="Arial" panose="020B0604020202020204" pitchFamily="34" charset="0"/>
+              </a:rPr>
+              <a:t>1</a:t>
+            </a:r>
+            <a:r>
+              <a:rPr lang="fi-FI" altLang="fi-FI" sz="4000" b="1" kern="0" dirty="0" smtClean="0">
+                <a:solidFill>
+                  <a:schemeClr val="accent6">
+                    <a:lumMod val="75000"/>
+                  </a:schemeClr>
+                </a:solidFill>
+              </a:rPr>
+              <a:t>: Peruslaskuja</a:t>
             </a:r>
             <a:endParaRPr lang="fi-FI" altLang="fi-FI" sz="4000" b="1" kern="0" dirty="0">
               <a:solidFill>
@@ -9824,10 +9846,10 @@
         </p:nvGrpSpPr>
         <p:grpSpPr>
           <a:xfrm>
-            <a:off x="179512" y="3140218"/>
-            <a:ext cx="8256441" cy="487894"/>
-            <a:chOff x="166849" y="2962608"/>
-            <a:chExt cx="8256441" cy="487894"/>
+            <a:off x="179512" y="3140587"/>
+            <a:ext cx="8251872" cy="487525"/>
+            <a:chOff x="166849" y="2962977"/>
+            <a:chExt cx="8251872" cy="487525"/>
           </a:xfrm>
         </p:grpSpPr>
         <p:sp>
@@ -9884,7 +9906,7 @@
           </p:nvSpPr>
           <p:spPr>
             <a:xfrm>
-              <a:off x="1240861" y="2988837"/>
+              <a:off x="1236292" y="2988837"/>
               <a:ext cx="7182429" cy="461665"/>
             </a:xfrm>
             <a:prstGeom prst="rect">
@@ -9920,7 +9942,7 @@
                     <a:schemeClr val="tx1"/>
                   </a:solidFill>
                 </a:rPr>
-                <a:t> b</a:t>
+                <a:t>   b</a:t>
               </a:r>
               <a:r>
                 <a:rPr lang="fi-FI" sz="2400" dirty="0">
@@ -9936,7 +9958,7 @@
                     <a:schemeClr val="tx1"/>
                   </a:solidFill>
                 </a:rPr>
-                <a:t> c</a:t>
+                <a:t>c</a:t>
               </a:r>
               <a:r>
                 <a:rPr lang="fi-FI" sz="2400" dirty="0">
@@ -9944,7 +9966,7 @@
                     <a:schemeClr val="tx1"/>
                   </a:solidFill>
                 </a:rPr>
-                <a:t>)                </a:t>
+                <a:t>)                 </a:t>
               </a:r>
               <a:r>
                 <a:rPr lang="fi-FI" sz="2400" dirty="0" smtClean="0">
@@ -9952,7 +9974,7 @@
                     <a:schemeClr val="tx1"/>
                   </a:solidFill>
                 </a:rPr>
-                <a:t> d</a:t>
+                <a:t>d</a:t>
               </a:r>
               <a:r>
                 <a:rPr lang="fi-FI" sz="2400" dirty="0">
@@ -9973,7 +9995,7 @@
           </p:nvSpPr>
           <p:spPr>
             <a:xfrm>
-              <a:off x="6700428" y="2962608"/>
+              <a:off x="6752592" y="2963846"/>
               <a:ext cx="1609968" cy="461665"/>
             </a:xfrm>
             <a:prstGeom prst="rect">
@@ -10122,7 +10144,7 @@
                     </a:schemeClr>
                   </a:solidFill>
                 </a:rPr>
-                <a:t>550 - 300</a:t>
+                <a:t>550 − 300</a:t>
               </a:r>
               <a:endParaRPr lang="fi-FI" sz="2400" dirty="0">
                 <a:solidFill>
@@ -10143,7 +10165,7 @@
           </p:nvSpPr>
           <p:spPr>
             <a:xfrm>
-              <a:off x="5020492" y="2982591"/>
+              <a:off x="5034149" y="2971830"/>
               <a:ext cx="1211849" cy="461665"/>
             </a:xfrm>
             <a:prstGeom prst="rect">
@@ -10303,7 +10325,7 @@
                     </a:schemeClr>
                   </a:solidFill>
                 </a:rPr>
-                <a:t>-</a:t>
+                <a:t>−</a:t>
               </a:r>
               <a:r>
                 <a:rPr lang="fi-FI" sz="2400" dirty="0" smtClean="0">
@@ -10335,7 +10357,7 @@
           </p:nvSpPr>
           <p:spPr>
             <a:xfrm>
-              <a:off x="3340556" y="2988837"/>
+              <a:off x="3431213" y="2988837"/>
               <a:ext cx="1211849" cy="461665"/>
             </a:xfrm>
             <a:prstGeom prst="rect">
@@ -10495,7 +10517,7 @@
                     </a:schemeClr>
                   </a:solidFill>
                 </a:rPr>
-                <a:t>-</a:t>
+                <a:t>−</a:t>
               </a:r>
               <a:r>
                 <a:rPr lang="fi-FI" sz="2400" dirty="0" smtClean="0">
@@ -10528,7 +10550,7 @@
           <p:spPr>
             <a:xfrm>
               <a:off x="1873023" y="2962977"/>
-              <a:ext cx="999446" cy="461665"/>
+              <a:ext cx="1106808" cy="461665"/>
             </a:xfrm>
             <a:prstGeom prst="rect">
               <a:avLst/>
@@ -10676,7 +10698,7 @@
                     </a:schemeClr>
                   </a:solidFill>
                 </a:rPr>
-                <a:t>10 - 6</a:t>
+                <a:t>10 − 6</a:t>
               </a:r>
               <a:endParaRPr lang="fi-FI" sz="2400" dirty="0">
                 <a:solidFill>
@@ -10698,10 +10720,10 @@
         </p:nvGrpSpPr>
         <p:grpSpPr>
           <a:xfrm>
-            <a:off x="166849" y="4146883"/>
-            <a:ext cx="7937015" cy="489504"/>
-            <a:chOff x="166849" y="4108748"/>
-            <a:chExt cx="7937015" cy="489504"/>
+            <a:off x="166849" y="4149145"/>
+            <a:ext cx="7937015" cy="493336"/>
+            <a:chOff x="166849" y="4111010"/>
+            <a:chExt cx="7937015" cy="493336"/>
           </a:xfrm>
         </p:grpSpPr>
         <p:sp>
@@ -10797,7 +10819,7 @@
                   </a:solidFill>
                   <a:latin typeface="Arial" charset="0"/>
                 </a:rPr>
-                <a:t>           b)                      c)               d)</a:t>
+                <a:t>           b)                    c)               d)</a:t>
               </a:r>
               <a:endParaRPr lang="fi-FI" sz="2200" dirty="0">
                 <a:solidFill>
@@ -10987,7 +11009,7 @@
                     </a:schemeClr>
                   </a:solidFill>
                 </a:rPr>
-                <a:t>*</a:t>
+                <a:t>·</a:t>
               </a:r>
               <a:r>
                 <a:rPr lang="fi-FI" sz="2400" dirty="0" smtClean="0">
@@ -11020,7 +11042,7 @@
           <p:spPr>
             <a:xfrm>
               <a:off x="3171391" y="4136587"/>
-              <a:ext cx="1484334" cy="461665"/>
+              <a:ext cx="1256593" cy="461665"/>
             </a:xfrm>
             <a:prstGeom prst="rect">
               <a:avLst/>
@@ -11179,7 +11201,7 @@
                     </a:schemeClr>
                   </a:solidFill>
                 </a:rPr>
-                <a:t>*</a:t>
+                <a:t>·</a:t>
               </a:r>
               <a:r>
                 <a:rPr lang="fi-FI" sz="2400" dirty="0" smtClean="0">
@@ -11211,7 +11233,7 @@
           </p:nvSpPr>
           <p:spPr>
             <a:xfrm>
-              <a:off x="5020492" y="4120154"/>
+              <a:off x="4853404" y="4142681"/>
               <a:ext cx="991668" cy="461665"/>
             </a:xfrm>
             <a:prstGeom prst="rect">
@@ -11371,7 +11393,7 @@
                     </a:schemeClr>
                   </a:solidFill>
                 </a:rPr>
-                <a:t>/</a:t>
+                <a:t>:</a:t>
               </a:r>
               <a:r>
                 <a:rPr lang="fi-FI" sz="2400" dirty="0" smtClean="0">
@@ -11403,7 +11425,7 @@
           </p:nvSpPr>
           <p:spPr>
             <a:xfrm>
-              <a:off x="6493223" y="4108748"/>
+              <a:off x="6293447" y="4111010"/>
               <a:ext cx="1175121" cy="461665"/>
             </a:xfrm>
             <a:prstGeom prst="rect">
@@ -11552,7 +11574,7 @@
                     </a:schemeClr>
                   </a:solidFill>
                 </a:rPr>
-                <a:t>120 / 6</a:t>
+                <a:t>120 : 6</a:t>
               </a:r>
               <a:endParaRPr lang="fi-FI" sz="2400" dirty="0">
                 <a:solidFill>
@@ -12012,7 +12034,7 @@
         <p:spPr>
           <a:xfrm>
             <a:off x="581192" y="1917265"/>
-            <a:ext cx="8078364" cy="646331"/>
+            <a:ext cx="8078364" cy="707886"/>
           </a:xfrm>
           <a:prstGeom prst="rect">
             <a:avLst/>
@@ -12026,22 +12048,14 @@
           <a:lstStyle/>
           <a:p>
             <a:r>
-              <a:rPr lang="fi-FI" dirty="0">
+              <a:rPr lang="fi-FI" sz="2000" dirty="0" smtClean="0">
                 <a:solidFill>
                   <a:schemeClr val="tx1"/>
                 </a:solidFill>
               </a:rPr>
-              <a:t>V</a:t>
-            </a:r>
-            <a:r>
-              <a:rPr lang="fi-FI" dirty="0" smtClean="0">
-                <a:solidFill>
-                  <a:schemeClr val="tx1"/>
-                </a:solidFill>
-              </a:rPr>
-              <a:t>oit laskea useammalla luvulla samalla kertaa antamalla sulkujen sisään enemmän argumentteja.</a:t>
-            </a:r>
-            <a:endParaRPr lang="fi-FI" dirty="0">
+              <a:t>Laskutoimituksissa voi olla useita lukuja. Erota argumentit toisistaan välilyönneillä. </a:t>
+            </a:r>
+            <a:endParaRPr lang="fi-FI" sz="2000" dirty="0">
               <a:solidFill>
                 <a:schemeClr val="tx1"/>
               </a:solidFill>
@@ -12134,7 +12148,7 @@
                   <a:schemeClr val="tx1"/>
                 </a:solidFill>
               </a:rPr>
-              <a:t>100 – 10 – 13 = ?</a:t>
+              <a:t>100 − 10 − 13 = ?</a:t>
             </a:r>
           </a:p>
           <a:p>
@@ -12151,7 +12165,7 @@
                   <a:schemeClr val="tx1"/>
                 </a:solidFill>
               </a:rPr>
-              <a:t>2 * 2 * 2 * 2 = ?</a:t>
+              <a:t>2 · 2 · 2 · 2 = ?</a:t>
             </a:r>
           </a:p>
           <a:p>
@@ -12168,7 +12182,7 @@
                   <a:schemeClr val="tx1"/>
                 </a:solidFill>
               </a:rPr>
-              <a:t>( 100 / 10 ) / 10 = ?</a:t>
+              <a:t>( 100 : 10 ) : 10 = ?</a:t>
             </a:r>
             <a:endParaRPr lang="fi-FI" dirty="0">
               <a:solidFill>
@@ -12649,7 +12663,27 @@
                   </a:schemeClr>
                 </a:solidFill>
               </a:rPr>
-              <a:t>Tehtäväsarja II. Lisää peruslaskuja</a:t>
+              <a:t>Tehtäväsarja 2</a:t>
+            </a:r>
+            <a:r>
+              <a:rPr lang="fi-FI" altLang="fi-FI" sz="3600" b="1" kern="0" dirty="0">
+                <a:solidFill>
+                  <a:schemeClr val="accent6">
+                    <a:lumMod val="75000"/>
+                  </a:schemeClr>
+                </a:solidFill>
+              </a:rPr>
+              <a:t>:</a:t>
+            </a:r>
+            <a:r>
+              <a:rPr lang="fi-FI" altLang="fi-FI" sz="3600" b="1" kern="0" dirty="0" smtClean="0">
+                <a:solidFill>
+                  <a:schemeClr val="accent6">
+                    <a:lumMod val="75000"/>
+                  </a:schemeClr>
+                </a:solidFill>
+              </a:rPr>
+              <a:t> Lisää peruslaskuja</a:t>
             </a:r>
             <a:endParaRPr lang="fi-FI" altLang="fi-FI" sz="3600" b="1" kern="0" dirty="0">
               <a:solidFill>
@@ -13085,10 +13119,10 @@
         </p:nvGrpSpPr>
         <p:grpSpPr>
           <a:xfrm>
-            <a:off x="179512" y="3127375"/>
-            <a:ext cx="8256441" cy="500737"/>
-            <a:chOff x="166849" y="2949765"/>
-            <a:chExt cx="8256441" cy="500737"/>
+            <a:off x="179512" y="3140428"/>
+            <a:ext cx="8256441" cy="487684"/>
+            <a:chOff x="166849" y="2962818"/>
+            <a:chExt cx="8256441" cy="487684"/>
           </a:xfrm>
         </p:grpSpPr>
         <p:sp>
@@ -13181,7 +13215,7 @@
                     <a:schemeClr val="tx1"/>
                   </a:solidFill>
                 </a:rPr>
-                <a:t>                          b)                                </a:t>
+                <a:t>                           b)                                </a:t>
               </a:r>
               <a:endParaRPr lang="fi-FI" sz="2400" dirty="0">
                 <a:solidFill>
@@ -13199,7 +13233,7 @@
           </p:nvSpPr>
           <p:spPr>
             <a:xfrm>
-              <a:off x="5439114" y="2949765"/>
+              <a:off x="5581377" y="2962818"/>
               <a:ext cx="2000543" cy="461665"/>
             </a:xfrm>
             <a:prstGeom prst="rect">
@@ -13348,7 +13382,7 @@
                     </a:schemeClr>
                   </a:solidFill>
                 </a:rPr>
-                <a:t>20 – 15 – 10</a:t>
+                <a:t>20 − 15 − 3</a:t>
               </a:r>
             </a:p>
           </p:txBody>
@@ -13362,7 +13396,7 @@
           <p:spPr>
             <a:xfrm>
               <a:off x="1873023" y="2962977"/>
-              <a:ext cx="3024884" cy="461665"/>
+              <a:ext cx="3118362" cy="461665"/>
             </a:xfrm>
             <a:prstGeom prst="rect">
               <a:avLst/>
@@ -13510,7 +13544,7 @@
                     </a:schemeClr>
                   </a:solidFill>
                 </a:rPr>
-                <a:t>300 – 150 – 100 -50 </a:t>
+                <a:t>300 − 150 − 100 − 50 </a:t>
               </a:r>
               <a:endParaRPr lang="fi-FI" sz="2400" dirty="0">
                 <a:solidFill>
@@ -13532,10 +13566,10 @@
         </p:nvGrpSpPr>
         <p:grpSpPr>
           <a:xfrm>
-            <a:off x="166849" y="4135678"/>
-            <a:ext cx="7937015" cy="495445"/>
-            <a:chOff x="166849" y="4097543"/>
-            <a:chExt cx="7937015" cy="495445"/>
+            <a:off x="166849" y="4164535"/>
+            <a:ext cx="7937015" cy="472622"/>
+            <a:chOff x="166849" y="4126400"/>
+            <a:chExt cx="7937015" cy="472622"/>
           </a:xfrm>
         </p:grpSpPr>
         <p:sp>
@@ -13810,7 +13844,7 @@
                     </a:schemeClr>
                   </a:solidFill>
                 </a:rPr>
-                <a:t>*</a:t>
+                <a:t>·</a:t>
               </a:r>
               <a:r>
                 <a:rPr lang="fi-FI" sz="2400" dirty="0" smtClean="0">
@@ -13821,7 +13855,7 @@
                     </a:schemeClr>
                   </a:solidFill>
                 </a:rPr>
-                <a:t> 10 * 47</a:t>
+                <a:t> 10 · 47</a:t>
               </a:r>
               <a:endParaRPr lang="fi-FI" sz="2400" dirty="0">
                 <a:solidFill>
@@ -13842,7 +13876,7 @@
           </p:nvSpPr>
           <p:spPr>
             <a:xfrm>
-              <a:off x="4139930" y="4097543"/>
+              <a:off x="4139930" y="4137357"/>
               <a:ext cx="2304256" cy="461665"/>
             </a:xfrm>
             <a:prstGeom prst="rect">
@@ -14002,7 +14036,7 @@
                     </a:schemeClr>
                   </a:solidFill>
                 </a:rPr>
-                <a:t>/</a:t>
+                <a:t>:</a:t>
               </a:r>
               <a:r>
                 <a:rPr lang="fi-FI" sz="2400" dirty="0" smtClean="0">
@@ -14013,7 +14047,7 @@
                     </a:schemeClr>
                   </a:solidFill>
                 </a:rPr>
-                <a:t> 25) / 10 </a:t>
+                <a:t> 25) : 10 </a:t>
               </a:r>
               <a:endParaRPr lang="fi-FI" sz="2400" dirty="0">
                 <a:solidFill>
@@ -14365,7 +14399,7 @@
                   </a:schemeClr>
                 </a:solidFill>
               </a:rPr>
-              <a:t>Yhteen- ja vähennyslaskun yhdistäminen</a:t>
+              <a:t>Moniosainen laskulauseke</a:t>
             </a:r>
             <a:endParaRPr lang="fi-FI" altLang="fi-FI" sz="4000" b="1" kern="0" dirty="0">
               <a:solidFill>
@@ -14472,7 +14506,7 @@
         </p:nvSpPr>
         <p:spPr>
           <a:xfrm>
-            <a:off x="439017" y="1903922"/>
+            <a:off x="425718" y="1748922"/>
             <a:ext cx="8078364" cy="646331"/>
           </a:xfrm>
           <a:prstGeom prst="rect">
@@ -14487,12 +14521,46 @@
           <a:lstStyle/>
           <a:p>
             <a:r>
+              <a:rPr lang="fi-FI" dirty="0" err="1" smtClean="0">
+                <a:solidFill>
+                  <a:schemeClr val="tx1"/>
+                </a:solidFill>
+              </a:rPr>
+              <a:t>Racket</a:t>
+            </a:r>
+            <a:r>
               <a:rPr lang="fi-FI" dirty="0" smtClean="0">
                 <a:solidFill>
                   <a:schemeClr val="tx1"/>
                 </a:solidFill>
               </a:rPr>
-              <a:t>Jos samassa lausekkeessa on vain yhteen- ja vähennyslaskua, on niiden yhdistäminen helppoa. Esimerkiksi 12-3+7-3 voidaan laskea seuraavasti: </a:t>
+              <a:t>-funktion argumentteina voidaan antaa myös toisia funktioita. </a:t>
+            </a:r>
+          </a:p>
+          <a:p>
+            <a:r>
+              <a:rPr lang="fi-FI" dirty="0" smtClean="0">
+                <a:solidFill>
+                  <a:schemeClr val="tx1"/>
+                </a:solidFill>
+              </a:rPr>
+              <a:t>Esimerkiksi lasku 10 + 6 : 3 koodattaisiin </a:t>
+            </a:r>
+            <a:r>
+              <a:rPr lang="fi-FI" dirty="0" err="1" smtClean="0">
+                <a:solidFill>
+                  <a:schemeClr val="tx1"/>
+                </a:solidFill>
+              </a:rPr>
+              <a:t>Racket</a:t>
+            </a:r>
+            <a:r>
+              <a:rPr lang="fi-FI" dirty="0" smtClean="0">
+                <a:solidFill>
+                  <a:schemeClr val="tx1"/>
+                </a:solidFill>
+              </a:rPr>
+              <a:t>-kielellä seuraavasti: </a:t>
             </a:r>
             <a:endParaRPr lang="fi-FI" dirty="0">
               <a:solidFill>
@@ -14530,31 +14598,7 @@
                   <a:schemeClr val="tx1"/>
                 </a:solidFill>
               </a:rPr>
-              <a:t>Lasku -</a:t>
-            </a:r>
-            <a:r>
-              <a:rPr lang="fi-FI" dirty="0" smtClean="0">
-                <a:solidFill>
-                  <a:schemeClr val="tx1"/>
-                </a:solidFill>
-              </a:rPr>
-              <a:t>11+4+6 </a:t>
-            </a:r>
-            <a:r>
-              <a:rPr lang="fi-FI" dirty="0" smtClean="0">
-                <a:solidFill>
-                  <a:schemeClr val="tx1"/>
-                </a:solidFill>
-              </a:rPr>
-              <a:t>voidaan </a:t>
-            </a:r>
-            <a:r>
-              <a:rPr lang="fi-FI" dirty="0" smtClean="0">
-                <a:solidFill>
-                  <a:schemeClr val="tx1"/>
-                </a:solidFill>
-              </a:rPr>
-              <a:t>laskea vastaavasti:</a:t>
+              <a:t>Lasku 7 · (5 − 1) voidaan laskea vastaavasti:</a:t>
             </a:r>
             <a:endParaRPr lang="fi-FI" dirty="0">
               <a:solidFill>
@@ -14586,8 +14630,8 @@
         </p:blipFill>
         <p:spPr>
           <a:xfrm>
-            <a:off x="2632987" y="2689513"/>
-            <a:ext cx="3023417" cy="669470"/>
+            <a:off x="2411760" y="2729023"/>
+            <a:ext cx="2873906" cy="702024"/>
           </a:xfrm>
           <a:prstGeom prst="rect">
             <a:avLst/>
@@ -14601,7 +14645,7 @@
       </p:pic>
       <p:pic>
         <p:nvPicPr>
-          <p:cNvPr id="6" name="Picture 5"/>
+          <p:cNvPr id="7" name="Picture 6"/>
           <p:cNvPicPr>
             <a:picLocks noChangeAspect="1"/>
           </p:cNvPicPr>
@@ -14621,8 +14665,8 @@
         </p:blipFill>
         <p:spPr>
           <a:xfrm>
-            <a:off x="2605255" y="4447880"/>
-            <a:ext cx="2390400" cy="676529"/>
+            <a:off x="2411760" y="4310283"/>
+            <a:ext cx="2549861" cy="699155"/>
           </a:xfrm>
           <a:prstGeom prst="rect">
             <a:avLst/>
@@ -14655,638 +14699,6 @@
 </file>
 
 <file path=ppt/slides/slide15.xml><?xml version="1.0" encoding="utf-8"?>
-<p:sld xmlns:a="http://schemas.openxmlformats.org/drawingml/2006/main" xmlns:r="http://schemas.openxmlformats.org/officeDocument/2006/relationships" xmlns:p="http://schemas.openxmlformats.org/presentationml/2006/main">
-  <p:cSld>
-    <p:spTree>
-      <p:nvGrpSpPr>
-        <p:cNvPr id="1" name=""/>
-        <p:cNvGrpSpPr/>
-        <p:nvPr/>
-      </p:nvGrpSpPr>
-      <p:grpSpPr>
-        <a:xfrm>
-          <a:off x="0" y="0"/>
-          <a:ext cx="0" cy="0"/>
-          <a:chOff x="0" y="0"/>
-          <a:chExt cx="0" cy="0"/>
-        </a:xfrm>
-      </p:grpSpPr>
-      <p:pic>
-        <p:nvPicPr>
-          <p:cNvPr id="3" name="Picture 8" descr="https://avatars0.githubusercontent.com/u/232371?v=3&amp;s=400"/>
-          <p:cNvPicPr>
-            <a:picLocks noChangeAspect="1" noChangeArrowheads="1"/>
-          </p:cNvPicPr>
-          <p:nvPr/>
-        </p:nvPicPr>
-        <p:blipFill>
-          <a:blip r:embed="rId2" cstate="print">
-            <a:extLst>
-              <a:ext uri="{28A0092B-C50C-407E-A947-70E740481C1C}">
-                <a14:useLocalDpi xmlns:a14="http://schemas.microsoft.com/office/drawing/2010/main" val="0"/>
-              </a:ext>
-            </a:extLst>
-          </a:blip>
-          <a:srcRect/>
-          <a:stretch>
-            <a:fillRect/>
-          </a:stretch>
-        </p:blipFill>
-        <p:spPr bwMode="auto">
-          <a:xfrm>
-            <a:off x="405542" y="5262205"/>
-            <a:ext cx="1254667" cy="1254668"/>
-          </a:xfrm>
-          <a:prstGeom prst="rect">
-            <a:avLst/>
-          </a:prstGeom>
-          <a:noFill/>
-          <a:ln>
-            <a:noFill/>
-          </a:ln>
-          <a:extLst>
-            <a:ext uri="{909E8E84-426E-40DD-AFC4-6F175D3DCCD1}">
-              <a14:hiddenFill xmlns:a14="http://schemas.microsoft.com/office/drawing/2010/main">
-                <a:solidFill>
-                  <a:srgbClr val="FFFFFF"/>
-                </a:solidFill>
-              </a14:hiddenFill>
-            </a:ext>
-            <a:ext uri="{91240B29-F687-4F45-9708-019B960494DF}">
-              <a14:hiddenLine xmlns:a14="http://schemas.microsoft.com/office/drawing/2010/main" w="9525">
-                <a:solidFill>
-                  <a:srgbClr val="000000"/>
-                </a:solidFill>
-                <a:miter lim="800000"/>
-                <a:headEnd/>
-                <a:tailEnd/>
-              </a14:hiddenLine>
-            </a:ext>
-          </a:extLst>
-        </p:spPr>
-      </p:pic>
-      <p:sp>
-        <p:nvSpPr>
-          <p:cNvPr id="10" name="Otsikko 1"/>
-          <p:cNvSpPr txBox="1">
-            <a:spLocks/>
-          </p:cNvSpPr>
-          <p:nvPr/>
-        </p:nvSpPr>
-        <p:spPr bwMode="auto">
-          <a:xfrm>
-            <a:off x="405542" y="684363"/>
-            <a:ext cx="7884368" cy="1163866"/>
-          </a:xfrm>
-          <a:prstGeom prst="rect">
-            <a:avLst/>
-          </a:prstGeom>
-          <a:noFill/>
-          <a:ln>
-            <a:noFill/>
-          </a:ln>
-          <a:extLst>
-            <a:ext uri="{909E8E84-426E-40DD-AFC4-6F175D3DCCD1}">
-              <a14:hiddenFill xmlns:a14="http://schemas.microsoft.com/office/drawing/2010/main">
-                <a:solidFill>
-                  <a:srgbClr val="FFFFFF"/>
-                </a:solidFill>
-              </a14:hiddenFill>
-            </a:ext>
-            <a:ext uri="{91240B29-F687-4F45-9708-019B960494DF}">
-              <a14:hiddenLine xmlns:a14="http://schemas.microsoft.com/office/drawing/2010/main" w="9525">
-                <a:solidFill>
-                  <a:srgbClr val="000000"/>
-                </a:solidFill>
-                <a:round/>
-                <a:headEnd/>
-                <a:tailEnd/>
-              </a14:hiddenLine>
-            </a:ext>
-          </a:extLst>
-        </p:spPr>
-        <p:txBody>
-          <a:bodyPr vert="horz" wrap="square" lIns="90000" tIns="46800" rIns="90000" bIns="46800" numCol="1" anchor="ctr" anchorCtr="0" compatLnSpc="1">
-            <a:prstTxWarp prst="textNoShape">
-              <a:avLst/>
-            </a:prstTxWarp>
-          </a:bodyPr>
-          <a:lstStyle>
-            <a:lvl1pPr algn="ctr" defTabSz="449263" rtl="0" eaLnBrk="0" fontAlgn="base" hangingPunct="0">
-              <a:spcBef>
-                <a:spcPct val="0"/>
-              </a:spcBef>
-              <a:spcAft>
-                <a:spcPct val="0"/>
-              </a:spcAft>
-              <a:buClr>
-                <a:srgbClr val="000000"/>
-              </a:buClr>
-              <a:buSzPct val="100000"/>
-              <a:buFont typeface="Times New Roman" panose="02020603050405020304" pitchFamily="18" charset="0"/>
-              <a:defRPr sz="4400">
-                <a:solidFill>
-                  <a:srgbClr val="000000"/>
-                </a:solidFill>
-                <a:latin typeface="+mj-lt"/>
-                <a:ea typeface="+mj-ea"/>
-                <a:cs typeface="+mj-cs"/>
-              </a:defRPr>
-            </a:lvl1pPr>
-            <a:lvl2pPr algn="ctr" defTabSz="449263" rtl="0" eaLnBrk="0" fontAlgn="base" hangingPunct="0">
-              <a:spcBef>
-                <a:spcPct val="0"/>
-              </a:spcBef>
-              <a:spcAft>
-                <a:spcPct val="0"/>
-              </a:spcAft>
-              <a:buClr>
-                <a:srgbClr val="000000"/>
-              </a:buClr>
-              <a:buSzPct val="100000"/>
-              <a:buFont typeface="Times New Roman" panose="02020603050405020304" pitchFamily="18" charset="0"/>
-              <a:defRPr sz="4400">
-                <a:solidFill>
-                  <a:srgbClr val="000000"/>
-                </a:solidFill>
-                <a:latin typeface="Arial" charset="0"/>
-                <a:ea typeface="AR PL Mingti2L Big5" charset="0"/>
-                <a:cs typeface="AR PL Mingti2L Big5" charset="0"/>
-              </a:defRPr>
-            </a:lvl2pPr>
-            <a:lvl3pPr algn="ctr" defTabSz="449263" rtl="0" eaLnBrk="0" fontAlgn="base" hangingPunct="0">
-              <a:spcBef>
-                <a:spcPct val="0"/>
-              </a:spcBef>
-              <a:spcAft>
-                <a:spcPct val="0"/>
-              </a:spcAft>
-              <a:buClr>
-                <a:srgbClr val="000000"/>
-              </a:buClr>
-              <a:buSzPct val="100000"/>
-              <a:buFont typeface="Times New Roman" panose="02020603050405020304" pitchFamily="18" charset="0"/>
-              <a:defRPr sz="4400">
-                <a:solidFill>
-                  <a:srgbClr val="000000"/>
-                </a:solidFill>
-                <a:latin typeface="Arial" charset="0"/>
-                <a:ea typeface="AR PL Mingti2L Big5" charset="0"/>
-                <a:cs typeface="AR PL Mingti2L Big5" charset="0"/>
-              </a:defRPr>
-            </a:lvl3pPr>
-            <a:lvl4pPr algn="ctr" defTabSz="449263" rtl="0" eaLnBrk="0" fontAlgn="base" hangingPunct="0">
-              <a:spcBef>
-                <a:spcPct val="0"/>
-              </a:spcBef>
-              <a:spcAft>
-                <a:spcPct val="0"/>
-              </a:spcAft>
-              <a:buClr>
-                <a:srgbClr val="000000"/>
-              </a:buClr>
-              <a:buSzPct val="100000"/>
-              <a:buFont typeface="Times New Roman" panose="02020603050405020304" pitchFamily="18" charset="0"/>
-              <a:defRPr sz="4400">
-                <a:solidFill>
-                  <a:srgbClr val="000000"/>
-                </a:solidFill>
-                <a:latin typeface="Arial" charset="0"/>
-                <a:ea typeface="AR PL Mingti2L Big5" charset="0"/>
-                <a:cs typeface="AR PL Mingti2L Big5" charset="0"/>
-              </a:defRPr>
-            </a:lvl4pPr>
-            <a:lvl5pPr algn="ctr" defTabSz="449263" rtl="0" eaLnBrk="0" fontAlgn="base" hangingPunct="0">
-              <a:spcBef>
-                <a:spcPct val="0"/>
-              </a:spcBef>
-              <a:spcAft>
-                <a:spcPct val="0"/>
-              </a:spcAft>
-              <a:buClr>
-                <a:srgbClr val="000000"/>
-              </a:buClr>
-              <a:buSzPct val="100000"/>
-              <a:buFont typeface="Times New Roman" panose="02020603050405020304" pitchFamily="18" charset="0"/>
-              <a:defRPr sz="4400">
-                <a:solidFill>
-                  <a:srgbClr val="000000"/>
-                </a:solidFill>
-                <a:latin typeface="Arial" charset="0"/>
-                <a:ea typeface="AR PL Mingti2L Big5" charset="0"/>
-                <a:cs typeface="AR PL Mingti2L Big5" charset="0"/>
-              </a:defRPr>
-            </a:lvl5pPr>
-            <a:lvl6pPr marL="2514600" indent="-228600" algn="ctr" defTabSz="449263" rtl="0" fontAlgn="base">
-              <a:spcBef>
-                <a:spcPct val="0"/>
-              </a:spcBef>
-              <a:spcAft>
-                <a:spcPct val="0"/>
-              </a:spcAft>
-              <a:buClr>
-                <a:srgbClr val="000000"/>
-              </a:buClr>
-              <a:buSzPct val="100000"/>
-              <a:buFont typeface="Times New Roman" pitchFamily="16" charset="0"/>
-              <a:defRPr sz="4400">
-                <a:solidFill>
-                  <a:srgbClr val="000000"/>
-                </a:solidFill>
-                <a:latin typeface="Arial" charset="0"/>
-                <a:ea typeface="AR PL Mingti2L Big5" charset="0"/>
-                <a:cs typeface="AR PL Mingti2L Big5" charset="0"/>
-              </a:defRPr>
-            </a:lvl6pPr>
-            <a:lvl7pPr marL="2971800" indent="-228600" algn="ctr" defTabSz="449263" rtl="0" fontAlgn="base">
-              <a:spcBef>
-                <a:spcPct val="0"/>
-              </a:spcBef>
-              <a:spcAft>
-                <a:spcPct val="0"/>
-              </a:spcAft>
-              <a:buClr>
-                <a:srgbClr val="000000"/>
-              </a:buClr>
-              <a:buSzPct val="100000"/>
-              <a:buFont typeface="Times New Roman" pitchFamily="16" charset="0"/>
-              <a:defRPr sz="4400">
-                <a:solidFill>
-                  <a:srgbClr val="000000"/>
-                </a:solidFill>
-                <a:latin typeface="Arial" charset="0"/>
-                <a:ea typeface="AR PL Mingti2L Big5" charset="0"/>
-                <a:cs typeface="AR PL Mingti2L Big5" charset="0"/>
-              </a:defRPr>
-            </a:lvl7pPr>
-            <a:lvl8pPr marL="3429000" indent="-228600" algn="ctr" defTabSz="449263" rtl="0" fontAlgn="base">
-              <a:spcBef>
-                <a:spcPct val="0"/>
-              </a:spcBef>
-              <a:spcAft>
-                <a:spcPct val="0"/>
-              </a:spcAft>
-              <a:buClr>
-                <a:srgbClr val="000000"/>
-              </a:buClr>
-              <a:buSzPct val="100000"/>
-              <a:buFont typeface="Times New Roman" pitchFamily="16" charset="0"/>
-              <a:defRPr sz="4400">
-                <a:solidFill>
-                  <a:srgbClr val="000000"/>
-                </a:solidFill>
-                <a:latin typeface="Arial" charset="0"/>
-                <a:ea typeface="AR PL Mingti2L Big5" charset="0"/>
-                <a:cs typeface="AR PL Mingti2L Big5" charset="0"/>
-              </a:defRPr>
-            </a:lvl8pPr>
-            <a:lvl9pPr marL="3886200" indent="-228600" algn="ctr" defTabSz="449263" rtl="0" fontAlgn="base">
-              <a:spcBef>
-                <a:spcPct val="0"/>
-              </a:spcBef>
-              <a:spcAft>
-                <a:spcPct val="0"/>
-              </a:spcAft>
-              <a:buClr>
-                <a:srgbClr val="000000"/>
-              </a:buClr>
-              <a:buSzPct val="100000"/>
-              <a:buFont typeface="Times New Roman" pitchFamily="16" charset="0"/>
-              <a:defRPr sz="4400">
-                <a:solidFill>
-                  <a:srgbClr val="000000"/>
-                </a:solidFill>
-                <a:latin typeface="Arial" charset="0"/>
-                <a:ea typeface="AR PL Mingti2L Big5" charset="0"/>
-                <a:cs typeface="AR PL Mingti2L Big5" charset="0"/>
-              </a:defRPr>
-            </a:lvl9pPr>
-          </a:lstStyle>
-          <a:p>
-            <a:pPr algn="l"/>
-            <a:r>
-              <a:rPr lang="fi-FI" altLang="fi-FI" sz="4000" b="1" kern="0" dirty="0" smtClean="0">
-                <a:solidFill>
-                  <a:schemeClr val="accent6">
-                    <a:lumMod val="75000"/>
-                  </a:schemeClr>
-                </a:solidFill>
-              </a:rPr>
-              <a:t>Laskujärjestys</a:t>
-            </a:r>
-            <a:endParaRPr lang="fi-FI" altLang="fi-FI" sz="4000" b="1" kern="0" dirty="0">
-              <a:solidFill>
-                <a:schemeClr val="accent6">
-                  <a:lumMod val="75000"/>
-                </a:schemeClr>
-              </a:solidFill>
-            </a:endParaRPr>
-          </a:p>
-        </p:txBody>
-      </p:sp>
-      <p:sp>
-        <p:nvSpPr>
-          <p:cNvPr id="17" name="Alatunnisteen paikkamerkki 16"/>
-          <p:cNvSpPr>
-            <a:spLocks noGrp="1"/>
-          </p:cNvSpPr>
-          <p:nvPr>
-            <p:ph type="ftr" sz="quarter" idx="11"/>
-          </p:nvPr>
-        </p:nvSpPr>
-        <p:spPr/>
-        <p:txBody>
-          <a:bodyPr/>
-          <a:lstStyle/>
-          <a:p>
-            <a:pPr algn="r">
-              <a:defRPr/>
-            </a:pPr>
-            <a:r>
-              <a:rPr lang="fi-FI" dirty="0"/>
-              <a:t>MAOL Ohjelmointia matematiikkaan</a:t>
-            </a:r>
-            <a:endParaRPr lang="ru-RU" dirty="0"/>
-          </a:p>
-        </p:txBody>
-      </p:sp>
-      <p:pic>
-        <p:nvPicPr>
-          <p:cNvPr id="33" name="Picture 2" descr="WeScheme Logo"/>
-          <p:cNvPicPr>
-            <a:picLocks noChangeAspect="1" noChangeArrowheads="1"/>
-          </p:cNvPicPr>
-          <p:nvPr/>
-        </p:nvPicPr>
-        <p:blipFill>
-          <a:blip r:embed="rId3" cstate="print">
-            <a:extLst>
-              <a:ext uri="{28A0092B-C50C-407E-A947-70E740481C1C}">
-                <a14:useLocalDpi xmlns:a14="http://schemas.microsoft.com/office/drawing/2010/main" val="0"/>
-              </a:ext>
-            </a:extLst>
-          </a:blip>
-          <a:srcRect/>
-          <a:stretch>
-            <a:fillRect/>
-          </a:stretch>
-        </p:blipFill>
-        <p:spPr bwMode="auto">
-          <a:xfrm>
-            <a:off x="7163754" y="5133041"/>
-            <a:ext cx="1495802" cy="1383832"/>
-          </a:xfrm>
-          <a:prstGeom prst="rect">
-            <a:avLst/>
-          </a:prstGeom>
-          <a:noFill/>
-          <a:ln>
-            <a:noFill/>
-          </a:ln>
-          <a:effectLst>
-            <a:outerShdw blurRad="50800" dist="38100" dir="5400000" algn="t" rotWithShape="0">
-              <a:prstClr val="black">
-                <a:alpha val="40000"/>
-              </a:prstClr>
-            </a:outerShdw>
-          </a:effectLst>
-          <a:extLst>
-            <a:ext uri="{909E8E84-426E-40DD-AFC4-6F175D3DCCD1}">
-              <a14:hiddenFill xmlns:a14="http://schemas.microsoft.com/office/drawing/2010/main">
-                <a:solidFill>
-                  <a:srgbClr val="FFFFFF"/>
-                </a:solidFill>
-              </a14:hiddenFill>
-            </a:ext>
-            <a:ext uri="{91240B29-F687-4F45-9708-019B960494DF}">
-              <a14:hiddenLine xmlns:a14="http://schemas.microsoft.com/office/drawing/2010/main" w="9525">
-                <a:solidFill>
-                  <a:srgbClr val="000000"/>
-                </a:solidFill>
-                <a:miter lim="800000"/>
-                <a:headEnd/>
-                <a:tailEnd/>
-              </a14:hiddenLine>
-            </a:ext>
-          </a:extLst>
-        </p:spPr>
-      </p:pic>
-      <p:sp>
-        <p:nvSpPr>
-          <p:cNvPr id="11" name="TextBox 10"/>
-          <p:cNvSpPr txBox="1"/>
-          <p:nvPr/>
-        </p:nvSpPr>
-        <p:spPr>
-          <a:xfrm>
-            <a:off x="405542" y="1880921"/>
-            <a:ext cx="8078364" cy="1477328"/>
-          </a:xfrm>
-          <a:prstGeom prst="rect">
-            <a:avLst/>
-          </a:prstGeom>
-          <a:noFill/>
-        </p:spPr>
-        <p:txBody>
-          <a:bodyPr wrap="square" rtlCol="0">
-            <a:spAutoFit/>
-          </a:bodyPr>
-          <a:lstStyle/>
-          <a:p>
-            <a:r>
-              <a:rPr lang="fi-FI" dirty="0" smtClean="0">
-                <a:solidFill>
-                  <a:schemeClr val="tx1"/>
-                </a:solidFill>
-              </a:rPr>
-              <a:t>Moniosaisten laskutoimitusten muodostaminen kannattaa aloittaa tavanomaisen laskujärjestyksen mukaisesti:</a:t>
-            </a:r>
-          </a:p>
-          <a:p>
-            <a:pPr marL="285750" indent="-285750">
-              <a:buFont typeface="Arial" panose="020B0604020202020204" pitchFamily="34" charset="0"/>
-              <a:buChar char="•"/>
-            </a:pPr>
-            <a:r>
-              <a:rPr lang="fi-FI" dirty="0" smtClean="0">
-                <a:solidFill>
-                  <a:schemeClr val="tx1"/>
-                </a:solidFill>
-              </a:rPr>
-              <a:t>ensin suluissa olevat laskut</a:t>
-            </a:r>
-          </a:p>
-          <a:p>
-            <a:pPr marL="285750" indent="-285750">
-              <a:buFont typeface="Arial" panose="020B0604020202020204" pitchFamily="34" charset="0"/>
-              <a:buChar char="•"/>
-            </a:pPr>
-            <a:r>
-              <a:rPr lang="fi-FI" dirty="0" smtClean="0">
-                <a:solidFill>
-                  <a:schemeClr val="tx1"/>
-                </a:solidFill>
-              </a:rPr>
-              <a:t>sitten kerto- ja jakolaskut vasemmalta oikealle ja lopuksi </a:t>
-            </a:r>
-          </a:p>
-          <a:p>
-            <a:pPr marL="285750" indent="-285750">
-              <a:buFont typeface="Arial" panose="020B0604020202020204" pitchFamily="34" charset="0"/>
-              <a:buChar char="•"/>
-            </a:pPr>
-            <a:r>
-              <a:rPr lang="fi-FI" dirty="0" smtClean="0">
-                <a:solidFill>
-                  <a:schemeClr val="tx1"/>
-                </a:solidFill>
-              </a:rPr>
-              <a:t>yhteen- ja vähennyslaskut vasemmalta oikealle.   </a:t>
-            </a:r>
-            <a:endParaRPr lang="fi-FI" dirty="0">
-              <a:solidFill>
-                <a:schemeClr val="tx1"/>
-              </a:solidFill>
-            </a:endParaRPr>
-          </a:p>
-        </p:txBody>
-      </p:sp>
-      <p:sp>
-        <p:nvSpPr>
-          <p:cNvPr id="7" name="TextBox 6"/>
-          <p:cNvSpPr txBox="1"/>
-          <p:nvPr/>
-        </p:nvSpPr>
-        <p:spPr>
-          <a:xfrm>
-            <a:off x="405542" y="3605396"/>
-            <a:ext cx="8078364" cy="1200329"/>
-          </a:xfrm>
-          <a:prstGeom prst="rect">
-            <a:avLst/>
-          </a:prstGeom>
-          <a:noFill/>
-        </p:spPr>
-        <p:txBody>
-          <a:bodyPr wrap="square" rtlCol="0">
-            <a:spAutoFit/>
-          </a:bodyPr>
-          <a:lstStyle/>
-          <a:p>
-            <a:r>
-              <a:rPr lang="fi-FI" dirty="0" smtClean="0">
-                <a:solidFill>
-                  <a:schemeClr val="tx1"/>
-                </a:solidFill>
-              </a:rPr>
-              <a:t>Lasku (2+3)*(5+1) laskettaisiin seuraavasti:</a:t>
-            </a:r>
-            <a:endParaRPr lang="fi-FI" dirty="0">
-              <a:solidFill>
-                <a:schemeClr val="tx1"/>
-              </a:solidFill>
-            </a:endParaRPr>
-          </a:p>
-          <a:p>
-            <a:pPr marL="342900" indent="-342900">
-              <a:buFont typeface="+mj-lt"/>
-              <a:buAutoNum type="arabicPeriod"/>
-            </a:pPr>
-            <a:r>
-              <a:rPr lang="fi-FI" dirty="0" smtClean="0">
-                <a:solidFill>
-                  <a:schemeClr val="tx1"/>
-                </a:solidFill>
-              </a:rPr>
-              <a:t>Lasketaan ensiksi summa (+ 2 3)</a:t>
-            </a:r>
-          </a:p>
-          <a:p>
-            <a:pPr marL="342900" indent="-342900">
-              <a:buFont typeface="+mj-lt"/>
-              <a:buAutoNum type="arabicPeriod"/>
-            </a:pPr>
-            <a:r>
-              <a:rPr lang="fi-FI" dirty="0" smtClean="0">
-                <a:solidFill>
-                  <a:schemeClr val="tx1"/>
-                </a:solidFill>
-              </a:rPr>
-              <a:t>Lasketaan seuraavaksi summa (+ 5 1)</a:t>
-            </a:r>
-          </a:p>
-          <a:p>
-            <a:pPr marL="342900" indent="-342900">
-              <a:buFont typeface="+mj-lt"/>
-              <a:buAutoNum type="arabicPeriod"/>
-            </a:pPr>
-            <a:r>
-              <a:rPr lang="fi-FI" dirty="0" smtClean="0">
-                <a:solidFill>
-                  <a:schemeClr val="tx1"/>
-                </a:solidFill>
-              </a:rPr>
-              <a:t>Lopuksi kerrotaan keskenään summat (+ 2 3) ja (+ 5 1).</a:t>
-            </a:r>
-          </a:p>
-        </p:txBody>
-      </p:sp>
-      <p:pic>
-        <p:nvPicPr>
-          <p:cNvPr id="2" name="Picture 1"/>
-          <p:cNvPicPr>
-            <a:picLocks noChangeAspect="1"/>
-          </p:cNvPicPr>
-          <p:nvPr/>
-        </p:nvPicPr>
-        <p:blipFill>
-          <a:blip r:embed="rId4">
-            <a:extLst>
-              <a:ext uri="{28A0092B-C50C-407E-A947-70E740481C1C}">
-                <a14:useLocalDpi xmlns:a14="http://schemas.microsoft.com/office/drawing/2010/main" val="0"/>
-              </a:ext>
-            </a:extLst>
-          </a:blip>
-          <a:stretch>
-            <a:fillRect/>
-          </a:stretch>
-        </p:blipFill>
-        <p:spPr>
-          <a:xfrm>
-            <a:off x="2339753" y="4921192"/>
-            <a:ext cx="3600400" cy="682835"/>
-          </a:xfrm>
-          <a:prstGeom prst="rect">
-            <a:avLst/>
-          </a:prstGeom>
-          <a:ln>
-            <a:solidFill>
-              <a:schemeClr val="tx1"/>
-            </a:solidFill>
-          </a:ln>
-        </p:spPr>
-      </p:pic>
-    </p:spTree>
-    <p:extLst>
-      <p:ext uri="{BB962C8B-B14F-4D97-AF65-F5344CB8AC3E}">
-        <p14:creationId xmlns:p14="http://schemas.microsoft.com/office/powerpoint/2010/main" val="973189186"/>
-      </p:ext>
-    </p:extLst>
-  </p:cSld>
-  <p:clrMapOvr>
-    <a:masterClrMapping/>
-  </p:clrMapOvr>
-  <p:timing>
-    <p:tnLst>
-      <p:par>
-        <p:cTn id="1" dur="indefinite" restart="never" nodeType="tmRoot"/>
-      </p:par>
-    </p:tnLst>
-  </p:timing>
-</p:sld>
-</file>
-
-<file path=ppt/slides/slide16.xml><?xml version="1.0" encoding="utf-8"?>
 <p:sld xmlns:a="http://schemas.openxmlformats.org/drawingml/2006/main" xmlns:r="http://schemas.openxmlformats.org/officeDocument/2006/relationships" xmlns:p="http://schemas.openxmlformats.org/presentationml/2006/main">
   <p:cSld>
     <p:spTree>
@@ -15737,7 +15149,7 @@
                   </a:schemeClr>
                 </a:solidFill>
               </a:rPr>
-              <a:t>Tehtäväsarja III. </a:t>
+              <a:t>Tehtäväsarja 3 </a:t>
             </a:r>
             <a:endParaRPr lang="fi-FI" altLang="fi-FI" sz="3600" b="1" kern="0" dirty="0">
               <a:solidFill>
@@ -15906,7 +15318,29 @@
                   </a:schemeClr>
                 </a:solidFill>
               </a:rPr>
-              <a:t>10 + 12 - 19 </a:t>
+              <a:t>10 + 12 </a:t>
+            </a:r>
+            <a:r>
+              <a:rPr lang="fi-FI" sz="2400" dirty="0">
+                <a:solidFill>
+                  <a:schemeClr val="tx1">
+                    <a:lumMod val="65000"/>
+                    <a:lumOff val="35000"/>
+                  </a:schemeClr>
+                </a:solidFill>
+              </a:rPr>
+              <a:t>−</a:t>
+            </a:r>
+            <a:r>
+              <a:rPr lang="fi-FI" sz="2400" dirty="0" smtClean="0">
+                <a:solidFill>
+                  <a:schemeClr val="tx1">
+                    <a:lumMod val="65000"/>
+                    <a:lumOff val="35000"/>
+                  </a:schemeClr>
+                </a:solidFill>
+              </a:rPr>
+              <a:t> 19 </a:t>
             </a:r>
             <a:endParaRPr lang="fi-FI" sz="2400" dirty="0">
               <a:solidFill>
@@ -15965,7 +15399,7 @@
         </p:nvSpPr>
         <p:spPr>
           <a:xfrm>
-            <a:off x="1434179" y="2153344"/>
+            <a:off x="1434179" y="2165867"/>
             <a:ext cx="7709821" cy="461665"/>
           </a:xfrm>
           <a:prstGeom prst="rect">
@@ -16163,7 +15597,7 @@
                   </a:schemeClr>
                 </a:solidFill>
               </a:rPr>
-              <a:t>-</a:t>
+              <a:t>−</a:t>
             </a:r>
             <a:r>
               <a:rPr lang="fi-FI" sz="2400" dirty="0" smtClean="0">
@@ -16195,10 +15629,10 @@
         </p:nvGrpSpPr>
         <p:grpSpPr>
           <a:xfrm>
-            <a:off x="179512" y="2787138"/>
-            <a:ext cx="8256441" cy="500737"/>
-            <a:chOff x="166849" y="2949765"/>
-            <a:chExt cx="8256441" cy="500737"/>
+            <a:off x="179512" y="2800350"/>
+            <a:ext cx="8256441" cy="487525"/>
+            <a:chOff x="166849" y="2962977"/>
+            <a:chExt cx="8256441" cy="487525"/>
           </a:xfrm>
         </p:grpSpPr>
         <p:sp>
@@ -16291,7 +15725,23 @@
                     <a:schemeClr val="tx1"/>
                   </a:solidFill>
                 </a:rPr>
-                <a:t>                          b)                                </a:t>
+                <a:t>     </a:t>
+              </a:r>
+              <a:r>
+                <a:rPr lang="fi-FI" sz="2400" dirty="0">
+                  <a:solidFill>
+                    <a:schemeClr val="tx1"/>
+                  </a:solidFill>
+                </a:rPr>
+                <a:t> </a:t>
+              </a:r>
+              <a:r>
+                <a:rPr lang="fi-FI" sz="2400" dirty="0" smtClean="0">
+                  <a:solidFill>
+                    <a:schemeClr val="tx1"/>
+                  </a:solidFill>
+                </a:rPr>
+                <a:t> b)                  c)      </a:t>
               </a:r>
               <a:endParaRPr lang="fi-FI" sz="2400" dirty="0">
                 <a:solidFill>
@@ -16309,8 +15759,181 @@
           </p:nvSpPr>
           <p:spPr>
             <a:xfrm>
-              <a:off x="5439114" y="2949765"/>
-              <a:ext cx="2360583" cy="461665"/>
+              <a:off x="3847097" y="2963645"/>
+              <a:ext cx="1432320" cy="461665"/>
+            </a:xfrm>
+            <a:prstGeom prst="rect">
+              <a:avLst/>
+            </a:prstGeom>
+            <a:solidFill>
+              <a:srgbClr val="FFE593"/>
+            </a:solidFill>
+          </p:spPr>
+          <p:txBody>
+            <a:bodyPr wrap="square">
+              <a:spAutoFit/>
+            </a:bodyPr>
+            <a:lstStyle>
+              <a:defPPr>
+                <a:defRPr lang="en-GB"/>
+              </a:defPPr>
+              <a:lvl1pPr algn="l" defTabSz="449263" rtl="0" eaLnBrk="0" fontAlgn="base" hangingPunct="0">
+                <a:spcBef>
+                  <a:spcPct val="0"/>
+                </a:spcBef>
+                <a:spcAft>
+                  <a:spcPct val="0"/>
+                </a:spcAft>
+                <a:defRPr kern="1200">
+                  <a:solidFill>
+                    <a:schemeClr val="bg1"/>
+                  </a:solidFill>
+                  <a:latin typeface="Arial" panose="020B0604020202020204" pitchFamily="34" charset="0"/>
+                  <a:ea typeface="AR PL Mingti2L Big5" charset="0"/>
+                  <a:cs typeface="AR PL Mingti2L Big5" charset="0"/>
+                </a:defRPr>
+              </a:lvl1pPr>
+              <a:lvl2pPr marL="742950" indent="-285750" algn="l" defTabSz="449263" rtl="0" eaLnBrk="0" fontAlgn="base" hangingPunct="0">
+                <a:spcBef>
+                  <a:spcPct val="0"/>
+                </a:spcBef>
+                <a:spcAft>
+                  <a:spcPct val="0"/>
+                </a:spcAft>
+                <a:defRPr kern="1200">
+                  <a:solidFill>
+                    <a:schemeClr val="bg1"/>
+                  </a:solidFill>
+                  <a:latin typeface="Arial" panose="020B0604020202020204" pitchFamily="34" charset="0"/>
+                  <a:ea typeface="AR PL Mingti2L Big5" charset="0"/>
+                  <a:cs typeface="AR PL Mingti2L Big5" charset="0"/>
+                </a:defRPr>
+              </a:lvl2pPr>
+              <a:lvl3pPr marL="1143000" indent="-228600" algn="l" defTabSz="449263" rtl="0" eaLnBrk="0" fontAlgn="base" hangingPunct="0">
+                <a:spcBef>
+                  <a:spcPct val="0"/>
+                </a:spcBef>
+                <a:spcAft>
+                  <a:spcPct val="0"/>
+                </a:spcAft>
+                <a:defRPr kern="1200">
+                  <a:solidFill>
+                    <a:schemeClr val="bg1"/>
+                  </a:solidFill>
+                  <a:latin typeface="Arial" panose="020B0604020202020204" pitchFamily="34" charset="0"/>
+                  <a:ea typeface="AR PL Mingti2L Big5" charset="0"/>
+                  <a:cs typeface="AR PL Mingti2L Big5" charset="0"/>
+                </a:defRPr>
+              </a:lvl3pPr>
+              <a:lvl4pPr marL="1600200" indent="-228600" algn="l" defTabSz="449263" rtl="0" eaLnBrk="0" fontAlgn="base" hangingPunct="0">
+                <a:spcBef>
+                  <a:spcPct val="0"/>
+                </a:spcBef>
+                <a:spcAft>
+                  <a:spcPct val="0"/>
+                </a:spcAft>
+                <a:defRPr kern="1200">
+                  <a:solidFill>
+                    <a:schemeClr val="bg1"/>
+                  </a:solidFill>
+                  <a:latin typeface="Arial" panose="020B0604020202020204" pitchFamily="34" charset="0"/>
+                  <a:ea typeface="AR PL Mingti2L Big5" charset="0"/>
+                  <a:cs typeface="AR PL Mingti2L Big5" charset="0"/>
+                </a:defRPr>
+              </a:lvl4pPr>
+              <a:lvl5pPr marL="2057400" indent="-228600" algn="l" defTabSz="449263" rtl="0" eaLnBrk="0" fontAlgn="base" hangingPunct="0">
+                <a:spcBef>
+                  <a:spcPct val="0"/>
+                </a:spcBef>
+                <a:spcAft>
+                  <a:spcPct val="0"/>
+                </a:spcAft>
+                <a:defRPr kern="1200">
+                  <a:solidFill>
+                    <a:schemeClr val="bg1"/>
+                  </a:solidFill>
+                  <a:latin typeface="Arial" panose="020B0604020202020204" pitchFamily="34" charset="0"/>
+                  <a:ea typeface="AR PL Mingti2L Big5" charset="0"/>
+                  <a:cs typeface="AR PL Mingti2L Big5" charset="0"/>
+                </a:defRPr>
+              </a:lvl5pPr>
+              <a:lvl6pPr marL="2286000" algn="l" defTabSz="914400" rtl="0" eaLnBrk="1" latinLnBrk="0" hangingPunct="1">
+                <a:defRPr kern="1200">
+                  <a:solidFill>
+                    <a:schemeClr val="bg1"/>
+                  </a:solidFill>
+                  <a:latin typeface="Arial" panose="020B0604020202020204" pitchFamily="34" charset="0"/>
+                  <a:ea typeface="AR PL Mingti2L Big5" charset="0"/>
+                  <a:cs typeface="AR PL Mingti2L Big5" charset="0"/>
+                </a:defRPr>
+              </a:lvl6pPr>
+              <a:lvl7pPr marL="2743200" algn="l" defTabSz="914400" rtl="0" eaLnBrk="1" latinLnBrk="0" hangingPunct="1">
+                <a:defRPr kern="1200">
+                  <a:solidFill>
+                    <a:schemeClr val="bg1"/>
+                  </a:solidFill>
+                  <a:latin typeface="Arial" panose="020B0604020202020204" pitchFamily="34" charset="0"/>
+                  <a:ea typeface="AR PL Mingti2L Big5" charset="0"/>
+                  <a:cs typeface="AR PL Mingti2L Big5" charset="0"/>
+                </a:defRPr>
+              </a:lvl7pPr>
+              <a:lvl8pPr marL="3200400" algn="l" defTabSz="914400" rtl="0" eaLnBrk="1" latinLnBrk="0" hangingPunct="1">
+                <a:defRPr kern="1200">
+                  <a:solidFill>
+                    <a:schemeClr val="bg1"/>
+                  </a:solidFill>
+                  <a:latin typeface="Arial" panose="020B0604020202020204" pitchFamily="34" charset="0"/>
+                  <a:ea typeface="AR PL Mingti2L Big5" charset="0"/>
+                  <a:cs typeface="AR PL Mingti2L Big5" charset="0"/>
+                </a:defRPr>
+              </a:lvl8pPr>
+              <a:lvl9pPr marL="3657600" algn="l" defTabSz="914400" rtl="0" eaLnBrk="1" latinLnBrk="0" hangingPunct="1">
+                <a:defRPr kern="1200">
+                  <a:solidFill>
+                    <a:schemeClr val="bg1"/>
+                  </a:solidFill>
+                  <a:latin typeface="Arial" panose="020B0604020202020204" pitchFamily="34" charset="0"/>
+                  <a:ea typeface="AR PL Mingti2L Big5" charset="0"/>
+                  <a:cs typeface="AR PL Mingti2L Big5" charset="0"/>
+                </a:defRPr>
+              </a:lvl9pPr>
+            </a:lstStyle>
+            <a:p>
+              <a:r>
+                <a:rPr lang="fi-FI" sz="2400" dirty="0">
+                  <a:solidFill>
+                    <a:schemeClr val="tx1">
+                      <a:lumMod val="65000"/>
+                      <a:lumOff val="35000"/>
+                    </a:schemeClr>
+                  </a:solidFill>
+                </a:rPr>
+                <a:t>6</a:t>
+              </a:r>
+              <a:r>
+                <a:rPr lang="fi-FI" sz="2400" dirty="0" smtClean="0">
+                  <a:solidFill>
+                    <a:schemeClr val="tx1">
+                      <a:lumMod val="65000"/>
+                      <a:lumOff val="35000"/>
+                    </a:schemeClr>
+                  </a:solidFill>
+                </a:rPr>
+                <a:t> · 5 − 3</a:t>
+              </a:r>
+            </a:p>
+          </p:txBody>
+        </p:sp>
+        <p:sp>
+          <p:nvSpPr>
+            <p:cNvPr id="22" name="Suorakulmio 2"/>
+            <p:cNvSpPr/>
+            <p:nvPr/>
+          </p:nvSpPr>
+          <p:spPr>
+            <a:xfrm>
+              <a:off x="1873023" y="2962977"/>
+              <a:ext cx="1390170" cy="461665"/>
             </a:xfrm>
             <a:prstGeom prst="rect">
               <a:avLst/>
@@ -16458,159 +16081,19 @@
                     </a:schemeClr>
                   </a:solidFill>
                 </a:rPr>
-                <a:t>(4 + 5) * (3 + 6)</a:t>
+                <a:t>4</a:t>
               </a:r>
-            </a:p>
-          </p:txBody>
-        </p:sp>
-        <p:sp>
-          <p:nvSpPr>
-            <p:cNvPr id="22" name="Suorakulmio 2"/>
-            <p:cNvSpPr/>
-            <p:nvPr/>
-          </p:nvSpPr>
-          <p:spPr>
-            <a:xfrm>
-              <a:off x="1873023" y="2962977"/>
-              <a:ext cx="2686314" cy="461665"/>
-            </a:xfrm>
-            <a:prstGeom prst="rect">
-              <a:avLst/>
-            </a:prstGeom>
-            <a:solidFill>
-              <a:srgbClr val="FFE593"/>
-            </a:solidFill>
-          </p:spPr>
-          <p:txBody>
-            <a:bodyPr wrap="square">
-              <a:spAutoFit/>
-            </a:bodyPr>
-            <a:lstStyle>
-              <a:defPPr>
-                <a:defRPr lang="en-GB"/>
-              </a:defPPr>
-              <a:lvl1pPr algn="l" defTabSz="449263" rtl="0" eaLnBrk="0" fontAlgn="base" hangingPunct="0">
-                <a:spcBef>
-                  <a:spcPct val="0"/>
-                </a:spcBef>
-                <a:spcAft>
-                  <a:spcPct val="0"/>
-                </a:spcAft>
-                <a:defRPr kern="1200">
+              <a:r>
+                <a:rPr lang="fi-FI" sz="2400" dirty="0">
                   <a:solidFill>
-                    <a:schemeClr val="bg1"/>
+                    <a:schemeClr val="tx1">
+                      <a:lumMod val="65000"/>
+                      <a:lumOff val="35000"/>
+                    </a:schemeClr>
                   </a:solidFill>
-                  <a:latin typeface="Arial" panose="020B0604020202020204" pitchFamily="34" charset="0"/>
-                  <a:ea typeface="AR PL Mingti2L Big5" charset="0"/>
-                  <a:cs typeface="AR PL Mingti2L Big5" charset="0"/>
-                </a:defRPr>
-              </a:lvl1pPr>
-              <a:lvl2pPr marL="742950" indent="-285750" algn="l" defTabSz="449263" rtl="0" eaLnBrk="0" fontAlgn="base" hangingPunct="0">
-                <a:spcBef>
-                  <a:spcPct val="0"/>
-                </a:spcBef>
-                <a:spcAft>
-                  <a:spcPct val="0"/>
-                </a:spcAft>
-                <a:defRPr kern="1200">
-                  <a:solidFill>
-                    <a:schemeClr val="bg1"/>
-                  </a:solidFill>
-                  <a:latin typeface="Arial" panose="020B0604020202020204" pitchFamily="34" charset="0"/>
-                  <a:ea typeface="AR PL Mingti2L Big5" charset="0"/>
-                  <a:cs typeface="AR PL Mingti2L Big5" charset="0"/>
-                </a:defRPr>
-              </a:lvl2pPr>
-              <a:lvl3pPr marL="1143000" indent="-228600" algn="l" defTabSz="449263" rtl="0" eaLnBrk="0" fontAlgn="base" hangingPunct="0">
-                <a:spcBef>
-                  <a:spcPct val="0"/>
-                </a:spcBef>
-                <a:spcAft>
-                  <a:spcPct val="0"/>
-                </a:spcAft>
-                <a:defRPr kern="1200">
-                  <a:solidFill>
-                    <a:schemeClr val="bg1"/>
-                  </a:solidFill>
-                  <a:latin typeface="Arial" panose="020B0604020202020204" pitchFamily="34" charset="0"/>
-                  <a:ea typeface="AR PL Mingti2L Big5" charset="0"/>
-                  <a:cs typeface="AR PL Mingti2L Big5" charset="0"/>
-                </a:defRPr>
-              </a:lvl3pPr>
-              <a:lvl4pPr marL="1600200" indent="-228600" algn="l" defTabSz="449263" rtl="0" eaLnBrk="0" fontAlgn="base" hangingPunct="0">
-                <a:spcBef>
-                  <a:spcPct val="0"/>
-                </a:spcBef>
-                <a:spcAft>
-                  <a:spcPct val="0"/>
-                </a:spcAft>
-                <a:defRPr kern="1200">
-                  <a:solidFill>
-                    <a:schemeClr val="bg1"/>
-                  </a:solidFill>
-                  <a:latin typeface="Arial" panose="020B0604020202020204" pitchFamily="34" charset="0"/>
-                  <a:ea typeface="AR PL Mingti2L Big5" charset="0"/>
-                  <a:cs typeface="AR PL Mingti2L Big5" charset="0"/>
-                </a:defRPr>
-              </a:lvl4pPr>
-              <a:lvl5pPr marL="2057400" indent="-228600" algn="l" defTabSz="449263" rtl="0" eaLnBrk="0" fontAlgn="base" hangingPunct="0">
-                <a:spcBef>
-                  <a:spcPct val="0"/>
-                </a:spcBef>
-                <a:spcAft>
-                  <a:spcPct val="0"/>
-                </a:spcAft>
-                <a:defRPr kern="1200">
-                  <a:solidFill>
-                    <a:schemeClr val="bg1"/>
-                  </a:solidFill>
-                  <a:latin typeface="Arial" panose="020B0604020202020204" pitchFamily="34" charset="0"/>
-                  <a:ea typeface="AR PL Mingti2L Big5" charset="0"/>
-                  <a:cs typeface="AR PL Mingti2L Big5" charset="0"/>
-                </a:defRPr>
-              </a:lvl5pPr>
-              <a:lvl6pPr marL="2286000" algn="l" defTabSz="914400" rtl="0" eaLnBrk="1" latinLnBrk="0" hangingPunct="1">
-                <a:defRPr kern="1200">
-                  <a:solidFill>
-                    <a:schemeClr val="bg1"/>
-                  </a:solidFill>
-                  <a:latin typeface="Arial" panose="020B0604020202020204" pitchFamily="34" charset="0"/>
-                  <a:ea typeface="AR PL Mingti2L Big5" charset="0"/>
-                  <a:cs typeface="AR PL Mingti2L Big5" charset="0"/>
-                </a:defRPr>
-              </a:lvl6pPr>
-              <a:lvl7pPr marL="2743200" algn="l" defTabSz="914400" rtl="0" eaLnBrk="1" latinLnBrk="0" hangingPunct="1">
-                <a:defRPr kern="1200">
-                  <a:solidFill>
-                    <a:schemeClr val="bg1"/>
-                  </a:solidFill>
-                  <a:latin typeface="Arial" panose="020B0604020202020204" pitchFamily="34" charset="0"/>
-                  <a:ea typeface="AR PL Mingti2L Big5" charset="0"/>
-                  <a:cs typeface="AR PL Mingti2L Big5" charset="0"/>
-                </a:defRPr>
-              </a:lvl7pPr>
-              <a:lvl8pPr marL="3200400" algn="l" defTabSz="914400" rtl="0" eaLnBrk="1" latinLnBrk="0" hangingPunct="1">
-                <a:defRPr kern="1200">
-                  <a:solidFill>
-                    <a:schemeClr val="bg1"/>
-                  </a:solidFill>
-                  <a:latin typeface="Arial" panose="020B0604020202020204" pitchFamily="34" charset="0"/>
-                  <a:ea typeface="AR PL Mingti2L Big5" charset="0"/>
-                  <a:cs typeface="AR PL Mingti2L Big5" charset="0"/>
-                </a:defRPr>
-              </a:lvl8pPr>
-              <a:lvl9pPr marL="3657600" algn="l" defTabSz="914400" rtl="0" eaLnBrk="1" latinLnBrk="0" hangingPunct="1">
-                <a:defRPr kern="1200">
-                  <a:solidFill>
-                    <a:schemeClr val="bg1"/>
-                  </a:solidFill>
-                  <a:latin typeface="Arial" panose="020B0604020202020204" pitchFamily="34" charset="0"/>
-                  <a:ea typeface="AR PL Mingti2L Big5" charset="0"/>
-                  <a:cs typeface="AR PL Mingti2L Big5" charset="0"/>
-                </a:defRPr>
-              </a:lvl9pPr>
-            </a:lstStyle>
-            <a:p>
+                </a:rPr>
+                <a:t> </a:t>
+              </a:r>
               <a:r>
                 <a:rPr lang="fi-FI" sz="2400" dirty="0" smtClean="0">
                   <a:solidFill>
@@ -16620,7 +16103,7 @@
                     </a:schemeClr>
                   </a:solidFill>
                 </a:rPr>
-                <a:t>(10 – 2)  * (14 – 6)</a:t>
+                <a:t>+ 3 · 6</a:t>
               </a:r>
               <a:endParaRPr lang="fi-FI" sz="2400" dirty="0">
                 <a:solidFill>
@@ -16732,7 +16215,25 @@
                   </a:solidFill>
                   <a:latin typeface="Arial" charset="0"/>
                 </a:rPr>
-                <a:t>oma laskutoimitus ensin kynällä ja paperilla, ja laske sitten laskutoimituksesi interaktioikkunassa</a:t>
+                <a:t>oma </a:t>
+              </a:r>
+              <a:r>
+                <a:rPr lang="fi-FI" sz="2200" dirty="0" smtClean="0">
+                  <a:solidFill>
+                    <a:schemeClr val="tx1"/>
+                  </a:solidFill>
+                  <a:latin typeface="Arial" charset="0"/>
+                </a:rPr>
+                <a:t>laskulauseke ja kirjoita se muistiin. Laske laskun vastaus </a:t>
+              </a:r>
+              <a:r>
+                <a:rPr lang="fi-FI" sz="2200" dirty="0">
+                  <a:solidFill>
+                    <a:schemeClr val="tx1"/>
+                  </a:solidFill>
+                  <a:latin typeface="Arial" charset="0"/>
+                </a:rPr>
+                <a:t>interaktioikkunassa</a:t>
               </a:r>
               <a:r>
                 <a:rPr lang="fi-FI" sz="2200" dirty="0" smtClean="0">
@@ -16921,7 +16422,7 @@
                   </a:schemeClr>
                 </a:solidFill>
               </a:rPr>
-              <a:t>-</a:t>
+              <a:t>−</a:t>
             </a:r>
             <a:r>
               <a:rPr lang="fi-FI" sz="2400" dirty="0" smtClean="0">
@@ -17028,13 +16529,22 @@
             <a:lstStyle/>
             <a:p>
               <a:r>
+                <a:rPr lang="fi-FI" sz="2200" dirty="0" smtClean="0">
+                  <a:solidFill>
+                    <a:schemeClr val="tx1"/>
+                  </a:solidFill>
+                  <a:latin typeface="Arial" charset="0"/>
+                </a:rPr>
+                <a:t>Tutki, pystyykö interaktioikkunassa laskemaan suurilla luvuilla. Kokeile esimerkiksi laskea, kuinka paljon on 10000 · 999999</a:t>
+              </a:r>
+              <a:r>
                 <a:rPr lang="fi-FI" sz="2200" dirty="0">
                   <a:solidFill>
                     <a:schemeClr val="tx1"/>
                   </a:solidFill>
                   <a:latin typeface="Arial" charset="0"/>
                 </a:rPr>
-                <a:t>Tutki pystytkö laskemaan interaktioikkunassa suurilla luvuilla. Kokeile esimerkiksi laskea paljonko on 10000*999999.</a:t>
+                <a:t>.</a:t>
               </a:r>
             </a:p>
             <a:p>
@@ -17048,6 +16558,168 @@
           </p:txBody>
         </p:sp>
       </p:grpSp>
+      <p:sp>
+        <p:nvSpPr>
+          <p:cNvPr id="23" name="Suorakulmio 2"/>
+          <p:cNvSpPr/>
+          <p:nvPr/>
+        </p:nvSpPr>
+        <p:spPr>
+          <a:xfrm>
+            <a:off x="5593936" y="2819963"/>
+            <a:ext cx="1569818" cy="461665"/>
+          </a:xfrm>
+          <a:prstGeom prst="rect">
+            <a:avLst/>
+          </a:prstGeom>
+          <a:solidFill>
+            <a:srgbClr val="FFE593"/>
+          </a:solidFill>
+        </p:spPr>
+        <p:txBody>
+          <a:bodyPr wrap="square">
+            <a:spAutoFit/>
+          </a:bodyPr>
+          <a:lstStyle>
+            <a:defPPr>
+              <a:defRPr lang="en-GB"/>
+            </a:defPPr>
+            <a:lvl1pPr algn="l" defTabSz="449263" rtl="0" eaLnBrk="0" fontAlgn="base" hangingPunct="0">
+              <a:spcBef>
+                <a:spcPct val="0"/>
+              </a:spcBef>
+              <a:spcAft>
+                <a:spcPct val="0"/>
+              </a:spcAft>
+              <a:defRPr kern="1200">
+                <a:solidFill>
+                  <a:schemeClr val="bg1"/>
+                </a:solidFill>
+                <a:latin typeface="Arial" panose="020B0604020202020204" pitchFamily="34" charset="0"/>
+                <a:ea typeface="AR PL Mingti2L Big5" charset="0"/>
+                <a:cs typeface="AR PL Mingti2L Big5" charset="0"/>
+              </a:defRPr>
+            </a:lvl1pPr>
+            <a:lvl2pPr marL="742950" indent="-285750" algn="l" defTabSz="449263" rtl="0" eaLnBrk="0" fontAlgn="base" hangingPunct="0">
+              <a:spcBef>
+                <a:spcPct val="0"/>
+              </a:spcBef>
+              <a:spcAft>
+                <a:spcPct val="0"/>
+              </a:spcAft>
+              <a:defRPr kern="1200">
+                <a:solidFill>
+                  <a:schemeClr val="bg1"/>
+                </a:solidFill>
+                <a:latin typeface="Arial" panose="020B0604020202020204" pitchFamily="34" charset="0"/>
+                <a:ea typeface="AR PL Mingti2L Big5" charset="0"/>
+                <a:cs typeface="AR PL Mingti2L Big5" charset="0"/>
+              </a:defRPr>
+            </a:lvl2pPr>
+            <a:lvl3pPr marL="1143000" indent="-228600" algn="l" defTabSz="449263" rtl="0" eaLnBrk="0" fontAlgn="base" hangingPunct="0">
+              <a:spcBef>
+                <a:spcPct val="0"/>
+              </a:spcBef>
+              <a:spcAft>
+                <a:spcPct val="0"/>
+              </a:spcAft>
+              <a:defRPr kern="1200">
+                <a:solidFill>
+                  <a:schemeClr val="bg1"/>
+                </a:solidFill>
+                <a:latin typeface="Arial" panose="020B0604020202020204" pitchFamily="34" charset="0"/>
+                <a:ea typeface="AR PL Mingti2L Big5" charset="0"/>
+                <a:cs typeface="AR PL Mingti2L Big5" charset="0"/>
+              </a:defRPr>
+            </a:lvl3pPr>
+            <a:lvl4pPr marL="1600200" indent="-228600" algn="l" defTabSz="449263" rtl="0" eaLnBrk="0" fontAlgn="base" hangingPunct="0">
+              <a:spcBef>
+                <a:spcPct val="0"/>
+              </a:spcBef>
+              <a:spcAft>
+                <a:spcPct val="0"/>
+              </a:spcAft>
+              <a:defRPr kern="1200">
+                <a:solidFill>
+                  <a:schemeClr val="bg1"/>
+                </a:solidFill>
+                <a:latin typeface="Arial" panose="020B0604020202020204" pitchFamily="34" charset="0"/>
+                <a:ea typeface="AR PL Mingti2L Big5" charset="0"/>
+                <a:cs typeface="AR PL Mingti2L Big5" charset="0"/>
+              </a:defRPr>
+            </a:lvl4pPr>
+            <a:lvl5pPr marL="2057400" indent="-228600" algn="l" defTabSz="449263" rtl="0" eaLnBrk="0" fontAlgn="base" hangingPunct="0">
+              <a:spcBef>
+                <a:spcPct val="0"/>
+              </a:spcBef>
+              <a:spcAft>
+                <a:spcPct val="0"/>
+              </a:spcAft>
+              <a:defRPr kern="1200">
+                <a:solidFill>
+                  <a:schemeClr val="bg1"/>
+                </a:solidFill>
+                <a:latin typeface="Arial" panose="020B0604020202020204" pitchFamily="34" charset="0"/>
+                <a:ea typeface="AR PL Mingti2L Big5" charset="0"/>
+                <a:cs typeface="AR PL Mingti2L Big5" charset="0"/>
+              </a:defRPr>
+            </a:lvl5pPr>
+            <a:lvl6pPr marL="2286000" algn="l" defTabSz="914400" rtl="0" eaLnBrk="1" latinLnBrk="0" hangingPunct="1">
+              <a:defRPr kern="1200">
+                <a:solidFill>
+                  <a:schemeClr val="bg1"/>
+                </a:solidFill>
+                <a:latin typeface="Arial" panose="020B0604020202020204" pitchFamily="34" charset="0"/>
+                <a:ea typeface="AR PL Mingti2L Big5" charset="0"/>
+                <a:cs typeface="AR PL Mingti2L Big5" charset="0"/>
+              </a:defRPr>
+            </a:lvl6pPr>
+            <a:lvl7pPr marL="2743200" algn="l" defTabSz="914400" rtl="0" eaLnBrk="1" latinLnBrk="0" hangingPunct="1">
+              <a:defRPr kern="1200">
+                <a:solidFill>
+                  <a:schemeClr val="bg1"/>
+                </a:solidFill>
+                <a:latin typeface="Arial" panose="020B0604020202020204" pitchFamily="34" charset="0"/>
+                <a:ea typeface="AR PL Mingti2L Big5" charset="0"/>
+                <a:cs typeface="AR PL Mingti2L Big5" charset="0"/>
+              </a:defRPr>
+            </a:lvl7pPr>
+            <a:lvl8pPr marL="3200400" algn="l" defTabSz="914400" rtl="0" eaLnBrk="1" latinLnBrk="0" hangingPunct="1">
+              <a:defRPr kern="1200">
+                <a:solidFill>
+                  <a:schemeClr val="bg1"/>
+                </a:solidFill>
+                <a:latin typeface="Arial" panose="020B0604020202020204" pitchFamily="34" charset="0"/>
+                <a:ea typeface="AR PL Mingti2L Big5" charset="0"/>
+                <a:cs typeface="AR PL Mingti2L Big5" charset="0"/>
+              </a:defRPr>
+            </a:lvl8pPr>
+            <a:lvl9pPr marL="3657600" algn="l" defTabSz="914400" rtl="0" eaLnBrk="1" latinLnBrk="0" hangingPunct="1">
+              <a:defRPr kern="1200">
+                <a:solidFill>
+                  <a:schemeClr val="bg1"/>
+                </a:solidFill>
+                <a:latin typeface="Arial" panose="020B0604020202020204" pitchFamily="34" charset="0"/>
+                <a:ea typeface="AR PL Mingti2L Big5" charset="0"/>
+                <a:cs typeface="AR PL Mingti2L Big5" charset="0"/>
+              </a:defRPr>
+            </a:lvl9pPr>
+          </a:lstStyle>
+          <a:p>
+            <a:r>
+              <a:rPr lang="fi-FI" sz="2400" dirty="0" smtClean="0">
+                <a:solidFill>
+                  <a:schemeClr val="tx1">
+                    <a:lumMod val="65000"/>
+                    <a:lumOff val="35000"/>
+                  </a:schemeClr>
+                </a:solidFill>
+              </a:rPr>
+              <a:t>20 − 3 · 5 </a:t>
+            </a:r>
+          </a:p>
+        </p:txBody>
+      </p:sp>
     </p:spTree>
     <p:extLst>
       <p:ext uri="{BB962C8B-B14F-4D97-AF65-F5344CB8AC3E}">
@@ -17068,7 +16740,7 @@
 </p:sld>
 </file>
 
-<file path=ppt/slides/slide17.xml><?xml version="1.0" encoding="utf-8"?>
+<file path=ppt/slides/slide16.xml><?xml version="1.0" encoding="utf-8"?>
 <p:sld xmlns:a="http://schemas.openxmlformats.org/drawingml/2006/main" xmlns:r="http://schemas.openxmlformats.org/officeDocument/2006/relationships" xmlns:p="http://schemas.openxmlformats.org/presentationml/2006/main">
   <p:cSld>
     <p:spTree>
@@ -17523,7 +17195,7 @@
                   <a:schemeClr val="tx1"/>
                 </a:solidFill>
               </a:rPr>
-              <a:t>(12–3)* (7-3) kirjoittamista määrittelyikkunaan.</a:t>
+              <a:t>(12 − 3) · (7 − 3) kirjoittamista määrittelyikkunaan.</a:t>
             </a:r>
             <a:endParaRPr lang="fi-FI" dirty="0">
               <a:solidFill>
@@ -17839,7 +17511,7 @@
 </p:sld>
 </file>
 
-<file path=ppt/slides/slide18.xml><?xml version="1.0" encoding="utf-8"?>
+<file path=ppt/slides/slide17.xml><?xml version="1.0" encoding="utf-8"?>
 <p:sld xmlns:a="http://schemas.openxmlformats.org/drawingml/2006/main" xmlns:r="http://schemas.openxmlformats.org/officeDocument/2006/relationships" xmlns:p="http://schemas.openxmlformats.org/presentationml/2006/main">
   <p:cSld>
     <p:spTree>
@@ -18265,7 +17937,7 @@
         <p:spPr>
           <a:xfrm>
             <a:off x="405542" y="1640599"/>
-            <a:ext cx="8078364" cy="923330"/>
+            <a:ext cx="8078364" cy="1200329"/>
           </a:xfrm>
           <a:prstGeom prst="rect">
             <a:avLst/>
@@ -18332,7 +18004,23 @@
                   <a:schemeClr val="tx1"/>
                 </a:solidFill>
               </a:rPr>
-              <a:t>-näppäimen avulla kuinka laskutoimitus lasketaan vaiheittain. </a:t>
+              <a:t>-näppäimen avulla kuinka laskutoimitus lasketaan vaiheittain. Koodin suorittaminen vaiheittain ei onnistu </a:t>
+            </a:r>
+            <a:r>
+              <a:rPr lang="fi-FI" dirty="0" err="1" smtClean="0">
+                <a:solidFill>
+                  <a:schemeClr val="tx1"/>
+                </a:solidFill>
+              </a:rPr>
+              <a:t>WeSchemessä</a:t>
+            </a:r>
+            <a:r>
+              <a:rPr lang="fi-FI" dirty="0" smtClean="0">
+                <a:solidFill>
+                  <a:schemeClr val="tx1"/>
+                </a:solidFill>
+              </a:rPr>
+              <a:t>.</a:t>
             </a:r>
             <a:endParaRPr lang="fi-FI" dirty="0">
               <a:solidFill>
@@ -18599,7 +18287,7 @@
         </p:blipFill>
         <p:spPr>
           <a:xfrm>
-            <a:off x="451196" y="2653099"/>
+            <a:off x="451196" y="2837249"/>
             <a:ext cx="5337900" cy="1180185"/>
           </a:xfrm>
           <a:prstGeom prst="rect">
@@ -18739,7 +18427,7 @@
         </p:blipFill>
         <p:spPr>
           <a:xfrm>
-            <a:off x="6761461" y="2477424"/>
+            <a:off x="6881514" y="2616161"/>
             <a:ext cx="755468" cy="348678"/>
           </a:xfrm>
           <a:prstGeom prst="rect">
@@ -18751,6 +18439,683 @@
     <p:extLst>
       <p:ext uri="{BB962C8B-B14F-4D97-AF65-F5344CB8AC3E}">
         <p14:creationId xmlns:p14="http://schemas.microsoft.com/office/powerpoint/2010/main" val="1023919550"/>
+      </p:ext>
+    </p:extLst>
+  </p:cSld>
+  <p:clrMapOvr>
+    <a:masterClrMapping/>
+  </p:clrMapOvr>
+  <p:timing>
+    <p:tnLst>
+      <p:par>
+        <p:cTn id="1" dur="indefinite" restart="never" nodeType="tmRoot"/>
+      </p:par>
+    </p:tnLst>
+  </p:timing>
+</p:sld>
+</file>
+
+<file path=ppt/slides/slide18.xml><?xml version="1.0" encoding="utf-8"?>
+<p:sld xmlns:a="http://schemas.openxmlformats.org/drawingml/2006/main" xmlns:r="http://schemas.openxmlformats.org/officeDocument/2006/relationships" xmlns:p="http://schemas.openxmlformats.org/presentationml/2006/main">
+  <p:cSld>
+    <p:spTree>
+      <p:nvGrpSpPr>
+        <p:cNvPr id="1" name=""/>
+        <p:cNvGrpSpPr/>
+        <p:nvPr/>
+      </p:nvGrpSpPr>
+      <p:grpSpPr>
+        <a:xfrm>
+          <a:off x="0" y="0"/>
+          <a:ext cx="0" cy="0"/>
+          <a:chOff x="0" y="0"/>
+          <a:chExt cx="0" cy="0"/>
+        </a:xfrm>
+      </p:grpSpPr>
+      <p:pic>
+        <p:nvPicPr>
+          <p:cNvPr id="3" name="Picture 8" descr="https://avatars0.githubusercontent.com/u/232371?v=3&amp;s=400"/>
+          <p:cNvPicPr>
+            <a:picLocks noChangeAspect="1" noChangeArrowheads="1"/>
+          </p:cNvPicPr>
+          <p:nvPr/>
+        </p:nvPicPr>
+        <p:blipFill>
+          <a:blip r:embed="rId2" cstate="print">
+            <a:extLst>
+              <a:ext uri="{28A0092B-C50C-407E-A947-70E740481C1C}">
+                <a14:useLocalDpi xmlns:a14="http://schemas.microsoft.com/office/drawing/2010/main" val="0"/>
+              </a:ext>
+            </a:extLst>
+          </a:blip>
+          <a:srcRect/>
+          <a:stretch>
+            <a:fillRect/>
+          </a:stretch>
+        </p:blipFill>
+        <p:spPr bwMode="auto">
+          <a:xfrm>
+            <a:off x="405542" y="5262205"/>
+            <a:ext cx="1254667" cy="1254668"/>
+          </a:xfrm>
+          <a:prstGeom prst="rect">
+            <a:avLst/>
+          </a:prstGeom>
+          <a:noFill/>
+          <a:ln>
+            <a:noFill/>
+          </a:ln>
+          <a:extLst>
+            <a:ext uri="{909E8E84-426E-40DD-AFC4-6F175D3DCCD1}">
+              <a14:hiddenFill xmlns:a14="http://schemas.microsoft.com/office/drawing/2010/main">
+                <a:solidFill>
+                  <a:srgbClr val="FFFFFF"/>
+                </a:solidFill>
+              </a14:hiddenFill>
+            </a:ext>
+            <a:ext uri="{91240B29-F687-4F45-9708-019B960494DF}">
+              <a14:hiddenLine xmlns:a14="http://schemas.microsoft.com/office/drawing/2010/main" w="9525">
+                <a:solidFill>
+                  <a:srgbClr val="000000"/>
+                </a:solidFill>
+                <a:miter lim="800000"/>
+                <a:headEnd/>
+                <a:tailEnd/>
+              </a14:hiddenLine>
+            </a:ext>
+          </a:extLst>
+        </p:spPr>
+      </p:pic>
+      <p:sp>
+        <p:nvSpPr>
+          <p:cNvPr id="10" name="Otsikko 1"/>
+          <p:cNvSpPr txBox="1">
+            <a:spLocks/>
+          </p:cNvSpPr>
+          <p:nvPr/>
+        </p:nvSpPr>
+        <p:spPr bwMode="auto">
+          <a:xfrm>
+            <a:off x="380390" y="393481"/>
+            <a:ext cx="7884368" cy="1163866"/>
+          </a:xfrm>
+          <a:prstGeom prst="rect">
+            <a:avLst/>
+          </a:prstGeom>
+          <a:noFill/>
+          <a:ln>
+            <a:noFill/>
+          </a:ln>
+          <a:extLst>
+            <a:ext uri="{909E8E84-426E-40DD-AFC4-6F175D3DCCD1}">
+              <a14:hiddenFill xmlns:a14="http://schemas.microsoft.com/office/drawing/2010/main">
+                <a:solidFill>
+                  <a:srgbClr val="FFFFFF"/>
+                </a:solidFill>
+              </a14:hiddenFill>
+            </a:ext>
+            <a:ext uri="{91240B29-F687-4F45-9708-019B960494DF}">
+              <a14:hiddenLine xmlns:a14="http://schemas.microsoft.com/office/drawing/2010/main" w="9525">
+                <a:solidFill>
+                  <a:srgbClr val="000000"/>
+                </a:solidFill>
+                <a:round/>
+                <a:headEnd/>
+                <a:tailEnd/>
+              </a14:hiddenLine>
+            </a:ext>
+          </a:extLst>
+        </p:spPr>
+        <p:txBody>
+          <a:bodyPr vert="horz" wrap="square" lIns="90000" tIns="46800" rIns="90000" bIns="46800" numCol="1" anchor="ctr" anchorCtr="0" compatLnSpc="1">
+            <a:prstTxWarp prst="textNoShape">
+              <a:avLst/>
+            </a:prstTxWarp>
+          </a:bodyPr>
+          <a:lstStyle>
+            <a:lvl1pPr algn="ctr" defTabSz="449263" rtl="0" eaLnBrk="0" fontAlgn="base" hangingPunct="0">
+              <a:spcBef>
+                <a:spcPct val="0"/>
+              </a:spcBef>
+              <a:spcAft>
+                <a:spcPct val="0"/>
+              </a:spcAft>
+              <a:buClr>
+                <a:srgbClr val="000000"/>
+              </a:buClr>
+              <a:buSzPct val="100000"/>
+              <a:buFont typeface="Times New Roman" panose="02020603050405020304" pitchFamily="18" charset="0"/>
+              <a:defRPr sz="4400">
+                <a:solidFill>
+                  <a:srgbClr val="000000"/>
+                </a:solidFill>
+                <a:latin typeface="+mj-lt"/>
+                <a:ea typeface="+mj-ea"/>
+                <a:cs typeface="+mj-cs"/>
+              </a:defRPr>
+            </a:lvl1pPr>
+            <a:lvl2pPr algn="ctr" defTabSz="449263" rtl="0" eaLnBrk="0" fontAlgn="base" hangingPunct="0">
+              <a:spcBef>
+                <a:spcPct val="0"/>
+              </a:spcBef>
+              <a:spcAft>
+                <a:spcPct val="0"/>
+              </a:spcAft>
+              <a:buClr>
+                <a:srgbClr val="000000"/>
+              </a:buClr>
+              <a:buSzPct val="100000"/>
+              <a:buFont typeface="Times New Roman" panose="02020603050405020304" pitchFamily="18" charset="0"/>
+              <a:defRPr sz="4400">
+                <a:solidFill>
+                  <a:srgbClr val="000000"/>
+                </a:solidFill>
+                <a:latin typeface="Arial" charset="0"/>
+                <a:ea typeface="AR PL Mingti2L Big5" charset="0"/>
+                <a:cs typeface="AR PL Mingti2L Big5" charset="0"/>
+              </a:defRPr>
+            </a:lvl2pPr>
+            <a:lvl3pPr algn="ctr" defTabSz="449263" rtl="0" eaLnBrk="0" fontAlgn="base" hangingPunct="0">
+              <a:spcBef>
+                <a:spcPct val="0"/>
+              </a:spcBef>
+              <a:spcAft>
+                <a:spcPct val="0"/>
+              </a:spcAft>
+              <a:buClr>
+                <a:srgbClr val="000000"/>
+              </a:buClr>
+              <a:buSzPct val="100000"/>
+              <a:buFont typeface="Times New Roman" panose="02020603050405020304" pitchFamily="18" charset="0"/>
+              <a:defRPr sz="4400">
+                <a:solidFill>
+                  <a:srgbClr val="000000"/>
+                </a:solidFill>
+                <a:latin typeface="Arial" charset="0"/>
+                <a:ea typeface="AR PL Mingti2L Big5" charset="0"/>
+                <a:cs typeface="AR PL Mingti2L Big5" charset="0"/>
+              </a:defRPr>
+            </a:lvl3pPr>
+            <a:lvl4pPr algn="ctr" defTabSz="449263" rtl="0" eaLnBrk="0" fontAlgn="base" hangingPunct="0">
+              <a:spcBef>
+                <a:spcPct val="0"/>
+              </a:spcBef>
+              <a:spcAft>
+                <a:spcPct val="0"/>
+              </a:spcAft>
+              <a:buClr>
+                <a:srgbClr val="000000"/>
+              </a:buClr>
+              <a:buSzPct val="100000"/>
+              <a:buFont typeface="Times New Roman" panose="02020603050405020304" pitchFamily="18" charset="0"/>
+              <a:defRPr sz="4400">
+                <a:solidFill>
+                  <a:srgbClr val="000000"/>
+                </a:solidFill>
+                <a:latin typeface="Arial" charset="0"/>
+                <a:ea typeface="AR PL Mingti2L Big5" charset="0"/>
+                <a:cs typeface="AR PL Mingti2L Big5" charset="0"/>
+              </a:defRPr>
+            </a:lvl4pPr>
+            <a:lvl5pPr algn="ctr" defTabSz="449263" rtl="0" eaLnBrk="0" fontAlgn="base" hangingPunct="0">
+              <a:spcBef>
+                <a:spcPct val="0"/>
+              </a:spcBef>
+              <a:spcAft>
+                <a:spcPct val="0"/>
+              </a:spcAft>
+              <a:buClr>
+                <a:srgbClr val="000000"/>
+              </a:buClr>
+              <a:buSzPct val="100000"/>
+              <a:buFont typeface="Times New Roman" panose="02020603050405020304" pitchFamily="18" charset="0"/>
+              <a:defRPr sz="4400">
+                <a:solidFill>
+                  <a:srgbClr val="000000"/>
+                </a:solidFill>
+                <a:latin typeface="Arial" charset="0"/>
+                <a:ea typeface="AR PL Mingti2L Big5" charset="0"/>
+                <a:cs typeface="AR PL Mingti2L Big5" charset="0"/>
+              </a:defRPr>
+            </a:lvl5pPr>
+            <a:lvl6pPr marL="2514600" indent="-228600" algn="ctr" defTabSz="449263" rtl="0" fontAlgn="base">
+              <a:spcBef>
+                <a:spcPct val="0"/>
+              </a:spcBef>
+              <a:spcAft>
+                <a:spcPct val="0"/>
+              </a:spcAft>
+              <a:buClr>
+                <a:srgbClr val="000000"/>
+              </a:buClr>
+              <a:buSzPct val="100000"/>
+              <a:buFont typeface="Times New Roman" pitchFamily="16" charset="0"/>
+              <a:defRPr sz="4400">
+                <a:solidFill>
+                  <a:srgbClr val="000000"/>
+                </a:solidFill>
+                <a:latin typeface="Arial" charset="0"/>
+                <a:ea typeface="AR PL Mingti2L Big5" charset="0"/>
+                <a:cs typeface="AR PL Mingti2L Big5" charset="0"/>
+              </a:defRPr>
+            </a:lvl6pPr>
+            <a:lvl7pPr marL="2971800" indent="-228600" algn="ctr" defTabSz="449263" rtl="0" fontAlgn="base">
+              <a:spcBef>
+                <a:spcPct val="0"/>
+              </a:spcBef>
+              <a:spcAft>
+                <a:spcPct val="0"/>
+              </a:spcAft>
+              <a:buClr>
+                <a:srgbClr val="000000"/>
+              </a:buClr>
+              <a:buSzPct val="100000"/>
+              <a:buFont typeface="Times New Roman" pitchFamily="16" charset="0"/>
+              <a:defRPr sz="4400">
+                <a:solidFill>
+                  <a:srgbClr val="000000"/>
+                </a:solidFill>
+                <a:latin typeface="Arial" charset="0"/>
+                <a:ea typeface="AR PL Mingti2L Big5" charset="0"/>
+                <a:cs typeface="AR PL Mingti2L Big5" charset="0"/>
+              </a:defRPr>
+            </a:lvl7pPr>
+            <a:lvl8pPr marL="3429000" indent="-228600" algn="ctr" defTabSz="449263" rtl="0" fontAlgn="base">
+              <a:spcBef>
+                <a:spcPct val="0"/>
+              </a:spcBef>
+              <a:spcAft>
+                <a:spcPct val="0"/>
+              </a:spcAft>
+              <a:buClr>
+                <a:srgbClr val="000000"/>
+              </a:buClr>
+              <a:buSzPct val="100000"/>
+              <a:buFont typeface="Times New Roman" pitchFamily="16" charset="0"/>
+              <a:defRPr sz="4400">
+                <a:solidFill>
+                  <a:srgbClr val="000000"/>
+                </a:solidFill>
+                <a:latin typeface="Arial" charset="0"/>
+                <a:ea typeface="AR PL Mingti2L Big5" charset="0"/>
+                <a:cs typeface="AR PL Mingti2L Big5" charset="0"/>
+              </a:defRPr>
+            </a:lvl8pPr>
+            <a:lvl9pPr marL="3886200" indent="-228600" algn="ctr" defTabSz="449263" rtl="0" fontAlgn="base">
+              <a:spcBef>
+                <a:spcPct val="0"/>
+              </a:spcBef>
+              <a:spcAft>
+                <a:spcPct val="0"/>
+              </a:spcAft>
+              <a:buClr>
+                <a:srgbClr val="000000"/>
+              </a:buClr>
+              <a:buSzPct val="100000"/>
+              <a:buFont typeface="Times New Roman" pitchFamily="16" charset="0"/>
+              <a:defRPr sz="4400">
+                <a:solidFill>
+                  <a:srgbClr val="000000"/>
+                </a:solidFill>
+                <a:latin typeface="Arial" charset="0"/>
+                <a:ea typeface="AR PL Mingti2L Big5" charset="0"/>
+                <a:cs typeface="AR PL Mingti2L Big5" charset="0"/>
+              </a:defRPr>
+            </a:lvl9pPr>
+          </a:lstStyle>
+          <a:p>
+            <a:pPr algn="l"/>
+            <a:r>
+              <a:rPr lang="fi-FI" altLang="fi-FI" sz="4000" b="1" kern="0" dirty="0" smtClean="0">
+                <a:solidFill>
+                  <a:schemeClr val="accent6">
+                    <a:lumMod val="75000"/>
+                  </a:schemeClr>
+                </a:solidFill>
+              </a:rPr>
+              <a:t>Tallentaminen ja lataaminen</a:t>
+            </a:r>
+            <a:endParaRPr lang="fi-FI" altLang="fi-FI" sz="4000" b="1" kern="0" dirty="0">
+              <a:solidFill>
+                <a:schemeClr val="accent6">
+                  <a:lumMod val="75000"/>
+                </a:schemeClr>
+              </a:solidFill>
+            </a:endParaRPr>
+          </a:p>
+        </p:txBody>
+      </p:sp>
+      <p:sp>
+        <p:nvSpPr>
+          <p:cNvPr id="17" name="Alatunnisteen paikkamerkki 16"/>
+          <p:cNvSpPr>
+            <a:spLocks noGrp="1"/>
+          </p:cNvSpPr>
+          <p:nvPr>
+            <p:ph type="ftr" sz="quarter" idx="11"/>
+          </p:nvPr>
+        </p:nvSpPr>
+        <p:spPr/>
+        <p:txBody>
+          <a:bodyPr/>
+          <a:lstStyle/>
+          <a:p>
+            <a:pPr algn="r">
+              <a:defRPr/>
+            </a:pPr>
+            <a:r>
+              <a:rPr lang="fi-FI" dirty="0"/>
+              <a:t>MAOL Ohjelmointia matematiikkaan</a:t>
+            </a:r>
+            <a:endParaRPr lang="ru-RU" dirty="0"/>
+          </a:p>
+        </p:txBody>
+      </p:sp>
+      <p:pic>
+        <p:nvPicPr>
+          <p:cNvPr id="33" name="Picture 2" descr="WeScheme Logo"/>
+          <p:cNvPicPr>
+            <a:picLocks noChangeAspect="1" noChangeArrowheads="1"/>
+          </p:cNvPicPr>
+          <p:nvPr/>
+        </p:nvPicPr>
+        <p:blipFill>
+          <a:blip r:embed="rId3" cstate="print">
+            <a:extLst>
+              <a:ext uri="{28A0092B-C50C-407E-A947-70E740481C1C}">
+                <a14:useLocalDpi xmlns:a14="http://schemas.microsoft.com/office/drawing/2010/main" val="0"/>
+              </a:ext>
+            </a:extLst>
+          </a:blip>
+          <a:srcRect/>
+          <a:stretch>
+            <a:fillRect/>
+          </a:stretch>
+        </p:blipFill>
+        <p:spPr bwMode="auto">
+          <a:xfrm>
+            <a:off x="7163754" y="5133041"/>
+            <a:ext cx="1495802" cy="1383832"/>
+          </a:xfrm>
+          <a:prstGeom prst="rect">
+            <a:avLst/>
+          </a:prstGeom>
+          <a:noFill/>
+          <a:ln>
+            <a:noFill/>
+          </a:ln>
+          <a:effectLst>
+            <a:outerShdw blurRad="50800" dist="38100" dir="5400000" algn="t" rotWithShape="0">
+              <a:prstClr val="black">
+                <a:alpha val="40000"/>
+              </a:prstClr>
+            </a:outerShdw>
+          </a:effectLst>
+          <a:extLst>
+            <a:ext uri="{909E8E84-426E-40DD-AFC4-6F175D3DCCD1}">
+              <a14:hiddenFill xmlns:a14="http://schemas.microsoft.com/office/drawing/2010/main">
+                <a:solidFill>
+                  <a:srgbClr val="FFFFFF"/>
+                </a:solidFill>
+              </a14:hiddenFill>
+            </a:ext>
+            <a:ext uri="{91240B29-F687-4F45-9708-019B960494DF}">
+              <a14:hiddenLine xmlns:a14="http://schemas.microsoft.com/office/drawing/2010/main" w="9525">
+                <a:solidFill>
+                  <a:srgbClr val="000000"/>
+                </a:solidFill>
+                <a:miter lim="800000"/>
+                <a:headEnd/>
+                <a:tailEnd/>
+              </a14:hiddenLine>
+            </a:ext>
+          </a:extLst>
+        </p:spPr>
+      </p:pic>
+      <p:sp>
+        <p:nvSpPr>
+          <p:cNvPr id="11" name="TextBox 10"/>
+          <p:cNvSpPr txBox="1"/>
+          <p:nvPr/>
+        </p:nvSpPr>
+        <p:spPr>
+          <a:xfrm>
+            <a:off x="3707904" y="1632269"/>
+            <a:ext cx="5263075" cy="3170099"/>
+          </a:xfrm>
+          <a:prstGeom prst="rect">
+            <a:avLst/>
+          </a:prstGeom>
+          <a:noFill/>
+        </p:spPr>
+        <p:txBody>
+          <a:bodyPr wrap="square" rtlCol="0">
+            <a:spAutoFit/>
+          </a:bodyPr>
+          <a:lstStyle/>
+          <a:p>
+            <a:pPr marL="342900" indent="-342900">
+              <a:buFont typeface="Arial" panose="020B0604020202020204" pitchFamily="34" charset="0"/>
+              <a:buChar char="•"/>
+            </a:pPr>
+            <a:r>
+              <a:rPr lang="fi-FI" sz="2000" dirty="0" smtClean="0">
+                <a:solidFill>
+                  <a:schemeClr val="tx1"/>
+                </a:solidFill>
+              </a:rPr>
+              <a:t>Voit tallentaa määrittelyikkunan koodin valitsemalla </a:t>
+            </a:r>
+            <a:r>
+              <a:rPr lang="fi-FI" sz="2000" i="1" dirty="0" err="1" smtClean="0">
+                <a:solidFill>
+                  <a:schemeClr val="tx1"/>
+                </a:solidFill>
+              </a:rPr>
+              <a:t>File</a:t>
+            </a:r>
+            <a:r>
+              <a:rPr lang="fi-FI" sz="2000" dirty="0" smtClean="0">
+                <a:solidFill>
+                  <a:schemeClr val="tx1"/>
+                </a:solidFill>
+              </a:rPr>
+              <a:t>-valikosta </a:t>
+            </a:r>
+            <a:r>
+              <a:rPr lang="fi-FI" sz="2000" i="1" dirty="0" err="1" smtClean="0">
+                <a:solidFill>
+                  <a:schemeClr val="tx1"/>
+                </a:solidFill>
+              </a:rPr>
+              <a:t>Save</a:t>
+            </a:r>
+            <a:r>
+              <a:rPr lang="fi-FI" sz="2000" i="1" dirty="0" smtClean="0">
+                <a:solidFill>
+                  <a:schemeClr val="tx1"/>
+                </a:solidFill>
+              </a:rPr>
+              <a:t> </a:t>
+            </a:r>
+            <a:r>
+              <a:rPr lang="fi-FI" sz="2000" i="1" dirty="0" err="1" smtClean="0">
+                <a:solidFill>
+                  <a:schemeClr val="tx1"/>
+                </a:solidFill>
+              </a:rPr>
+              <a:t>Definitions</a:t>
+            </a:r>
+            <a:r>
+              <a:rPr lang="fi-FI" sz="2000" dirty="0" smtClean="0">
+                <a:solidFill>
+                  <a:schemeClr val="tx1"/>
+                </a:solidFill>
+              </a:rPr>
+              <a:t> –toiminnon. </a:t>
+            </a:r>
+          </a:p>
+          <a:p>
+            <a:pPr marL="342900" indent="-342900">
+              <a:buFont typeface="Arial" panose="020B0604020202020204" pitchFamily="34" charset="0"/>
+              <a:buChar char="•"/>
+            </a:pPr>
+            <a:r>
+              <a:rPr lang="fi-FI" sz="2000" dirty="0" smtClean="0">
+                <a:solidFill>
+                  <a:schemeClr val="tx1"/>
+                </a:solidFill>
+              </a:rPr>
+              <a:t>Jos haluat muuttaa tallennustiedoston nimeä, valitse </a:t>
+            </a:r>
+            <a:r>
+              <a:rPr lang="fi-FI" sz="2000" dirty="0" err="1" smtClean="0">
+                <a:solidFill>
+                  <a:schemeClr val="tx1"/>
+                </a:solidFill>
+              </a:rPr>
+              <a:t>Save</a:t>
+            </a:r>
+            <a:r>
+              <a:rPr lang="fi-FI" sz="2000" dirty="0" smtClean="0">
+                <a:solidFill>
+                  <a:schemeClr val="tx1"/>
+                </a:solidFill>
+              </a:rPr>
+              <a:t> </a:t>
+            </a:r>
+            <a:r>
+              <a:rPr lang="fi-FI" sz="2000" dirty="0" err="1" smtClean="0">
+                <a:solidFill>
+                  <a:schemeClr val="tx1"/>
+                </a:solidFill>
+              </a:rPr>
+              <a:t>Definitions</a:t>
+            </a:r>
+            <a:r>
+              <a:rPr lang="fi-FI" sz="2000" dirty="0" smtClean="0">
+                <a:solidFill>
+                  <a:schemeClr val="tx1"/>
+                </a:solidFill>
+              </a:rPr>
+              <a:t> As… -toiminto.</a:t>
+            </a:r>
+          </a:p>
+          <a:p>
+            <a:pPr marL="342900" indent="-342900">
+              <a:buFont typeface="Arial" panose="020B0604020202020204" pitchFamily="34" charset="0"/>
+              <a:buChar char="•"/>
+            </a:pPr>
+            <a:r>
+              <a:rPr lang="fi-FI" sz="2000" dirty="0">
+                <a:solidFill>
+                  <a:schemeClr val="tx1"/>
+                </a:solidFill>
+              </a:rPr>
+              <a:t>T</a:t>
+            </a:r>
+            <a:r>
+              <a:rPr lang="fi-FI" sz="2000" dirty="0" smtClean="0">
+                <a:solidFill>
+                  <a:schemeClr val="tx1"/>
+                </a:solidFill>
+              </a:rPr>
+              <a:t>allennetun tiedoston avaaminen tapahtuu Open… -toiminnolla.</a:t>
+            </a:r>
+          </a:p>
+          <a:p>
+            <a:pPr marL="342900" indent="-342900">
+              <a:buFont typeface="Arial" panose="020B0604020202020204" pitchFamily="34" charset="0"/>
+              <a:buChar char="•"/>
+            </a:pPr>
+            <a:endParaRPr lang="fi-FI" sz="2000" dirty="0">
+              <a:solidFill>
+                <a:schemeClr val="tx1"/>
+              </a:solidFill>
+            </a:endParaRPr>
+          </a:p>
+          <a:p>
+            <a:pPr marL="342900" indent="-342900">
+              <a:buFont typeface="Arial" panose="020B0604020202020204" pitchFamily="34" charset="0"/>
+              <a:buChar char="•"/>
+            </a:pPr>
+            <a:r>
+              <a:rPr lang="fi-FI" sz="2000" dirty="0" smtClean="0">
+                <a:solidFill>
+                  <a:schemeClr val="tx1"/>
+                </a:solidFill>
+              </a:rPr>
+              <a:t>Voit sulkea </a:t>
+            </a:r>
+            <a:r>
+              <a:rPr lang="fi-FI" sz="2000" dirty="0" err="1" smtClean="0">
+                <a:solidFill>
+                  <a:schemeClr val="tx1"/>
+                </a:solidFill>
+              </a:rPr>
+              <a:t>DrRacketin</a:t>
+            </a:r>
+            <a:r>
+              <a:rPr lang="fi-FI" sz="2000" dirty="0" smtClean="0">
+                <a:solidFill>
+                  <a:schemeClr val="tx1"/>
+                </a:solidFill>
+              </a:rPr>
+              <a:t> valitsemalla </a:t>
+            </a:r>
+            <a:r>
+              <a:rPr lang="fi-FI" sz="2000" dirty="0" err="1" smtClean="0">
+                <a:solidFill>
+                  <a:schemeClr val="tx1"/>
+                </a:solidFill>
+              </a:rPr>
+              <a:t>Exit</a:t>
+            </a:r>
+            <a:r>
+              <a:rPr lang="fi-FI" sz="2000" dirty="0" smtClean="0">
+                <a:solidFill>
+                  <a:schemeClr val="tx1"/>
+                </a:solidFill>
+              </a:rPr>
+              <a:t>.</a:t>
+            </a:r>
+          </a:p>
+        </p:txBody>
+      </p:sp>
+      <p:pic>
+        <p:nvPicPr>
+          <p:cNvPr id="2" name="Picture 1"/>
+          <p:cNvPicPr>
+            <a:picLocks noChangeAspect="1"/>
+          </p:cNvPicPr>
+          <p:nvPr/>
+        </p:nvPicPr>
+        <p:blipFill>
+          <a:blip r:embed="rId4">
+            <a:extLst>
+              <a:ext uri="{28A0092B-C50C-407E-A947-70E740481C1C}">
+                <a14:useLocalDpi xmlns:a14="http://schemas.microsoft.com/office/drawing/2010/main" val="0"/>
+              </a:ext>
+            </a:extLst>
+          </a:blip>
+          <a:stretch>
+            <a:fillRect/>
+          </a:stretch>
+        </p:blipFill>
+        <p:spPr>
+          <a:xfrm>
+            <a:off x="567500" y="1295424"/>
+            <a:ext cx="2634815" cy="3966781"/>
+          </a:xfrm>
+          <a:prstGeom prst="rect">
+            <a:avLst/>
+          </a:prstGeom>
+        </p:spPr>
+      </p:pic>
+    </p:spTree>
+    <p:extLst>
+      <p:ext uri="{BB962C8B-B14F-4D97-AF65-F5344CB8AC3E}">
+        <p14:creationId xmlns:p14="http://schemas.microsoft.com/office/powerpoint/2010/main" val="3646445981"/>
       </p:ext>
     </p:extLst>
   </p:cSld>
@@ -18848,7 +19213,7 @@
         </p:nvSpPr>
         <p:spPr bwMode="auto">
           <a:xfrm>
-            <a:off x="380390" y="393481"/>
+            <a:off x="405542" y="684363"/>
             <a:ext cx="7884368" cy="1163866"/>
           </a:xfrm>
           <a:prstGeom prst="rect">
@@ -19085,7 +19450,7 @@
                   </a:schemeClr>
                 </a:solidFill>
               </a:rPr>
-              <a:t>Tallentaminen ja lataaminen</a:t>
+              <a:t>Laskujärjestys</a:t>
             </a:r>
             <a:endParaRPr lang="fi-FI" altLang="fi-FI" sz="4000" b="1" kern="0" dirty="0">
               <a:solidFill>
@@ -19192,8 +19557,8 @@
         </p:nvSpPr>
         <p:spPr>
           <a:xfrm>
-            <a:off x="3707904" y="1632269"/>
-            <a:ext cx="5263075" cy="3170099"/>
+            <a:off x="405542" y="1880921"/>
+            <a:ext cx="8078364" cy="1477328"/>
           </a:xfrm>
           <a:prstGeom prst="rect">
             <a:avLst/>
@@ -19206,206 +19571,156 @@
           </a:bodyPr>
           <a:lstStyle/>
           <a:p>
-            <a:pPr marL="342900" indent="-342900">
+            <a:r>
+              <a:rPr lang="fi-FI" dirty="0" smtClean="0">
+                <a:solidFill>
+                  <a:schemeClr val="tx1"/>
+                </a:solidFill>
+              </a:rPr>
+              <a:t>Moniosaisten laskulausekkeiden</a:t>
+            </a:r>
+            <a:r>
+              <a:rPr lang="fi-FI" dirty="0">
+                <a:solidFill>
+                  <a:schemeClr val="tx1"/>
+                </a:solidFill>
+              </a:rPr>
+              <a:t> </a:t>
+            </a:r>
+            <a:r>
+              <a:rPr lang="fi-FI" dirty="0" smtClean="0">
+                <a:solidFill>
+                  <a:schemeClr val="tx1"/>
+                </a:solidFill>
+              </a:rPr>
+              <a:t>muodostaminen kannattaa aloittaa tavanomaisen laskujärjestyksen mukaisesti:</a:t>
+            </a:r>
+          </a:p>
+          <a:p>
+            <a:pPr marL="285750" indent="-285750">
               <a:buFont typeface="Arial" panose="020B0604020202020204" pitchFamily="34" charset="0"/>
               <a:buChar char="•"/>
             </a:pPr>
             <a:r>
-              <a:rPr lang="fi-FI" sz="2000" dirty="0" smtClean="0">
+              <a:rPr lang="fi-FI" dirty="0" smtClean="0">
                 <a:solidFill>
                   <a:schemeClr val="tx1"/>
                 </a:solidFill>
               </a:rPr>
-              <a:t>Voit tallentaa </a:t>
-            </a:r>
-            <a:r>
-              <a:rPr lang="fi-FI" sz="2000" dirty="0" err="1" smtClean="0">
-                <a:solidFill>
-                  <a:schemeClr val="tx1"/>
-                </a:solidFill>
-              </a:rPr>
-              <a:t>määrittelyikkuman</a:t>
-            </a:r>
-            <a:r>
-              <a:rPr lang="fi-FI" sz="2000" dirty="0" smtClean="0">
-                <a:solidFill>
-                  <a:schemeClr val="tx1"/>
-                </a:solidFill>
-              </a:rPr>
-              <a:t> koodin valitsemalla </a:t>
-            </a:r>
-            <a:r>
-              <a:rPr lang="fi-FI" sz="2000" i="1" dirty="0" err="1" smtClean="0">
-                <a:solidFill>
-                  <a:schemeClr val="tx1"/>
-                </a:solidFill>
-              </a:rPr>
-              <a:t>File</a:t>
-            </a:r>
-            <a:r>
-              <a:rPr lang="fi-FI" sz="2000" dirty="0" smtClean="0">
-                <a:solidFill>
-                  <a:schemeClr val="tx1"/>
-                </a:solidFill>
-              </a:rPr>
-              <a:t>-valikosta </a:t>
-            </a:r>
-            <a:r>
-              <a:rPr lang="fi-FI" sz="2000" i="1" dirty="0" err="1" smtClean="0">
-                <a:solidFill>
-                  <a:schemeClr val="tx1"/>
-                </a:solidFill>
-              </a:rPr>
-              <a:t>Save</a:t>
-            </a:r>
-            <a:r>
-              <a:rPr lang="fi-FI" sz="2000" i="1" dirty="0" smtClean="0">
-                <a:solidFill>
-                  <a:schemeClr val="tx1"/>
-                </a:solidFill>
-              </a:rPr>
-              <a:t> </a:t>
-            </a:r>
-            <a:r>
-              <a:rPr lang="fi-FI" sz="2000" i="1" dirty="0" err="1" smtClean="0">
-                <a:solidFill>
-                  <a:schemeClr val="tx1"/>
-                </a:solidFill>
-              </a:rPr>
-              <a:t>Definitions</a:t>
-            </a:r>
-            <a:r>
-              <a:rPr lang="fi-FI" sz="2000" dirty="0" smtClean="0">
-                <a:solidFill>
-                  <a:schemeClr val="tx1"/>
-                </a:solidFill>
-              </a:rPr>
-              <a:t> –toiminnon. </a:t>
-            </a:r>
-          </a:p>
-          <a:p>
-            <a:pPr marL="342900" indent="-342900">
+              <a:t>ensin suluissa olevat laskut</a:t>
+            </a:r>
+          </a:p>
+          <a:p>
+            <a:pPr marL="285750" indent="-285750">
               <a:buFont typeface="Arial" panose="020B0604020202020204" pitchFamily="34" charset="0"/>
               <a:buChar char="•"/>
             </a:pPr>
             <a:r>
-              <a:rPr lang="fi-FI" sz="2000" dirty="0" smtClean="0">
+              <a:rPr lang="fi-FI" dirty="0" smtClean="0">
                 <a:solidFill>
                   <a:schemeClr val="tx1"/>
                 </a:solidFill>
               </a:rPr>
-              <a:t>Jos haluat muuttaa tallennustiedoston nimeä, valitse </a:t>
-            </a:r>
-            <a:r>
-              <a:rPr lang="fi-FI" sz="2000" dirty="0" err="1" smtClean="0">
-                <a:solidFill>
-                  <a:schemeClr val="tx1"/>
-                </a:solidFill>
-              </a:rPr>
-              <a:t>Save</a:t>
-            </a:r>
-            <a:r>
-              <a:rPr lang="fi-FI" sz="2000" dirty="0" smtClean="0">
-                <a:solidFill>
-                  <a:schemeClr val="tx1"/>
-                </a:solidFill>
-              </a:rPr>
-              <a:t> </a:t>
-            </a:r>
-            <a:r>
-              <a:rPr lang="fi-FI" sz="2000" dirty="0" err="1" smtClean="0">
-                <a:solidFill>
-                  <a:schemeClr val="tx1"/>
-                </a:solidFill>
-              </a:rPr>
-              <a:t>Definitions</a:t>
-            </a:r>
-            <a:r>
-              <a:rPr lang="fi-FI" sz="2000" dirty="0" smtClean="0">
-                <a:solidFill>
-                  <a:schemeClr val="tx1"/>
-                </a:solidFill>
-              </a:rPr>
-              <a:t> As… -toiminto.</a:t>
-            </a:r>
-          </a:p>
-          <a:p>
-            <a:pPr marL="342900" indent="-342900">
+              <a:t>sitten kerto- ja jakolaskut vasemmalta oikealle ja lopuksi </a:t>
+            </a:r>
+          </a:p>
+          <a:p>
+            <a:pPr marL="285750" indent="-285750">
               <a:buFont typeface="Arial" panose="020B0604020202020204" pitchFamily="34" charset="0"/>
               <a:buChar char="•"/>
             </a:pPr>
             <a:r>
-              <a:rPr lang="fi-FI" sz="2000" dirty="0">
+              <a:rPr lang="fi-FI" dirty="0" smtClean="0">
                 <a:solidFill>
                   <a:schemeClr val="tx1"/>
                 </a:solidFill>
               </a:rPr>
-              <a:t>T</a:t>
-            </a:r>
-            <a:r>
-              <a:rPr lang="fi-FI" sz="2000" dirty="0" smtClean="0">
-                <a:solidFill>
-                  <a:schemeClr val="tx1"/>
-                </a:solidFill>
-              </a:rPr>
-              <a:t>allennetun tiedoston avaaminen tapahtuu Open… -toiminnolla.</a:t>
-            </a:r>
-          </a:p>
-          <a:p>
-            <a:pPr marL="342900" indent="-342900">
-              <a:buFont typeface="Arial" panose="020B0604020202020204" pitchFamily="34" charset="0"/>
-              <a:buChar char="•"/>
-            </a:pPr>
-            <a:endParaRPr lang="fi-FI" sz="2000" dirty="0">
+              <a:t>yhteen- ja vähennyslaskut vasemmalta oikealle.   </a:t>
+            </a:r>
+            <a:endParaRPr lang="fi-FI" dirty="0">
               <a:solidFill>
                 <a:schemeClr val="tx1"/>
               </a:solidFill>
             </a:endParaRPr>
           </a:p>
+        </p:txBody>
+      </p:sp>
+      <p:sp>
+        <p:nvSpPr>
+          <p:cNvPr id="7" name="TextBox 6"/>
+          <p:cNvSpPr txBox="1"/>
+          <p:nvPr/>
+        </p:nvSpPr>
+        <p:spPr>
+          <a:xfrm>
+            <a:off x="405542" y="3605396"/>
+            <a:ext cx="8078364" cy="1200329"/>
+          </a:xfrm>
+          <a:prstGeom prst="rect">
+            <a:avLst/>
+          </a:prstGeom>
+          <a:noFill/>
+        </p:spPr>
+        <p:txBody>
+          <a:bodyPr wrap="square" rtlCol="0">
+            <a:spAutoFit/>
+          </a:bodyPr>
+          <a:lstStyle/>
+          <a:p>
+            <a:r>
+              <a:rPr lang="fi-FI" dirty="0" smtClean="0">
+                <a:solidFill>
+                  <a:schemeClr val="tx1"/>
+                </a:solidFill>
+              </a:rPr>
+              <a:t>Lasku (2+3)  (5+1) laskettaisiin seuraavasti:</a:t>
+            </a:r>
+            <a:endParaRPr lang="fi-FI" dirty="0">
+              <a:solidFill>
+                <a:schemeClr val="tx1"/>
+              </a:solidFill>
+            </a:endParaRPr>
+          </a:p>
           <a:p>
             <a:pPr marL="342900" indent="-342900">
-              <a:buFont typeface="Arial" panose="020B0604020202020204" pitchFamily="34" charset="0"/>
-              <a:buChar char="•"/>
+              <a:buFont typeface="+mj-lt"/>
+              <a:buAutoNum type="arabicPeriod"/>
             </a:pPr>
             <a:r>
-              <a:rPr lang="fi-FI" sz="2000" dirty="0" smtClean="0">
+              <a:rPr lang="fi-FI" dirty="0" smtClean="0">
                 <a:solidFill>
                   <a:schemeClr val="tx1"/>
                 </a:solidFill>
               </a:rPr>
-              <a:t>Voit sulkea </a:t>
-            </a:r>
-            <a:r>
-              <a:rPr lang="fi-FI" sz="2000" dirty="0" err="1" smtClean="0">
+              <a:t>Lasketaan ensiksi summa (2 + 3).</a:t>
+            </a:r>
+          </a:p>
+          <a:p>
+            <a:pPr marL="342900" indent="-342900">
+              <a:buFont typeface="+mj-lt"/>
+              <a:buAutoNum type="arabicPeriod"/>
+            </a:pPr>
+            <a:r>
+              <a:rPr lang="fi-FI" dirty="0" smtClean="0">
                 <a:solidFill>
                   <a:schemeClr val="tx1"/>
                 </a:solidFill>
               </a:rPr>
-              <a:t>DrRacketin</a:t>
-            </a:r>
-            <a:r>
-              <a:rPr lang="fi-FI" sz="2000" dirty="0" smtClean="0">
+              <a:t>Lasketaan seuraavaksi summa (5 + 1).</a:t>
+            </a:r>
+          </a:p>
+          <a:p>
+            <a:pPr marL="342900" indent="-342900">
+              <a:buFont typeface="+mj-lt"/>
+              <a:buAutoNum type="arabicPeriod"/>
+            </a:pPr>
+            <a:r>
+              <a:rPr lang="fi-FI" dirty="0" smtClean="0">
                 <a:solidFill>
                   <a:schemeClr val="tx1"/>
                 </a:solidFill>
               </a:rPr>
-              <a:t> valitsemalla </a:t>
-            </a:r>
-            <a:r>
-              <a:rPr lang="fi-FI" sz="2000" dirty="0" err="1" smtClean="0">
-                <a:solidFill>
-                  <a:schemeClr val="tx1"/>
-                </a:solidFill>
-              </a:rPr>
-              <a:t>Exit</a:t>
-            </a:r>
-            <a:r>
-              <a:rPr lang="fi-FI" sz="2000" dirty="0" smtClean="0">
-                <a:solidFill>
-                  <a:schemeClr val="tx1"/>
-                </a:solidFill>
-              </a:rPr>
-              <a:t>.</a:t>
+              <a:t>Lopuksi kerrotaan keskenään summat (2 + 3) ja (5 + 1).</a:t>
             </a:r>
           </a:p>
         </p:txBody>
@@ -19432,18 +19747,23 @@
         </p:blipFill>
         <p:spPr>
           <a:xfrm>
-            <a:off x="567500" y="1295424"/>
-            <a:ext cx="2634815" cy="3966781"/>
+            <a:off x="2339753" y="4921192"/>
+            <a:ext cx="3600400" cy="682835"/>
           </a:xfrm>
           <a:prstGeom prst="rect">
             <a:avLst/>
           </a:prstGeom>
+          <a:ln>
+            <a:solidFill>
+              <a:schemeClr val="tx1"/>
+            </a:solidFill>
+          </a:ln>
         </p:spPr>
       </p:pic>
     </p:spTree>
     <p:extLst>
       <p:ext uri="{BB962C8B-B14F-4D97-AF65-F5344CB8AC3E}">
-        <p14:creationId xmlns:p14="http://schemas.microsoft.com/office/powerpoint/2010/main" val="3646445981"/>
+        <p14:creationId xmlns:p14="http://schemas.microsoft.com/office/powerpoint/2010/main" val="973189186"/>
       </p:ext>
     </p:extLst>
   </p:cSld>
@@ -20595,7 +20915,23 @@
                   <a:schemeClr val="tx1"/>
                 </a:solidFill>
               </a:rPr>
-              <a:t>Interaktioikkunaan kirjoitetaan yksittäisiä lausekkeita jotka suoritetaan painamalla &lt;</a:t>
+              <a:t>Interaktioikkunaan kirjoitetaan yksittäisiä ohjelmointikomentoja</a:t>
+            </a:r>
+            <a:r>
+              <a:rPr lang="fi-FI" sz="2000" dirty="0">
+                <a:solidFill>
+                  <a:schemeClr val="tx1"/>
+                </a:solidFill>
+              </a:rPr>
+              <a:t> </a:t>
+            </a:r>
+            <a:r>
+              <a:rPr lang="fi-FI" sz="2000" dirty="0" smtClean="0">
+                <a:solidFill>
+                  <a:schemeClr val="tx1"/>
+                </a:solidFill>
+              </a:rPr>
+              <a:t>jotka suoritetaan painamalla &lt;</a:t>
             </a:r>
             <a:r>
               <a:rPr lang="fi-FI" sz="2000" dirty="0" err="1" smtClean="0">
@@ -21145,36 +21481,16 @@
           <a:p>
             <a:pPr algn="l"/>
             <a:r>
-              <a:rPr lang="fi-FI" altLang="fi-FI" sz="4000" b="1" kern="0" dirty="0">
+              <a:rPr lang="fi-FI" altLang="fi-FI" sz="2800" b="1" kern="0" dirty="0" smtClean="0">
                 <a:solidFill>
                   <a:schemeClr val="accent6">
                     <a:lumMod val="75000"/>
                   </a:schemeClr>
                 </a:solidFill>
               </a:rPr>
-              <a:t>Tutustutaan </a:t>
-            </a:r>
-            <a:r>
-              <a:rPr lang="fi-FI" altLang="fi-FI" sz="4000" b="1" kern="0" dirty="0" err="1" smtClean="0">
-                <a:solidFill>
-                  <a:schemeClr val="accent6">
-                    <a:lumMod val="75000"/>
-                  </a:schemeClr>
-                </a:solidFill>
-              </a:rPr>
-              <a:t>DrRackettiin</a:t>
-            </a:r>
-            <a:r>
-              <a:rPr lang="fi-FI" altLang="fi-FI" sz="4000" b="1" kern="0" dirty="0" smtClean="0">
-                <a:solidFill>
-                  <a:schemeClr val="accent6">
-                    <a:lumMod val="75000"/>
-                  </a:schemeClr>
-                </a:solidFill>
-              </a:rPr>
-              <a:t> - jatkoa</a:t>
-            </a:r>
-            <a:endParaRPr lang="fi-FI" altLang="fi-FI" sz="4000" b="1" kern="0" dirty="0">
+              <a:t>Määrittelyikkunan ja interaktioikkunan sijoittelu</a:t>
+            </a:r>
+            <a:endParaRPr lang="fi-FI" altLang="fi-FI" sz="2800" b="1" kern="0" dirty="0">
               <a:solidFill>
                 <a:schemeClr val="accent6">
                   <a:lumMod val="75000"/>
@@ -21958,27 +22274,17 @@
                   </a:schemeClr>
                 </a:solidFill>
               </a:rPr>
-              <a:t>Tutustutaan </a:t>
-            </a:r>
-            <a:r>
-              <a:rPr lang="fi-FI" altLang="fi-FI" sz="4000" b="1" kern="0" dirty="0" err="1" smtClean="0">
+              <a:t>K</a:t>
+            </a:r>
+            <a:r>
+              <a:rPr lang="fi-FI" altLang="fi-FI" sz="4000" b="1" kern="0" dirty="0" smtClean="0">
                 <a:solidFill>
                   <a:schemeClr val="accent6">
                     <a:lumMod val="75000"/>
                   </a:schemeClr>
                 </a:solidFill>
               </a:rPr>
-              <a:t>DrRackettiin</a:t>
-            </a:r>
-            <a:r>
-              <a:rPr lang="fi-FI" altLang="fi-FI" sz="4000" b="1" kern="0" dirty="0" smtClean="0">
-                <a:solidFill>
-                  <a:schemeClr val="accent6">
-                    <a:lumMod val="75000"/>
-                  </a:schemeClr>
-                </a:solidFill>
-              </a:rPr>
-              <a:t> - jatkoa</a:t>
+              <a:t>ielen valinta</a:t>
             </a:r>
             <a:endParaRPr lang="fi-FI" altLang="fi-FI" sz="4000" b="1" kern="0" dirty="0">
               <a:solidFill>
@@ -22899,7 +23205,7 @@
         <p:spPr>
           <a:xfrm>
             <a:off x="581192" y="1484785"/>
-            <a:ext cx="8078364" cy="2585323"/>
+            <a:ext cx="8078364" cy="2862322"/>
           </a:xfrm>
           <a:prstGeom prst="rect">
             <a:avLst/>
@@ -22934,7 +23240,39 @@
                   <a:schemeClr val="tx1"/>
                 </a:solidFill>
               </a:rPr>
-              <a:t> interaktioikkunaan teksti:</a:t>
+              <a:t> interaktioikkunaan teksti: ”</a:t>
+            </a:r>
+            <a:r>
+              <a:rPr lang="fi-FI" dirty="0" err="1" smtClean="0">
+                <a:solidFill>
+                  <a:schemeClr val="tx1"/>
+                </a:solidFill>
+              </a:rPr>
+              <a:t>Hello</a:t>
+            </a:r>
+            <a:r>
+              <a:rPr lang="fi-FI" dirty="0" smtClean="0">
+                <a:solidFill>
+                  <a:schemeClr val="tx1"/>
+                </a:solidFill>
+              </a:rPr>
+              <a:t> World” ja paina &lt;</a:t>
+            </a:r>
+            <a:r>
+              <a:rPr lang="fi-FI" dirty="0" err="1" smtClean="0">
+                <a:solidFill>
+                  <a:schemeClr val="tx1"/>
+                </a:solidFill>
+              </a:rPr>
+              <a:t>enter</a:t>
+            </a:r>
+            <a:r>
+              <a:rPr lang="fi-FI" dirty="0" smtClean="0">
+                <a:solidFill>
+                  <a:schemeClr val="tx1"/>
+                </a:solidFill>
+              </a:rPr>
+              <a:t>&gt;. </a:t>
             </a:r>
           </a:p>
           <a:p>
@@ -22951,56 +23289,7 @@
                   <a:schemeClr val="tx1"/>
                 </a:solidFill>
               </a:rPr>
-              <a:t>”</a:t>
-            </a:r>
-            <a:r>
-              <a:rPr lang="fi-FI" dirty="0" err="1" smtClean="0">
-                <a:solidFill>
-                  <a:schemeClr val="tx1"/>
-                </a:solidFill>
-              </a:rPr>
-              <a:t>Hello</a:t>
-            </a:r>
-            <a:r>
-              <a:rPr lang="fi-FI" dirty="0" smtClean="0">
-                <a:solidFill>
-                  <a:schemeClr val="tx1"/>
-                </a:solidFill>
-              </a:rPr>
-              <a:t> World”</a:t>
-            </a:r>
-          </a:p>
-          <a:p>
-            <a:endParaRPr lang="fi-FI" dirty="0" smtClean="0">
-              <a:solidFill>
-                <a:schemeClr val="tx1"/>
-              </a:solidFill>
-            </a:endParaRPr>
-          </a:p>
-          <a:p>
-            <a:r>
-              <a:rPr lang="fi-FI" dirty="0" smtClean="0">
-                <a:solidFill>
-                  <a:schemeClr val="tx1"/>
-                </a:solidFill>
-              </a:rPr>
-              <a:t>ja paina &lt;</a:t>
-            </a:r>
-            <a:r>
-              <a:rPr lang="fi-FI" dirty="0" err="1" smtClean="0">
-                <a:solidFill>
-                  <a:schemeClr val="tx1"/>
-                </a:solidFill>
-              </a:rPr>
-              <a:t>enter</a:t>
-            </a:r>
-            <a:r>
-              <a:rPr lang="fi-FI" dirty="0" smtClean="0">
-                <a:solidFill>
-                  <a:schemeClr val="tx1"/>
-                </a:solidFill>
-              </a:rPr>
-              <a:t>&gt;. Interaktioikkunan tunnistat kehotteesta &gt; ja se sijaitsee alhaalla tai oikealla riippuen asetuksista. Mikäli unohdit laittaa tekstin lainausmerkkien sisään, antaa </a:t>
+              <a:t>Interaktioikkunan tunnistat kehotteesta &gt; ja se sijaitsee alhaalla tai oikealla riippuen asetuksista. Mikäli unohdit laittaa tekstin lainausmerkkien sisään, antaa </a:t>
             </a:r>
             <a:r>
               <a:rPr lang="fi-FI" dirty="0" err="1" smtClean="0">
@@ -23024,13 +23313,25 @@
                   <a:schemeClr val="tx1"/>
                 </a:solidFill>
               </a:rPr>
-              <a:t>virheilmoituksen. Älä välitä virheilmoituksista tässä vaiheessa. Kokeile myös muita tekstejä ja numerosarjoja</a:t>
-            </a:r>
+              <a:t>virheilmoituksen. Älä välitä virheilmoituksista tässä vaiheessa. </a:t>
+            </a:r>
+          </a:p>
+          <a:p>
             <a:endParaRPr lang="fi-FI" dirty="0">
               <a:solidFill>
                 <a:schemeClr val="tx1"/>
               </a:solidFill>
             </a:endParaRPr>
+          </a:p>
+          <a:p>
+            <a:r>
+              <a:rPr lang="fi-FI" dirty="0" smtClean="0">
+                <a:solidFill>
+                  <a:schemeClr val="tx1"/>
+                </a:solidFill>
+              </a:rPr>
+              <a:t>Luvut kirjoitetaan ilman heittomerkkejä. Luvut voivat olla myös osa tekstiä, jota kutsutaan ohjelmoinnissa merkkijonoksi. Kirjoita omia merkkijonoja ja lukuja.</a:t>
+            </a:r>
           </a:p>
         </p:txBody>
       </p:sp>
@@ -23056,7 +23357,7 @@
         </p:blipFill>
         <p:spPr>
           <a:xfrm>
-            <a:off x="1996102" y="4070108"/>
+            <a:off x="1846709" y="4078754"/>
             <a:ext cx="5130544" cy="1873056"/>
           </a:xfrm>
           <a:prstGeom prst="rect">
@@ -23407,7 +23708,7 @@
                   </a:schemeClr>
                 </a:solidFill>
               </a:rPr>
-              <a:t>Peruslaskutoimitukset</a:t>
+              <a:t>Summa</a:t>
             </a:r>
             <a:endParaRPr lang="fi-FI" altLang="fi-FI" sz="4000" b="1" kern="0" dirty="0">
               <a:solidFill>
@@ -23534,7 +23835,7 @@
                   <a:schemeClr val="tx1"/>
                 </a:solidFill>
               </a:rPr>
-              <a:t>Lasketaan seuraavaksi mitä on 1+2. Kirjoita </a:t>
+              <a:t>Lasketaan seuraavaksi mitä on 1 + 2. Kirjoita </a:t>
             </a:r>
             <a:r>
               <a:rPr lang="fi-FI" sz="2400" dirty="0" err="1" smtClean="0">
@@ -23550,7 +23851,7 @@
                   <a:schemeClr val="tx1"/>
                 </a:solidFill>
               </a:rPr>
-              <a:t> interaktioikkunaan lauseke </a:t>
+              <a:t> interaktioikkunaan komento</a:t>
             </a:r>
           </a:p>
           <a:p>
@@ -23967,14 +24268,24 @@
           <a:p>
             <a:pPr algn="l"/>
             <a:r>
-              <a:rPr lang="fi-FI" altLang="fi-FI" sz="4000" b="1" kern="0" dirty="0" smtClean="0">
+              <a:rPr lang="fi-FI" altLang="fi-FI" sz="4000" b="1" kern="0" dirty="0" err="1" smtClean="0">
                 <a:solidFill>
                   <a:schemeClr val="accent6">
                     <a:lumMod val="75000"/>
                   </a:schemeClr>
                 </a:solidFill>
               </a:rPr>
-              <a:t>Peruslaskutoimitukset - jatkoa </a:t>
+              <a:t>Racket</a:t>
+            </a:r>
+            <a:r>
+              <a:rPr lang="fi-FI" altLang="fi-FI" sz="4000" b="1" kern="0" dirty="0" smtClean="0">
+                <a:solidFill>
+                  <a:schemeClr val="accent6">
+                    <a:lumMod val="75000"/>
+                  </a:schemeClr>
+                </a:solidFill>
+              </a:rPr>
+              <a:t>-komennon rakenne</a:t>
             </a:r>
             <a:endParaRPr lang="fi-FI" altLang="fi-FI" sz="4000" b="1" kern="0" dirty="0">
               <a:solidFill>
@@ -24155,8 +24466,8 @@
         </p:nvSpPr>
         <p:spPr>
           <a:xfrm>
-            <a:off x="2843808" y="1505169"/>
-            <a:ext cx="3096344" cy="646331"/>
+            <a:off x="2452292" y="1858167"/>
+            <a:ext cx="1513486" cy="369332"/>
           </a:xfrm>
           <a:prstGeom prst="rect">
             <a:avLst/>
@@ -24174,20 +24485,8 @@
           <a:lstStyle/>
           <a:p>
             <a:r>
-              <a:rPr lang="fi-FI" dirty="0"/>
-              <a:t>K</a:t>
-            </a:r>
-            <a:r>
               <a:rPr lang="fi-FI" dirty="0" smtClean="0"/>
-              <a:t>aikki </a:t>
-            </a:r>
-            <a:r>
-              <a:rPr lang="fi-FI" dirty="0" err="1" smtClean="0"/>
-              <a:t>Racket</a:t>
-            </a:r>
-            <a:r>
-              <a:rPr lang="fi-FI" dirty="0" smtClean="0"/>
-              <a:t>-funktiokutsut alkavat ja loppuvat sulkuihin.</a:t>
+              <a:t>Muista sulut</a:t>
             </a:r>
             <a:endParaRPr lang="fi-FI" dirty="0"/>
           </a:p>
@@ -24196,13 +24495,15 @@
       <p:cxnSp>
         <p:nvCxnSpPr>
           <p:cNvPr id="12" name="Straight Arrow Connector 11"/>
-          <p:cNvCxnSpPr/>
+          <p:cNvCxnSpPr>
+            <a:stCxn id="11" idx="2"/>
+          </p:cNvCxnSpPr>
           <p:nvPr/>
         </p:nvCxnSpPr>
         <p:spPr>
-          <a:xfrm flipH="1">
-            <a:off x="3977698" y="2131080"/>
-            <a:ext cx="412737" cy="490427"/>
+          <a:xfrm>
+            <a:off x="3209035" y="2227499"/>
+            <a:ext cx="586737" cy="462819"/>
           </a:xfrm>
           <a:prstGeom prst="straightConnector1">
             <a:avLst/>
@@ -24229,13 +24530,15 @@
       <p:cxnSp>
         <p:nvCxnSpPr>
           <p:cNvPr id="15" name="Straight Arrow Connector 14"/>
-          <p:cNvCxnSpPr/>
+          <p:cNvCxnSpPr>
+            <a:stCxn id="11" idx="2"/>
+          </p:cNvCxnSpPr>
           <p:nvPr/>
         </p:nvCxnSpPr>
         <p:spPr>
           <a:xfrm>
-            <a:off x="4770741" y="2064362"/>
-            <a:ext cx="161299" cy="492280"/>
+            <a:off x="3209035" y="2227499"/>
+            <a:ext cx="1723005" cy="415473"/>
           </a:xfrm>
           <a:prstGeom prst="straightConnector1">
             <a:avLst/>
@@ -24267,8 +24570,8 @@
         </p:nvSpPr>
         <p:spPr>
           <a:xfrm>
-            <a:off x="2009234" y="4567773"/>
-            <a:ext cx="3936929" cy="923330"/>
+            <a:off x="3209035" y="4555538"/>
+            <a:ext cx="1577863" cy="369332"/>
           </a:xfrm>
           <a:prstGeom prst="rect">
             <a:avLst/>
@@ -24287,7 +24590,7 @@
           <a:p>
             <a:r>
               <a:rPr lang="fi-FI" dirty="0" smtClean="0"/>
-              <a:t>Ensimmäisen sulkumerkin jälkeen kerrotaan mitä tehdään. Tässä ”+” on funktion nimi.</a:t>
+              <a:t>Funktion nimi</a:t>
             </a:r>
             <a:endParaRPr lang="fi-FI" dirty="0"/>
           </a:p>
@@ -24334,8 +24637,8 @@
         </p:nvSpPr>
         <p:spPr>
           <a:xfrm>
-            <a:off x="4357294" y="3569336"/>
-            <a:ext cx="4644516" cy="646331"/>
+            <a:off x="4103104" y="3583582"/>
+            <a:ext cx="1294826" cy="369332"/>
           </a:xfrm>
           <a:prstGeom prst="rect">
             <a:avLst/>
@@ -24353,8 +24656,12 @@
           <a:lstStyle/>
           <a:p>
             <a:r>
+              <a:rPr lang="fi-FI" dirty="0"/>
+              <a:t>A</a:t>
+            </a:r>
+            <a:r>
               <a:rPr lang="fi-FI" dirty="0" smtClean="0"/>
-              <a:t>Argumentit annetaan funktion nimen jälkeen. Argumentteja voi olla enemmänkin.</a:t>
+              <a:t>rgumentit</a:t>
             </a:r>
             <a:endParaRPr lang="fi-FI" dirty="0"/>
           </a:p>
@@ -24434,8 +24741,8 @@
         </p:nvSpPr>
         <p:spPr>
           <a:xfrm>
-            <a:off x="176115" y="3823261"/>
-            <a:ext cx="3096344" cy="646331"/>
+            <a:off x="982591" y="3814961"/>
+            <a:ext cx="1659581" cy="369332"/>
           </a:xfrm>
           <a:prstGeom prst="rect">
             <a:avLst/>
@@ -24454,7 +24761,7 @@
           <a:p>
             <a:r>
               <a:rPr lang="fi-FI" dirty="0" smtClean="0"/>
-              <a:t>Funktion arvo tulostetaan seuraavalle riville.</a:t>
+              <a:t>Funktion arvo</a:t>
             </a:r>
             <a:endParaRPr lang="fi-FI" dirty="0"/>
           </a:p>
@@ -24470,6 +24777,106 @@
           <a:xfrm flipV="1">
             <a:off x="1724911" y="3387589"/>
             <a:ext cx="1527324" cy="427372"/>
+          </a:xfrm>
+          <a:prstGeom prst="straightConnector1">
+            <a:avLst/>
+          </a:prstGeom>
+          <a:ln>
+            <a:tailEnd type="triangle"/>
+          </a:ln>
+        </p:spPr>
+        <p:style>
+          <a:lnRef idx="1">
+            <a:schemeClr val="accent1"/>
+          </a:lnRef>
+          <a:fillRef idx="0">
+            <a:schemeClr val="accent1"/>
+          </a:fillRef>
+          <a:effectRef idx="0">
+            <a:schemeClr val="accent1"/>
+          </a:effectRef>
+          <a:fontRef idx="minor">
+            <a:schemeClr val="tx1"/>
+          </a:fontRef>
+        </p:style>
+      </p:cxnSp>
+      <p:sp>
+        <p:nvSpPr>
+          <p:cNvPr id="22" name="TextBox 21"/>
+          <p:cNvSpPr txBox="1"/>
+          <p:nvPr/>
+        </p:nvSpPr>
+        <p:spPr>
+          <a:xfrm>
+            <a:off x="4786898" y="1842895"/>
+            <a:ext cx="2017350" cy="369332"/>
+          </a:xfrm>
+          <a:prstGeom prst="rect">
+            <a:avLst/>
+          </a:prstGeom>
+          <a:solidFill>
+            <a:schemeClr val="accent2">
+              <a:lumMod val="75000"/>
+            </a:schemeClr>
+          </a:solidFill>
+        </p:spPr>
+        <p:txBody>
+          <a:bodyPr wrap="square" rtlCol="0">
+            <a:spAutoFit/>
+          </a:bodyPr>
+          <a:lstStyle/>
+          <a:p>
+            <a:r>
+              <a:rPr lang="fi-FI" dirty="0" smtClean="0"/>
+              <a:t>Muista välilyönnit</a:t>
+            </a:r>
+            <a:endParaRPr lang="fi-FI" dirty="0"/>
+          </a:p>
+        </p:txBody>
+      </p:sp>
+      <p:cxnSp>
+        <p:nvCxnSpPr>
+          <p:cNvPr id="26" name="Straight Arrow Connector 25"/>
+          <p:cNvCxnSpPr/>
+          <p:nvPr/>
+        </p:nvCxnSpPr>
+        <p:spPr>
+          <a:xfrm flipH="1">
+            <a:off x="4200803" y="2179504"/>
+            <a:ext cx="1552358" cy="522958"/>
+          </a:xfrm>
+          <a:prstGeom prst="straightConnector1">
+            <a:avLst/>
+          </a:prstGeom>
+          <a:ln>
+            <a:tailEnd type="triangle"/>
+          </a:ln>
+        </p:spPr>
+        <p:style>
+          <a:lnRef idx="1">
+            <a:schemeClr val="accent1"/>
+          </a:lnRef>
+          <a:fillRef idx="0">
+            <a:schemeClr val="accent1"/>
+          </a:fillRef>
+          <a:effectRef idx="0">
+            <a:schemeClr val="accent1"/>
+          </a:effectRef>
+          <a:fontRef idx="minor">
+            <a:schemeClr val="tx1"/>
+          </a:fontRef>
+        </p:style>
+      </p:cxnSp>
+      <p:cxnSp>
+        <p:nvCxnSpPr>
+          <p:cNvPr id="27" name="Straight Arrow Connector 26"/>
+          <p:cNvCxnSpPr/>
+          <p:nvPr/>
+        </p:nvCxnSpPr>
+        <p:spPr>
+          <a:xfrm flipH="1">
+            <a:off x="4603310" y="2213372"/>
+            <a:ext cx="1074594" cy="505042"/>
           </a:xfrm>
           <a:prstGeom prst="straightConnector1">
             <a:avLst/>
@@ -24831,7 +25238,7 @@
                   </a:schemeClr>
                 </a:solidFill>
               </a:rPr>
-              <a:t>Peruslaskutoimitukset - jatkoa </a:t>
+              <a:t>Laskutoimituksia</a:t>
             </a:r>
             <a:endParaRPr lang="fi-FI" altLang="fi-FI" sz="4000" b="1" kern="0" dirty="0">
               <a:solidFill>
@@ -25057,12 +25464,20 @@
           <a:lstStyle/>
           <a:p>
             <a:r>
+              <a:rPr lang="fi-FI" smtClean="0">
+                <a:solidFill>
+                  <a:schemeClr val="tx1"/>
+                </a:solidFill>
+              </a:rPr>
+              <a:t>9 − 4 </a:t>
+            </a:r>
+            <a:r>
               <a:rPr lang="fi-FI" dirty="0" smtClean="0">
                 <a:solidFill>
                   <a:schemeClr val="tx1"/>
                 </a:solidFill>
               </a:rPr>
-              <a:t>9 - 4 = ?</a:t>
+              <a:t>= ?</a:t>
             </a:r>
           </a:p>
           <a:p>
@@ -25079,7 +25494,23 @@
                   <a:schemeClr val="tx1"/>
                 </a:solidFill>
               </a:rPr>
-              <a:t>3 * 7 = ?</a:t>
+              <a:t>3 </a:t>
+            </a:r>
+            <a:r>
+              <a:rPr lang="fi-FI" dirty="0">
+                <a:solidFill>
+                  <a:schemeClr val="tx1"/>
+                </a:solidFill>
+              </a:rPr>
+              <a:t>·</a:t>
+            </a:r>
+            <a:r>
+              <a:rPr lang="fi-FI" dirty="0" smtClean="0">
+                <a:solidFill>
+                  <a:schemeClr val="tx1"/>
+                </a:solidFill>
+              </a:rPr>
+              <a:t> 7 = ?</a:t>
             </a:r>
           </a:p>
           <a:p>
@@ -25096,7 +25527,7 @@
                   <a:schemeClr val="tx1"/>
                 </a:solidFill>
               </a:rPr>
-              <a:t>40 / 10 = ?</a:t>
+              <a:t>40 : 10 = ?</a:t>
             </a:r>
             <a:endParaRPr lang="fi-FI" dirty="0">
               <a:solidFill>
